--- a/VUE3.pptx
+++ b/VUE3.pptx
@@ -33,7 +33,11 @@
     <p:sldId id="277" r:id="rId27"/>
     <p:sldId id="288" r:id="rId28"/>
     <p:sldId id="276" r:id="rId29"/>
-    <p:sldId id="289" r:id="rId30"/>
+    <p:sldId id="290" r:id="rId30"/>
+    <p:sldId id="291" r:id="rId31"/>
+    <p:sldId id="292" r:id="rId32"/>
+    <p:sldId id="293" r:id="rId33"/>
+    <p:sldId id="289" r:id="rId34"/>
   </p:sldIdLst>
   <p:sldSz cx="12192000" cy="6858000"/>
   <p:notesSz cx="6858000" cy="9144000"/>
@@ -271,7 +275,7 @@
           <a:p>
             <a:fld id="{3B772AED-9572-4DC5-BD20-456DDF1F6600}" type="datetimeFigureOut">
               <a:rPr lang="zh-TW" altLang="en-US" smtClean="0"/>
-              <a:t>2021/6/18</a:t>
+              <a:t>2021/6/23</a:t>
             </a:fld>
             <a:endParaRPr lang="zh-TW" altLang="en-US"/>
           </a:p>
@@ -441,7 +445,7 @@
           <a:p>
             <a:fld id="{3B772AED-9572-4DC5-BD20-456DDF1F6600}" type="datetimeFigureOut">
               <a:rPr lang="zh-TW" altLang="en-US" smtClean="0"/>
-              <a:t>2021/6/18</a:t>
+              <a:t>2021/6/23</a:t>
             </a:fld>
             <a:endParaRPr lang="zh-TW" altLang="en-US"/>
           </a:p>
@@ -621,7 +625,7 @@
           <a:p>
             <a:fld id="{3B772AED-9572-4DC5-BD20-456DDF1F6600}" type="datetimeFigureOut">
               <a:rPr lang="zh-TW" altLang="en-US" smtClean="0"/>
-              <a:t>2021/6/18</a:t>
+              <a:t>2021/6/23</a:t>
             </a:fld>
             <a:endParaRPr lang="zh-TW" altLang="en-US"/>
           </a:p>
@@ -791,7 +795,7 @@
           <a:p>
             <a:fld id="{3B772AED-9572-4DC5-BD20-456DDF1F6600}" type="datetimeFigureOut">
               <a:rPr lang="zh-TW" altLang="en-US" smtClean="0"/>
-              <a:t>2021/6/18</a:t>
+              <a:t>2021/6/23</a:t>
             </a:fld>
             <a:endParaRPr lang="zh-TW" altLang="en-US"/>
           </a:p>
@@ -1037,7 +1041,7 @@
           <a:p>
             <a:fld id="{3B772AED-9572-4DC5-BD20-456DDF1F6600}" type="datetimeFigureOut">
               <a:rPr lang="zh-TW" altLang="en-US" smtClean="0"/>
-              <a:t>2021/6/18</a:t>
+              <a:t>2021/6/23</a:t>
             </a:fld>
             <a:endParaRPr lang="zh-TW" altLang="en-US"/>
           </a:p>
@@ -1269,7 +1273,7 @@
           <a:p>
             <a:fld id="{3B772AED-9572-4DC5-BD20-456DDF1F6600}" type="datetimeFigureOut">
               <a:rPr lang="zh-TW" altLang="en-US" smtClean="0"/>
-              <a:t>2021/6/18</a:t>
+              <a:t>2021/6/23</a:t>
             </a:fld>
             <a:endParaRPr lang="zh-TW" altLang="en-US"/>
           </a:p>
@@ -1636,7 +1640,7 @@
           <a:p>
             <a:fld id="{3B772AED-9572-4DC5-BD20-456DDF1F6600}" type="datetimeFigureOut">
               <a:rPr lang="zh-TW" altLang="en-US" smtClean="0"/>
-              <a:t>2021/6/18</a:t>
+              <a:t>2021/6/23</a:t>
             </a:fld>
             <a:endParaRPr lang="zh-TW" altLang="en-US"/>
           </a:p>
@@ -1754,7 +1758,7 @@
           <a:p>
             <a:fld id="{3B772AED-9572-4DC5-BD20-456DDF1F6600}" type="datetimeFigureOut">
               <a:rPr lang="zh-TW" altLang="en-US" smtClean="0"/>
-              <a:t>2021/6/18</a:t>
+              <a:t>2021/6/23</a:t>
             </a:fld>
             <a:endParaRPr lang="zh-TW" altLang="en-US"/>
           </a:p>
@@ -1849,7 +1853,7 @@
           <a:p>
             <a:fld id="{3B772AED-9572-4DC5-BD20-456DDF1F6600}" type="datetimeFigureOut">
               <a:rPr lang="zh-TW" altLang="en-US" smtClean="0"/>
-              <a:t>2021/6/18</a:t>
+              <a:t>2021/6/23</a:t>
             </a:fld>
             <a:endParaRPr lang="zh-TW" altLang="en-US"/>
           </a:p>
@@ -2126,7 +2130,7 @@
           <a:p>
             <a:fld id="{3B772AED-9572-4DC5-BD20-456DDF1F6600}" type="datetimeFigureOut">
               <a:rPr lang="zh-TW" altLang="en-US" smtClean="0"/>
-              <a:t>2021/6/18</a:t>
+              <a:t>2021/6/23</a:t>
             </a:fld>
             <a:endParaRPr lang="zh-TW" altLang="en-US"/>
           </a:p>
@@ -2379,7 +2383,7 @@
           <a:p>
             <a:fld id="{3B772AED-9572-4DC5-BD20-456DDF1F6600}" type="datetimeFigureOut">
               <a:rPr lang="zh-TW" altLang="en-US" smtClean="0"/>
-              <a:t>2021/6/18</a:t>
+              <a:t>2021/6/23</a:t>
             </a:fld>
             <a:endParaRPr lang="zh-TW" altLang="en-US"/>
           </a:p>
@@ -2592,7 +2596,7 @@
           <a:p>
             <a:fld id="{3B772AED-9572-4DC5-BD20-456DDF1F6600}" type="datetimeFigureOut">
               <a:rPr lang="zh-TW" altLang="en-US" smtClean="0"/>
-              <a:t>2021/6/18</a:t>
+              <a:t>2021/6/23</a:t>
             </a:fld>
             <a:endParaRPr lang="zh-TW" altLang="en-US"/>
           </a:p>
@@ -3140,9 +3144,25 @@
             </a:r>
             <a:r>
               <a:rPr lang="en-US" altLang="zh-TW" dirty="0" smtClean="0"/>
-              <a:t>app.</a:t>
-            </a:r>
-            <a:endParaRPr lang="zh-TW" altLang="en-US" dirty="0"/>
+              <a:t>app</a:t>
+            </a:r>
+            <a:r>
+              <a:rPr lang="en-US" altLang="zh-TW" dirty="0" smtClean="0"/>
+              <a:t>. </a:t>
+            </a:r>
+            <a:r>
+              <a:rPr lang="en-US" altLang="zh-TW" dirty="0" smtClean="0">
+                <a:solidFill>
+                  <a:srgbClr val="FF0000"/>
+                </a:solidFill>
+              </a:rPr>
+              <a:t>[# = id, . = class]</a:t>
+            </a:r>
+            <a:endParaRPr lang="zh-TW" altLang="en-US" dirty="0">
+              <a:solidFill>
+                <a:srgbClr val="FF0000"/>
+              </a:solidFill>
+            </a:endParaRPr>
           </a:p>
         </p:txBody>
       </p:sp>
@@ -3186,6 +3206,13 @@
   <p:clrMapOvr>
     <a:masterClrMapping/>
   </p:clrMapOvr>
+  <p:timing>
+    <p:tnLst>
+      <p:par>
+        <p:cTn id="1" dur="indefinite" restart="never" nodeType="tmRoot"/>
+      </p:par>
+    </p:tnLst>
+  </p:timing>
 </p:sld>
 </file>
 
@@ -3239,6 +3266,13 @@
   <p:clrMapOvr>
     <a:masterClrMapping/>
   </p:clrMapOvr>
+  <p:timing>
+    <p:tnLst>
+      <p:par>
+        <p:cTn id="1" dur="indefinite" restart="never" nodeType="tmRoot"/>
+      </p:par>
+    </p:tnLst>
+  </p:timing>
 </p:sld>
 </file>
 
@@ -3296,6 +3330,11 @@
           <a:bodyPr/>
           <a:lstStyle/>
           <a:p>
+            <a:pPr>
+              <a:lnSpc>
+                <a:spcPct val="150000"/>
+              </a:lnSpc>
+            </a:pPr>
             <a:r>
               <a:rPr lang="en-US" altLang="zh-TW" dirty="0" smtClean="0"/>
               <a:t>Denoting </a:t>
@@ -3359,7 +3398,7 @@
         </p:blipFill>
         <p:spPr>
           <a:xfrm>
-            <a:off x="1191600" y="4197418"/>
+            <a:off x="1131779" y="4932357"/>
             <a:ext cx="10162200" cy="1441160"/>
           </a:xfrm>
           <a:prstGeom prst="rect">
@@ -3377,6 +3416,13 @@
   <p:clrMapOvr>
     <a:masterClrMapping/>
   </p:clrMapOvr>
+  <p:timing>
+    <p:tnLst>
+      <p:par>
+        <p:cTn id="1" dur="indefinite" restart="never" nodeType="tmRoot"/>
+      </p:par>
+    </p:tnLst>
+  </p:timing>
 </p:sld>
 </file>
 
@@ -3435,6 +3481,11 @@
           <a:bodyPr/>
           <a:lstStyle/>
           <a:p>
+            <a:pPr>
+              <a:lnSpc>
+                <a:spcPct val="150000"/>
+              </a:lnSpc>
+            </a:pPr>
             <a:r>
               <a:rPr lang="en-US" altLang="zh-TW" sz="3200" dirty="0"/>
               <a:t>At the core of Vue.js is a system that enables us to declaratively render data to the DOM using straightforward template </a:t>
@@ -3496,6 +3547,13 @@
   <p:clrMapOvr>
     <a:masterClrMapping/>
   </p:clrMapOvr>
+  <p:timing>
+    <p:tnLst>
+      <p:par>
+        <p:cTn id="1" dur="indefinite" restart="never" nodeType="tmRoot"/>
+      </p:par>
+    </p:tnLst>
+  </p:timing>
 </p:sld>
 </file>
 
@@ -3541,7 +3599,7 @@
       </p:sp>
       <p:pic>
         <p:nvPicPr>
-          <p:cNvPr id="10" name="圖片 9"/>
+          <p:cNvPr id="12" name="圖片 11"/>
           <p:cNvPicPr>
             <a:picLocks noChangeAspect="1"/>
           </p:cNvPicPr>
@@ -3561,8 +3619,8 @@
         </p:blipFill>
         <p:spPr>
           <a:xfrm>
-            <a:off x="1878816" y="1546788"/>
-            <a:ext cx="4139638" cy="4973653"/>
+            <a:off x="8146852" y="3096737"/>
+            <a:ext cx="1817546" cy="533508"/>
           </a:xfrm>
           <a:prstGeom prst="rect">
             <a:avLst/>
@@ -3571,7 +3629,7 @@
       </p:pic>
       <p:pic>
         <p:nvPicPr>
-          <p:cNvPr id="12" name="圖片 11"/>
+          <p:cNvPr id="3" name="圖片 2"/>
           <p:cNvPicPr>
             <a:picLocks noChangeAspect="1"/>
           </p:cNvPicPr>
@@ -3591,8 +3649,8 @@
         </p:blipFill>
         <p:spPr>
           <a:xfrm>
-            <a:off x="8146852" y="3096737"/>
-            <a:ext cx="1817546" cy="533508"/>
+            <a:off x="1565004" y="1400427"/>
+            <a:ext cx="4348686" cy="5226108"/>
           </a:xfrm>
           <a:prstGeom prst="rect">
             <a:avLst/>
@@ -3609,6 +3667,13 @@
   <p:clrMapOvr>
     <a:masterClrMapping/>
   </p:clrMapOvr>
+  <p:timing>
+    <p:tnLst>
+      <p:par>
+        <p:cTn id="1" dur="indefinite" restart="never" nodeType="tmRoot"/>
+      </p:par>
+    </p:tnLst>
+  </p:timing>
 </p:sld>
 </file>
 
@@ -3734,6 +3799,13 @@
   <p:clrMapOvr>
     <a:masterClrMapping/>
   </p:clrMapOvr>
+  <p:timing>
+    <p:tnLst>
+      <p:par>
+        <p:cTn id="1" dur="indefinite" restart="never" nodeType="tmRoot"/>
+      </p:par>
+    </p:tnLst>
+  </p:timing>
 </p:sld>
 </file>
 
@@ -3896,6 +3968,13 @@
   <p:clrMapOvr>
     <a:masterClrMapping/>
   </p:clrMapOvr>
+  <p:timing>
+    <p:tnLst>
+      <p:par>
+        <p:cTn id="1" dur="indefinite" restart="never" nodeType="tmRoot"/>
+      </p:par>
+    </p:tnLst>
+  </p:timing>
 </p:sld>
 </file>
 
@@ -4026,6 +4105,13 @@
   <p:clrMapOvr>
     <a:masterClrMapping/>
   </p:clrMapOvr>
+  <p:timing>
+    <p:tnLst>
+      <p:par>
+        <p:cTn id="1" dur="indefinite" restart="never" nodeType="tmRoot"/>
+      </p:par>
+    </p:tnLst>
+  </p:timing>
 </p:sld>
 </file>
 
@@ -4079,6 +4165,13 @@
   <p:clrMapOvr>
     <a:masterClrMapping/>
   </p:clrMapOvr>
+  <p:timing>
+    <p:tnLst>
+      <p:par>
+        <p:cTn id="1" dur="indefinite" restart="never" nodeType="tmRoot"/>
+      </p:par>
+    </p:tnLst>
+  </p:timing>
 </p:sld>
 </file>
 
@@ -4445,6 +4538,13 @@
   <p:clrMapOvr>
     <a:masterClrMapping/>
   </p:clrMapOvr>
+  <p:timing>
+    <p:tnLst>
+      <p:par>
+        <p:cTn id="1" dur="indefinite" restart="never" nodeType="tmRoot"/>
+      </p:par>
+    </p:tnLst>
+  </p:timing>
 </p:sld>
 </file>
 
@@ -4963,10 +5063,15 @@
         <p:spPr/>
         <p:txBody>
           <a:bodyPr>
-            <a:normAutofit/>
+            <a:normAutofit lnSpcReduction="10000"/>
           </a:bodyPr>
           <a:lstStyle/>
           <a:p>
+            <a:pPr>
+              <a:lnSpc>
+                <a:spcPct val="150000"/>
+              </a:lnSpc>
+            </a:pPr>
             <a:r>
               <a:rPr lang="en-US" altLang="zh-TW" sz="3200" dirty="0"/>
               <a:t>Two-way data binding refers to sharing data between a component class and its template. If you change data in one place, it will automatically reflate at the other end. For example, if you change the value of the input box, then it will also update the value of the attached property in a component class</a:t>
@@ -5077,7 +5182,7 @@
         </p:blipFill>
         <p:spPr>
           <a:xfrm>
-            <a:off x="7102840" y="2202582"/>
+            <a:off x="7102840" y="3441721"/>
             <a:ext cx="3989602" cy="1581677"/>
           </a:xfrm>
           <a:prstGeom prst="rect">
@@ -5093,7 +5198,7 @@
         </p:nvSpPr>
         <p:spPr>
           <a:xfrm>
-            <a:off x="6939186" y="4096098"/>
+            <a:off x="6939186" y="5335237"/>
             <a:ext cx="4806124" cy="400110"/>
           </a:xfrm>
           <a:prstGeom prst="rect">
@@ -5168,6 +5273,75 @@
           </a:xfrm>
         </p:spPr>
       </p:pic>
+      <p:pic>
+        <p:nvPicPr>
+          <p:cNvPr id="3" name="圖片 2"/>
+          <p:cNvPicPr>
+            <a:picLocks noChangeAspect="1"/>
+          </p:cNvPicPr>
+          <p:nvPr/>
+        </p:nvPicPr>
+        <p:blipFill>
+          <a:blip r:embed="rId4">
+            <a:extLst>
+              <a:ext uri="{28A0092B-C50C-407E-A947-70E740481C1C}">
+                <a14:useLocalDpi xmlns:a14="http://schemas.microsoft.com/office/drawing/2010/main" val="0"/>
+              </a:ext>
+            </a:extLst>
+          </a:blip>
+          <a:stretch>
+            <a:fillRect/>
+          </a:stretch>
+        </p:blipFill>
+        <p:spPr>
+          <a:xfrm>
+            <a:off x="7290206" y="1754011"/>
+            <a:ext cx="3614869" cy="1298809"/>
+          </a:xfrm>
+          <a:prstGeom prst="rect">
+            <a:avLst/>
+          </a:prstGeom>
+        </p:spPr>
+      </p:pic>
+      <p:cxnSp>
+        <p:nvCxnSpPr>
+          <p:cNvPr id="7" name="直線單箭頭接點 6"/>
+          <p:cNvCxnSpPr>
+            <a:stCxn id="3" idx="2"/>
+            <a:endCxn id="5" idx="0"/>
+          </p:cNvCxnSpPr>
+          <p:nvPr/>
+        </p:nvCxnSpPr>
+        <p:spPr>
+          <a:xfrm>
+            <a:off x="9097641" y="3052820"/>
+            <a:ext cx="0" cy="388901"/>
+          </a:xfrm>
+          <a:prstGeom prst="straightConnector1">
+            <a:avLst/>
+          </a:prstGeom>
+          <a:ln w="38100">
+            <a:solidFill>
+              <a:srgbClr val="FF0000"/>
+            </a:solidFill>
+            <a:tailEnd type="triangle"/>
+          </a:ln>
+        </p:spPr>
+        <p:style>
+          <a:lnRef idx="1">
+            <a:schemeClr val="accent1"/>
+          </a:lnRef>
+          <a:fillRef idx="0">
+            <a:schemeClr val="accent1"/>
+          </a:fillRef>
+          <a:effectRef idx="0">
+            <a:schemeClr val="accent1"/>
+          </a:effectRef>
+          <a:fontRef idx="minor">
+            <a:schemeClr val="tx1"/>
+          </a:fontRef>
+        </p:style>
+      </p:cxnSp>
     </p:spTree>
     <p:extLst>
       <p:ext uri="{BB962C8B-B14F-4D97-AF65-F5344CB8AC3E}">
@@ -5502,6 +5676,13 @@
   <p:clrMapOvr>
     <a:masterClrMapping/>
   </p:clrMapOvr>
+  <p:timing>
+    <p:tnLst>
+      <p:par>
+        <p:cTn id="1" dur="indefinite" restart="never" nodeType="tmRoot"/>
+      </p:par>
+    </p:tnLst>
+  </p:timing>
 </p:sld>
 </file>
 
@@ -5562,6 +5743,11 @@
           </a:bodyPr>
           <a:lstStyle/>
           <a:p>
+            <a:pPr>
+              <a:lnSpc>
+                <a:spcPct val="150000"/>
+              </a:lnSpc>
+            </a:pPr>
             <a:r>
               <a:rPr lang="en-US" altLang="zh-TW" sz="3200" dirty="0"/>
               <a:t>Note that in </a:t>
@@ -5858,7 +6044,7 @@
         <p:spPr>
           <a:xfrm>
             <a:off x="688074" y="6038400"/>
-            <a:ext cx="5315879" cy="400110"/>
+            <a:ext cx="5124416" cy="400110"/>
           </a:xfrm>
           <a:prstGeom prst="rect">
             <a:avLst/>
@@ -5925,7 +6111,7 @@
                   <a:srgbClr val="FF0000"/>
                 </a:solidFill>
               </a:rPr>
-              <a:t>object</a:t>
+              <a:t>data</a:t>
             </a:r>
             <a:endParaRPr lang="zh-TW" altLang="en-US" sz="2000" dirty="0">
               <a:solidFill>
@@ -5989,7 +6175,7 @@
           <a:p>
             <a:r>
               <a:rPr lang="en-US" altLang="zh-TW" dirty="0" smtClean="0"/>
-              <a:t>What is reactive object?</a:t>
+              <a:t>What is reactive data?</a:t>
             </a:r>
             <a:endParaRPr lang="zh-TW" altLang="en-US" dirty="0"/>
           </a:p>
@@ -6010,13 +6196,126 @@
           <a:bodyPr/>
           <a:lstStyle/>
           <a:p>
+            <a:pPr>
+              <a:lnSpc>
+                <a:spcPct val="150000"/>
+              </a:lnSpc>
+            </a:pPr>
             <a:r>
               <a:rPr lang="en-US" altLang="zh-TW" dirty="0"/>
               <a:t>reactive </a:t>
             </a:r>
             <a:r>
               <a:rPr lang="en-US" altLang="zh-TW" dirty="0" smtClean="0"/>
-              <a:t>object</a:t>
+              <a:t>data </a:t>
+            </a:r>
+            <a:r>
+              <a:rPr lang="zh-TW" altLang="en-US" dirty="0" smtClean="0"/>
+              <a:t>其實就是 </a:t>
+            </a:r>
+            <a:r>
+              <a:rPr lang="en-US" altLang="zh-TW" dirty="0" smtClean="0"/>
+              <a:t>proxy</a:t>
+            </a:r>
+            <a:r>
+              <a:rPr lang="zh-TW" altLang="en-US" dirty="0" smtClean="0"/>
+              <a:t>，當使用者更新 </a:t>
+            </a:r>
+            <a:r>
+              <a:rPr lang="en-US" altLang="zh-TW" dirty="0" smtClean="0"/>
+              <a:t>reactive data </a:t>
+            </a:r>
+            <a:r>
+              <a:rPr lang="zh-TW" altLang="en-US" dirty="0" smtClean="0"/>
+              <a:t>的內容時，會先被引導到 </a:t>
+            </a:r>
+            <a:r>
+              <a:rPr lang="en-US" altLang="zh-TW" dirty="0" smtClean="0"/>
+              <a:t>proxy handler</a:t>
+            </a:r>
+            <a:r>
+              <a:rPr lang="zh-TW" altLang="en-US" dirty="0" smtClean="0"/>
+              <a:t>，</a:t>
+            </a:r>
+            <a:r>
+              <a:rPr lang="en-US" altLang="zh-TW" dirty="0"/>
+              <a:t> proxy </a:t>
+            </a:r>
+            <a:r>
+              <a:rPr lang="en-US" altLang="zh-TW" dirty="0" smtClean="0"/>
+              <a:t>handler </a:t>
+            </a:r>
+            <a:r>
+              <a:rPr lang="zh-TW" altLang="en-US" dirty="0" smtClean="0"/>
+              <a:t>除了會幫我們更新 </a:t>
+            </a:r>
+            <a:r>
+              <a:rPr lang="en-US" altLang="zh-TW" dirty="0" smtClean="0"/>
+              <a:t>real value </a:t>
+            </a:r>
+            <a:r>
+              <a:rPr lang="zh-TW" altLang="en-US" dirty="0" smtClean="0"/>
+              <a:t>的值之外，還會觸發後續的 </a:t>
+            </a:r>
+            <a:r>
+              <a:rPr lang="en-US" altLang="zh-TW" dirty="0" smtClean="0"/>
+              <a:t>re-render </a:t>
+            </a:r>
+            <a:r>
+              <a:rPr lang="zh-TW" altLang="en-US" dirty="0" smtClean="0"/>
+              <a:t>功能。</a:t>
+            </a:r>
+            <a:endParaRPr lang="en-US" altLang="zh-TW" dirty="0" smtClean="0"/>
+          </a:p>
+          <a:p>
+            <a:pPr>
+              <a:lnSpc>
+                <a:spcPct val="150000"/>
+              </a:lnSpc>
+            </a:pPr>
+            <a:r>
+              <a:rPr lang="zh-TW" altLang="en-US" dirty="0" smtClean="0"/>
+              <a:t>所以，當我們</a:t>
+            </a:r>
+            <a:r>
+              <a:rPr lang="zh-TW" altLang="en-US" dirty="0"/>
+              <a:t>更新物件或</a:t>
+            </a:r>
+            <a:r>
+              <a:rPr lang="zh-TW" altLang="en-US" dirty="0" smtClean="0"/>
+              <a:t>參數時，需要 </a:t>
+            </a:r>
+            <a:r>
+              <a:rPr lang="en-US" altLang="zh-TW" dirty="0" err="1" smtClean="0"/>
+              <a:t>Vue</a:t>
+            </a:r>
+            <a:r>
+              <a:rPr lang="en-US" altLang="zh-TW" dirty="0" smtClean="0"/>
+              <a:t> </a:t>
+            </a:r>
+            <a:r>
+              <a:rPr lang="zh-TW" altLang="en-US" dirty="0" smtClean="0"/>
+              <a:t>即時操作 </a:t>
+            </a:r>
+            <a:r>
+              <a:rPr lang="en-US" altLang="zh-TW" dirty="0" smtClean="0"/>
+              <a:t>DOM</a:t>
+            </a:r>
+            <a:r>
+              <a:rPr lang="zh-TW" altLang="en-US" dirty="0" smtClean="0"/>
+              <a:t> 物件並呈現給使用者看時，此物件或參數就</a:t>
+            </a:r>
+            <a:r>
+              <a:rPr lang="zh-TW" altLang="en-US" dirty="0" smtClean="0"/>
+              <a:t>必須是 </a:t>
+            </a:r>
+            <a:r>
+              <a:rPr lang="en-US" altLang="zh-TW" dirty="0"/>
+              <a:t>reactive </a:t>
+            </a:r>
+            <a:r>
+              <a:rPr lang="en-US" altLang="zh-TW" dirty="0" smtClean="0"/>
+              <a:t>data.</a:t>
             </a:r>
             <a:endParaRPr lang="zh-TW" altLang="en-US" dirty="0"/>
           </a:p>
@@ -6032,6 +6331,13 @@
   <p:clrMapOvr>
     <a:masterClrMapping/>
   </p:clrMapOvr>
+  <p:timing>
+    <p:tnLst>
+      <p:par>
+        <p:cTn id="1" dur="indefinite" restart="never" nodeType="tmRoot"/>
+      </p:par>
+    </p:tnLst>
+  </p:timing>
 </p:sld>
 </file>
 
@@ -6104,6 +6410,202 @@
           </a:xfrm>
         </p:spPr>
       </p:pic>
+      <p:sp>
+        <p:nvSpPr>
+          <p:cNvPr id="3" name="文字方塊 2"/>
+          <p:cNvSpPr txBox="1"/>
+          <p:nvPr/>
+        </p:nvSpPr>
+        <p:spPr>
+          <a:xfrm>
+            <a:off x="7376483" y="5594712"/>
+            <a:ext cx="2728055" cy="369332"/>
+          </a:xfrm>
+          <a:prstGeom prst="rect">
+            <a:avLst/>
+          </a:prstGeom>
+          <a:noFill/>
+        </p:spPr>
+        <p:txBody>
+          <a:bodyPr wrap="none" rtlCol="0">
+            <a:spAutoFit/>
+          </a:bodyPr>
+          <a:lstStyle/>
+          <a:p>
+            <a:r>
+              <a:rPr lang="en-US" altLang="zh-TW" b="1" dirty="0" smtClean="0">
+                <a:solidFill>
+                  <a:srgbClr val="FF0000"/>
+                </a:solidFill>
+              </a:rPr>
+              <a:t>&lt;= Data </a:t>
+            </a:r>
+            <a:r>
+              <a:rPr lang="zh-TW" altLang="en-US" b="1" dirty="0" smtClean="0">
+                <a:solidFill>
+                  <a:srgbClr val="FF0000"/>
+                </a:solidFill>
+              </a:rPr>
+              <a:t>就是 </a:t>
+            </a:r>
+            <a:r>
+              <a:rPr lang="en-US" altLang="zh-TW" b="1" dirty="0">
+                <a:solidFill>
+                  <a:srgbClr val="FF0000"/>
+                </a:solidFill>
+              </a:rPr>
+              <a:t>reactive </a:t>
+            </a:r>
+            <a:r>
+              <a:rPr lang="en-US" altLang="zh-TW" b="1" dirty="0" smtClean="0">
+                <a:solidFill>
+                  <a:srgbClr val="FF0000"/>
+                </a:solidFill>
+              </a:rPr>
+              <a:t>data</a:t>
+            </a:r>
+            <a:endParaRPr lang="zh-TW" altLang="en-US" b="1" dirty="0">
+              <a:solidFill>
+                <a:srgbClr val="FF0000"/>
+              </a:solidFill>
+            </a:endParaRPr>
+          </a:p>
+        </p:txBody>
+      </p:sp>
+      <p:sp>
+        <p:nvSpPr>
+          <p:cNvPr id="5" name="文字方塊 4"/>
+          <p:cNvSpPr txBox="1"/>
+          <p:nvPr/>
+        </p:nvSpPr>
+        <p:spPr>
+          <a:xfrm>
+            <a:off x="4076743" y="6171564"/>
+            <a:ext cx="7255063" cy="369332"/>
+          </a:xfrm>
+          <a:prstGeom prst="rect">
+            <a:avLst/>
+          </a:prstGeom>
+          <a:noFill/>
+        </p:spPr>
+        <p:txBody>
+          <a:bodyPr wrap="none" rtlCol="0">
+            <a:spAutoFit/>
+          </a:bodyPr>
+          <a:lstStyle/>
+          <a:p>
+            <a:r>
+              <a:rPr lang="zh-TW" altLang="en-US" b="1" dirty="0">
+                <a:solidFill>
+                  <a:srgbClr val="FF0000"/>
+                </a:solidFill>
+              </a:rPr>
+              <a:t>使用者更新 </a:t>
+            </a:r>
+            <a:r>
+              <a:rPr lang="en-US" altLang="zh-TW" b="1" dirty="0">
+                <a:solidFill>
+                  <a:srgbClr val="FF0000"/>
+                </a:solidFill>
+              </a:rPr>
+              <a:t>reactive </a:t>
+            </a:r>
+            <a:r>
+              <a:rPr lang="en-US" altLang="zh-TW" b="1" dirty="0" smtClean="0">
+                <a:solidFill>
+                  <a:srgbClr val="FF0000"/>
+                </a:solidFill>
+              </a:rPr>
+              <a:t>data</a:t>
+            </a:r>
+            <a:r>
+              <a:rPr lang="zh-TW" altLang="en-US" b="1" dirty="0" smtClean="0">
+                <a:solidFill>
+                  <a:srgbClr val="FF0000"/>
+                </a:solidFill>
+              </a:rPr>
+              <a:t> 的值時，會呼叫 </a:t>
+            </a:r>
+            <a:r>
+              <a:rPr lang="en-US" altLang="zh-TW" b="1" dirty="0" smtClean="0">
+                <a:solidFill>
+                  <a:srgbClr val="FF0000"/>
+                </a:solidFill>
+              </a:rPr>
+              <a:t>setter</a:t>
+            </a:r>
+            <a:r>
+              <a:rPr lang="zh-TW" altLang="en-US" b="1" dirty="0" smtClean="0">
+                <a:solidFill>
+                  <a:srgbClr val="FF0000"/>
+                </a:solidFill>
+              </a:rPr>
+              <a:t>，觸發後續</a:t>
+            </a:r>
+            <a:r>
+              <a:rPr lang="zh-TW" altLang="en-US" b="1" dirty="0">
+                <a:solidFill>
+                  <a:srgbClr val="FF0000"/>
+                </a:solidFill>
+              </a:rPr>
+              <a:t>的</a:t>
+            </a:r>
+            <a:r>
+              <a:rPr lang="zh-TW" altLang="en-US" b="1" dirty="0" smtClean="0">
+                <a:solidFill>
+                  <a:srgbClr val="FF0000"/>
+                </a:solidFill>
+              </a:rPr>
+              <a:t> </a:t>
+            </a:r>
+            <a:r>
+              <a:rPr lang="en-US" altLang="zh-TW" b="1" dirty="0" smtClean="0">
+                <a:solidFill>
+                  <a:srgbClr val="FF0000"/>
+                </a:solidFill>
+              </a:rPr>
+              <a:t>re-render</a:t>
+            </a:r>
+            <a:endParaRPr lang="zh-TW" altLang="en-US" dirty="0"/>
+          </a:p>
+        </p:txBody>
+      </p:sp>
+      <p:cxnSp>
+        <p:nvCxnSpPr>
+          <p:cNvPr id="7" name="直線單箭頭接點 6"/>
+          <p:cNvCxnSpPr/>
+          <p:nvPr/>
+        </p:nvCxnSpPr>
+        <p:spPr>
+          <a:xfrm flipV="1">
+            <a:off x="5272755" y="5779379"/>
+            <a:ext cx="683664" cy="389764"/>
+          </a:xfrm>
+          <a:prstGeom prst="straightConnector1">
+            <a:avLst/>
+          </a:prstGeom>
+          <a:ln w="38100">
+            <a:solidFill>
+              <a:srgbClr val="FF0000"/>
+            </a:solidFill>
+            <a:tailEnd type="triangle"/>
+          </a:ln>
+        </p:spPr>
+        <p:style>
+          <a:lnRef idx="1">
+            <a:schemeClr val="accent1"/>
+          </a:lnRef>
+          <a:fillRef idx="0">
+            <a:schemeClr val="accent1"/>
+          </a:fillRef>
+          <a:effectRef idx="0">
+            <a:schemeClr val="accent1"/>
+          </a:effectRef>
+          <a:fontRef idx="minor">
+            <a:schemeClr val="tx1"/>
+          </a:fontRef>
+        </p:style>
+      </p:cxnSp>
     </p:spTree>
     <p:extLst>
       <p:ext uri="{BB962C8B-B14F-4D97-AF65-F5344CB8AC3E}">
@@ -6148,7 +6650,7 @@
             <a:spLocks noGrp="1"/>
           </p:cNvSpPr>
           <p:nvPr>
-            <p:ph type="ctrTitle"/>
+            <p:ph type="title"/>
           </p:nvPr>
         </p:nvSpPr>
         <p:spPr/>
@@ -6158,7 +6660,7 @@
           <a:p>
             <a:r>
               <a:rPr lang="en-US" altLang="zh-TW" dirty="0" smtClean="0"/>
-              <a:t>Goodbye</a:t>
+              <a:t>How to create reactive data? (reactive)</a:t>
             </a:r>
             <a:endParaRPr lang="zh-TW" altLang="en-US" dirty="0"/>
           </a:p>
@@ -6166,12 +6668,12 @@
       </p:sp>
       <p:sp>
         <p:nvSpPr>
-          <p:cNvPr id="3" name="副標題 2"/>
-          <p:cNvSpPr>
-            <a:spLocks noGrp="1"/>
-          </p:cNvSpPr>
-          <p:nvPr>
-            <p:ph type="subTitle" idx="1"/>
+          <p:cNvPr id="3" name="內容版面配置區 2"/>
+          <p:cNvSpPr>
+            <a:spLocks noGrp="1"/>
+          </p:cNvSpPr>
+          <p:nvPr>
+            <p:ph idx="1"/>
           </p:nvPr>
         </p:nvSpPr>
         <p:spPr/>
@@ -6179,18 +6681,210 @@
           <a:bodyPr/>
           <a:lstStyle/>
           <a:p>
+            <a:pPr>
+              <a:lnSpc>
+                <a:spcPct val="150000"/>
+              </a:lnSpc>
+            </a:pPr>
+            <a:r>
+              <a:rPr lang="zh-TW" altLang="en-US" dirty="0" smtClean="0"/>
+              <a:t>在 </a:t>
+            </a:r>
             <a:r>
               <a:rPr lang="en-US" altLang="zh-TW" dirty="0" smtClean="0"/>
-              <a:t>Charlie</a:t>
-            </a:r>
-            <a:endParaRPr lang="zh-TW" altLang="en-US" dirty="0"/>
+              <a:t>Vue3 </a:t>
+            </a:r>
+            <a:r>
+              <a:rPr lang="zh-TW" altLang="en-US" dirty="0" smtClean="0"/>
+              <a:t>，有 </a:t>
+            </a:r>
+            <a:r>
+              <a:rPr lang="en-US" altLang="zh-TW" dirty="0" smtClean="0"/>
+              <a:t>2</a:t>
+            </a:r>
+            <a:r>
+              <a:rPr lang="zh-TW" altLang="en-US" dirty="0" smtClean="0"/>
+              <a:t> 種建立 </a:t>
+            </a:r>
+            <a:r>
+              <a:rPr lang="en-US" altLang="zh-TW" dirty="0" smtClean="0"/>
+              <a:t>reactive data </a:t>
+            </a:r>
+            <a:r>
+              <a:rPr lang="zh-TW" altLang="en-US" dirty="0" smtClean="0"/>
+              <a:t>的方式</a:t>
+            </a:r>
+            <a:endParaRPr lang="en-US" altLang="zh-TW" dirty="0"/>
+          </a:p>
+          <a:p>
+            <a:pPr marL="0" indent="0">
+              <a:lnSpc>
+                <a:spcPct val="150000"/>
+              </a:lnSpc>
+              <a:buNone/>
+            </a:pPr>
+            <a:r>
+              <a:rPr lang="en-US" altLang="zh-TW" dirty="0" smtClean="0">
+                <a:solidFill>
+                  <a:srgbClr val="FF0000"/>
+                </a:solidFill>
+              </a:rPr>
+              <a:t>1. reactive</a:t>
+            </a:r>
+          </a:p>
+          <a:p>
+            <a:pPr marL="0" indent="0">
+              <a:lnSpc>
+                <a:spcPct val="150000"/>
+              </a:lnSpc>
+              <a:buNone/>
+            </a:pPr>
+            <a:endParaRPr lang="en-US" altLang="zh-TW" dirty="0" smtClean="0"/>
+          </a:p>
+        </p:txBody>
+      </p:sp>
+      <p:pic>
+        <p:nvPicPr>
+          <p:cNvPr id="4" name="圖片 3"/>
+          <p:cNvPicPr>
+            <a:picLocks noChangeAspect="1"/>
+          </p:cNvPicPr>
+          <p:nvPr/>
+        </p:nvPicPr>
+        <p:blipFill>
+          <a:blip r:embed="rId2">
+            <a:extLst>
+              <a:ext uri="{28A0092B-C50C-407E-A947-70E740481C1C}">
+                <a14:useLocalDpi xmlns:a14="http://schemas.microsoft.com/office/drawing/2010/main" val="0"/>
+              </a:ext>
+            </a:extLst>
+          </a:blip>
+          <a:stretch>
+            <a:fillRect/>
+          </a:stretch>
+        </p:blipFill>
+        <p:spPr>
+          <a:xfrm>
+            <a:off x="227231" y="3361606"/>
+            <a:ext cx="5496883" cy="1244577"/>
+          </a:xfrm>
+          <a:prstGeom prst="rect">
+            <a:avLst/>
+          </a:prstGeom>
+        </p:spPr>
+      </p:pic>
+      <p:pic>
+        <p:nvPicPr>
+          <p:cNvPr id="7" name="圖片 6"/>
+          <p:cNvPicPr>
+            <a:picLocks noChangeAspect="1"/>
+          </p:cNvPicPr>
+          <p:nvPr/>
+        </p:nvPicPr>
+        <p:blipFill>
+          <a:blip r:embed="rId3">
+            <a:extLst>
+              <a:ext uri="{28A0092B-C50C-407E-A947-70E740481C1C}">
+                <a14:useLocalDpi xmlns:a14="http://schemas.microsoft.com/office/drawing/2010/main" val="0"/>
+              </a:ext>
+            </a:extLst>
+          </a:blip>
+          <a:stretch>
+            <a:fillRect/>
+          </a:stretch>
+        </p:blipFill>
+        <p:spPr>
+          <a:xfrm>
+            <a:off x="5860921" y="3361606"/>
+            <a:ext cx="6253359" cy="3424029"/>
+          </a:xfrm>
+          <a:prstGeom prst="rect">
+            <a:avLst/>
+          </a:prstGeom>
+        </p:spPr>
+      </p:pic>
+      <p:sp>
+        <p:nvSpPr>
+          <p:cNvPr id="8" name="文字方塊 7"/>
+          <p:cNvSpPr txBox="1"/>
+          <p:nvPr/>
+        </p:nvSpPr>
+        <p:spPr>
+          <a:xfrm>
+            <a:off x="494508" y="5189493"/>
+            <a:ext cx="4962327" cy="830997"/>
+          </a:xfrm>
+          <a:prstGeom prst="rect">
+            <a:avLst/>
+          </a:prstGeom>
+          <a:noFill/>
+        </p:spPr>
+        <p:txBody>
+          <a:bodyPr wrap="square" rtlCol="0">
+            <a:spAutoFit/>
+          </a:bodyPr>
+          <a:lstStyle/>
+          <a:p>
+            <a:r>
+              <a:rPr lang="en-US" altLang="zh-TW" sz="2400" dirty="0">
+                <a:solidFill>
+                  <a:srgbClr val="FF0000"/>
+                </a:solidFill>
+              </a:rPr>
+              <a:t>reactive() takes an </a:t>
+            </a:r>
+            <a:r>
+              <a:rPr lang="en-US" altLang="zh-TW" sz="2400" b="1" u="sng" dirty="0" smtClean="0">
+                <a:solidFill>
+                  <a:srgbClr val="FF0000"/>
+                </a:solidFill>
+              </a:rPr>
+              <a:t>“object” </a:t>
+            </a:r>
+            <a:r>
+              <a:rPr lang="en-US" altLang="zh-TW" sz="2400" dirty="0">
+                <a:solidFill>
+                  <a:srgbClr val="FF0000"/>
+                </a:solidFill>
+              </a:rPr>
+              <a:t>and </a:t>
+            </a:r>
+            <a:r>
+              <a:rPr lang="en-US" altLang="zh-TW" sz="2400" dirty="0" smtClean="0">
+                <a:solidFill>
+                  <a:srgbClr val="FF0000"/>
+                </a:solidFill>
+              </a:rPr>
+              <a:t>returns </a:t>
+            </a:r>
+            <a:r>
+              <a:rPr lang="en-US" altLang="zh-TW" sz="2400" dirty="0">
+                <a:solidFill>
+                  <a:srgbClr val="FF0000"/>
+                </a:solidFill>
+              </a:rPr>
+              <a:t>a reactive proxy of </a:t>
+            </a:r>
+            <a:r>
+              <a:rPr lang="en-US" altLang="zh-TW" sz="2400" dirty="0" smtClean="0">
+                <a:solidFill>
+                  <a:srgbClr val="FF0000"/>
+                </a:solidFill>
+              </a:rPr>
+              <a:t>the original</a:t>
+            </a:r>
+            <a:endParaRPr lang="zh-TW" altLang="en-US" sz="2400" dirty="0">
+              <a:solidFill>
+                <a:srgbClr val="FF0000"/>
+              </a:solidFill>
+            </a:endParaRPr>
           </a:p>
         </p:txBody>
       </p:sp>
     </p:spTree>
     <p:extLst>
       <p:ext uri="{BB962C8B-B14F-4D97-AF65-F5344CB8AC3E}">
-        <p14:creationId xmlns:p14="http://schemas.microsoft.com/office/powerpoint/2010/main" val="133819064"/>
+        <p14:creationId xmlns:p14="http://schemas.microsoft.com/office/powerpoint/2010/main" val="1309018210"/>
       </p:ext>
     </p:extLst>
   </p:cSld>
@@ -6241,7 +6935,7 @@
           <a:p>
             <a:r>
               <a:rPr lang="en-US" altLang="zh-TW" dirty="0" smtClean="0"/>
-              <a:t>Install Node.js</a:t>
+              <a:t>Install NPM</a:t>
             </a:r>
             <a:endParaRPr lang="zh-TW" altLang="en-US" dirty="0"/>
           </a:p>
@@ -6358,8 +7052,8 @@
         </p:blipFill>
         <p:spPr>
           <a:xfrm>
-            <a:off x="1476594" y="3843416"/>
-            <a:ext cx="4210081" cy="942982"/>
+            <a:off x="6502736" y="3708479"/>
+            <a:ext cx="4986194" cy="1116817"/>
           </a:xfrm>
           <a:prstGeom prst="rect">
             <a:avLst/>
@@ -6396,6 +7090,72 @@
           </a:prstGeom>
         </p:spPr>
       </p:pic>
+      <p:pic>
+        <p:nvPicPr>
+          <p:cNvPr id="7" name="圖片 6"/>
+          <p:cNvPicPr>
+            <a:picLocks noChangeAspect="1"/>
+          </p:cNvPicPr>
+          <p:nvPr/>
+        </p:nvPicPr>
+        <p:blipFill>
+          <a:blip r:embed="rId6">
+            <a:extLst>
+              <a:ext uri="{28A0092B-C50C-407E-A947-70E740481C1C}">
+                <a14:useLocalDpi xmlns:a14="http://schemas.microsoft.com/office/drawing/2010/main" val="0"/>
+              </a:ext>
+            </a:extLst>
+          </a:blip>
+          <a:stretch>
+            <a:fillRect/>
+          </a:stretch>
+        </p:blipFill>
+        <p:spPr>
+          <a:xfrm>
+            <a:off x="1205097" y="3843416"/>
+            <a:ext cx="4930742" cy="981880"/>
+          </a:xfrm>
+          <a:prstGeom prst="rect">
+            <a:avLst/>
+          </a:prstGeom>
+        </p:spPr>
+      </p:pic>
+      <p:cxnSp>
+        <p:nvCxnSpPr>
+          <p:cNvPr id="9" name="直線單箭頭接點 8"/>
+          <p:cNvCxnSpPr>
+            <a:stCxn id="7" idx="3"/>
+            <a:endCxn id="5" idx="1"/>
+          </p:cNvCxnSpPr>
+          <p:nvPr/>
+        </p:nvCxnSpPr>
+        <p:spPr>
+          <a:xfrm flipV="1">
+            <a:off x="6135839" y="4266888"/>
+            <a:ext cx="366897" cy="67468"/>
+          </a:xfrm>
+          <a:prstGeom prst="straightConnector1">
+            <a:avLst/>
+          </a:prstGeom>
+          <a:ln w="57150">
+            <a:tailEnd type="triangle"/>
+          </a:ln>
+        </p:spPr>
+        <p:style>
+          <a:lnRef idx="1">
+            <a:schemeClr val="accent1"/>
+          </a:lnRef>
+          <a:fillRef idx="0">
+            <a:schemeClr val="accent1"/>
+          </a:fillRef>
+          <a:effectRef idx="0">
+            <a:schemeClr val="accent1"/>
+          </a:effectRef>
+          <a:fontRef idx="minor">
+            <a:schemeClr val="tx1"/>
+          </a:fontRef>
+        </p:style>
+      </p:cxnSp>
     </p:spTree>
     <p:extLst>
       <p:ext uri="{BB962C8B-B14F-4D97-AF65-F5344CB8AC3E}">
@@ -6406,6 +7166,1597 @@
   <p:clrMapOvr>
     <a:masterClrMapping/>
   </p:clrMapOvr>
+  <p:timing>
+    <p:tnLst>
+      <p:par>
+        <p:cTn id="1" dur="indefinite" restart="never" nodeType="tmRoot"/>
+      </p:par>
+    </p:tnLst>
+  </p:timing>
+</p:sld>
+</file>
+
+<file path=ppt/slides/slide30.xml><?xml version="1.0" encoding="utf-8"?>
+<p:sld xmlns:a="http://schemas.openxmlformats.org/drawingml/2006/main" xmlns:r="http://schemas.openxmlformats.org/officeDocument/2006/relationships" xmlns:p="http://schemas.openxmlformats.org/presentationml/2006/main">
+  <p:cSld>
+    <p:spTree>
+      <p:nvGrpSpPr>
+        <p:cNvPr id="1" name=""/>
+        <p:cNvGrpSpPr/>
+        <p:nvPr/>
+      </p:nvGrpSpPr>
+      <p:grpSpPr>
+        <a:xfrm>
+          <a:off x="0" y="0"/>
+          <a:ext cx="0" cy="0"/>
+          <a:chOff x="0" y="0"/>
+          <a:chExt cx="0" cy="0"/>
+        </a:xfrm>
+      </p:grpSpPr>
+      <p:sp>
+        <p:nvSpPr>
+          <p:cNvPr id="2" name="標題 1"/>
+          <p:cNvSpPr>
+            <a:spLocks noGrp="1"/>
+          </p:cNvSpPr>
+          <p:nvPr>
+            <p:ph type="title"/>
+          </p:nvPr>
+        </p:nvSpPr>
+        <p:spPr/>
+        <p:txBody>
+          <a:bodyPr/>
+          <a:lstStyle/>
+          <a:p>
+            <a:r>
+              <a:rPr lang="en-US" altLang="zh-TW" dirty="0"/>
+              <a:t>How to create reactive data? (reactive)</a:t>
+            </a:r>
+            <a:endParaRPr lang="zh-TW" altLang="en-US" dirty="0"/>
+          </a:p>
+        </p:txBody>
+      </p:sp>
+      <p:sp>
+        <p:nvSpPr>
+          <p:cNvPr id="3" name="內容版面配置區 2"/>
+          <p:cNvSpPr>
+            <a:spLocks noGrp="1"/>
+          </p:cNvSpPr>
+          <p:nvPr>
+            <p:ph idx="1"/>
+          </p:nvPr>
+        </p:nvSpPr>
+        <p:spPr>
+          <a:xfrm>
+            <a:off x="838200" y="1423971"/>
+            <a:ext cx="10515600" cy="4351338"/>
+          </a:xfrm>
+        </p:spPr>
+        <p:txBody>
+          <a:bodyPr/>
+          <a:lstStyle/>
+          <a:p>
+            <a:r>
+              <a:rPr lang="en-US" altLang="zh-TW" dirty="0">
+                <a:solidFill>
+                  <a:srgbClr val="FF0000"/>
+                </a:solidFill>
+              </a:rPr>
+              <a:t>reactive() will not work with primitive </a:t>
+            </a:r>
+            <a:r>
+              <a:rPr lang="en-US" altLang="zh-TW" dirty="0" smtClean="0">
+                <a:solidFill>
+                  <a:srgbClr val="FF0000"/>
+                </a:solidFill>
+              </a:rPr>
+              <a:t>values!</a:t>
+            </a:r>
+          </a:p>
+          <a:p>
+            <a:pPr lvl="1"/>
+            <a:r>
+              <a:rPr lang="en-US" altLang="zh-TW" dirty="0" smtClean="0"/>
+              <a:t>String, Number, </a:t>
+            </a:r>
+            <a:r>
+              <a:rPr lang="en-US" altLang="zh-TW" dirty="0" err="1" smtClean="0"/>
+              <a:t>BigInt</a:t>
+            </a:r>
+            <a:r>
+              <a:rPr lang="en-US" altLang="zh-TW" dirty="0" smtClean="0"/>
+              <a:t>, Boolean, Symbol, Null, Undefined</a:t>
+            </a:r>
+            <a:endParaRPr lang="en-US" altLang="zh-TW" dirty="0"/>
+          </a:p>
+          <a:p>
+            <a:pPr lvl="1"/>
+            <a:endParaRPr lang="zh-TW" altLang="en-US" dirty="0"/>
+          </a:p>
+        </p:txBody>
+      </p:sp>
+      <p:sp>
+        <p:nvSpPr>
+          <p:cNvPr id="4" name="文字方塊 3"/>
+          <p:cNvSpPr txBox="1"/>
+          <p:nvPr/>
+        </p:nvSpPr>
+        <p:spPr>
+          <a:xfrm>
+            <a:off x="4645966" y="5002555"/>
+            <a:ext cx="7546034" cy="400110"/>
+          </a:xfrm>
+          <a:prstGeom prst="rect">
+            <a:avLst/>
+          </a:prstGeom>
+          <a:noFill/>
+        </p:spPr>
+        <p:txBody>
+          <a:bodyPr wrap="square" rtlCol="0">
+            <a:spAutoFit/>
+          </a:bodyPr>
+          <a:lstStyle/>
+          <a:p>
+            <a:r>
+              <a:rPr lang="zh-TW" altLang="en-US" sz="2000" dirty="0">
+                <a:solidFill>
+                  <a:srgbClr val="0070C0"/>
+                </a:solidFill>
+              </a:rPr>
+              <a:t>如果使用 </a:t>
+            </a:r>
+            <a:r>
+              <a:rPr lang="en-US" altLang="zh-TW" sz="2000" dirty="0">
+                <a:solidFill>
+                  <a:srgbClr val="0070C0"/>
+                </a:solidFill>
+              </a:rPr>
+              <a:t>Typescript</a:t>
+            </a:r>
+            <a:r>
+              <a:rPr lang="zh-TW" altLang="en-US" sz="2000" dirty="0">
+                <a:solidFill>
+                  <a:srgbClr val="0070C0"/>
+                </a:solidFill>
+              </a:rPr>
+              <a:t>，傳 </a:t>
+            </a:r>
+            <a:r>
+              <a:rPr lang="en-US" altLang="zh-TW" sz="2000" dirty="0">
+                <a:solidFill>
+                  <a:srgbClr val="0070C0"/>
+                </a:solidFill>
+              </a:rPr>
+              <a:t>primitive type</a:t>
+            </a:r>
+            <a:r>
+              <a:rPr lang="zh-TW" altLang="en-US" sz="2000" dirty="0" smtClean="0">
+                <a:solidFill>
+                  <a:srgbClr val="0070C0"/>
+                </a:solidFill>
+              </a:rPr>
+              <a:t> </a:t>
+            </a:r>
+            <a:r>
+              <a:rPr lang="zh-TW" altLang="en-US" sz="2000" dirty="0">
+                <a:solidFill>
+                  <a:srgbClr val="0070C0"/>
+                </a:solidFill>
+              </a:rPr>
+              <a:t>給 </a:t>
+            </a:r>
+            <a:r>
+              <a:rPr lang="en-US" altLang="zh-TW" sz="2000" dirty="0">
+                <a:solidFill>
+                  <a:srgbClr val="0070C0"/>
+                </a:solidFill>
+              </a:rPr>
+              <a:t>reactive()</a:t>
+            </a:r>
+            <a:r>
+              <a:rPr lang="zh-TW" altLang="en-US" sz="2000" dirty="0">
+                <a:solidFill>
+                  <a:srgbClr val="0070C0"/>
+                </a:solidFill>
+              </a:rPr>
+              <a:t>，會編譯不過</a:t>
+            </a:r>
+          </a:p>
+        </p:txBody>
+      </p:sp>
+      <p:pic>
+        <p:nvPicPr>
+          <p:cNvPr id="5" name="圖片 4"/>
+          <p:cNvPicPr>
+            <a:picLocks noChangeAspect="1"/>
+          </p:cNvPicPr>
+          <p:nvPr/>
+        </p:nvPicPr>
+        <p:blipFill>
+          <a:blip r:embed="rId2">
+            <a:extLst>
+              <a:ext uri="{28A0092B-C50C-407E-A947-70E740481C1C}">
+                <a14:useLocalDpi xmlns:a14="http://schemas.microsoft.com/office/drawing/2010/main" val="0"/>
+              </a:ext>
+            </a:extLst>
+          </a:blip>
+          <a:stretch>
+            <a:fillRect/>
+          </a:stretch>
+        </p:blipFill>
+        <p:spPr>
+          <a:xfrm>
+            <a:off x="4774737" y="5560993"/>
+            <a:ext cx="7288491" cy="1012977"/>
+          </a:xfrm>
+          <a:prstGeom prst="rect">
+            <a:avLst/>
+          </a:prstGeom>
+        </p:spPr>
+      </p:pic>
+      <p:sp>
+        <p:nvSpPr>
+          <p:cNvPr id="6" name="文字方塊 5"/>
+          <p:cNvSpPr txBox="1"/>
+          <p:nvPr/>
+        </p:nvSpPr>
+        <p:spPr>
+          <a:xfrm>
+            <a:off x="4488935" y="2383836"/>
+            <a:ext cx="7458084" cy="1015663"/>
+          </a:xfrm>
+          <a:prstGeom prst="rect">
+            <a:avLst/>
+          </a:prstGeom>
+          <a:noFill/>
+        </p:spPr>
+        <p:txBody>
+          <a:bodyPr wrap="square" rtlCol="0">
+            <a:spAutoFit/>
+          </a:bodyPr>
+          <a:lstStyle/>
+          <a:p>
+            <a:pPr>
+              <a:lnSpc>
+                <a:spcPct val="150000"/>
+              </a:lnSpc>
+            </a:pPr>
+            <a:r>
+              <a:rPr lang="zh-TW" altLang="en-US" sz="2000" dirty="0" smtClean="0">
+                <a:solidFill>
+                  <a:srgbClr val="0070C0"/>
+                </a:solidFill>
+              </a:rPr>
+              <a:t>如果沒有使用 </a:t>
+            </a:r>
+            <a:r>
+              <a:rPr lang="en-US" altLang="zh-TW" sz="2000" dirty="0" smtClean="0">
+                <a:solidFill>
+                  <a:srgbClr val="0070C0"/>
+                </a:solidFill>
+              </a:rPr>
+              <a:t>Typescript</a:t>
+            </a:r>
+            <a:r>
+              <a:rPr lang="zh-TW" altLang="en-US" sz="2000" dirty="0" smtClean="0">
+                <a:solidFill>
+                  <a:srgbClr val="0070C0"/>
+                </a:solidFill>
+              </a:rPr>
+              <a:t>，傳 </a:t>
+            </a:r>
+            <a:r>
+              <a:rPr lang="en-US" altLang="zh-TW" sz="2000" dirty="0" smtClean="0">
+                <a:solidFill>
+                  <a:srgbClr val="0070C0"/>
+                </a:solidFill>
+              </a:rPr>
+              <a:t>primitive type</a:t>
+            </a:r>
+            <a:r>
+              <a:rPr lang="zh-TW" altLang="en-US" sz="2000" dirty="0" smtClean="0">
+                <a:solidFill>
+                  <a:srgbClr val="0070C0"/>
+                </a:solidFill>
+              </a:rPr>
+              <a:t> 給 </a:t>
+            </a:r>
+            <a:r>
+              <a:rPr lang="en-US" altLang="zh-TW" sz="2000" dirty="0" smtClean="0">
+                <a:solidFill>
+                  <a:srgbClr val="0070C0"/>
+                </a:solidFill>
+              </a:rPr>
+              <a:t>reactive()</a:t>
+            </a:r>
+            <a:r>
+              <a:rPr lang="zh-TW" altLang="en-US" sz="2000" dirty="0" smtClean="0">
+                <a:solidFill>
+                  <a:srgbClr val="0070C0"/>
+                </a:solidFill>
+              </a:rPr>
+              <a:t>，會沒有 </a:t>
+            </a:r>
+            <a:r>
+              <a:rPr lang="en-US" altLang="zh-TW" sz="2000" dirty="0" smtClean="0">
+                <a:solidFill>
+                  <a:srgbClr val="0070C0"/>
+                </a:solidFill>
+              </a:rPr>
+              <a:t>Reactive</a:t>
+            </a:r>
+            <a:r>
+              <a:rPr lang="zh-TW" altLang="en-US" sz="2000" dirty="0" smtClean="0">
+                <a:solidFill>
+                  <a:srgbClr val="0070C0"/>
+                </a:solidFill>
+              </a:rPr>
+              <a:t> 效果。因為在 </a:t>
+            </a:r>
+            <a:r>
+              <a:rPr lang="en-US" altLang="zh-TW" sz="2000" dirty="0" smtClean="0">
+                <a:solidFill>
+                  <a:srgbClr val="0070C0"/>
+                </a:solidFill>
+              </a:rPr>
+              <a:t>JavaScript </a:t>
+            </a:r>
+            <a:r>
+              <a:rPr lang="zh-TW" altLang="en-US" sz="2000" dirty="0" smtClean="0">
+                <a:solidFill>
+                  <a:srgbClr val="0070C0"/>
+                </a:solidFill>
+              </a:rPr>
+              <a:t>建立 </a:t>
+            </a:r>
+            <a:r>
+              <a:rPr lang="en-US" altLang="zh-TW" sz="2000" dirty="0">
+                <a:solidFill>
+                  <a:srgbClr val="0070C0"/>
+                </a:solidFill>
+              </a:rPr>
+              <a:t>P</a:t>
+            </a:r>
+            <a:r>
+              <a:rPr lang="en-US" altLang="zh-TW" sz="2000" dirty="0" smtClean="0">
+                <a:solidFill>
+                  <a:srgbClr val="0070C0"/>
+                </a:solidFill>
+              </a:rPr>
+              <a:t>roxy</a:t>
+            </a:r>
+            <a:r>
+              <a:rPr lang="zh-TW" altLang="en-US" sz="2000" dirty="0" smtClean="0">
+                <a:solidFill>
+                  <a:srgbClr val="0070C0"/>
+                </a:solidFill>
+              </a:rPr>
+              <a:t>，需要建立在物件上。</a:t>
+            </a:r>
+            <a:endParaRPr lang="zh-TW" altLang="en-US" sz="2000" dirty="0">
+              <a:solidFill>
+                <a:srgbClr val="0070C0"/>
+              </a:solidFill>
+            </a:endParaRPr>
+          </a:p>
+        </p:txBody>
+      </p:sp>
+      <p:pic>
+        <p:nvPicPr>
+          <p:cNvPr id="7" name="圖片 6"/>
+          <p:cNvPicPr>
+            <a:picLocks noChangeAspect="1"/>
+          </p:cNvPicPr>
+          <p:nvPr/>
+        </p:nvPicPr>
+        <p:blipFill>
+          <a:blip r:embed="rId3">
+            <a:extLst>
+              <a:ext uri="{28A0092B-C50C-407E-A947-70E740481C1C}">
+                <a14:useLocalDpi xmlns:a14="http://schemas.microsoft.com/office/drawing/2010/main" val="0"/>
+              </a:ext>
+            </a:extLst>
+          </a:blip>
+          <a:stretch>
+            <a:fillRect/>
+          </a:stretch>
+        </p:blipFill>
+        <p:spPr>
+          <a:xfrm>
+            <a:off x="244981" y="2406236"/>
+            <a:ext cx="4084080" cy="4342181"/>
+          </a:xfrm>
+          <a:prstGeom prst="rect">
+            <a:avLst/>
+          </a:prstGeom>
+        </p:spPr>
+      </p:pic>
+      <p:cxnSp>
+        <p:nvCxnSpPr>
+          <p:cNvPr id="12" name="直線接點 11"/>
+          <p:cNvCxnSpPr/>
+          <p:nvPr/>
+        </p:nvCxnSpPr>
+        <p:spPr>
+          <a:xfrm flipV="1">
+            <a:off x="4628874" y="4853260"/>
+            <a:ext cx="7412763" cy="17092"/>
+          </a:xfrm>
+          <a:prstGeom prst="line">
+            <a:avLst/>
+          </a:prstGeom>
+          <a:ln w="57150">
+            <a:solidFill>
+              <a:schemeClr val="tx1"/>
+            </a:solidFill>
+          </a:ln>
+        </p:spPr>
+        <p:style>
+          <a:lnRef idx="1">
+            <a:schemeClr val="accent1"/>
+          </a:lnRef>
+          <a:fillRef idx="0">
+            <a:schemeClr val="accent1"/>
+          </a:fillRef>
+          <a:effectRef idx="0">
+            <a:schemeClr val="accent1"/>
+          </a:effectRef>
+          <a:fontRef idx="minor">
+            <a:schemeClr val="tx1"/>
+          </a:fontRef>
+        </p:style>
+      </p:cxnSp>
+      <p:cxnSp>
+        <p:nvCxnSpPr>
+          <p:cNvPr id="14" name="直線接點 13"/>
+          <p:cNvCxnSpPr/>
+          <p:nvPr/>
+        </p:nvCxnSpPr>
+        <p:spPr>
+          <a:xfrm>
+            <a:off x="4645966" y="4844714"/>
+            <a:ext cx="0" cy="1792605"/>
+          </a:xfrm>
+          <a:prstGeom prst="line">
+            <a:avLst/>
+          </a:prstGeom>
+          <a:ln w="57150">
+            <a:solidFill>
+              <a:schemeClr val="tx1"/>
+            </a:solidFill>
+          </a:ln>
+        </p:spPr>
+        <p:style>
+          <a:lnRef idx="1">
+            <a:schemeClr val="accent1"/>
+          </a:lnRef>
+          <a:fillRef idx="0">
+            <a:schemeClr val="accent1"/>
+          </a:fillRef>
+          <a:effectRef idx="0">
+            <a:schemeClr val="accent1"/>
+          </a:effectRef>
+          <a:fontRef idx="minor">
+            <a:schemeClr val="tx1"/>
+          </a:fontRef>
+        </p:style>
+      </p:cxnSp>
+      <p:sp>
+        <p:nvSpPr>
+          <p:cNvPr id="17" name="文字方塊 16"/>
+          <p:cNvSpPr txBox="1"/>
+          <p:nvPr/>
+        </p:nvSpPr>
+        <p:spPr>
+          <a:xfrm>
+            <a:off x="2487733" y="4503932"/>
+            <a:ext cx="1432619" cy="369332"/>
+          </a:xfrm>
+          <a:prstGeom prst="rect">
+            <a:avLst/>
+          </a:prstGeom>
+          <a:noFill/>
+        </p:spPr>
+        <p:txBody>
+          <a:bodyPr wrap="square" rtlCol="0">
+            <a:spAutoFit/>
+          </a:bodyPr>
+          <a:lstStyle/>
+          <a:p>
+            <a:r>
+              <a:rPr lang="en-US" altLang="zh-TW" dirty="0" smtClean="0">
+                <a:solidFill>
+                  <a:srgbClr val="FF0000"/>
+                </a:solidFill>
+              </a:rPr>
+              <a:t>Not Working!</a:t>
+            </a:r>
+            <a:endParaRPr lang="zh-TW" altLang="en-US" dirty="0">
+              <a:solidFill>
+                <a:srgbClr val="FF0000"/>
+              </a:solidFill>
+            </a:endParaRPr>
+          </a:p>
+        </p:txBody>
+      </p:sp>
+      <p:pic>
+        <p:nvPicPr>
+          <p:cNvPr id="9" name="圖片 8"/>
+          <p:cNvPicPr>
+            <a:picLocks noChangeAspect="1"/>
+          </p:cNvPicPr>
+          <p:nvPr/>
+        </p:nvPicPr>
+        <p:blipFill>
+          <a:blip r:embed="rId4">
+            <a:extLst>
+              <a:ext uri="{28A0092B-C50C-407E-A947-70E740481C1C}">
+                <a14:useLocalDpi xmlns:a14="http://schemas.microsoft.com/office/drawing/2010/main" val="0"/>
+              </a:ext>
+            </a:extLst>
+          </a:blip>
+          <a:stretch>
+            <a:fillRect/>
+          </a:stretch>
+        </p:blipFill>
+        <p:spPr>
+          <a:xfrm>
+            <a:off x="4406654" y="3474381"/>
+            <a:ext cx="7708106" cy="913660"/>
+          </a:xfrm>
+          <a:prstGeom prst="rect">
+            <a:avLst/>
+          </a:prstGeom>
+        </p:spPr>
+      </p:pic>
+      <p:pic>
+        <p:nvPicPr>
+          <p:cNvPr id="8" name="圖片 7"/>
+          <p:cNvPicPr>
+            <a:picLocks noChangeAspect="1"/>
+          </p:cNvPicPr>
+          <p:nvPr/>
+        </p:nvPicPr>
+        <p:blipFill>
+          <a:blip r:embed="rId5">
+            <a:extLst>
+              <a:ext uri="{28A0092B-C50C-407E-A947-70E740481C1C}">
+                <a14:useLocalDpi xmlns:a14="http://schemas.microsoft.com/office/drawing/2010/main" val="0"/>
+              </a:ext>
+            </a:extLst>
+          </a:blip>
+          <a:stretch>
+            <a:fillRect/>
+          </a:stretch>
+        </p:blipFill>
+        <p:spPr>
+          <a:xfrm>
+            <a:off x="337422" y="5364396"/>
+            <a:ext cx="3991639" cy="280114"/>
+          </a:xfrm>
+          <a:prstGeom prst="rect">
+            <a:avLst/>
+          </a:prstGeom>
+        </p:spPr>
+      </p:pic>
+    </p:spTree>
+    <p:extLst>
+      <p:ext uri="{BB962C8B-B14F-4D97-AF65-F5344CB8AC3E}">
+        <p14:creationId xmlns:p14="http://schemas.microsoft.com/office/powerpoint/2010/main" val="2113241473"/>
+      </p:ext>
+    </p:extLst>
+  </p:cSld>
+  <p:clrMapOvr>
+    <a:masterClrMapping/>
+  </p:clrMapOvr>
+  <p:timing>
+    <p:tnLst>
+      <p:par>
+        <p:cTn id="1" dur="indefinite" restart="never" nodeType="tmRoot"/>
+      </p:par>
+    </p:tnLst>
+  </p:timing>
+</p:sld>
+</file>
+
+<file path=ppt/slides/slide31.xml><?xml version="1.0" encoding="utf-8"?>
+<p:sld xmlns:a="http://schemas.openxmlformats.org/drawingml/2006/main" xmlns:r="http://schemas.openxmlformats.org/officeDocument/2006/relationships" xmlns:p="http://schemas.openxmlformats.org/presentationml/2006/main">
+  <p:cSld>
+    <p:spTree>
+      <p:nvGrpSpPr>
+        <p:cNvPr id="1" name=""/>
+        <p:cNvGrpSpPr/>
+        <p:nvPr/>
+      </p:nvGrpSpPr>
+      <p:grpSpPr>
+        <a:xfrm>
+          <a:off x="0" y="0"/>
+          <a:ext cx="0" cy="0"/>
+          <a:chOff x="0" y="0"/>
+          <a:chExt cx="0" cy="0"/>
+        </a:xfrm>
+      </p:grpSpPr>
+      <p:sp>
+        <p:nvSpPr>
+          <p:cNvPr id="2" name="標題 1"/>
+          <p:cNvSpPr>
+            <a:spLocks noGrp="1"/>
+          </p:cNvSpPr>
+          <p:nvPr>
+            <p:ph type="title"/>
+          </p:nvPr>
+        </p:nvSpPr>
+        <p:spPr/>
+        <p:txBody>
+          <a:bodyPr/>
+          <a:lstStyle/>
+          <a:p>
+            <a:r>
+              <a:rPr lang="en-US" altLang="zh-TW" dirty="0"/>
+              <a:t>How to create reactive data? </a:t>
+            </a:r>
+            <a:r>
+              <a:rPr lang="en-US" altLang="zh-TW" dirty="0" smtClean="0"/>
+              <a:t>(ref)</a:t>
+            </a:r>
+            <a:endParaRPr lang="zh-TW" altLang="en-US" dirty="0"/>
+          </a:p>
+        </p:txBody>
+      </p:sp>
+      <p:sp>
+        <p:nvSpPr>
+          <p:cNvPr id="3" name="內容版面配置區 2"/>
+          <p:cNvSpPr>
+            <a:spLocks noGrp="1"/>
+          </p:cNvSpPr>
+          <p:nvPr>
+            <p:ph idx="1"/>
+          </p:nvPr>
+        </p:nvSpPr>
+        <p:spPr>
+          <a:xfrm>
+            <a:off x="838200" y="1398332"/>
+            <a:ext cx="10515600" cy="4351338"/>
+          </a:xfrm>
+        </p:spPr>
+        <p:txBody>
+          <a:bodyPr/>
+          <a:lstStyle/>
+          <a:p>
+            <a:pPr marL="0" indent="0">
+              <a:buNone/>
+            </a:pPr>
+            <a:r>
+              <a:rPr lang="en-US" altLang="zh-TW" dirty="0" smtClean="0">
+                <a:solidFill>
+                  <a:srgbClr val="FF0000"/>
+                </a:solidFill>
+              </a:rPr>
+              <a:t>2. ref</a:t>
+            </a:r>
+          </a:p>
+          <a:p>
+            <a:pPr marL="0" indent="0">
+              <a:buNone/>
+            </a:pPr>
+            <a:endParaRPr lang="en-US" altLang="zh-TW" dirty="0" smtClean="0">
+              <a:solidFill>
+                <a:srgbClr val="FF0000"/>
+              </a:solidFill>
+            </a:endParaRPr>
+          </a:p>
+        </p:txBody>
+      </p:sp>
+      <p:pic>
+        <p:nvPicPr>
+          <p:cNvPr id="5" name="圖片 4"/>
+          <p:cNvPicPr>
+            <a:picLocks noChangeAspect="1"/>
+          </p:cNvPicPr>
+          <p:nvPr/>
+        </p:nvPicPr>
+        <p:blipFill>
+          <a:blip r:embed="rId2">
+            <a:extLst>
+              <a:ext uri="{28A0092B-C50C-407E-A947-70E740481C1C}">
+                <a14:useLocalDpi xmlns:a14="http://schemas.microsoft.com/office/drawing/2010/main" val="0"/>
+              </a:ext>
+            </a:extLst>
+          </a:blip>
+          <a:stretch>
+            <a:fillRect/>
+          </a:stretch>
+        </p:blipFill>
+        <p:spPr>
+          <a:xfrm>
+            <a:off x="6997845" y="1491474"/>
+            <a:ext cx="4524224" cy="4457410"/>
+          </a:xfrm>
+          <a:prstGeom prst="rect">
+            <a:avLst/>
+          </a:prstGeom>
+        </p:spPr>
+      </p:pic>
+      <p:pic>
+        <p:nvPicPr>
+          <p:cNvPr id="6" name="圖片 5"/>
+          <p:cNvPicPr>
+            <a:picLocks noChangeAspect="1"/>
+          </p:cNvPicPr>
+          <p:nvPr/>
+        </p:nvPicPr>
+        <p:blipFill>
+          <a:blip r:embed="rId3">
+            <a:extLst>
+              <a:ext uri="{28A0092B-C50C-407E-A947-70E740481C1C}">
+                <a14:useLocalDpi xmlns:a14="http://schemas.microsoft.com/office/drawing/2010/main" val="0"/>
+              </a:ext>
+            </a:extLst>
+          </a:blip>
+          <a:stretch>
+            <a:fillRect/>
+          </a:stretch>
+        </p:blipFill>
+        <p:spPr>
+          <a:xfrm>
+            <a:off x="917214" y="1933978"/>
+            <a:ext cx="5627104" cy="1472439"/>
+          </a:xfrm>
+          <a:prstGeom prst="rect">
+            <a:avLst/>
+          </a:prstGeom>
+        </p:spPr>
+      </p:pic>
+      <p:cxnSp>
+        <p:nvCxnSpPr>
+          <p:cNvPr id="8" name="直線單箭頭接點 7"/>
+          <p:cNvCxnSpPr/>
+          <p:nvPr/>
+        </p:nvCxnSpPr>
+        <p:spPr>
+          <a:xfrm>
+            <a:off x="5298393" y="2127903"/>
+            <a:ext cx="2247543" cy="745314"/>
+          </a:xfrm>
+          <a:prstGeom prst="straightConnector1">
+            <a:avLst/>
+          </a:prstGeom>
+          <a:ln w="57150">
+            <a:solidFill>
+              <a:srgbClr val="FF0000"/>
+            </a:solidFill>
+            <a:tailEnd type="triangle"/>
+          </a:ln>
+        </p:spPr>
+        <p:style>
+          <a:lnRef idx="1">
+            <a:schemeClr val="accent1"/>
+          </a:lnRef>
+          <a:fillRef idx="0">
+            <a:schemeClr val="accent1"/>
+          </a:fillRef>
+          <a:effectRef idx="0">
+            <a:schemeClr val="accent1"/>
+          </a:effectRef>
+          <a:fontRef idx="minor">
+            <a:schemeClr val="tx1"/>
+          </a:fontRef>
+        </p:style>
+      </p:cxnSp>
+      <p:cxnSp>
+        <p:nvCxnSpPr>
+          <p:cNvPr id="9" name="直線單箭頭接點 8"/>
+          <p:cNvCxnSpPr/>
+          <p:nvPr/>
+        </p:nvCxnSpPr>
+        <p:spPr>
+          <a:xfrm>
+            <a:off x="4819828" y="2670197"/>
+            <a:ext cx="2537467" cy="2465825"/>
+          </a:xfrm>
+          <a:prstGeom prst="straightConnector1">
+            <a:avLst/>
+          </a:prstGeom>
+          <a:ln w="57150">
+            <a:solidFill>
+              <a:srgbClr val="FF0000"/>
+            </a:solidFill>
+            <a:tailEnd type="triangle"/>
+          </a:ln>
+        </p:spPr>
+        <p:style>
+          <a:lnRef idx="1">
+            <a:schemeClr val="accent1"/>
+          </a:lnRef>
+          <a:fillRef idx="0">
+            <a:schemeClr val="accent1"/>
+          </a:fillRef>
+          <a:effectRef idx="0">
+            <a:schemeClr val="accent1"/>
+          </a:effectRef>
+          <a:fontRef idx="minor">
+            <a:schemeClr val="tx1"/>
+          </a:fontRef>
+        </p:style>
+      </p:cxnSp>
+      <p:sp>
+        <p:nvSpPr>
+          <p:cNvPr id="15" name="文字方塊 14"/>
+          <p:cNvSpPr txBox="1"/>
+          <p:nvPr/>
+        </p:nvSpPr>
+        <p:spPr>
+          <a:xfrm>
+            <a:off x="921376" y="3504702"/>
+            <a:ext cx="5381036" cy="830997"/>
+          </a:xfrm>
+          <a:prstGeom prst="rect">
+            <a:avLst/>
+          </a:prstGeom>
+          <a:noFill/>
+        </p:spPr>
+        <p:txBody>
+          <a:bodyPr wrap="square" rtlCol="0">
+            <a:spAutoFit/>
+          </a:bodyPr>
+          <a:lstStyle/>
+          <a:p>
+            <a:r>
+              <a:rPr lang="en-US" altLang="zh-TW" sz="2400" dirty="0">
+                <a:solidFill>
+                  <a:srgbClr val="FF0000"/>
+                </a:solidFill>
+              </a:rPr>
+              <a:t>ref() takes an </a:t>
+            </a:r>
+            <a:r>
+              <a:rPr lang="en-US" altLang="zh-TW" sz="2400" b="1" u="sng" dirty="0" smtClean="0">
+                <a:solidFill>
+                  <a:srgbClr val="FF0000"/>
+                </a:solidFill>
+              </a:rPr>
+              <a:t>“inner value” </a:t>
+            </a:r>
+            <a:r>
+              <a:rPr lang="en-US" altLang="zh-TW" sz="2400" dirty="0" smtClean="0">
+                <a:solidFill>
+                  <a:srgbClr val="FF0000"/>
+                </a:solidFill>
+              </a:rPr>
+              <a:t>and </a:t>
+            </a:r>
+          </a:p>
+          <a:p>
+            <a:r>
+              <a:rPr lang="en-US" altLang="zh-TW" sz="2400" dirty="0" smtClean="0">
+                <a:solidFill>
+                  <a:srgbClr val="FF0000"/>
+                </a:solidFill>
+              </a:rPr>
+              <a:t>returns a reactive and mutable ref object.</a:t>
+            </a:r>
+          </a:p>
+        </p:txBody>
+      </p:sp>
+      <p:sp>
+        <p:nvSpPr>
+          <p:cNvPr id="17" name="文字方塊 16"/>
+          <p:cNvSpPr txBox="1"/>
+          <p:nvPr/>
+        </p:nvSpPr>
+        <p:spPr>
+          <a:xfrm>
+            <a:off x="561926" y="4243641"/>
+            <a:ext cx="6099937" cy="2400657"/>
+          </a:xfrm>
+          <a:prstGeom prst="rect">
+            <a:avLst/>
+          </a:prstGeom>
+          <a:noFill/>
+        </p:spPr>
+        <p:txBody>
+          <a:bodyPr wrap="square" rtlCol="0">
+            <a:spAutoFit/>
+          </a:bodyPr>
+          <a:lstStyle/>
+          <a:p>
+            <a:pPr>
+              <a:lnSpc>
+                <a:spcPct val="150000"/>
+              </a:lnSpc>
+            </a:pPr>
+            <a:r>
+              <a:rPr lang="en-US" altLang="zh-TW" sz="2000" dirty="0" smtClean="0">
+                <a:solidFill>
+                  <a:srgbClr val="0070C0"/>
+                </a:solidFill>
+              </a:rPr>
+              <a:t>ref() </a:t>
+            </a:r>
+            <a:r>
+              <a:rPr lang="zh-TW" altLang="en-US" sz="2000" dirty="0" smtClean="0">
+                <a:solidFill>
+                  <a:srgbClr val="0070C0"/>
+                </a:solidFill>
+              </a:rPr>
+              <a:t>會建立出 </a:t>
+            </a:r>
+            <a:r>
+              <a:rPr lang="en-US" altLang="zh-TW" sz="2000" dirty="0" smtClean="0">
+                <a:solidFill>
+                  <a:srgbClr val="0070C0"/>
+                </a:solidFill>
+              </a:rPr>
+              <a:t>RefImpl (</a:t>
+            </a:r>
+            <a:r>
+              <a:rPr lang="zh-TW" altLang="en-US" sz="2000" dirty="0" smtClean="0">
+                <a:solidFill>
+                  <a:srgbClr val="0070C0"/>
+                </a:solidFill>
+              </a:rPr>
+              <a:t>跟 </a:t>
+            </a:r>
+            <a:r>
+              <a:rPr lang="en-US" altLang="zh-TW" sz="2000" dirty="0" smtClean="0">
+                <a:solidFill>
+                  <a:srgbClr val="0070C0"/>
+                </a:solidFill>
+              </a:rPr>
+              <a:t>Proxy</a:t>
+            </a:r>
+            <a:r>
+              <a:rPr lang="zh-TW" altLang="en-US" sz="2000" dirty="0" smtClean="0">
+                <a:solidFill>
+                  <a:srgbClr val="0070C0"/>
+                </a:solidFill>
+              </a:rPr>
+              <a:t> 的概念是一樣的</a:t>
+            </a:r>
+            <a:r>
+              <a:rPr lang="en-US" altLang="zh-TW" sz="2000" dirty="0" smtClean="0">
+                <a:solidFill>
+                  <a:srgbClr val="0070C0"/>
+                </a:solidFill>
+              </a:rPr>
+              <a:t>)</a:t>
+            </a:r>
+            <a:r>
+              <a:rPr lang="zh-TW" altLang="en-US" sz="2000" dirty="0" smtClean="0">
+                <a:solidFill>
+                  <a:srgbClr val="0070C0"/>
+                </a:solidFill>
+              </a:rPr>
+              <a:t>，並把傳入的參數包進 </a:t>
+            </a:r>
+            <a:r>
+              <a:rPr lang="en-US" altLang="zh-TW" sz="2000" dirty="0" smtClean="0">
+                <a:solidFill>
+                  <a:srgbClr val="0070C0"/>
+                </a:solidFill>
+              </a:rPr>
+              <a:t>RefImpl </a:t>
+            </a:r>
+            <a:r>
+              <a:rPr lang="zh-TW" altLang="en-US" sz="2000" dirty="0" smtClean="0">
+                <a:solidFill>
+                  <a:srgbClr val="0070C0"/>
+                </a:solidFill>
+              </a:rPr>
+              <a:t>的 </a:t>
+            </a:r>
+            <a:r>
+              <a:rPr lang="en-US" altLang="zh-TW" sz="2000" dirty="0" smtClean="0">
+                <a:solidFill>
+                  <a:srgbClr val="0070C0"/>
+                </a:solidFill>
+              </a:rPr>
+              <a:t>value</a:t>
+            </a:r>
+            <a:r>
+              <a:rPr lang="zh-TW" altLang="en-US" sz="2000" dirty="0" smtClean="0">
+                <a:solidFill>
+                  <a:srgbClr val="0070C0"/>
+                </a:solidFill>
+              </a:rPr>
+              <a:t>。如果傳入的參數是 </a:t>
+            </a:r>
+            <a:r>
+              <a:rPr lang="en-US" altLang="zh-TW" sz="2000" dirty="0" smtClean="0">
+                <a:solidFill>
+                  <a:srgbClr val="0070C0"/>
+                </a:solidFill>
+              </a:rPr>
+              <a:t>primitive type</a:t>
+            </a:r>
+            <a:r>
+              <a:rPr lang="zh-TW" altLang="en-US" sz="2000" dirty="0" smtClean="0">
+                <a:solidFill>
+                  <a:srgbClr val="0070C0"/>
+                </a:solidFill>
+              </a:rPr>
+              <a:t>，</a:t>
+            </a:r>
+            <a:r>
+              <a:rPr lang="en-US" altLang="zh-TW" sz="2000" dirty="0" smtClean="0">
+                <a:solidFill>
+                  <a:srgbClr val="0070C0"/>
+                </a:solidFill>
+              </a:rPr>
+              <a:t>value </a:t>
+            </a:r>
+            <a:r>
+              <a:rPr lang="zh-TW" altLang="en-US" sz="2000" dirty="0" smtClean="0">
+                <a:solidFill>
+                  <a:srgbClr val="0070C0"/>
+                </a:solidFill>
+              </a:rPr>
+              <a:t>就會直接是參數；如果傳入的參數是物件，</a:t>
+            </a:r>
+            <a:r>
+              <a:rPr lang="en-US" altLang="zh-TW" sz="2000" dirty="0" smtClean="0">
+                <a:solidFill>
+                  <a:srgbClr val="0070C0"/>
+                </a:solidFill>
+              </a:rPr>
+              <a:t>ref() </a:t>
+            </a:r>
+            <a:r>
+              <a:rPr lang="zh-TW" altLang="en-US" sz="2000" dirty="0" smtClean="0">
+                <a:solidFill>
+                  <a:srgbClr val="0070C0"/>
+                </a:solidFill>
+              </a:rPr>
+              <a:t>會先呼叫 </a:t>
+            </a:r>
+            <a:r>
+              <a:rPr lang="en-US" altLang="zh-TW" sz="2000" dirty="0" smtClean="0">
+                <a:solidFill>
+                  <a:srgbClr val="0070C0"/>
+                </a:solidFill>
+              </a:rPr>
+              <a:t>reactive()</a:t>
+            </a:r>
+            <a:r>
+              <a:rPr lang="zh-TW" altLang="en-US" sz="2000" dirty="0" smtClean="0">
+                <a:solidFill>
+                  <a:srgbClr val="0070C0"/>
+                </a:solidFill>
+              </a:rPr>
+              <a:t>，並把 </a:t>
+            </a:r>
+            <a:r>
+              <a:rPr lang="en-US" altLang="zh-TW" sz="2000" dirty="0" smtClean="0">
+                <a:solidFill>
+                  <a:srgbClr val="0070C0"/>
+                </a:solidFill>
+              </a:rPr>
+              <a:t>value </a:t>
+            </a:r>
+            <a:r>
+              <a:rPr lang="zh-TW" altLang="en-US" sz="2000" dirty="0" smtClean="0">
+                <a:solidFill>
+                  <a:srgbClr val="0070C0"/>
+                </a:solidFill>
+              </a:rPr>
+              <a:t>設定成 </a:t>
+            </a:r>
+            <a:r>
+              <a:rPr lang="en-US" altLang="zh-TW" sz="2000" dirty="0" smtClean="0">
+                <a:solidFill>
+                  <a:srgbClr val="0070C0"/>
+                </a:solidFill>
+              </a:rPr>
+              <a:t>reactive()</a:t>
+            </a:r>
+            <a:r>
+              <a:rPr lang="zh-TW" altLang="en-US" sz="2000" dirty="0" smtClean="0">
+                <a:solidFill>
+                  <a:srgbClr val="0070C0"/>
+                </a:solidFill>
+              </a:rPr>
+              <a:t> 回傳回來的 </a:t>
+            </a:r>
+            <a:r>
+              <a:rPr lang="en-US" altLang="zh-TW" sz="2000" dirty="0" smtClean="0">
+                <a:solidFill>
+                  <a:srgbClr val="0070C0"/>
+                </a:solidFill>
+              </a:rPr>
+              <a:t>proxy.</a:t>
+            </a:r>
+            <a:endParaRPr lang="zh-TW" altLang="en-US" sz="2000" dirty="0">
+              <a:solidFill>
+                <a:srgbClr val="0070C0"/>
+              </a:solidFill>
+            </a:endParaRPr>
+          </a:p>
+        </p:txBody>
+      </p:sp>
+    </p:spTree>
+    <p:extLst>
+      <p:ext uri="{BB962C8B-B14F-4D97-AF65-F5344CB8AC3E}">
+        <p14:creationId xmlns:p14="http://schemas.microsoft.com/office/powerpoint/2010/main" val="2538297451"/>
+      </p:ext>
+    </p:extLst>
+  </p:cSld>
+  <p:clrMapOvr>
+    <a:masterClrMapping/>
+  </p:clrMapOvr>
+  <p:timing>
+    <p:tnLst>
+      <p:par>
+        <p:cTn id="1" dur="indefinite" restart="never" nodeType="tmRoot"/>
+      </p:par>
+    </p:tnLst>
+  </p:timing>
+</p:sld>
+</file>
+
+<file path=ppt/slides/slide32.xml><?xml version="1.0" encoding="utf-8"?>
+<p:sld xmlns:a="http://schemas.openxmlformats.org/drawingml/2006/main" xmlns:r="http://schemas.openxmlformats.org/officeDocument/2006/relationships" xmlns:p="http://schemas.openxmlformats.org/presentationml/2006/main">
+  <p:cSld>
+    <p:spTree>
+      <p:nvGrpSpPr>
+        <p:cNvPr id="1" name=""/>
+        <p:cNvGrpSpPr/>
+        <p:nvPr/>
+      </p:nvGrpSpPr>
+      <p:grpSpPr>
+        <a:xfrm>
+          <a:off x="0" y="0"/>
+          <a:ext cx="0" cy="0"/>
+          <a:chOff x="0" y="0"/>
+          <a:chExt cx="0" cy="0"/>
+        </a:xfrm>
+      </p:grpSpPr>
+      <p:sp>
+        <p:nvSpPr>
+          <p:cNvPr id="2" name="標題 1"/>
+          <p:cNvSpPr>
+            <a:spLocks noGrp="1"/>
+          </p:cNvSpPr>
+          <p:nvPr>
+            <p:ph type="title"/>
+          </p:nvPr>
+        </p:nvSpPr>
+        <p:spPr/>
+        <p:txBody>
+          <a:bodyPr/>
+          <a:lstStyle/>
+          <a:p>
+            <a:r>
+              <a:rPr lang="zh-TW" altLang="en-US" dirty="0" smtClean="0"/>
+              <a:t>使用方式</a:t>
+            </a:r>
+            <a:endParaRPr lang="zh-TW" altLang="en-US" dirty="0"/>
+          </a:p>
+        </p:txBody>
+      </p:sp>
+      <p:pic>
+        <p:nvPicPr>
+          <p:cNvPr id="4" name="內容版面配置區 3"/>
+          <p:cNvPicPr>
+            <a:picLocks noGrp="1" noChangeAspect="1"/>
+          </p:cNvPicPr>
+          <p:nvPr>
+            <p:ph idx="1"/>
+          </p:nvPr>
+        </p:nvPicPr>
+        <p:blipFill>
+          <a:blip r:embed="rId2">
+            <a:extLst>
+              <a:ext uri="{28A0092B-C50C-407E-A947-70E740481C1C}">
+                <a14:useLocalDpi xmlns:a14="http://schemas.microsoft.com/office/drawing/2010/main" val="0"/>
+              </a:ext>
+            </a:extLst>
+          </a:blip>
+          <a:stretch>
+            <a:fillRect/>
+          </a:stretch>
+        </p:blipFill>
+        <p:spPr>
+          <a:xfrm>
+            <a:off x="952642" y="2846832"/>
+            <a:ext cx="6553717" cy="1827572"/>
+          </a:xfrm>
+        </p:spPr>
+      </p:pic>
+      <p:sp>
+        <p:nvSpPr>
+          <p:cNvPr id="5" name="文字方塊 4"/>
+          <p:cNvSpPr txBox="1"/>
+          <p:nvPr/>
+        </p:nvSpPr>
+        <p:spPr>
+          <a:xfrm>
+            <a:off x="838200" y="4824536"/>
+            <a:ext cx="10272045" cy="1754326"/>
+          </a:xfrm>
+          <a:prstGeom prst="rect">
+            <a:avLst/>
+          </a:prstGeom>
+          <a:noFill/>
+        </p:spPr>
+        <p:txBody>
+          <a:bodyPr wrap="square" rtlCol="0">
+            <a:spAutoFit/>
+          </a:bodyPr>
+          <a:lstStyle/>
+          <a:p>
+            <a:pPr>
+              <a:lnSpc>
+                <a:spcPct val="150000"/>
+              </a:lnSpc>
+            </a:pPr>
+            <a:r>
+              <a:rPr lang="zh-TW" altLang="en-US" sz="2400" dirty="0" smtClean="0"/>
+              <a:t>操作 </a:t>
+            </a:r>
+            <a:r>
+              <a:rPr lang="en-US" altLang="zh-TW" sz="2400" dirty="0"/>
+              <a:t>r</a:t>
+            </a:r>
+            <a:r>
+              <a:rPr lang="en-US" altLang="zh-TW" sz="2400" dirty="0" smtClean="0"/>
+              <a:t>ef </a:t>
+            </a:r>
+            <a:r>
+              <a:rPr lang="zh-TW" altLang="en-US" sz="2400" dirty="0" smtClean="0"/>
+              <a:t>回傳的物件時，因為被包在 </a:t>
+            </a:r>
+            <a:r>
+              <a:rPr lang="en-US" altLang="zh-TW" sz="2400" dirty="0" smtClean="0"/>
+              <a:t>RefImpl</a:t>
+            </a:r>
+            <a:r>
+              <a:rPr lang="zh-TW" altLang="en-US" sz="2400" dirty="0" smtClean="0"/>
+              <a:t>，所以還需要使用 </a:t>
+            </a:r>
+            <a:r>
+              <a:rPr lang="en-US" altLang="zh-TW" sz="2400" dirty="0" smtClean="0"/>
+              <a:t>.value</a:t>
+            </a:r>
+            <a:r>
+              <a:rPr lang="zh-TW" altLang="en-US" sz="2400" dirty="0" smtClean="0"/>
+              <a:t> 才能操作真正的 </a:t>
+            </a:r>
+            <a:r>
+              <a:rPr lang="en-US" altLang="zh-TW" sz="2400" dirty="0" smtClean="0"/>
+              <a:t>value</a:t>
+            </a:r>
+            <a:r>
+              <a:rPr lang="zh-TW" altLang="en-US" sz="2400" dirty="0" smtClean="0"/>
+              <a:t>；操作 </a:t>
+            </a:r>
+            <a:r>
+              <a:rPr lang="en-US" altLang="zh-TW" sz="2400" dirty="0" smtClean="0"/>
+              <a:t>reactive </a:t>
+            </a:r>
+            <a:r>
+              <a:rPr lang="zh-TW" altLang="en-US" sz="2400" dirty="0" smtClean="0"/>
+              <a:t>回傳的物件時，因為 </a:t>
+            </a:r>
+            <a:r>
+              <a:rPr lang="en-US" altLang="zh-TW" sz="2400" dirty="0" smtClean="0"/>
+              <a:t>Proxy </a:t>
+            </a:r>
+            <a:r>
+              <a:rPr lang="zh-TW" altLang="en-US" sz="2400" dirty="0" smtClean="0"/>
+              <a:t>本身就帶有原本物件的欄位，因此可以直接做操作。</a:t>
+            </a:r>
+            <a:endParaRPr lang="en-US" altLang="zh-TW" sz="2400" dirty="0" smtClean="0"/>
+          </a:p>
+        </p:txBody>
+      </p:sp>
+      <p:pic>
+        <p:nvPicPr>
+          <p:cNvPr id="6" name="圖片 5"/>
+          <p:cNvPicPr>
+            <a:picLocks noChangeAspect="1"/>
+          </p:cNvPicPr>
+          <p:nvPr/>
+        </p:nvPicPr>
+        <p:blipFill>
+          <a:blip r:embed="rId3">
+            <a:extLst>
+              <a:ext uri="{28A0092B-C50C-407E-A947-70E740481C1C}">
+                <a14:useLocalDpi xmlns:a14="http://schemas.microsoft.com/office/drawing/2010/main" val="0"/>
+              </a:ext>
+            </a:extLst>
+          </a:blip>
+          <a:stretch>
+            <a:fillRect/>
+          </a:stretch>
+        </p:blipFill>
+        <p:spPr>
+          <a:xfrm>
+            <a:off x="6506319" y="250739"/>
+            <a:ext cx="5195921" cy="2209999"/>
+          </a:xfrm>
+          <a:prstGeom prst="rect">
+            <a:avLst/>
+          </a:prstGeom>
+        </p:spPr>
+      </p:pic>
+      <p:pic>
+        <p:nvPicPr>
+          <p:cNvPr id="7" name="圖片 6"/>
+          <p:cNvPicPr>
+            <a:picLocks noChangeAspect="1"/>
+          </p:cNvPicPr>
+          <p:nvPr/>
+        </p:nvPicPr>
+        <p:blipFill>
+          <a:blip r:embed="rId4">
+            <a:extLst>
+              <a:ext uri="{28A0092B-C50C-407E-A947-70E740481C1C}">
+                <a14:useLocalDpi xmlns:a14="http://schemas.microsoft.com/office/drawing/2010/main" val="0"/>
+              </a:ext>
+            </a:extLst>
+          </a:blip>
+          <a:stretch>
+            <a:fillRect/>
+          </a:stretch>
+        </p:blipFill>
+        <p:spPr>
+          <a:xfrm>
+            <a:off x="8424627" y="2696700"/>
+            <a:ext cx="2685618" cy="2127835"/>
+          </a:xfrm>
+          <a:prstGeom prst="rect">
+            <a:avLst/>
+          </a:prstGeom>
+        </p:spPr>
+      </p:pic>
+      <p:sp>
+        <p:nvSpPr>
+          <p:cNvPr id="3" name="文字方塊 2"/>
+          <p:cNvSpPr txBox="1"/>
+          <p:nvPr/>
+        </p:nvSpPr>
+        <p:spPr>
+          <a:xfrm>
+            <a:off x="952642" y="1649145"/>
+            <a:ext cx="5627620" cy="707886"/>
+          </a:xfrm>
+          <a:prstGeom prst="rect">
+            <a:avLst/>
+          </a:prstGeom>
+          <a:noFill/>
+        </p:spPr>
+        <p:txBody>
+          <a:bodyPr wrap="square" rtlCol="0">
+            <a:spAutoFit/>
+          </a:bodyPr>
+          <a:lstStyle/>
+          <a:p>
+            <a:r>
+              <a:rPr lang="zh-TW" altLang="en-US" sz="2000" dirty="0" smtClean="0">
+                <a:solidFill>
+                  <a:srgbClr val="FF0000"/>
+                </a:solidFill>
+              </a:rPr>
+              <a:t>在 </a:t>
+            </a:r>
+            <a:r>
+              <a:rPr lang="en-US" altLang="zh-TW" sz="2000" dirty="0" smtClean="0">
+                <a:solidFill>
+                  <a:srgbClr val="FF0000"/>
+                </a:solidFill>
+              </a:rPr>
+              <a:t>&lt;template&gt; </a:t>
+            </a:r>
+            <a:r>
+              <a:rPr lang="zh-TW" altLang="en-US" sz="2000" dirty="0" smtClean="0">
+                <a:solidFill>
+                  <a:srgbClr val="FF0000"/>
+                </a:solidFill>
+              </a:rPr>
+              <a:t>使用 </a:t>
+            </a:r>
+            <a:r>
+              <a:rPr lang="en-US" altLang="zh-TW" sz="2000" dirty="0" smtClean="0">
+                <a:solidFill>
+                  <a:srgbClr val="FF0000"/>
+                </a:solidFill>
+              </a:rPr>
+              <a:t>RefImpl </a:t>
+            </a:r>
+            <a:r>
+              <a:rPr lang="zh-TW" altLang="en-US" sz="2000" dirty="0" smtClean="0">
+                <a:solidFill>
+                  <a:srgbClr val="FF0000"/>
+                </a:solidFill>
+              </a:rPr>
+              <a:t>時，物件會自動被 </a:t>
+            </a:r>
+            <a:r>
+              <a:rPr lang="en-US" altLang="zh-TW" sz="2000" dirty="0" smtClean="0">
+                <a:solidFill>
+                  <a:srgbClr val="FF0000"/>
+                </a:solidFill>
+              </a:rPr>
+              <a:t>unwrapped </a:t>
+            </a:r>
+            <a:r>
+              <a:rPr lang="zh-TW" altLang="en-US" sz="2000" dirty="0" smtClean="0">
+                <a:solidFill>
+                  <a:srgbClr val="FF0000"/>
+                </a:solidFill>
+              </a:rPr>
+              <a:t>成真正的 </a:t>
+            </a:r>
+            <a:r>
+              <a:rPr lang="en-US" altLang="zh-TW" sz="2000" dirty="0" smtClean="0">
+                <a:solidFill>
+                  <a:srgbClr val="FF0000"/>
+                </a:solidFill>
+              </a:rPr>
+              <a:t>value</a:t>
+            </a:r>
+            <a:r>
+              <a:rPr lang="zh-TW" altLang="en-US" sz="2000" dirty="0" smtClean="0">
+                <a:solidFill>
+                  <a:srgbClr val="FF0000"/>
+                </a:solidFill>
+              </a:rPr>
+              <a:t>，不需要再加上 </a:t>
+            </a:r>
+            <a:r>
+              <a:rPr lang="en-US" altLang="zh-TW" sz="2000" dirty="0" smtClean="0">
+                <a:solidFill>
+                  <a:srgbClr val="FF0000"/>
+                </a:solidFill>
+              </a:rPr>
+              <a:t>.value</a:t>
+            </a:r>
+            <a:endParaRPr lang="zh-TW" altLang="en-US" sz="2000" dirty="0">
+              <a:solidFill>
+                <a:srgbClr val="FF0000"/>
+              </a:solidFill>
+            </a:endParaRPr>
+          </a:p>
+        </p:txBody>
+      </p:sp>
+      <p:cxnSp>
+        <p:nvCxnSpPr>
+          <p:cNvPr id="9" name="直線單箭頭接點 8"/>
+          <p:cNvCxnSpPr>
+            <a:stCxn id="3" idx="0"/>
+          </p:cNvCxnSpPr>
+          <p:nvPr/>
+        </p:nvCxnSpPr>
+        <p:spPr>
+          <a:xfrm flipV="1">
+            <a:off x="3766452" y="819675"/>
+            <a:ext cx="2993271" cy="829470"/>
+          </a:xfrm>
+          <a:prstGeom prst="straightConnector1">
+            <a:avLst/>
+          </a:prstGeom>
+          <a:ln w="38100">
+            <a:solidFill>
+              <a:srgbClr val="FF0000"/>
+            </a:solidFill>
+            <a:tailEnd type="triangle"/>
+          </a:ln>
+        </p:spPr>
+        <p:style>
+          <a:lnRef idx="1">
+            <a:schemeClr val="accent1"/>
+          </a:lnRef>
+          <a:fillRef idx="0">
+            <a:schemeClr val="accent1"/>
+          </a:fillRef>
+          <a:effectRef idx="0">
+            <a:schemeClr val="accent1"/>
+          </a:effectRef>
+          <a:fontRef idx="minor">
+            <a:schemeClr val="tx1"/>
+          </a:fontRef>
+        </p:style>
+      </p:cxnSp>
+    </p:spTree>
+    <p:extLst>
+      <p:ext uri="{BB962C8B-B14F-4D97-AF65-F5344CB8AC3E}">
+        <p14:creationId xmlns:p14="http://schemas.microsoft.com/office/powerpoint/2010/main" val="2943548880"/>
+      </p:ext>
+    </p:extLst>
+  </p:cSld>
+  <p:clrMapOvr>
+    <a:masterClrMapping/>
+  </p:clrMapOvr>
+  <p:timing>
+    <p:tnLst>
+      <p:par>
+        <p:cTn id="1" dur="indefinite" restart="never" nodeType="tmRoot"/>
+      </p:par>
+    </p:tnLst>
+  </p:timing>
+</p:sld>
+</file>
+
+<file path=ppt/slides/slide33.xml><?xml version="1.0" encoding="utf-8"?>
+<p:sld xmlns:a="http://schemas.openxmlformats.org/drawingml/2006/main" xmlns:r="http://schemas.openxmlformats.org/officeDocument/2006/relationships" xmlns:p="http://schemas.openxmlformats.org/presentationml/2006/main">
+  <p:cSld>
+    <p:spTree>
+      <p:nvGrpSpPr>
+        <p:cNvPr id="1" name=""/>
+        <p:cNvGrpSpPr/>
+        <p:nvPr/>
+      </p:nvGrpSpPr>
+      <p:grpSpPr>
+        <a:xfrm>
+          <a:off x="0" y="0"/>
+          <a:ext cx="0" cy="0"/>
+          <a:chOff x="0" y="0"/>
+          <a:chExt cx="0" cy="0"/>
+        </a:xfrm>
+      </p:grpSpPr>
+      <p:sp>
+        <p:nvSpPr>
+          <p:cNvPr id="2" name="標題 1"/>
+          <p:cNvSpPr>
+            <a:spLocks noGrp="1"/>
+          </p:cNvSpPr>
+          <p:nvPr>
+            <p:ph type="ctrTitle"/>
+          </p:nvPr>
+        </p:nvSpPr>
+        <p:spPr/>
+        <p:txBody>
+          <a:bodyPr/>
+          <a:lstStyle/>
+          <a:p>
+            <a:r>
+              <a:rPr lang="en-US" altLang="zh-TW" dirty="0" smtClean="0"/>
+              <a:t>Goodbye</a:t>
+            </a:r>
+            <a:endParaRPr lang="zh-TW" altLang="en-US" dirty="0"/>
+          </a:p>
+        </p:txBody>
+      </p:sp>
+      <p:sp>
+        <p:nvSpPr>
+          <p:cNvPr id="3" name="副標題 2"/>
+          <p:cNvSpPr>
+            <a:spLocks noGrp="1"/>
+          </p:cNvSpPr>
+          <p:nvPr>
+            <p:ph type="subTitle" idx="1"/>
+          </p:nvPr>
+        </p:nvSpPr>
+        <p:spPr/>
+        <p:txBody>
+          <a:bodyPr/>
+          <a:lstStyle/>
+          <a:p>
+            <a:r>
+              <a:rPr lang="en-US" altLang="zh-TW" dirty="0" smtClean="0"/>
+              <a:t>Charlie</a:t>
+            </a:r>
+            <a:endParaRPr lang="zh-TW" altLang="en-US" dirty="0"/>
+          </a:p>
+        </p:txBody>
+      </p:sp>
+    </p:spTree>
+    <p:extLst>
+      <p:ext uri="{BB962C8B-B14F-4D97-AF65-F5344CB8AC3E}">
+        <p14:creationId xmlns:p14="http://schemas.microsoft.com/office/powerpoint/2010/main" val="133819064"/>
+      </p:ext>
+    </p:extLst>
+  </p:cSld>
+  <p:clrMapOvr>
+    <a:masterClrMapping/>
+  </p:clrMapOvr>
+  <p:timing>
+    <p:tnLst>
+      <p:par>
+        <p:cTn id="1" dur="indefinite" restart="never" nodeType="tmRoot"/>
+      </p:par>
+    </p:tnLst>
+  </p:timing>
 </p:sld>
 </file>
 
@@ -6620,6 +8971,13 @@
   <p:clrMapOvr>
     <a:masterClrMapping/>
   </p:clrMapOvr>
+  <p:timing>
+    <p:tnLst>
+      <p:par>
+        <p:cTn id="1" dur="indefinite" restart="never" nodeType="tmRoot"/>
+      </p:par>
+    </p:tnLst>
+  </p:timing>
 </p:sld>
 </file>
 
@@ -7269,6 +9627,13 @@
   <p:clrMapOvr>
     <a:masterClrMapping/>
   </p:clrMapOvr>
+  <p:timing>
+    <p:tnLst>
+      <p:par>
+        <p:cTn id="1" dur="indefinite" restart="never" nodeType="tmRoot"/>
+      </p:par>
+    </p:tnLst>
+  </p:timing>
 </p:sld>
 </file>
 
@@ -7417,6 +9782,13 @@
   <p:clrMapOvr>
     <a:masterClrMapping/>
   </p:clrMapOvr>
+  <p:timing>
+    <p:tnLst>
+      <p:par>
+        <p:cTn id="1" dur="indefinite" restart="never" nodeType="tmRoot"/>
+      </p:par>
+    </p:tnLst>
+  </p:timing>
 </p:sld>
 </file>
 

--- a/VUE3.pptx
+++ b/VUE3.pptx
@@ -8,8 +8,8 @@
     <p:sldId id="256" r:id="rId2"/>
     <p:sldId id="261" r:id="rId3"/>
     <p:sldId id="257" r:id="rId4"/>
-    <p:sldId id="258" r:id="rId5"/>
-    <p:sldId id="260" r:id="rId6"/>
+    <p:sldId id="260" r:id="rId5"/>
+    <p:sldId id="258" r:id="rId6"/>
     <p:sldId id="259" r:id="rId7"/>
     <p:sldId id="264" r:id="rId8"/>
     <p:sldId id="279" r:id="rId9"/>
@@ -37,7 +37,12 @@
     <p:sldId id="291" r:id="rId31"/>
     <p:sldId id="292" r:id="rId32"/>
     <p:sldId id="293" r:id="rId33"/>
-    <p:sldId id="289" r:id="rId34"/>
+    <p:sldId id="296" r:id="rId34"/>
+    <p:sldId id="294" r:id="rId35"/>
+    <p:sldId id="297" r:id="rId36"/>
+    <p:sldId id="298" r:id="rId37"/>
+    <p:sldId id="299" r:id="rId38"/>
+    <p:sldId id="289" r:id="rId39"/>
   </p:sldIdLst>
   <p:sldSz cx="12192000" cy="6858000"/>
   <p:notesSz cx="6858000" cy="9144000"/>
@@ -275,7 +280,7 @@
           <a:p>
             <a:fld id="{3B772AED-9572-4DC5-BD20-456DDF1F6600}" type="datetimeFigureOut">
               <a:rPr lang="zh-TW" altLang="en-US" smtClean="0"/>
-              <a:t>2021/6/23</a:t>
+              <a:t>2021/6/25</a:t>
             </a:fld>
             <a:endParaRPr lang="zh-TW" altLang="en-US"/>
           </a:p>
@@ -445,7 +450,7 @@
           <a:p>
             <a:fld id="{3B772AED-9572-4DC5-BD20-456DDF1F6600}" type="datetimeFigureOut">
               <a:rPr lang="zh-TW" altLang="en-US" smtClean="0"/>
-              <a:t>2021/6/23</a:t>
+              <a:t>2021/6/25</a:t>
             </a:fld>
             <a:endParaRPr lang="zh-TW" altLang="en-US"/>
           </a:p>
@@ -625,7 +630,7 @@
           <a:p>
             <a:fld id="{3B772AED-9572-4DC5-BD20-456DDF1F6600}" type="datetimeFigureOut">
               <a:rPr lang="zh-TW" altLang="en-US" smtClean="0"/>
-              <a:t>2021/6/23</a:t>
+              <a:t>2021/6/25</a:t>
             </a:fld>
             <a:endParaRPr lang="zh-TW" altLang="en-US"/>
           </a:p>
@@ -795,7 +800,7 @@
           <a:p>
             <a:fld id="{3B772AED-9572-4DC5-BD20-456DDF1F6600}" type="datetimeFigureOut">
               <a:rPr lang="zh-TW" altLang="en-US" smtClean="0"/>
-              <a:t>2021/6/23</a:t>
+              <a:t>2021/6/25</a:t>
             </a:fld>
             <a:endParaRPr lang="zh-TW" altLang="en-US"/>
           </a:p>
@@ -1041,7 +1046,7 @@
           <a:p>
             <a:fld id="{3B772AED-9572-4DC5-BD20-456DDF1F6600}" type="datetimeFigureOut">
               <a:rPr lang="zh-TW" altLang="en-US" smtClean="0"/>
-              <a:t>2021/6/23</a:t>
+              <a:t>2021/6/25</a:t>
             </a:fld>
             <a:endParaRPr lang="zh-TW" altLang="en-US"/>
           </a:p>
@@ -1273,7 +1278,7 @@
           <a:p>
             <a:fld id="{3B772AED-9572-4DC5-BD20-456DDF1F6600}" type="datetimeFigureOut">
               <a:rPr lang="zh-TW" altLang="en-US" smtClean="0"/>
-              <a:t>2021/6/23</a:t>
+              <a:t>2021/6/25</a:t>
             </a:fld>
             <a:endParaRPr lang="zh-TW" altLang="en-US"/>
           </a:p>
@@ -1640,7 +1645,7 @@
           <a:p>
             <a:fld id="{3B772AED-9572-4DC5-BD20-456DDF1F6600}" type="datetimeFigureOut">
               <a:rPr lang="zh-TW" altLang="en-US" smtClean="0"/>
-              <a:t>2021/6/23</a:t>
+              <a:t>2021/6/25</a:t>
             </a:fld>
             <a:endParaRPr lang="zh-TW" altLang="en-US"/>
           </a:p>
@@ -1758,7 +1763,7 @@
           <a:p>
             <a:fld id="{3B772AED-9572-4DC5-BD20-456DDF1F6600}" type="datetimeFigureOut">
               <a:rPr lang="zh-TW" altLang="en-US" smtClean="0"/>
-              <a:t>2021/6/23</a:t>
+              <a:t>2021/6/25</a:t>
             </a:fld>
             <a:endParaRPr lang="zh-TW" altLang="en-US"/>
           </a:p>
@@ -1853,7 +1858,7 @@
           <a:p>
             <a:fld id="{3B772AED-9572-4DC5-BD20-456DDF1F6600}" type="datetimeFigureOut">
               <a:rPr lang="zh-TW" altLang="en-US" smtClean="0"/>
-              <a:t>2021/6/23</a:t>
+              <a:t>2021/6/25</a:t>
             </a:fld>
             <a:endParaRPr lang="zh-TW" altLang="en-US"/>
           </a:p>
@@ -2130,7 +2135,7 @@
           <a:p>
             <a:fld id="{3B772AED-9572-4DC5-BD20-456DDF1F6600}" type="datetimeFigureOut">
               <a:rPr lang="zh-TW" altLang="en-US" smtClean="0"/>
-              <a:t>2021/6/23</a:t>
+              <a:t>2021/6/25</a:t>
             </a:fld>
             <a:endParaRPr lang="zh-TW" altLang="en-US"/>
           </a:p>
@@ -2383,7 +2388,7 @@
           <a:p>
             <a:fld id="{3B772AED-9572-4DC5-BD20-456DDF1F6600}" type="datetimeFigureOut">
               <a:rPr lang="zh-TW" altLang="en-US" smtClean="0"/>
-              <a:t>2021/6/23</a:t>
+              <a:t>2021/6/25</a:t>
             </a:fld>
             <a:endParaRPr lang="zh-TW" altLang="en-US"/>
           </a:p>
@@ -2596,7 +2601,7 @@
           <a:p>
             <a:fld id="{3B772AED-9572-4DC5-BD20-456DDF1F6600}" type="datetimeFigureOut">
               <a:rPr lang="zh-TW" altLang="en-US" smtClean="0"/>
-              <a:t>2021/6/23</a:t>
+              <a:t>2021/6/25</a:t>
             </a:fld>
             <a:endParaRPr lang="zh-TW" altLang="en-US"/>
           </a:p>
@@ -3144,11 +3149,7 @@
             </a:r>
             <a:r>
               <a:rPr lang="en-US" altLang="zh-TW" dirty="0" smtClean="0"/>
-              <a:t>app</a:t>
-            </a:r>
-            <a:r>
-              <a:rPr lang="en-US" altLang="zh-TW" dirty="0" smtClean="0"/>
-              <a:t>. </a:t>
+              <a:t>app. </a:t>
             </a:r>
             <a:r>
               <a:rPr lang="en-US" altLang="zh-TW" dirty="0" smtClean="0">
@@ -6303,11 +6304,7 @@
             </a:r>
             <a:r>
               <a:rPr lang="zh-TW" altLang="en-US" dirty="0" smtClean="0"/>
-              <a:t> 物件並呈現給使用者看時，此物件或參數就</a:t>
-            </a:r>
-            <a:r>
-              <a:rPr lang="zh-TW" altLang="en-US" dirty="0" smtClean="0"/>
-              <a:t>必須是 </a:t>
+              <a:t> 物件並呈現給使用者看時，此物件或參數就必須是 </a:t>
             </a:r>
             <a:r>
               <a:rPr lang="en-US" altLang="zh-TW" dirty="0"/>
@@ -8701,6 +8698,1101 @@
             <a:spLocks noGrp="1"/>
           </p:cNvSpPr>
           <p:nvPr>
+            <p:ph type="title"/>
+          </p:nvPr>
+        </p:nvSpPr>
+        <p:spPr/>
+        <p:txBody>
+          <a:bodyPr/>
+          <a:lstStyle/>
+          <a:p>
+            <a:r>
+              <a:rPr lang="en-US" altLang="zh-TW" dirty="0"/>
+              <a:t>Conditionals and Loops</a:t>
+            </a:r>
+          </a:p>
+        </p:txBody>
+      </p:sp>
+    </p:spTree>
+    <p:extLst>
+      <p:ext uri="{BB962C8B-B14F-4D97-AF65-F5344CB8AC3E}">
+        <p14:creationId xmlns:p14="http://schemas.microsoft.com/office/powerpoint/2010/main" val="392860552"/>
+      </p:ext>
+    </p:extLst>
+  </p:cSld>
+  <p:clrMapOvr>
+    <a:masterClrMapping/>
+  </p:clrMapOvr>
+  <p:timing>
+    <p:tnLst>
+      <p:par>
+        <p:cTn id="1" dur="indefinite" restart="never" nodeType="tmRoot"/>
+      </p:par>
+    </p:tnLst>
+  </p:timing>
+</p:sld>
+</file>
+
+<file path=ppt/slides/slide34.xml><?xml version="1.0" encoding="utf-8"?>
+<p:sld xmlns:a="http://schemas.openxmlformats.org/drawingml/2006/main" xmlns:r="http://schemas.openxmlformats.org/officeDocument/2006/relationships" xmlns:p="http://schemas.openxmlformats.org/presentationml/2006/main">
+  <p:cSld>
+    <p:spTree>
+      <p:nvGrpSpPr>
+        <p:cNvPr id="1" name=""/>
+        <p:cNvGrpSpPr/>
+        <p:nvPr/>
+      </p:nvGrpSpPr>
+      <p:grpSpPr>
+        <a:xfrm>
+          <a:off x="0" y="0"/>
+          <a:ext cx="0" cy="0"/>
+          <a:chOff x="0" y="0"/>
+          <a:chExt cx="0" cy="0"/>
+        </a:xfrm>
+      </p:grpSpPr>
+      <p:sp>
+        <p:nvSpPr>
+          <p:cNvPr id="2" name="標題 1"/>
+          <p:cNvSpPr>
+            <a:spLocks noGrp="1"/>
+          </p:cNvSpPr>
+          <p:nvPr>
+            <p:ph type="title"/>
+          </p:nvPr>
+        </p:nvSpPr>
+        <p:spPr/>
+        <p:txBody>
+          <a:bodyPr/>
+          <a:lstStyle/>
+          <a:p>
+            <a:r>
+              <a:rPr lang="en-US" altLang="zh-TW" dirty="0"/>
+              <a:t>Conditionals</a:t>
+            </a:r>
+            <a:endParaRPr lang="zh-TW" altLang="en-US" dirty="0"/>
+          </a:p>
+        </p:txBody>
+      </p:sp>
+      <p:sp>
+        <p:nvSpPr>
+          <p:cNvPr id="3" name="內容版面配置區 2"/>
+          <p:cNvSpPr>
+            <a:spLocks noGrp="1"/>
+          </p:cNvSpPr>
+          <p:nvPr>
+            <p:ph idx="1"/>
+          </p:nvPr>
+        </p:nvSpPr>
+        <p:spPr/>
+        <p:txBody>
+          <a:bodyPr/>
+          <a:lstStyle/>
+          <a:p>
+            <a:pPr>
+              <a:lnSpc>
+                <a:spcPct val="150000"/>
+              </a:lnSpc>
+            </a:pPr>
+            <a:r>
+              <a:rPr lang="en-US" altLang="zh-TW" dirty="0" smtClean="0"/>
+              <a:t>We </a:t>
+            </a:r>
+            <a:r>
+              <a:rPr lang="en-US" altLang="zh-TW" dirty="0"/>
+              <a:t>can bind data to not only text and attributes, but </a:t>
+            </a:r>
+            <a:r>
+              <a:rPr lang="en-US" altLang="zh-TW" dirty="0" smtClean="0"/>
+              <a:t>also </a:t>
+            </a:r>
+            <a:r>
+              <a:rPr lang="en-US" altLang="zh-TW" dirty="0" smtClean="0">
+                <a:solidFill>
+                  <a:srgbClr val="FF0000"/>
+                </a:solidFill>
+              </a:rPr>
+              <a:t>the</a:t>
+            </a:r>
+            <a:r>
+              <a:rPr lang="en-US" altLang="zh-TW" dirty="0">
+                <a:solidFill>
+                  <a:srgbClr val="FF0000"/>
+                </a:solidFill>
+              </a:rPr>
+              <a:t> </a:t>
+            </a:r>
+            <a:r>
+              <a:rPr lang="en-US" altLang="zh-TW" b="1" dirty="0">
+                <a:solidFill>
+                  <a:srgbClr val="FF0000"/>
+                </a:solidFill>
+              </a:rPr>
+              <a:t>structure</a:t>
+            </a:r>
+            <a:r>
+              <a:rPr lang="en-US" altLang="zh-TW" dirty="0">
+                <a:solidFill>
+                  <a:srgbClr val="FF0000"/>
+                </a:solidFill>
+              </a:rPr>
+              <a:t> of the DOM</a:t>
+            </a:r>
+            <a:r>
+              <a:rPr lang="en-US" altLang="zh-TW" dirty="0" smtClean="0"/>
+              <a:t>. (</a:t>
+            </a:r>
+            <a:r>
+              <a:rPr lang="zh-TW" altLang="en-US" dirty="0" smtClean="0"/>
+              <a:t>我們可以用宣告式語法，決定要不要顯示元件</a:t>
+            </a:r>
+            <a:r>
+              <a:rPr lang="en-US" altLang="zh-TW" dirty="0" smtClean="0"/>
+              <a:t>)</a:t>
+            </a:r>
+            <a:endParaRPr lang="zh-TW" altLang="en-US" dirty="0"/>
+          </a:p>
+        </p:txBody>
+      </p:sp>
+      <p:pic>
+        <p:nvPicPr>
+          <p:cNvPr id="5" name="圖片 4"/>
+          <p:cNvPicPr>
+            <a:picLocks noChangeAspect="1"/>
+          </p:cNvPicPr>
+          <p:nvPr/>
+        </p:nvPicPr>
+        <p:blipFill>
+          <a:blip r:embed="rId2">
+            <a:extLst>
+              <a:ext uri="{28A0092B-C50C-407E-A947-70E740481C1C}">
+                <a14:useLocalDpi xmlns:a14="http://schemas.microsoft.com/office/drawing/2010/main" val="0"/>
+              </a:ext>
+            </a:extLst>
+          </a:blip>
+          <a:stretch>
+            <a:fillRect/>
+          </a:stretch>
+        </p:blipFill>
+        <p:spPr>
+          <a:xfrm>
+            <a:off x="6831258" y="3821276"/>
+            <a:ext cx="4857301" cy="2398417"/>
+          </a:xfrm>
+          <a:prstGeom prst="rect">
+            <a:avLst/>
+          </a:prstGeom>
+        </p:spPr>
+      </p:pic>
+      <p:pic>
+        <p:nvPicPr>
+          <p:cNvPr id="6" name="圖片 5"/>
+          <p:cNvPicPr>
+            <a:picLocks noChangeAspect="1"/>
+          </p:cNvPicPr>
+          <p:nvPr/>
+        </p:nvPicPr>
+        <p:blipFill>
+          <a:blip r:embed="rId3">
+            <a:extLst>
+              <a:ext uri="{28A0092B-C50C-407E-A947-70E740481C1C}">
+                <a14:useLocalDpi xmlns:a14="http://schemas.microsoft.com/office/drawing/2010/main" val="0"/>
+              </a:ext>
+            </a:extLst>
+          </a:blip>
+          <a:stretch>
+            <a:fillRect/>
+          </a:stretch>
+        </p:blipFill>
+        <p:spPr>
+          <a:xfrm>
+            <a:off x="503441" y="4058842"/>
+            <a:ext cx="5846084" cy="2160851"/>
+          </a:xfrm>
+          <a:prstGeom prst="rect">
+            <a:avLst/>
+          </a:prstGeom>
+        </p:spPr>
+      </p:pic>
+    </p:spTree>
+    <p:extLst>
+      <p:ext uri="{BB962C8B-B14F-4D97-AF65-F5344CB8AC3E}">
+        <p14:creationId xmlns:p14="http://schemas.microsoft.com/office/powerpoint/2010/main" val="1098531290"/>
+      </p:ext>
+    </p:extLst>
+  </p:cSld>
+  <p:clrMapOvr>
+    <a:masterClrMapping/>
+  </p:clrMapOvr>
+  <p:timing>
+    <p:tnLst>
+      <p:par>
+        <p:cTn id="1" dur="indefinite" restart="never" nodeType="tmRoot"/>
+      </p:par>
+    </p:tnLst>
+  </p:timing>
+</p:sld>
+</file>
+
+<file path=ppt/slides/slide35.xml><?xml version="1.0" encoding="utf-8"?>
+<p:sld xmlns:a="http://schemas.openxmlformats.org/drawingml/2006/main" xmlns:r="http://schemas.openxmlformats.org/officeDocument/2006/relationships" xmlns:p="http://schemas.openxmlformats.org/presentationml/2006/main">
+  <p:cSld>
+    <p:spTree>
+      <p:nvGrpSpPr>
+        <p:cNvPr id="1" name=""/>
+        <p:cNvGrpSpPr/>
+        <p:nvPr/>
+      </p:nvGrpSpPr>
+      <p:grpSpPr>
+        <a:xfrm>
+          <a:off x="0" y="0"/>
+          <a:ext cx="0" cy="0"/>
+          <a:chOff x="0" y="0"/>
+          <a:chExt cx="0" cy="0"/>
+        </a:xfrm>
+      </p:grpSpPr>
+      <p:sp>
+        <p:nvSpPr>
+          <p:cNvPr id="2" name="標題 1"/>
+          <p:cNvSpPr>
+            <a:spLocks noGrp="1"/>
+          </p:cNvSpPr>
+          <p:nvPr>
+            <p:ph type="title"/>
+          </p:nvPr>
+        </p:nvSpPr>
+        <p:spPr/>
+        <p:txBody>
+          <a:bodyPr/>
+          <a:lstStyle/>
+          <a:p>
+            <a:r>
+              <a:rPr lang="en-US" altLang="zh-TW" dirty="0"/>
+              <a:t>Conditionals</a:t>
+            </a:r>
+            <a:endParaRPr lang="zh-TW" altLang="en-US" dirty="0"/>
+          </a:p>
+        </p:txBody>
+      </p:sp>
+      <p:pic>
+        <p:nvPicPr>
+          <p:cNvPr id="4" name="內容版面配置區 3"/>
+          <p:cNvPicPr>
+            <a:picLocks noGrp="1" noChangeAspect="1"/>
+          </p:cNvPicPr>
+          <p:nvPr>
+            <p:ph idx="1"/>
+          </p:nvPr>
+        </p:nvPicPr>
+        <p:blipFill>
+          <a:blip r:embed="rId2">
+            <a:extLst>
+              <a:ext uri="{28A0092B-C50C-407E-A947-70E740481C1C}">
+                <a14:useLocalDpi xmlns:a14="http://schemas.microsoft.com/office/drawing/2010/main" val="0"/>
+              </a:ext>
+            </a:extLst>
+          </a:blip>
+          <a:stretch>
+            <a:fillRect/>
+          </a:stretch>
+        </p:blipFill>
+        <p:spPr>
+          <a:xfrm>
+            <a:off x="4939469" y="365125"/>
+            <a:ext cx="6898007" cy="3157200"/>
+          </a:xfrm>
+        </p:spPr>
+      </p:pic>
+      <p:pic>
+        <p:nvPicPr>
+          <p:cNvPr id="5" name="圖片 4"/>
+          <p:cNvPicPr>
+            <a:picLocks noChangeAspect="1"/>
+          </p:cNvPicPr>
+          <p:nvPr/>
+        </p:nvPicPr>
+        <p:blipFill>
+          <a:blip r:embed="rId3">
+            <a:extLst>
+              <a:ext uri="{28A0092B-C50C-407E-A947-70E740481C1C}">
+                <a14:useLocalDpi xmlns:a14="http://schemas.microsoft.com/office/drawing/2010/main" val="0"/>
+              </a:ext>
+            </a:extLst>
+          </a:blip>
+          <a:stretch>
+            <a:fillRect/>
+          </a:stretch>
+        </p:blipFill>
+        <p:spPr>
+          <a:xfrm>
+            <a:off x="34186" y="3784543"/>
+            <a:ext cx="8679579" cy="2846053"/>
+          </a:xfrm>
+          <a:prstGeom prst="rect">
+            <a:avLst/>
+          </a:prstGeom>
+        </p:spPr>
+      </p:pic>
+      <p:cxnSp>
+        <p:nvCxnSpPr>
+          <p:cNvPr id="7" name="直線單箭頭接點 6"/>
+          <p:cNvCxnSpPr/>
+          <p:nvPr/>
+        </p:nvCxnSpPr>
+        <p:spPr>
+          <a:xfrm flipH="1">
+            <a:off x="1303589" y="2008262"/>
+            <a:ext cx="4114447" cy="1776281"/>
+          </a:xfrm>
+          <a:prstGeom prst="straightConnector1">
+            <a:avLst/>
+          </a:prstGeom>
+          <a:ln w="57150">
+            <a:solidFill>
+              <a:srgbClr val="FF0000"/>
+            </a:solidFill>
+            <a:tailEnd type="triangle"/>
+          </a:ln>
+        </p:spPr>
+        <p:style>
+          <a:lnRef idx="1">
+            <a:schemeClr val="accent1"/>
+          </a:lnRef>
+          <a:fillRef idx="0">
+            <a:schemeClr val="accent1"/>
+          </a:fillRef>
+          <a:effectRef idx="0">
+            <a:schemeClr val="accent1"/>
+          </a:effectRef>
+          <a:fontRef idx="minor">
+            <a:schemeClr val="tx1"/>
+          </a:fontRef>
+        </p:style>
+      </p:cxnSp>
+      <p:sp>
+        <p:nvSpPr>
+          <p:cNvPr id="13" name="文字方塊 12"/>
+          <p:cNvSpPr txBox="1"/>
+          <p:nvPr/>
+        </p:nvSpPr>
+        <p:spPr>
+          <a:xfrm>
+            <a:off x="354524" y="1385021"/>
+            <a:ext cx="4317657" cy="1428211"/>
+          </a:xfrm>
+          <a:prstGeom prst="rect">
+            <a:avLst/>
+          </a:prstGeom>
+          <a:noFill/>
+        </p:spPr>
+        <p:txBody>
+          <a:bodyPr wrap="none" rtlCol="0">
+            <a:spAutoFit/>
+          </a:bodyPr>
+          <a:lstStyle/>
+          <a:p>
+            <a:pPr>
+              <a:lnSpc>
+                <a:spcPct val="150000"/>
+              </a:lnSpc>
+            </a:pPr>
+            <a:r>
+              <a:rPr lang="zh-TW" altLang="en-US" sz="2000" dirty="0" smtClean="0">
+                <a:solidFill>
+                  <a:srgbClr val="FF0000"/>
+                </a:solidFill>
+              </a:rPr>
+              <a:t>很常 </a:t>
+            </a:r>
+            <a:r>
+              <a:rPr lang="en-US" altLang="zh-TW" sz="2000" dirty="0" smtClean="0">
+                <a:solidFill>
+                  <a:srgbClr val="FF0000"/>
+                </a:solidFill>
+              </a:rPr>
+              <a:t>toggle </a:t>
+            </a:r>
+            <a:r>
+              <a:rPr lang="zh-TW" altLang="en-US" sz="2000" dirty="0" smtClean="0">
+                <a:solidFill>
+                  <a:srgbClr val="FF0000"/>
+                </a:solidFill>
+              </a:rPr>
+              <a:t>的話，</a:t>
+            </a:r>
+            <a:r>
+              <a:rPr lang="en-US" altLang="zh-TW" sz="2000" dirty="0" smtClean="0">
+                <a:solidFill>
+                  <a:srgbClr val="FF0000"/>
+                </a:solidFill>
+              </a:rPr>
+              <a:t>v-show</a:t>
+            </a:r>
+            <a:r>
+              <a:rPr lang="zh-TW" altLang="en-US" sz="2000" dirty="0" smtClean="0">
+                <a:solidFill>
+                  <a:srgbClr val="FF0000"/>
+                </a:solidFill>
+              </a:rPr>
+              <a:t> 會比較快，</a:t>
+            </a:r>
+            <a:endParaRPr lang="en-US" altLang="zh-TW" sz="2000" dirty="0" smtClean="0">
+              <a:solidFill>
+                <a:srgbClr val="FF0000"/>
+              </a:solidFill>
+            </a:endParaRPr>
+          </a:p>
+          <a:p>
+            <a:pPr>
+              <a:lnSpc>
+                <a:spcPct val="150000"/>
+              </a:lnSpc>
+            </a:pPr>
+            <a:r>
+              <a:rPr lang="zh-TW" altLang="en-US" sz="2000" dirty="0" smtClean="0">
+                <a:solidFill>
+                  <a:srgbClr val="FF0000"/>
+                </a:solidFill>
+              </a:rPr>
+              <a:t>因為 </a:t>
+            </a:r>
+            <a:r>
+              <a:rPr lang="en-US" altLang="zh-TW" sz="2000" dirty="0" smtClean="0">
+                <a:solidFill>
+                  <a:srgbClr val="FF0000"/>
+                </a:solidFill>
+              </a:rPr>
+              <a:t>v-show </a:t>
+            </a:r>
+            <a:r>
+              <a:rPr lang="zh-TW" altLang="en-US" sz="2000" dirty="0" smtClean="0">
+                <a:solidFill>
+                  <a:srgbClr val="FF0000"/>
+                </a:solidFill>
+              </a:rPr>
+              <a:t>只是變換 </a:t>
+            </a:r>
+            <a:r>
+              <a:rPr lang="en-US" altLang="zh-TW" sz="2000" dirty="0" smtClean="0">
+                <a:solidFill>
+                  <a:srgbClr val="FF0000"/>
+                </a:solidFill>
+              </a:rPr>
+              <a:t>display</a:t>
+            </a:r>
+            <a:r>
+              <a:rPr lang="zh-TW" altLang="en-US" sz="2000" dirty="0">
+                <a:solidFill>
+                  <a:srgbClr val="FF0000"/>
+                </a:solidFill>
+              </a:rPr>
+              <a:t> </a:t>
+            </a:r>
+            <a:r>
+              <a:rPr lang="zh-TW" altLang="en-US" sz="2000" dirty="0" smtClean="0">
+                <a:solidFill>
+                  <a:srgbClr val="FF0000"/>
+                </a:solidFill>
+              </a:rPr>
+              <a:t>而已，</a:t>
+            </a:r>
+            <a:endParaRPr lang="en-US" altLang="zh-TW" sz="2000" dirty="0" smtClean="0">
+              <a:solidFill>
+                <a:srgbClr val="FF0000"/>
+              </a:solidFill>
+            </a:endParaRPr>
+          </a:p>
+          <a:p>
+            <a:pPr>
+              <a:lnSpc>
+                <a:spcPct val="150000"/>
+              </a:lnSpc>
+            </a:pPr>
+            <a:r>
+              <a:rPr lang="en-US" altLang="zh-TW" sz="2000" dirty="0" smtClean="0">
+                <a:solidFill>
+                  <a:srgbClr val="FF0000"/>
+                </a:solidFill>
+              </a:rPr>
+              <a:t>v-if </a:t>
+            </a:r>
+            <a:r>
+              <a:rPr lang="zh-TW" altLang="en-US" sz="2000" dirty="0" smtClean="0">
+                <a:solidFill>
+                  <a:srgbClr val="FF0000"/>
+                </a:solidFill>
+              </a:rPr>
+              <a:t>則需要重建元件。</a:t>
+            </a:r>
+            <a:endParaRPr lang="zh-TW" altLang="en-US" sz="2000" dirty="0">
+              <a:solidFill>
+                <a:srgbClr val="FF0000"/>
+              </a:solidFill>
+            </a:endParaRPr>
+          </a:p>
+        </p:txBody>
+      </p:sp>
+      <p:sp>
+        <p:nvSpPr>
+          <p:cNvPr id="3" name="文字方塊 2"/>
+          <p:cNvSpPr txBox="1"/>
+          <p:nvPr/>
+        </p:nvSpPr>
+        <p:spPr>
+          <a:xfrm>
+            <a:off x="8895328" y="3822709"/>
+            <a:ext cx="3296672" cy="2400657"/>
+          </a:xfrm>
+          <a:prstGeom prst="rect">
+            <a:avLst/>
+          </a:prstGeom>
+          <a:noFill/>
+        </p:spPr>
+        <p:txBody>
+          <a:bodyPr wrap="none" rtlCol="0">
+            <a:spAutoFit/>
+          </a:bodyPr>
+          <a:lstStyle/>
+          <a:p>
+            <a:pPr>
+              <a:lnSpc>
+                <a:spcPct val="150000"/>
+              </a:lnSpc>
+            </a:pPr>
+            <a:r>
+              <a:rPr lang="zh-TW" altLang="en-US" sz="2000" dirty="0" smtClean="0">
+                <a:solidFill>
+                  <a:srgbClr val="FF0000"/>
+                </a:solidFill>
+              </a:rPr>
+              <a:t>若有很多元件預設不顯示，</a:t>
+            </a:r>
+            <a:endParaRPr lang="en-US" altLang="zh-TW" sz="2000" dirty="0" smtClean="0">
+              <a:solidFill>
+                <a:srgbClr val="FF0000"/>
+              </a:solidFill>
+            </a:endParaRPr>
+          </a:p>
+          <a:p>
+            <a:pPr>
+              <a:lnSpc>
+                <a:spcPct val="150000"/>
+              </a:lnSpc>
+            </a:pPr>
+            <a:r>
+              <a:rPr lang="zh-TW" altLang="en-US" sz="2000" dirty="0" smtClean="0">
+                <a:solidFill>
+                  <a:srgbClr val="FF0000"/>
+                </a:solidFill>
+              </a:rPr>
+              <a:t>則初始時間 </a:t>
+            </a:r>
+            <a:r>
+              <a:rPr lang="en-US" altLang="zh-TW" sz="2000" dirty="0" smtClean="0">
+                <a:solidFill>
+                  <a:srgbClr val="FF0000"/>
+                </a:solidFill>
+              </a:rPr>
+              <a:t>v-if </a:t>
+            </a:r>
+            <a:r>
+              <a:rPr lang="zh-TW" altLang="en-US" sz="2000" dirty="0" smtClean="0">
+                <a:solidFill>
+                  <a:srgbClr val="FF0000"/>
+                </a:solidFill>
+              </a:rPr>
+              <a:t>會比較快，</a:t>
+            </a:r>
+            <a:endParaRPr lang="en-US" altLang="zh-TW" sz="2000" dirty="0" smtClean="0">
+              <a:solidFill>
+                <a:srgbClr val="FF0000"/>
+              </a:solidFill>
+            </a:endParaRPr>
+          </a:p>
+          <a:p>
+            <a:pPr>
+              <a:lnSpc>
+                <a:spcPct val="150000"/>
+              </a:lnSpc>
+            </a:pPr>
+            <a:r>
+              <a:rPr lang="zh-TW" altLang="en-US" sz="2000" dirty="0" smtClean="0">
+                <a:solidFill>
+                  <a:srgbClr val="FF0000"/>
+                </a:solidFill>
+              </a:rPr>
+              <a:t>因為 </a:t>
+            </a:r>
+            <a:r>
+              <a:rPr lang="en-US" altLang="zh-TW" sz="2000" dirty="0" smtClean="0">
+                <a:solidFill>
+                  <a:srgbClr val="FF0000"/>
+                </a:solidFill>
+              </a:rPr>
+              <a:t>v-if </a:t>
+            </a:r>
+            <a:r>
+              <a:rPr lang="zh-TW" altLang="en-US" sz="2000" dirty="0" smtClean="0">
+                <a:solidFill>
+                  <a:srgbClr val="FF0000"/>
+                </a:solidFill>
+              </a:rPr>
+              <a:t>是 </a:t>
+            </a:r>
+            <a:r>
+              <a:rPr lang="en-US" altLang="zh-TW" sz="2000" dirty="0" smtClean="0">
+                <a:solidFill>
+                  <a:srgbClr val="FF0000"/>
+                </a:solidFill>
+              </a:rPr>
+              <a:t>lazy-loading</a:t>
+            </a:r>
+            <a:r>
+              <a:rPr lang="zh-TW" altLang="en-US" sz="2000" dirty="0">
+                <a:solidFill>
+                  <a:srgbClr val="FF0000"/>
+                </a:solidFill>
+              </a:rPr>
+              <a:t> </a:t>
+            </a:r>
+            <a:endParaRPr lang="en-US" altLang="zh-TW" sz="2000" dirty="0" smtClean="0">
+              <a:solidFill>
+                <a:srgbClr val="FF0000"/>
+              </a:solidFill>
+            </a:endParaRPr>
+          </a:p>
+          <a:p>
+            <a:pPr>
+              <a:lnSpc>
+                <a:spcPct val="150000"/>
+              </a:lnSpc>
+            </a:pPr>
+            <a:r>
+              <a:rPr lang="en-US" altLang="zh-TW" sz="2000" dirty="0" smtClean="0">
+                <a:solidFill>
+                  <a:srgbClr val="FF0000"/>
+                </a:solidFill>
+              </a:rPr>
+              <a:t>(</a:t>
+            </a:r>
+            <a:r>
+              <a:rPr lang="zh-TW" altLang="en-US" sz="2000" dirty="0" smtClean="0">
+                <a:solidFill>
+                  <a:srgbClr val="FF0000"/>
+                </a:solidFill>
+              </a:rPr>
+              <a:t>要顯示時才建立元件</a:t>
+            </a:r>
+            <a:r>
+              <a:rPr lang="en-US" altLang="zh-TW" sz="2000" dirty="0" smtClean="0">
+                <a:solidFill>
+                  <a:srgbClr val="FF0000"/>
+                </a:solidFill>
+              </a:rPr>
+              <a:t>)</a:t>
+            </a:r>
+            <a:r>
+              <a:rPr lang="zh-TW" altLang="en-US" sz="2000" dirty="0" smtClean="0">
+                <a:solidFill>
+                  <a:srgbClr val="FF0000"/>
+                </a:solidFill>
+              </a:rPr>
+              <a:t>；</a:t>
+            </a:r>
+            <a:endParaRPr lang="en-US" altLang="zh-TW" sz="2000" dirty="0" smtClean="0">
+              <a:solidFill>
+                <a:srgbClr val="FF0000"/>
+              </a:solidFill>
+            </a:endParaRPr>
+          </a:p>
+          <a:p>
+            <a:pPr>
+              <a:lnSpc>
+                <a:spcPct val="150000"/>
+              </a:lnSpc>
+            </a:pPr>
+            <a:r>
+              <a:rPr lang="en-US" altLang="zh-TW" sz="2000" dirty="0" smtClean="0">
+                <a:solidFill>
+                  <a:srgbClr val="FF0000"/>
+                </a:solidFill>
+              </a:rPr>
+              <a:t>v-show</a:t>
+            </a:r>
+            <a:r>
+              <a:rPr lang="zh-TW" altLang="en-US" sz="2000" dirty="0" smtClean="0">
+                <a:solidFill>
+                  <a:srgbClr val="FF0000"/>
+                </a:solidFill>
+              </a:rPr>
+              <a:t> 則是一開始就建立。</a:t>
+            </a:r>
+            <a:endParaRPr lang="zh-TW" altLang="en-US" sz="2000" dirty="0">
+              <a:solidFill>
+                <a:srgbClr val="FF0000"/>
+              </a:solidFill>
+            </a:endParaRPr>
+          </a:p>
+        </p:txBody>
+      </p:sp>
+    </p:spTree>
+    <p:extLst>
+      <p:ext uri="{BB962C8B-B14F-4D97-AF65-F5344CB8AC3E}">
+        <p14:creationId xmlns:p14="http://schemas.microsoft.com/office/powerpoint/2010/main" val="4117815631"/>
+      </p:ext>
+    </p:extLst>
+  </p:cSld>
+  <p:clrMapOvr>
+    <a:masterClrMapping/>
+  </p:clrMapOvr>
+  <p:timing>
+    <p:tnLst>
+      <p:par>
+        <p:cTn id="1" dur="indefinite" restart="never" nodeType="tmRoot"/>
+      </p:par>
+    </p:tnLst>
+  </p:timing>
+</p:sld>
+</file>
+
+<file path=ppt/slides/slide36.xml><?xml version="1.0" encoding="utf-8"?>
+<p:sld xmlns:a="http://schemas.openxmlformats.org/drawingml/2006/main" xmlns:r="http://schemas.openxmlformats.org/officeDocument/2006/relationships" xmlns:p="http://schemas.openxmlformats.org/presentationml/2006/main">
+  <p:cSld>
+    <p:spTree>
+      <p:nvGrpSpPr>
+        <p:cNvPr id="1" name=""/>
+        <p:cNvGrpSpPr/>
+        <p:nvPr/>
+      </p:nvGrpSpPr>
+      <p:grpSpPr>
+        <a:xfrm>
+          <a:off x="0" y="0"/>
+          <a:ext cx="0" cy="0"/>
+          <a:chOff x="0" y="0"/>
+          <a:chExt cx="0" cy="0"/>
+        </a:xfrm>
+      </p:grpSpPr>
+      <p:sp>
+        <p:nvSpPr>
+          <p:cNvPr id="2" name="標題 1"/>
+          <p:cNvSpPr>
+            <a:spLocks noGrp="1"/>
+          </p:cNvSpPr>
+          <p:nvPr>
+            <p:ph type="title"/>
+          </p:nvPr>
+        </p:nvSpPr>
+        <p:spPr/>
+        <p:txBody>
+          <a:bodyPr/>
+          <a:lstStyle/>
+          <a:p>
+            <a:r>
+              <a:rPr lang="en-US" altLang="zh-TW" dirty="0"/>
+              <a:t>Loops</a:t>
+            </a:r>
+            <a:endParaRPr lang="zh-TW" altLang="en-US" dirty="0"/>
+          </a:p>
+        </p:txBody>
+      </p:sp>
+      <p:sp>
+        <p:nvSpPr>
+          <p:cNvPr id="3" name="內容版面配置區 2"/>
+          <p:cNvSpPr>
+            <a:spLocks noGrp="1"/>
+          </p:cNvSpPr>
+          <p:nvPr>
+            <p:ph idx="1"/>
+          </p:nvPr>
+        </p:nvSpPr>
+        <p:spPr/>
+        <p:txBody>
+          <a:bodyPr/>
+          <a:lstStyle/>
+          <a:p>
+            <a:r>
+              <a:rPr lang="zh-TW" altLang="en-US" dirty="0" smtClean="0"/>
+              <a:t>可以使用 </a:t>
+            </a:r>
+            <a:r>
+              <a:rPr lang="en-US" altLang="zh-TW" dirty="0" smtClean="0"/>
+              <a:t>v-for</a:t>
+            </a:r>
+            <a:r>
+              <a:rPr lang="zh-TW" altLang="en-US" dirty="0" smtClean="0"/>
+              <a:t>，在 </a:t>
+            </a:r>
+            <a:r>
+              <a:rPr lang="en-US" altLang="zh-TW" dirty="0" smtClean="0"/>
+              <a:t>&lt;template&gt; </a:t>
+            </a:r>
+            <a:r>
+              <a:rPr lang="zh-TW" altLang="en-US" dirty="0" smtClean="0"/>
+              <a:t>逐一呈現出 </a:t>
+            </a:r>
+            <a:r>
+              <a:rPr lang="en-US" altLang="zh-TW" dirty="0" smtClean="0"/>
+              <a:t>arrays</a:t>
+            </a:r>
+            <a:r>
+              <a:rPr lang="zh-TW" altLang="en-US" dirty="0" smtClean="0"/>
+              <a:t> 的資料。 </a:t>
+            </a:r>
+            <a:endParaRPr lang="en-US" altLang="zh-TW" dirty="0"/>
+          </a:p>
+        </p:txBody>
+      </p:sp>
+      <p:pic>
+        <p:nvPicPr>
+          <p:cNvPr id="5" name="圖片 4"/>
+          <p:cNvPicPr>
+            <a:picLocks noChangeAspect="1"/>
+          </p:cNvPicPr>
+          <p:nvPr/>
+        </p:nvPicPr>
+        <p:blipFill>
+          <a:blip r:embed="rId2">
+            <a:extLst>
+              <a:ext uri="{28A0092B-C50C-407E-A947-70E740481C1C}">
+                <a14:useLocalDpi xmlns:a14="http://schemas.microsoft.com/office/drawing/2010/main" val="0"/>
+              </a:ext>
+            </a:extLst>
+          </a:blip>
+          <a:stretch>
+            <a:fillRect/>
+          </a:stretch>
+        </p:blipFill>
+        <p:spPr>
+          <a:xfrm>
+            <a:off x="1407079" y="4252943"/>
+            <a:ext cx="4515311" cy="2199518"/>
+          </a:xfrm>
+          <a:prstGeom prst="rect">
+            <a:avLst/>
+          </a:prstGeom>
+        </p:spPr>
+      </p:pic>
+      <p:pic>
+        <p:nvPicPr>
+          <p:cNvPr id="6" name="圖片 5"/>
+          <p:cNvPicPr>
+            <a:picLocks noChangeAspect="1"/>
+          </p:cNvPicPr>
+          <p:nvPr/>
+        </p:nvPicPr>
+        <p:blipFill>
+          <a:blip r:embed="rId3">
+            <a:extLst>
+              <a:ext uri="{28A0092B-C50C-407E-A947-70E740481C1C}">
+                <a14:useLocalDpi xmlns:a14="http://schemas.microsoft.com/office/drawing/2010/main" val="0"/>
+              </a:ext>
+            </a:extLst>
+          </a:blip>
+          <a:stretch>
+            <a:fillRect/>
+          </a:stretch>
+        </p:blipFill>
+        <p:spPr>
+          <a:xfrm>
+            <a:off x="7764855" y="4396654"/>
+            <a:ext cx="1575566" cy="1912095"/>
+          </a:xfrm>
+          <a:prstGeom prst="rect">
+            <a:avLst/>
+          </a:prstGeom>
+        </p:spPr>
+      </p:pic>
+      <p:pic>
+        <p:nvPicPr>
+          <p:cNvPr id="7" name="圖片 6"/>
+          <p:cNvPicPr>
+            <a:picLocks noChangeAspect="1"/>
+          </p:cNvPicPr>
+          <p:nvPr/>
+        </p:nvPicPr>
+        <p:blipFill>
+          <a:blip r:embed="rId4">
+            <a:extLst>
+              <a:ext uri="{28A0092B-C50C-407E-A947-70E740481C1C}">
+                <a14:useLocalDpi xmlns:a14="http://schemas.microsoft.com/office/drawing/2010/main" val="0"/>
+              </a:ext>
+            </a:extLst>
+          </a:blip>
+          <a:stretch>
+            <a:fillRect/>
+          </a:stretch>
+        </p:blipFill>
+        <p:spPr>
+          <a:xfrm>
+            <a:off x="986648" y="2443367"/>
+            <a:ext cx="10218703" cy="1499894"/>
+          </a:xfrm>
+          <a:prstGeom prst="rect">
+            <a:avLst/>
+          </a:prstGeom>
+        </p:spPr>
+      </p:pic>
+      <p:sp>
+        <p:nvSpPr>
+          <p:cNvPr id="8" name="文字方塊 7"/>
+          <p:cNvSpPr txBox="1"/>
+          <p:nvPr/>
+        </p:nvSpPr>
+        <p:spPr>
+          <a:xfrm>
+            <a:off x="7084463" y="2905570"/>
+            <a:ext cx="3042303" cy="400110"/>
+          </a:xfrm>
+          <a:prstGeom prst="rect">
+            <a:avLst/>
+          </a:prstGeom>
+          <a:noFill/>
+        </p:spPr>
+        <p:txBody>
+          <a:bodyPr wrap="square" rtlCol="0">
+            <a:spAutoFit/>
+          </a:bodyPr>
+          <a:lstStyle/>
+          <a:p>
+            <a:r>
+              <a:rPr lang="zh-TW" altLang="en-US" sz="2000" dirty="0" smtClean="0">
+                <a:solidFill>
+                  <a:srgbClr val="FF0000"/>
+                </a:solidFill>
+              </a:rPr>
+              <a:t>後面解釋 </a:t>
+            </a:r>
+            <a:r>
+              <a:rPr lang="en-US" altLang="zh-TW" sz="2000" dirty="0" smtClean="0">
+                <a:solidFill>
+                  <a:srgbClr val="FF0000"/>
+                </a:solidFill>
+              </a:rPr>
+              <a:t>:key</a:t>
+            </a:r>
+            <a:endParaRPr lang="zh-TW" altLang="en-US" sz="2000" dirty="0">
+              <a:solidFill>
+                <a:srgbClr val="FF0000"/>
+              </a:solidFill>
+            </a:endParaRPr>
+          </a:p>
+        </p:txBody>
+      </p:sp>
+    </p:spTree>
+    <p:extLst>
+      <p:ext uri="{BB962C8B-B14F-4D97-AF65-F5344CB8AC3E}">
+        <p14:creationId xmlns:p14="http://schemas.microsoft.com/office/powerpoint/2010/main" val="3625899456"/>
+      </p:ext>
+    </p:extLst>
+  </p:cSld>
+  <p:clrMapOvr>
+    <a:masterClrMapping/>
+  </p:clrMapOvr>
+  <p:timing>
+    <p:tnLst>
+      <p:par>
+        <p:cTn id="1" dur="indefinite" restart="never" nodeType="tmRoot"/>
+      </p:par>
+    </p:tnLst>
+  </p:timing>
+</p:sld>
+</file>
+
+<file path=ppt/slides/slide37.xml><?xml version="1.0" encoding="utf-8"?>
+<p:sld xmlns:a="http://schemas.openxmlformats.org/drawingml/2006/main" xmlns:r="http://schemas.openxmlformats.org/officeDocument/2006/relationships" xmlns:p="http://schemas.openxmlformats.org/presentationml/2006/main">
+  <p:cSld>
+    <p:spTree>
+      <p:nvGrpSpPr>
+        <p:cNvPr id="1" name=""/>
+        <p:cNvGrpSpPr/>
+        <p:nvPr/>
+      </p:nvGrpSpPr>
+      <p:grpSpPr>
+        <a:xfrm>
+          <a:off x="0" y="0"/>
+          <a:ext cx="0" cy="0"/>
+          <a:chOff x="0" y="0"/>
+          <a:chExt cx="0" cy="0"/>
+        </a:xfrm>
+      </p:grpSpPr>
+      <p:sp>
+        <p:nvSpPr>
+          <p:cNvPr id="2" name="標題 1"/>
+          <p:cNvSpPr>
+            <a:spLocks noGrp="1"/>
+          </p:cNvSpPr>
+          <p:nvPr>
+            <p:ph type="title"/>
+          </p:nvPr>
+        </p:nvSpPr>
+        <p:spPr/>
+        <p:txBody>
+          <a:bodyPr/>
+          <a:lstStyle/>
+          <a:p>
+            <a:r>
+              <a:rPr lang="en-US" altLang="zh-TW" dirty="0" smtClean="0"/>
+              <a:t>:key</a:t>
+            </a:r>
+            <a:endParaRPr lang="zh-TW" altLang="en-US" dirty="0"/>
+          </a:p>
+        </p:txBody>
+      </p:sp>
+      <p:sp>
+        <p:nvSpPr>
+          <p:cNvPr id="3" name="內容版面配置區 2"/>
+          <p:cNvSpPr>
+            <a:spLocks noGrp="1"/>
+          </p:cNvSpPr>
+          <p:nvPr>
+            <p:ph idx="1"/>
+          </p:nvPr>
+        </p:nvSpPr>
+        <p:spPr/>
+        <p:txBody>
+          <a:bodyPr/>
+          <a:lstStyle/>
+          <a:p>
+            <a:endParaRPr lang="zh-TW" altLang="en-US"/>
+          </a:p>
+        </p:txBody>
+      </p:sp>
+    </p:spTree>
+    <p:extLst>
+      <p:ext uri="{BB962C8B-B14F-4D97-AF65-F5344CB8AC3E}">
+        <p14:creationId xmlns:p14="http://schemas.microsoft.com/office/powerpoint/2010/main" val="836696172"/>
+      </p:ext>
+    </p:extLst>
+  </p:cSld>
+  <p:clrMapOvr>
+    <a:masterClrMapping/>
+  </p:clrMapOvr>
+</p:sld>
+</file>
+
+<file path=ppt/slides/slide38.xml><?xml version="1.0" encoding="utf-8"?>
+<p:sld xmlns:a="http://schemas.openxmlformats.org/drawingml/2006/main" xmlns:r="http://schemas.openxmlformats.org/officeDocument/2006/relationships" xmlns:p="http://schemas.openxmlformats.org/presentationml/2006/main">
+  <p:cSld>
+    <p:spTree>
+      <p:nvGrpSpPr>
+        <p:cNvPr id="1" name=""/>
+        <p:cNvGrpSpPr/>
+        <p:nvPr/>
+      </p:nvGrpSpPr>
+      <p:grpSpPr>
+        <a:xfrm>
+          <a:off x="0" y="0"/>
+          <a:ext cx="0" cy="0"/>
+          <a:chOff x="0" y="0"/>
+          <a:chExt cx="0" cy="0"/>
+        </a:xfrm>
+      </p:grpSpPr>
+      <p:sp>
+        <p:nvSpPr>
+          <p:cNvPr id="2" name="標題 1"/>
+          <p:cNvSpPr>
+            <a:spLocks noGrp="1"/>
+          </p:cNvSpPr>
+          <p:nvPr>
             <p:ph type="ctrTitle"/>
           </p:nvPr>
         </p:nvSpPr>
@@ -8794,7 +9886,7 @@
           <a:p>
             <a:r>
               <a:rPr lang="en-US" altLang="zh-TW" dirty="0" smtClean="0"/>
-              <a:t>Install Vue</a:t>
+              <a:t>Proxy Setting</a:t>
             </a:r>
             <a:endParaRPr lang="zh-TW" altLang="en-US" dirty="0"/>
           </a:p>
@@ -8815,53 +9907,65 @@
           <a:bodyPr/>
           <a:lstStyle/>
           <a:p>
-            <a:r>
-              <a:rPr lang="en-US" altLang="zh-TW" dirty="0" smtClean="0"/>
-              <a:t>Install </a:t>
-            </a:r>
-            <a:r>
-              <a:rPr lang="en-US" altLang="zh-TW" dirty="0" err="1" smtClean="0"/>
-              <a:t>vue</a:t>
-            </a:r>
-            <a:r>
-              <a:rPr lang="en-US" altLang="zh-TW" dirty="0" smtClean="0"/>
-              <a:t> using </a:t>
-            </a:r>
-            <a:r>
-              <a:rPr lang="en-US" altLang="zh-TW" dirty="0" err="1" smtClean="0"/>
+            <a:pPr marL="228600" lvl="1">
+              <a:spcBef>
+                <a:spcPts val="1000"/>
+              </a:spcBef>
+            </a:pPr>
+            <a:r>
+              <a:rPr lang="en-US" altLang="zh-TW" sz="2000" b="0" dirty="0" err="1" smtClean="0"/>
               <a:t>npm</a:t>
             </a:r>
-            <a:endParaRPr lang="en-US" altLang="zh-TW" dirty="0" smtClean="0"/>
-          </a:p>
-          <a:p>
-            <a:endParaRPr lang="en-US" altLang="zh-TW" dirty="0"/>
-          </a:p>
-          <a:p>
-            <a:endParaRPr lang="en-US" altLang="zh-TW" dirty="0" smtClean="0"/>
-          </a:p>
-          <a:p>
-            <a:r>
-              <a:rPr lang="en-US" altLang="zh-TW" dirty="0" smtClean="0"/>
-              <a:t>Edit Environment Variables</a:t>
-            </a:r>
-          </a:p>
-          <a:p>
-            <a:endParaRPr lang="en-US" altLang="zh-TW" dirty="0"/>
-          </a:p>
-          <a:p>
-            <a:endParaRPr lang="en-US" altLang="zh-TW" dirty="0" smtClean="0"/>
-          </a:p>
-          <a:p>
-            <a:endParaRPr lang="en-US" altLang="zh-TW" dirty="0"/>
-          </a:p>
-          <a:p>
-            <a:r>
-              <a:rPr lang="en-US" altLang="zh-TW" dirty="0" smtClean="0"/>
-              <a:t>Check</a:t>
-            </a:r>
-          </a:p>
-          <a:p>
-            <a:endParaRPr lang="en-US" altLang="zh-TW" dirty="0" smtClean="0"/>
+            <a:r>
+              <a:rPr lang="en-US" altLang="zh-TW" sz="2000" b="0" dirty="0" smtClean="0"/>
+              <a:t> </a:t>
+            </a:r>
+            <a:r>
+              <a:rPr lang="en-US" altLang="zh-TW" sz="2000" b="0" dirty="0" err="1" smtClean="0"/>
+              <a:t>config</a:t>
+            </a:r>
+            <a:r>
+              <a:rPr lang="en-US" altLang="zh-TW" sz="2000" b="0" dirty="0" smtClean="0"/>
+              <a:t> set strict-</a:t>
+            </a:r>
+            <a:r>
+              <a:rPr lang="en-US" altLang="zh-TW" sz="2000" b="0" dirty="0" err="1" smtClean="0"/>
+              <a:t>ssl</a:t>
+            </a:r>
+            <a:r>
+              <a:rPr lang="en-US" altLang="zh-TW" sz="2000" b="0" dirty="0" smtClean="0"/>
+              <a:t>=false</a:t>
+            </a:r>
+          </a:p>
+          <a:p>
+            <a:pPr marL="228600" lvl="1">
+              <a:spcBef>
+                <a:spcPts val="1000"/>
+              </a:spcBef>
+            </a:pPr>
+            <a:r>
+              <a:rPr lang="en-US" altLang="zh-TW" sz="2000" b="0" dirty="0" err="1" smtClean="0"/>
+              <a:t>npm</a:t>
+            </a:r>
+            <a:r>
+              <a:rPr lang="en-US" altLang="zh-TW" sz="2000" b="0" dirty="0" smtClean="0"/>
+              <a:t> </a:t>
+            </a:r>
+            <a:r>
+              <a:rPr lang="en-US" altLang="zh-TW" sz="2000" b="0" dirty="0" err="1" smtClean="0"/>
+              <a:t>config</a:t>
+            </a:r>
+            <a:r>
+              <a:rPr lang="en-US" altLang="zh-TW" sz="2000" b="0" dirty="0" smtClean="0"/>
+              <a:t> set registry </a:t>
+            </a:r>
+            <a:r>
+              <a:rPr lang="en-US" altLang="zh-TW" sz="2000" b="0" dirty="0" smtClean="0">
+                <a:hlinkClick r:id="rId2"/>
+              </a:rPr>
+              <a:t>https://nexus.testesunbank.com.tw:8443/repository/npm/</a:t>
+            </a:r>
+            <a:endParaRPr lang="en-US" altLang="zh-TW" sz="2000" b="0" dirty="0" smtClean="0"/>
           </a:p>
           <a:p>
             <a:endParaRPr lang="en-US" altLang="zh-TW" dirty="0" smtClean="0"/>
@@ -8873,37 +9977,7 @@
       </p:sp>
       <p:pic>
         <p:nvPicPr>
-          <p:cNvPr id="6" name="圖片 5"/>
-          <p:cNvPicPr>
-            <a:picLocks noChangeAspect="1"/>
-          </p:cNvPicPr>
-          <p:nvPr/>
-        </p:nvPicPr>
-        <p:blipFill>
-          <a:blip r:embed="rId2">
-            <a:extLst>
-              <a:ext uri="{28A0092B-C50C-407E-A947-70E740481C1C}">
-                <a14:useLocalDpi xmlns:a14="http://schemas.microsoft.com/office/drawing/2010/main" val="0"/>
-              </a:ext>
-            </a:extLst>
-          </a:blip>
-          <a:stretch>
-            <a:fillRect/>
-          </a:stretch>
-        </p:blipFill>
-        <p:spPr>
-          <a:xfrm>
-            <a:off x="1540345" y="2468531"/>
-            <a:ext cx="5424478" cy="530393"/>
-          </a:xfrm>
-          <a:prstGeom prst="rect">
-            <a:avLst/>
-          </a:prstGeom>
-        </p:spPr>
-      </p:pic>
-      <p:pic>
-        <p:nvPicPr>
-          <p:cNvPr id="7" name="圖片 6"/>
+          <p:cNvPr id="4" name="圖片 3"/>
           <p:cNvPicPr>
             <a:picLocks noChangeAspect="1"/>
           </p:cNvPicPr>
@@ -8923,38 +9997,8 @@
         </p:blipFill>
         <p:spPr>
           <a:xfrm>
-            <a:off x="1540345" y="3921513"/>
-            <a:ext cx="4917931" cy="1325604"/>
-          </a:xfrm>
-          <a:prstGeom prst="rect">
-            <a:avLst/>
-          </a:prstGeom>
-        </p:spPr>
-      </p:pic>
-      <p:pic>
-        <p:nvPicPr>
-          <p:cNvPr id="8" name="圖片 7"/>
-          <p:cNvPicPr>
-            <a:picLocks noChangeAspect="1"/>
-          </p:cNvPicPr>
-          <p:nvPr/>
-        </p:nvPicPr>
-        <p:blipFill>
-          <a:blip r:embed="rId4">
-            <a:extLst>
-              <a:ext uri="{28A0092B-C50C-407E-A947-70E740481C1C}">
-                <a14:useLocalDpi xmlns:a14="http://schemas.microsoft.com/office/drawing/2010/main" val="0"/>
-              </a:ext>
-            </a:extLst>
-          </a:blip>
-          <a:stretch>
-            <a:fillRect/>
-          </a:stretch>
-        </p:blipFill>
-        <p:spPr>
-          <a:xfrm>
-            <a:off x="1540345" y="5869067"/>
-            <a:ext cx="4048605" cy="764037"/>
+            <a:off x="1058263" y="2950381"/>
+            <a:ext cx="10075473" cy="843951"/>
           </a:xfrm>
           <a:prstGeom prst="rect">
             <a:avLst/>
@@ -8964,7 +10008,7 @@
     </p:spTree>
     <p:extLst>
       <p:ext uri="{BB962C8B-B14F-4D97-AF65-F5344CB8AC3E}">
-        <p14:creationId xmlns:p14="http://schemas.microsoft.com/office/powerpoint/2010/main" val="1025888212"/>
+        <p14:creationId xmlns:p14="http://schemas.microsoft.com/office/powerpoint/2010/main" val="1527055721"/>
       </p:ext>
     </p:extLst>
   </p:cSld>
@@ -9015,7 +10059,7 @@
           <a:p>
             <a:r>
               <a:rPr lang="en-US" altLang="zh-TW" dirty="0" smtClean="0"/>
-              <a:t>Proxy Setting</a:t>
+              <a:t>Install Vue</a:t>
             </a:r>
             <a:endParaRPr lang="zh-TW" altLang="en-US" dirty="0"/>
           </a:p>
@@ -9036,65 +10080,53 @@
           <a:bodyPr/>
           <a:lstStyle/>
           <a:p>
-            <a:pPr marL="228600" lvl="1">
-              <a:spcBef>
-                <a:spcPts val="1000"/>
-              </a:spcBef>
-            </a:pPr>
-            <a:r>
-              <a:rPr lang="en-US" altLang="zh-TW" sz="2000" b="0" dirty="0" err="1" smtClean="0"/>
+            <a:r>
+              <a:rPr lang="en-US" altLang="zh-TW" dirty="0" smtClean="0"/>
+              <a:t>Install </a:t>
+            </a:r>
+            <a:r>
+              <a:rPr lang="en-US" altLang="zh-TW" dirty="0" err="1" smtClean="0"/>
+              <a:t>vue</a:t>
+            </a:r>
+            <a:r>
+              <a:rPr lang="en-US" altLang="zh-TW" dirty="0" smtClean="0"/>
+              <a:t> using </a:t>
+            </a:r>
+            <a:r>
+              <a:rPr lang="en-US" altLang="zh-TW" dirty="0" err="1" smtClean="0"/>
               <a:t>npm</a:t>
             </a:r>
-            <a:r>
-              <a:rPr lang="en-US" altLang="zh-TW" sz="2000" b="0" dirty="0" smtClean="0"/>
-              <a:t> </a:t>
-            </a:r>
-            <a:r>
-              <a:rPr lang="en-US" altLang="zh-TW" sz="2000" b="0" dirty="0" err="1" smtClean="0"/>
-              <a:t>config</a:t>
-            </a:r>
-            <a:r>
-              <a:rPr lang="en-US" altLang="zh-TW" sz="2000" b="0" dirty="0" smtClean="0"/>
-              <a:t> set strict-</a:t>
-            </a:r>
-            <a:r>
-              <a:rPr lang="en-US" altLang="zh-TW" sz="2000" b="0" dirty="0" err="1" smtClean="0"/>
-              <a:t>ssl</a:t>
-            </a:r>
-            <a:r>
-              <a:rPr lang="en-US" altLang="zh-TW" sz="2000" b="0" dirty="0" smtClean="0"/>
-              <a:t>=false</a:t>
-            </a:r>
-          </a:p>
-          <a:p>
-            <a:pPr marL="228600" lvl="1">
-              <a:spcBef>
-                <a:spcPts val="1000"/>
-              </a:spcBef>
-            </a:pPr>
-            <a:r>
-              <a:rPr lang="en-US" altLang="zh-TW" sz="2000" b="0" dirty="0" err="1" smtClean="0"/>
-              <a:t>npm</a:t>
-            </a:r>
-            <a:r>
-              <a:rPr lang="en-US" altLang="zh-TW" sz="2000" b="0" dirty="0" smtClean="0"/>
-              <a:t> </a:t>
-            </a:r>
-            <a:r>
-              <a:rPr lang="en-US" altLang="zh-TW" sz="2000" b="0" dirty="0" err="1" smtClean="0"/>
-              <a:t>config</a:t>
-            </a:r>
-            <a:r>
-              <a:rPr lang="en-US" altLang="zh-TW" sz="2000" b="0" dirty="0" smtClean="0"/>
-              <a:t> set registry </a:t>
-            </a:r>
-            <a:r>
-              <a:rPr lang="en-US" altLang="zh-TW" sz="2000" b="0" dirty="0" smtClean="0">
-                <a:hlinkClick r:id="rId2"/>
-              </a:rPr>
-              <a:t>https://nexus.testesunbank.com.tw:8443/repository/npm/</a:t>
-            </a:r>
-            <a:endParaRPr lang="en-US" altLang="zh-TW" sz="2000" b="0" dirty="0" smtClean="0"/>
+            <a:endParaRPr lang="en-US" altLang="zh-TW" dirty="0" smtClean="0"/>
+          </a:p>
+          <a:p>
+            <a:endParaRPr lang="en-US" altLang="zh-TW" dirty="0"/>
+          </a:p>
+          <a:p>
+            <a:endParaRPr lang="en-US" altLang="zh-TW" dirty="0" smtClean="0"/>
+          </a:p>
+          <a:p>
+            <a:r>
+              <a:rPr lang="en-US" altLang="zh-TW" dirty="0" smtClean="0"/>
+              <a:t>Edit Environment Variables</a:t>
+            </a:r>
+          </a:p>
+          <a:p>
+            <a:endParaRPr lang="en-US" altLang="zh-TW" dirty="0"/>
+          </a:p>
+          <a:p>
+            <a:endParaRPr lang="en-US" altLang="zh-TW" dirty="0" smtClean="0"/>
+          </a:p>
+          <a:p>
+            <a:endParaRPr lang="en-US" altLang="zh-TW" dirty="0"/>
+          </a:p>
+          <a:p>
+            <a:r>
+              <a:rPr lang="en-US" altLang="zh-TW" dirty="0" smtClean="0"/>
+              <a:t>Check</a:t>
+            </a:r>
+          </a:p>
+          <a:p>
+            <a:endParaRPr lang="en-US" altLang="zh-TW" dirty="0" smtClean="0"/>
           </a:p>
           <a:p>
             <a:endParaRPr lang="en-US" altLang="zh-TW" dirty="0" smtClean="0"/>
@@ -9106,7 +10138,37 @@
       </p:sp>
       <p:pic>
         <p:nvPicPr>
-          <p:cNvPr id="4" name="圖片 3"/>
+          <p:cNvPr id="6" name="圖片 5"/>
+          <p:cNvPicPr>
+            <a:picLocks noChangeAspect="1"/>
+          </p:cNvPicPr>
+          <p:nvPr/>
+        </p:nvPicPr>
+        <p:blipFill>
+          <a:blip r:embed="rId2">
+            <a:extLst>
+              <a:ext uri="{28A0092B-C50C-407E-A947-70E740481C1C}">
+                <a14:useLocalDpi xmlns:a14="http://schemas.microsoft.com/office/drawing/2010/main" val="0"/>
+              </a:ext>
+            </a:extLst>
+          </a:blip>
+          <a:stretch>
+            <a:fillRect/>
+          </a:stretch>
+        </p:blipFill>
+        <p:spPr>
+          <a:xfrm>
+            <a:off x="1540345" y="2468531"/>
+            <a:ext cx="5424478" cy="530393"/>
+          </a:xfrm>
+          <a:prstGeom prst="rect">
+            <a:avLst/>
+          </a:prstGeom>
+        </p:spPr>
+      </p:pic>
+      <p:pic>
+        <p:nvPicPr>
+          <p:cNvPr id="7" name="圖片 6"/>
           <p:cNvPicPr>
             <a:picLocks noChangeAspect="1"/>
           </p:cNvPicPr>
@@ -9126,8 +10188,38 @@
         </p:blipFill>
         <p:spPr>
           <a:xfrm>
-            <a:off x="1058263" y="2950381"/>
-            <a:ext cx="10075473" cy="843951"/>
+            <a:off x="1540345" y="3921513"/>
+            <a:ext cx="4917931" cy="1325604"/>
+          </a:xfrm>
+          <a:prstGeom prst="rect">
+            <a:avLst/>
+          </a:prstGeom>
+        </p:spPr>
+      </p:pic>
+      <p:pic>
+        <p:nvPicPr>
+          <p:cNvPr id="8" name="圖片 7"/>
+          <p:cNvPicPr>
+            <a:picLocks noChangeAspect="1"/>
+          </p:cNvPicPr>
+          <p:nvPr/>
+        </p:nvPicPr>
+        <p:blipFill>
+          <a:blip r:embed="rId4">
+            <a:extLst>
+              <a:ext uri="{28A0092B-C50C-407E-A947-70E740481C1C}">
+                <a14:useLocalDpi xmlns:a14="http://schemas.microsoft.com/office/drawing/2010/main" val="0"/>
+              </a:ext>
+            </a:extLst>
+          </a:blip>
+          <a:stretch>
+            <a:fillRect/>
+          </a:stretch>
+        </p:blipFill>
+        <p:spPr>
+          <a:xfrm>
+            <a:off x="1540345" y="5869067"/>
+            <a:ext cx="4048605" cy="764037"/>
           </a:xfrm>
           <a:prstGeom prst="rect">
             <a:avLst/>
@@ -9137,13 +10229,20 @@
     </p:spTree>
     <p:extLst>
       <p:ext uri="{BB962C8B-B14F-4D97-AF65-F5344CB8AC3E}">
-        <p14:creationId xmlns:p14="http://schemas.microsoft.com/office/powerpoint/2010/main" val="1527055721"/>
+        <p14:creationId xmlns:p14="http://schemas.microsoft.com/office/powerpoint/2010/main" val="1025888212"/>
       </p:ext>
     </p:extLst>
   </p:cSld>
   <p:clrMapOvr>
     <a:masterClrMapping/>
   </p:clrMapOvr>
+  <p:timing>
+    <p:tnLst>
+      <p:par>
+        <p:cTn id="1" dur="indefinite" restart="never" nodeType="tmRoot"/>
+      </p:par>
+    </p:tnLst>
+  </p:timing>
 </p:sld>
 </file>
 
@@ -9493,6 +10592,13 @@
   <p:clrMapOvr>
     <a:masterClrMapping/>
   </p:clrMapOvr>
+  <p:timing>
+    <p:tnLst>
+      <p:par>
+        <p:cTn id="1" dur="indefinite" restart="never" nodeType="tmRoot"/>
+      </p:par>
+    </p:tnLst>
+  </p:timing>
 </p:sld>
 </file>
 
@@ -9558,9 +10664,21 @@
           <a:p>
             <a:r>
               <a:rPr lang="en-US" altLang="zh-TW" dirty="0" smtClean="0"/>
-              <a:t>Vue is a JavaScript framework that allows us to quickly develop single-page applications (SPAs)</a:t>
-            </a:r>
-            <a:endParaRPr lang="zh-TW" altLang="en-US" dirty="0" smtClean="0"/>
+              <a:t>Vue is a JavaScript framework that allows us to quickly develop </a:t>
+            </a:r>
+            <a:r>
+              <a:rPr lang="en-US" altLang="zh-TW" dirty="0" smtClean="0">
+                <a:solidFill>
+                  <a:srgbClr val="FF0000"/>
+                </a:solidFill>
+              </a:rPr>
+              <a:t>single-page applications (SPAs)</a:t>
+            </a:r>
+            <a:endParaRPr lang="zh-TW" altLang="en-US" dirty="0" smtClean="0">
+              <a:solidFill>
+                <a:srgbClr val="FF0000"/>
+              </a:solidFill>
+            </a:endParaRPr>
           </a:p>
         </p:txBody>
       </p:sp>
@@ -9574,6 +10692,13 @@
   <p:clrMapOvr>
     <a:masterClrMapping/>
   </p:clrMapOvr>
+  <p:timing>
+    <p:tnLst>
+      <p:par>
+        <p:cTn id="1" dur="indefinite" restart="never" nodeType="tmRoot"/>
+      </p:par>
+    </p:tnLst>
+  </p:timing>
 </p:sld>
 </file>
 

--- a/VUE3.pptx
+++ b/VUE3.pptx
@@ -41,8 +41,12 @@
     <p:sldId id="294" r:id="rId35"/>
     <p:sldId id="297" r:id="rId36"/>
     <p:sldId id="298" r:id="rId37"/>
-    <p:sldId id="299" r:id="rId38"/>
-    <p:sldId id="289" r:id="rId39"/>
+    <p:sldId id="301" r:id="rId38"/>
+    <p:sldId id="306" r:id="rId39"/>
+    <p:sldId id="308" r:id="rId40"/>
+    <p:sldId id="310" r:id="rId41"/>
+    <p:sldId id="311" r:id="rId42"/>
+    <p:sldId id="289" r:id="rId43"/>
   </p:sldIdLst>
   <p:sldSz cx="12192000" cy="6858000"/>
   <p:notesSz cx="6858000" cy="9144000"/>
@@ -280,7 +284,7 @@
           <a:p>
             <a:fld id="{3B772AED-9572-4DC5-BD20-456DDF1F6600}" type="datetimeFigureOut">
               <a:rPr lang="zh-TW" altLang="en-US" smtClean="0"/>
-              <a:t>2021/6/25</a:t>
+              <a:t>2021/6/28</a:t>
             </a:fld>
             <a:endParaRPr lang="zh-TW" altLang="en-US"/>
           </a:p>
@@ -450,7 +454,7 @@
           <a:p>
             <a:fld id="{3B772AED-9572-4DC5-BD20-456DDF1F6600}" type="datetimeFigureOut">
               <a:rPr lang="zh-TW" altLang="en-US" smtClean="0"/>
-              <a:t>2021/6/25</a:t>
+              <a:t>2021/6/28</a:t>
             </a:fld>
             <a:endParaRPr lang="zh-TW" altLang="en-US"/>
           </a:p>
@@ -630,7 +634,7 @@
           <a:p>
             <a:fld id="{3B772AED-9572-4DC5-BD20-456DDF1F6600}" type="datetimeFigureOut">
               <a:rPr lang="zh-TW" altLang="en-US" smtClean="0"/>
-              <a:t>2021/6/25</a:t>
+              <a:t>2021/6/28</a:t>
             </a:fld>
             <a:endParaRPr lang="zh-TW" altLang="en-US"/>
           </a:p>
@@ -800,7 +804,7 @@
           <a:p>
             <a:fld id="{3B772AED-9572-4DC5-BD20-456DDF1F6600}" type="datetimeFigureOut">
               <a:rPr lang="zh-TW" altLang="en-US" smtClean="0"/>
-              <a:t>2021/6/25</a:t>
+              <a:t>2021/6/28</a:t>
             </a:fld>
             <a:endParaRPr lang="zh-TW" altLang="en-US"/>
           </a:p>
@@ -1046,7 +1050,7 @@
           <a:p>
             <a:fld id="{3B772AED-9572-4DC5-BD20-456DDF1F6600}" type="datetimeFigureOut">
               <a:rPr lang="zh-TW" altLang="en-US" smtClean="0"/>
-              <a:t>2021/6/25</a:t>
+              <a:t>2021/6/28</a:t>
             </a:fld>
             <a:endParaRPr lang="zh-TW" altLang="en-US"/>
           </a:p>
@@ -1278,7 +1282,7 @@
           <a:p>
             <a:fld id="{3B772AED-9572-4DC5-BD20-456DDF1F6600}" type="datetimeFigureOut">
               <a:rPr lang="zh-TW" altLang="en-US" smtClean="0"/>
-              <a:t>2021/6/25</a:t>
+              <a:t>2021/6/28</a:t>
             </a:fld>
             <a:endParaRPr lang="zh-TW" altLang="en-US"/>
           </a:p>
@@ -1645,7 +1649,7 @@
           <a:p>
             <a:fld id="{3B772AED-9572-4DC5-BD20-456DDF1F6600}" type="datetimeFigureOut">
               <a:rPr lang="zh-TW" altLang="en-US" smtClean="0"/>
-              <a:t>2021/6/25</a:t>
+              <a:t>2021/6/28</a:t>
             </a:fld>
             <a:endParaRPr lang="zh-TW" altLang="en-US"/>
           </a:p>
@@ -1763,7 +1767,7 @@
           <a:p>
             <a:fld id="{3B772AED-9572-4DC5-BD20-456DDF1F6600}" type="datetimeFigureOut">
               <a:rPr lang="zh-TW" altLang="en-US" smtClean="0"/>
-              <a:t>2021/6/25</a:t>
+              <a:t>2021/6/28</a:t>
             </a:fld>
             <a:endParaRPr lang="zh-TW" altLang="en-US"/>
           </a:p>
@@ -1858,7 +1862,7 @@
           <a:p>
             <a:fld id="{3B772AED-9572-4DC5-BD20-456DDF1F6600}" type="datetimeFigureOut">
               <a:rPr lang="zh-TW" altLang="en-US" smtClean="0"/>
-              <a:t>2021/6/25</a:t>
+              <a:t>2021/6/28</a:t>
             </a:fld>
             <a:endParaRPr lang="zh-TW" altLang="en-US"/>
           </a:p>
@@ -2135,7 +2139,7 @@
           <a:p>
             <a:fld id="{3B772AED-9572-4DC5-BD20-456DDF1F6600}" type="datetimeFigureOut">
               <a:rPr lang="zh-TW" altLang="en-US" smtClean="0"/>
-              <a:t>2021/6/25</a:t>
+              <a:t>2021/6/28</a:t>
             </a:fld>
             <a:endParaRPr lang="zh-TW" altLang="en-US"/>
           </a:p>
@@ -2388,7 +2392,7 @@
           <a:p>
             <a:fld id="{3B772AED-9572-4DC5-BD20-456DDF1F6600}" type="datetimeFigureOut">
               <a:rPr lang="zh-TW" altLang="en-US" smtClean="0"/>
-              <a:t>2021/6/25</a:t>
+              <a:t>2021/6/28</a:t>
             </a:fld>
             <a:endParaRPr lang="zh-TW" altLang="en-US"/>
           </a:p>
@@ -2601,7 +2605,7 @@
           <a:p>
             <a:fld id="{3B772AED-9572-4DC5-BD20-456DDF1F6600}" type="datetimeFigureOut">
               <a:rPr lang="zh-TW" altLang="en-US" smtClean="0"/>
-              <a:t>2021/6/25</a:t>
+              <a:t>2021/6/28</a:t>
             </a:fld>
             <a:endParaRPr lang="zh-TW" altLang="en-US"/>
           </a:p>
@@ -3129,15 +3133,7 @@
           <a:p>
             <a:r>
               <a:rPr lang="en-US" altLang="zh-TW" dirty="0"/>
-              <a:t>An application needs to be mounted into a DOM element. For example, if we want to mount a </a:t>
-            </a:r>
-            <a:r>
-              <a:rPr lang="en-US" altLang="zh-TW" dirty="0" err="1"/>
-              <a:t>Vue</a:t>
-            </a:r>
-            <a:r>
-              <a:rPr lang="en-US" altLang="zh-TW" dirty="0"/>
-              <a:t> application into </a:t>
+              <a:t>An application needs to be mounted into a DOM element. For example, if we want to mount a Vue application into </a:t>
             </a:r>
             <a:r>
               <a:rPr lang="en-US" altLang="zh-TW" dirty="0" smtClean="0"/>
@@ -3342,7 +3338,15 @@
             </a:r>
             <a:r>
               <a:rPr lang="en-US" altLang="zh-TW" dirty="0"/>
-              <a:t>high-level programming languages which can be used to solve problems without requiring the programmer to specify an exact procedure </a:t>
+              <a:t>high-level programming languages which can be used to solve problems </a:t>
+            </a:r>
+            <a:r>
+              <a:rPr lang="en-US" altLang="zh-TW" dirty="0">
+                <a:solidFill>
+                  <a:srgbClr val="FF0000"/>
+                </a:solidFill>
+              </a:rPr>
+              <a:t>without requiring the programmer to specify an exact procedure </a:t>
             </a:r>
             <a:r>
               <a:rPr lang="en-US" altLang="zh-TW" dirty="0" smtClean="0"/>
@@ -3750,7 +3754,19 @@
             </a:r>
             <a:r>
               <a:rPr lang="en-US" altLang="zh-TW" dirty="0"/>
-              <a:t> where the program describes steps that change the state of the computer. (from </a:t>
+              <a:t> where the </a:t>
+            </a:r>
+            <a:r>
+              <a:rPr lang="en-US" altLang="zh-TW" dirty="0">
+                <a:solidFill>
+                  <a:srgbClr val="FF0000"/>
+                </a:solidFill>
+              </a:rPr>
+              <a:t>program describes steps that change the state of the computer</a:t>
+            </a:r>
+            <a:r>
+              <a:rPr lang="en-US" altLang="zh-TW" dirty="0"/>
+              <a:t>. (from </a:t>
             </a:r>
             <a:r>
               <a:rPr lang="en-US" altLang="zh-TW" dirty="0" smtClean="0"/>
@@ -5075,7 +5091,19 @@
             </a:pPr>
             <a:r>
               <a:rPr lang="en-US" altLang="zh-TW" sz="3200" dirty="0"/>
-              <a:t>Two-way data binding refers to sharing data between a component class and its template. If you change data in one place, it will automatically reflate at the other end. For example, if you change the value of the input box, then it will also update the value of the attached property in a component class</a:t>
+              <a:t>Two-way data binding refers to </a:t>
+            </a:r>
+            <a:r>
+              <a:rPr lang="en-US" altLang="zh-TW" sz="3200" dirty="0">
+                <a:solidFill>
+                  <a:srgbClr val="FF0000"/>
+                </a:solidFill>
+              </a:rPr>
+              <a:t>sharing data between a component class and its template</a:t>
+            </a:r>
+            <a:r>
+              <a:rPr lang="en-US" altLang="zh-TW" sz="3200" dirty="0"/>
+              <a:t>. If you change data in one place, it will automatically reflate at the other end. For example, if you change the value of the input box, then it will also update the value of the attached property in a component class</a:t>
             </a:r>
             <a:r>
               <a:rPr lang="en-US" altLang="zh-TW" sz="3200" dirty="0" smtClean="0"/>
@@ -5759,10 +5787,22 @@
             </a:r>
             <a:r>
               <a:rPr lang="en-US" altLang="zh-TW" sz="3200" dirty="0"/>
-              <a:t>update the state of our app without touching the DOM - all DOM manipulations are handled by </a:t>
-            </a:r>
-            <a:r>
-              <a:rPr lang="en-US" altLang="zh-TW" sz="3200" dirty="0" err="1"/>
+              <a:t>update the state of our app without touching the DOM - </a:t>
+            </a:r>
+            <a:r>
+              <a:rPr lang="en-US" altLang="zh-TW" sz="3200" dirty="0">
+                <a:solidFill>
+                  <a:srgbClr val="FF0000"/>
+                </a:solidFill>
+              </a:rPr>
+              <a:t>all DOM manipulations are handled by </a:t>
+            </a:r>
+            <a:r>
+              <a:rPr lang="en-US" altLang="zh-TW" sz="3200" dirty="0" err="1">
+                <a:solidFill>
+                  <a:srgbClr val="FF0000"/>
+                </a:solidFill>
+              </a:rPr>
               <a:t>Vue</a:t>
             </a:r>
             <a:r>
@@ -6287,12 +6327,8 @@
               <a:t>參數時，需要 </a:t>
             </a:r>
             <a:r>
-              <a:rPr lang="en-US" altLang="zh-TW" dirty="0" err="1" smtClean="0"/>
-              <a:t>Vue</a:t>
-            </a:r>
-            <a:r>
               <a:rPr lang="en-US" altLang="zh-TW" dirty="0" smtClean="0"/>
-              <a:t> </a:t>
+              <a:t>Vue </a:t>
             </a:r>
             <a:r>
               <a:rPr lang="zh-TW" altLang="en-US" dirty="0" smtClean="0"/>
@@ -9747,25 +9783,150 @@
             <p:ph idx="1"/>
           </p:nvPr>
         </p:nvSpPr>
-        <p:spPr/>
-        <p:txBody>
-          <a:bodyPr/>
-          <a:lstStyle/>
-          <a:p>
-            <a:endParaRPr lang="zh-TW" altLang="en-US"/>
-          </a:p>
-        </p:txBody>
-      </p:sp>
+        <p:spPr>
+          <a:xfrm>
+            <a:off x="838200" y="1295783"/>
+            <a:ext cx="10515600" cy="4351338"/>
+          </a:xfrm>
+        </p:spPr>
+        <p:txBody>
+          <a:bodyPr>
+            <a:normAutofit/>
+          </a:bodyPr>
+          <a:lstStyle/>
+          <a:p>
+            <a:pPr>
+              <a:lnSpc>
+                <a:spcPct val="150000"/>
+              </a:lnSpc>
+            </a:pPr>
+            <a:r>
+              <a:rPr lang="en-US" altLang="zh-TW" dirty="0">
+                <a:solidFill>
+                  <a:srgbClr val="FF0000"/>
+                </a:solidFill>
+              </a:rPr>
+              <a:t>key attribute </a:t>
+            </a:r>
+            <a:r>
+              <a:rPr lang="zh-TW" altLang="en-US" dirty="0"/>
+              <a:t>加在 </a:t>
+            </a:r>
+            <a:r>
+              <a:rPr lang="en-US" altLang="zh-TW" dirty="0"/>
+              <a:t>v-for </a:t>
+            </a:r>
+            <a:r>
+              <a:rPr lang="zh-TW" altLang="en-US" dirty="0"/>
+              <a:t>上，能讓 </a:t>
+            </a:r>
+            <a:r>
+              <a:rPr lang="en-US" altLang="zh-TW" dirty="0"/>
+              <a:t>data</a:t>
+            </a:r>
+            <a:r>
+              <a:rPr lang="zh-TW" altLang="en-US" dirty="0"/>
+              <a:t> 和它相對應顯示在畫面上的 </a:t>
+            </a:r>
+            <a:r>
+              <a:rPr lang="en-US" altLang="zh-TW" dirty="0"/>
+              <a:t>HTML</a:t>
+            </a:r>
+            <a:r>
+              <a:rPr lang="zh-TW" altLang="en-US" dirty="0"/>
+              <a:t> </a:t>
+            </a:r>
+            <a:r>
+              <a:rPr lang="en-US" altLang="zh-TW" dirty="0"/>
+              <a:t>element</a:t>
+            </a:r>
+            <a:r>
+              <a:rPr lang="zh-TW" altLang="en-US" dirty="0"/>
+              <a:t> 利用</a:t>
+            </a:r>
+            <a:r>
+              <a:rPr lang="zh-TW" altLang="en-US" dirty="0" smtClean="0"/>
+              <a:t>此 </a:t>
+            </a:r>
+            <a:r>
+              <a:rPr lang="en-US" altLang="zh-TW" dirty="0" smtClean="0"/>
+              <a:t>value </a:t>
+            </a:r>
+            <a:r>
+              <a:rPr lang="zh-TW" altLang="en-US" dirty="0" smtClean="0"/>
+              <a:t>綁</a:t>
+            </a:r>
+            <a:r>
+              <a:rPr lang="zh-TW" altLang="en-US" dirty="0"/>
+              <a:t>定在一起。</a:t>
+            </a:r>
+            <a:endParaRPr lang="en-US" altLang="zh-TW" dirty="0"/>
+          </a:p>
+          <a:p>
+            <a:pPr>
+              <a:lnSpc>
+                <a:spcPct val="150000"/>
+              </a:lnSpc>
+            </a:pPr>
+            <a:endParaRPr lang="en-US" altLang="zh-TW" dirty="0" smtClean="0"/>
+          </a:p>
+          <a:p>
+            <a:pPr>
+              <a:lnSpc>
+                <a:spcPct val="150000"/>
+              </a:lnSpc>
+            </a:pPr>
+            <a:endParaRPr lang="zh-TW" altLang="en-US" dirty="0"/>
+          </a:p>
+        </p:txBody>
+      </p:sp>
+      <p:pic>
+        <p:nvPicPr>
+          <p:cNvPr id="8" name="圖片 7"/>
+          <p:cNvPicPr>
+            <a:picLocks noChangeAspect="1"/>
+          </p:cNvPicPr>
+          <p:nvPr/>
+        </p:nvPicPr>
+        <p:blipFill>
+          <a:blip r:embed="rId2">
+            <a:extLst>
+              <a:ext uri="{28A0092B-C50C-407E-A947-70E740481C1C}">
+                <a14:useLocalDpi xmlns:a14="http://schemas.microsoft.com/office/drawing/2010/main" val="0"/>
+              </a:ext>
+            </a:extLst>
+          </a:blip>
+          <a:stretch>
+            <a:fillRect/>
+          </a:stretch>
+        </p:blipFill>
+        <p:spPr>
+          <a:xfrm>
+            <a:off x="1347189" y="2720862"/>
+            <a:ext cx="9314090" cy="3936312"/>
+          </a:xfrm>
+          <a:prstGeom prst="rect">
+            <a:avLst/>
+          </a:prstGeom>
+        </p:spPr>
+      </p:pic>
     </p:spTree>
     <p:extLst>
       <p:ext uri="{BB962C8B-B14F-4D97-AF65-F5344CB8AC3E}">
-        <p14:creationId xmlns:p14="http://schemas.microsoft.com/office/powerpoint/2010/main" val="836696172"/>
+        <p14:creationId xmlns:p14="http://schemas.microsoft.com/office/powerpoint/2010/main" val="2085492286"/>
       </p:ext>
     </p:extLst>
   </p:cSld>
   <p:clrMapOvr>
     <a:masterClrMapping/>
   </p:clrMapOvr>
+  <p:timing>
+    <p:tnLst>
+      <p:par>
+        <p:cTn id="1" dur="indefinite" restart="never" nodeType="tmRoot"/>
+      </p:par>
+    </p:tnLst>
+  </p:timing>
 </p:sld>
 </file>
 
@@ -9793,7 +9954,7 @@
             <a:spLocks noGrp="1"/>
           </p:cNvSpPr>
           <p:nvPr>
-            <p:ph type="ctrTitle"/>
+            <p:ph type="title"/>
           </p:nvPr>
         </p:nvSpPr>
         <p:spPr/>
@@ -9802,8 +9963,12 @@
           <a:lstStyle/>
           <a:p>
             <a:r>
+              <a:rPr lang="en-US" altLang="zh-TW" dirty="0"/>
+              <a:t>:</a:t>
+            </a:r>
+            <a:r>
               <a:rPr lang="en-US" altLang="zh-TW" dirty="0" smtClean="0"/>
-              <a:t>Goodbye</a:t>
+              <a:t>key</a:t>
             </a:r>
             <a:endParaRPr lang="zh-TW" altLang="en-US" dirty="0"/>
           </a:p>
@@ -9811,23 +9976,291 @@
       </p:sp>
       <p:sp>
         <p:nvSpPr>
-          <p:cNvPr id="3" name="副標題 2"/>
-          <p:cNvSpPr>
-            <a:spLocks noGrp="1"/>
-          </p:cNvSpPr>
-          <p:nvPr>
-            <p:ph type="subTitle" idx="1"/>
+          <p:cNvPr id="3" name="內容版面配置區 2"/>
+          <p:cNvSpPr>
+            <a:spLocks noGrp="1"/>
+          </p:cNvSpPr>
+          <p:nvPr>
+            <p:ph idx="1"/>
           </p:nvPr>
         </p:nvSpPr>
         <p:spPr/>
         <p:txBody>
-          <a:bodyPr/>
-          <a:lstStyle/>
-          <a:p>
-            <a:r>
-              <a:rPr lang="en-US" altLang="zh-TW" dirty="0" smtClean="0"/>
-              <a:t>Charlie</a:t>
-            </a:r>
+          <a:bodyPr>
+            <a:normAutofit/>
+          </a:bodyPr>
+          <a:lstStyle/>
+          <a:p>
+            <a:pPr>
+              <a:lnSpc>
+                <a:spcPct val="150000"/>
+              </a:lnSpc>
+            </a:pPr>
+            <a:r>
+              <a:rPr lang="zh-TW" altLang="en-US" dirty="0"/>
+              <a:t>當 </a:t>
+            </a:r>
+            <a:r>
+              <a:rPr lang="en-US" altLang="zh-TW" dirty="0"/>
+              <a:t>data </a:t>
+            </a:r>
+            <a:r>
+              <a:rPr lang="zh-TW" altLang="en-US" dirty="0"/>
+              <a:t>被改變時，</a:t>
+            </a:r>
+            <a:r>
+              <a:rPr lang="en-US" altLang="zh-TW" dirty="0"/>
+              <a:t>Vue </a:t>
+            </a:r>
+            <a:r>
+              <a:rPr lang="zh-TW" altLang="en-US" dirty="0"/>
+              <a:t>會利用 </a:t>
+            </a:r>
+            <a:r>
+              <a:rPr lang="en-US" altLang="zh-TW" dirty="0">
+                <a:solidFill>
+                  <a:srgbClr val="FF0000"/>
+                </a:solidFill>
+              </a:rPr>
+              <a:t>key attribute</a:t>
+            </a:r>
+            <a:r>
+              <a:rPr lang="zh-TW" altLang="en-US" dirty="0">
+                <a:solidFill>
+                  <a:srgbClr val="FF0000"/>
+                </a:solidFill>
+              </a:rPr>
+              <a:t> </a:t>
+            </a:r>
+            <a:r>
+              <a:rPr lang="zh-TW" altLang="en-US" dirty="0"/>
+              <a:t>決定哪些 </a:t>
+            </a:r>
+            <a:r>
+              <a:rPr lang="en-US" altLang="zh-TW" dirty="0"/>
+              <a:t>HTML</a:t>
+            </a:r>
+            <a:r>
+              <a:rPr lang="zh-TW" altLang="en-US" dirty="0"/>
+              <a:t> </a:t>
+            </a:r>
+            <a:r>
+              <a:rPr lang="en-US" altLang="zh-TW" dirty="0"/>
+              <a:t>elements</a:t>
+            </a:r>
+            <a:r>
+              <a:rPr lang="zh-TW" altLang="en-US" dirty="0"/>
+              <a:t> 需要被更新或移除，所以當 </a:t>
+            </a:r>
+            <a:r>
+              <a:rPr lang="en-US" altLang="zh-TW" dirty="0">
+                <a:solidFill>
+                  <a:srgbClr val="FF0000"/>
+                </a:solidFill>
+              </a:rPr>
+              <a:t>key attribute</a:t>
+            </a:r>
+            <a:r>
+              <a:rPr lang="zh-TW" altLang="en-US" dirty="0">
+                <a:solidFill>
+                  <a:srgbClr val="FF0000"/>
+                </a:solidFill>
+              </a:rPr>
+              <a:t> </a:t>
+            </a:r>
+            <a:r>
+              <a:rPr lang="zh-TW" altLang="en-US" dirty="0"/>
+              <a:t>沒有被綁定好或是綁定的欄位不是 </a:t>
+            </a:r>
+            <a:r>
+              <a:rPr lang="en-US" altLang="zh-TW" dirty="0"/>
+              <a:t>unique </a:t>
+            </a:r>
+            <a:r>
+              <a:rPr lang="zh-TW" altLang="en-US" dirty="0"/>
+              <a:t>時</a:t>
+            </a:r>
+            <a:r>
+              <a:rPr lang="zh-TW" altLang="en-US" dirty="0" smtClean="0"/>
+              <a:t>，會影響效能，或是產生</a:t>
+            </a:r>
+            <a:r>
+              <a:rPr lang="zh-TW" altLang="en-US" dirty="0"/>
+              <a:t>一些非預期</a:t>
+            </a:r>
+            <a:r>
+              <a:rPr lang="zh-TW" altLang="en-US" dirty="0" smtClean="0"/>
+              <a:t>錯誤，後面舉例。</a:t>
+            </a:r>
+            <a:endParaRPr lang="en-US" altLang="zh-TW" dirty="0" smtClean="0"/>
+          </a:p>
+          <a:p>
+            <a:pPr marL="457200" indent="-457200">
+              <a:lnSpc>
+                <a:spcPct val="100000"/>
+              </a:lnSpc>
+              <a:buFont typeface="+mj-lt"/>
+              <a:buAutoNum type="arabicPeriod"/>
+            </a:pPr>
+            <a:r>
+              <a:rPr lang="en-US" altLang="zh-TW" sz="2400" dirty="0">
+                <a:solidFill>
+                  <a:srgbClr val="FF0000"/>
+                </a:solidFill>
+              </a:rPr>
+              <a:t>k</a:t>
+            </a:r>
+            <a:r>
+              <a:rPr lang="en-US" altLang="zh-TW" sz="2400" dirty="0" smtClean="0">
+                <a:solidFill>
+                  <a:srgbClr val="FF0000"/>
+                </a:solidFill>
+              </a:rPr>
+              <a:t>ey </a:t>
+            </a:r>
+            <a:r>
+              <a:rPr lang="zh-TW" altLang="en-US" sz="2400" dirty="0" smtClean="0">
+                <a:solidFill>
+                  <a:srgbClr val="FF0000"/>
+                </a:solidFill>
+              </a:rPr>
+              <a:t>為 </a:t>
+            </a:r>
+            <a:r>
+              <a:rPr lang="en-US" altLang="zh-TW" sz="2400" dirty="0" smtClean="0">
+                <a:solidFill>
+                  <a:srgbClr val="FF0000"/>
+                </a:solidFill>
+              </a:rPr>
+              <a:t>unique</a:t>
+            </a:r>
+            <a:r>
+              <a:rPr lang="zh-TW" altLang="en-US" sz="2400" dirty="0" smtClean="0">
+                <a:solidFill>
+                  <a:srgbClr val="FF0000"/>
+                </a:solidFill>
+              </a:rPr>
+              <a:t> </a:t>
+            </a:r>
+            <a:r>
+              <a:rPr lang="en-US" altLang="zh-TW" sz="2400" dirty="0">
+                <a:solidFill>
+                  <a:srgbClr val="FF0000"/>
+                </a:solidFill>
+              </a:rPr>
+              <a:t>[</a:t>
+            </a:r>
+            <a:r>
+              <a:rPr lang="en-US" altLang="zh-TW" sz="2400" dirty="0" smtClean="0">
+                <a:solidFill>
+                  <a:srgbClr val="FF0000"/>
+                </a:solidFill>
+              </a:rPr>
+              <a:t>Good</a:t>
+            </a:r>
+            <a:r>
+              <a:rPr lang="en-US" altLang="zh-TW" sz="2400" dirty="0">
+                <a:solidFill>
+                  <a:srgbClr val="FF0000"/>
+                </a:solidFill>
+              </a:rPr>
+              <a:t>]</a:t>
+            </a:r>
+            <a:endParaRPr lang="en-US" altLang="zh-TW" sz="2400" dirty="0" smtClean="0">
+              <a:solidFill>
+                <a:srgbClr val="FF0000"/>
+              </a:solidFill>
+            </a:endParaRPr>
+          </a:p>
+          <a:p>
+            <a:pPr marL="457200" indent="-457200">
+              <a:lnSpc>
+                <a:spcPct val="100000"/>
+              </a:lnSpc>
+              <a:buFont typeface="+mj-lt"/>
+              <a:buAutoNum type="arabicPeriod"/>
+            </a:pPr>
+            <a:r>
+              <a:rPr lang="en-US" altLang="zh-TW" sz="2400" dirty="0"/>
+              <a:t>k</a:t>
+            </a:r>
+            <a:r>
+              <a:rPr lang="en-US" altLang="zh-TW" sz="2400" dirty="0" smtClean="0"/>
+              <a:t>ey </a:t>
+            </a:r>
+            <a:r>
+              <a:rPr lang="zh-TW" altLang="en-US" sz="2400" dirty="0" smtClean="0"/>
+              <a:t>非 </a:t>
+            </a:r>
+            <a:r>
+              <a:rPr lang="en-US" altLang="zh-TW" sz="2400" dirty="0" smtClean="0"/>
+              <a:t>unique </a:t>
+            </a:r>
+            <a:r>
+              <a:rPr lang="en-US" altLang="zh-TW" sz="2400" dirty="0"/>
+              <a:t>[</a:t>
+            </a:r>
+            <a:r>
+              <a:rPr lang="en-US" altLang="zh-TW" sz="2400" dirty="0" smtClean="0"/>
+              <a:t>Bad]</a:t>
+            </a:r>
+          </a:p>
+          <a:p>
+            <a:pPr marL="457200" indent="-457200">
+              <a:lnSpc>
+                <a:spcPct val="100000"/>
+              </a:lnSpc>
+              <a:buFont typeface="+mj-lt"/>
+              <a:buAutoNum type="arabicPeriod"/>
+            </a:pPr>
+            <a:r>
+              <a:rPr lang="zh-TW" altLang="en-US" sz="2400" dirty="0" smtClean="0"/>
+              <a:t>用 </a:t>
+            </a:r>
+            <a:r>
+              <a:rPr lang="en-US" altLang="zh-TW" sz="2400" dirty="0" smtClean="0"/>
+              <a:t>index </a:t>
+            </a:r>
+            <a:r>
+              <a:rPr lang="zh-TW" altLang="en-US" sz="2400" dirty="0"/>
+              <a:t>當 </a:t>
+            </a:r>
+            <a:r>
+              <a:rPr lang="en-US" altLang="zh-TW" sz="2400" dirty="0"/>
+              <a:t>key (</a:t>
+            </a:r>
+            <a:r>
+              <a:rPr lang="zh-TW" altLang="en-US" sz="2400" dirty="0"/>
+              <a:t>沒有綁在 </a:t>
+            </a:r>
+            <a:r>
+              <a:rPr lang="en-US" altLang="zh-TW" sz="2400" dirty="0"/>
+              <a:t>data </a:t>
+            </a:r>
+            <a:r>
+              <a:rPr lang="zh-TW" altLang="en-US" sz="2400" dirty="0"/>
+              <a:t>上</a:t>
+            </a:r>
+            <a:r>
+              <a:rPr lang="en-US" altLang="zh-TW" sz="2400" dirty="0"/>
+              <a:t>) </a:t>
+            </a:r>
+            <a:r>
+              <a:rPr lang="en-US" altLang="zh-TW" sz="2400" dirty="0"/>
+              <a:t>[Bad]</a:t>
+            </a:r>
+          </a:p>
+          <a:p>
+            <a:pPr marL="457200" indent="-457200">
+              <a:lnSpc>
+                <a:spcPct val="100000"/>
+              </a:lnSpc>
+              <a:buFont typeface="+mj-lt"/>
+              <a:buAutoNum type="arabicPeriod"/>
+            </a:pPr>
+            <a:endParaRPr lang="en-US" altLang="zh-TW" dirty="0" smtClean="0"/>
+          </a:p>
+          <a:p>
             <a:endParaRPr lang="zh-TW" altLang="en-US" dirty="0"/>
           </a:p>
         </p:txBody>
@@ -9835,20 +10268,335 @@
     </p:spTree>
     <p:extLst>
       <p:ext uri="{BB962C8B-B14F-4D97-AF65-F5344CB8AC3E}">
-        <p14:creationId xmlns:p14="http://schemas.microsoft.com/office/powerpoint/2010/main" val="133819064"/>
+        <p14:creationId xmlns:p14="http://schemas.microsoft.com/office/powerpoint/2010/main" val="3097257145"/>
       </p:ext>
     </p:extLst>
   </p:cSld>
   <p:clrMapOvr>
     <a:masterClrMapping/>
   </p:clrMapOvr>
-  <p:timing>
-    <p:tnLst>
-      <p:par>
-        <p:cTn id="1" dur="indefinite" restart="never" nodeType="tmRoot"/>
-      </p:par>
-    </p:tnLst>
-  </p:timing>
+</p:sld>
+</file>
+
+<file path=ppt/slides/slide39.xml><?xml version="1.0" encoding="utf-8"?>
+<p:sld xmlns:a="http://schemas.openxmlformats.org/drawingml/2006/main" xmlns:r="http://schemas.openxmlformats.org/officeDocument/2006/relationships" xmlns:p="http://schemas.openxmlformats.org/presentationml/2006/main">
+  <p:cSld>
+    <p:spTree>
+      <p:nvGrpSpPr>
+        <p:cNvPr id="1" name=""/>
+        <p:cNvGrpSpPr/>
+        <p:nvPr/>
+      </p:nvGrpSpPr>
+      <p:grpSpPr>
+        <a:xfrm>
+          <a:off x="0" y="0"/>
+          <a:ext cx="0" cy="0"/>
+          <a:chOff x="0" y="0"/>
+          <a:chExt cx="0" cy="0"/>
+        </a:xfrm>
+      </p:grpSpPr>
+      <p:sp>
+        <p:nvSpPr>
+          <p:cNvPr id="2" name="標題 1"/>
+          <p:cNvSpPr>
+            <a:spLocks noGrp="1"/>
+          </p:cNvSpPr>
+          <p:nvPr>
+            <p:ph type="title"/>
+          </p:nvPr>
+        </p:nvSpPr>
+        <p:spPr/>
+        <p:txBody>
+          <a:bodyPr/>
+          <a:lstStyle/>
+          <a:p>
+            <a:r>
+              <a:rPr lang="en-US" altLang="zh-TW" dirty="0"/>
+              <a:t>key </a:t>
+            </a:r>
+            <a:r>
+              <a:rPr lang="zh-TW" altLang="en-US" dirty="0"/>
+              <a:t>為 </a:t>
+            </a:r>
+            <a:r>
+              <a:rPr lang="en-US" altLang="zh-TW" dirty="0" smtClean="0"/>
+              <a:t>unique</a:t>
+            </a:r>
+            <a:endParaRPr lang="zh-TW" altLang="en-US" dirty="0"/>
+          </a:p>
+        </p:txBody>
+      </p:sp>
+      <p:sp>
+        <p:nvSpPr>
+          <p:cNvPr id="3" name="內容版面配置區 2"/>
+          <p:cNvSpPr>
+            <a:spLocks noGrp="1"/>
+          </p:cNvSpPr>
+          <p:nvPr>
+            <p:ph idx="1"/>
+          </p:nvPr>
+        </p:nvSpPr>
+        <p:spPr/>
+        <p:txBody>
+          <a:bodyPr/>
+          <a:lstStyle/>
+          <a:p>
+            <a:pPr>
+              <a:lnSpc>
+                <a:spcPct val="150000"/>
+              </a:lnSpc>
+            </a:pPr>
+            <a:r>
+              <a:rPr lang="zh-TW" altLang="en-US" sz="2400" dirty="0" smtClean="0"/>
+              <a:t>綁</a:t>
+            </a:r>
+            <a:r>
+              <a:rPr lang="zh-TW" altLang="en-US" sz="2400" dirty="0" smtClean="0">
+                <a:solidFill>
+                  <a:srgbClr val="FF0000"/>
+                </a:solidFill>
+              </a:rPr>
+              <a:t> </a:t>
+            </a:r>
+            <a:r>
+              <a:rPr lang="en-US" altLang="zh-TW" sz="2400" dirty="0" smtClean="0">
+                <a:solidFill>
+                  <a:srgbClr val="FF0000"/>
+                </a:solidFill>
+              </a:rPr>
+              <a:t>customer.name</a:t>
+            </a:r>
+            <a:r>
+              <a:rPr lang="zh-TW" altLang="en-US" sz="2400" dirty="0" smtClean="0"/>
+              <a:t>，移除 </a:t>
+            </a:r>
+            <a:r>
+              <a:rPr lang="en-US" altLang="zh-TW" sz="2400" dirty="0" smtClean="0"/>
+              <a:t>Amy</a:t>
+            </a:r>
+            <a:r>
+              <a:rPr lang="zh-TW" altLang="en-US" sz="2400" dirty="0" smtClean="0"/>
+              <a:t>，</a:t>
+            </a:r>
+            <a:r>
+              <a:rPr lang="en-US" altLang="zh-TW" sz="2400" dirty="0" smtClean="0"/>
+              <a:t>re-render </a:t>
+            </a:r>
+            <a:r>
+              <a:rPr lang="zh-TW" altLang="en-US" sz="2400" dirty="0" smtClean="0"/>
+              <a:t>時 </a:t>
+            </a:r>
+            <a:r>
+              <a:rPr lang="en-US" altLang="zh-TW" sz="2400" dirty="0" smtClean="0"/>
+              <a:t>VUE</a:t>
+            </a:r>
+            <a:r>
+              <a:rPr lang="zh-TW" altLang="en-US" sz="2400" dirty="0" smtClean="0"/>
+              <a:t> 利用 </a:t>
+            </a:r>
+            <a:r>
+              <a:rPr lang="en-US" altLang="zh-TW" sz="2400" dirty="0" smtClean="0"/>
+              <a:t>key value </a:t>
+            </a:r>
+            <a:r>
+              <a:rPr lang="zh-TW" altLang="en-US" sz="2400" dirty="0" smtClean="0"/>
+              <a:t>跟 </a:t>
+            </a:r>
+            <a:r>
+              <a:rPr lang="en-US" altLang="zh-TW" sz="2400" dirty="0" smtClean="0"/>
+              <a:t>data </a:t>
+            </a:r>
+            <a:r>
+              <a:rPr lang="zh-TW" altLang="en-US" sz="2400" dirty="0" smtClean="0"/>
+              <a:t>做比較，發現 </a:t>
+            </a:r>
+            <a:r>
+              <a:rPr lang="en-US" altLang="zh-TW" sz="2400" dirty="0" smtClean="0"/>
+              <a:t>key value </a:t>
+            </a:r>
+            <a:r>
+              <a:rPr lang="zh-TW" altLang="en-US" sz="2400" dirty="0" smtClean="0"/>
+              <a:t>為 </a:t>
+            </a:r>
+            <a:r>
+              <a:rPr lang="en-US" altLang="zh-TW" sz="2400" dirty="0" smtClean="0"/>
+              <a:t>“Amy” </a:t>
+            </a:r>
+            <a:r>
+              <a:rPr lang="zh-TW" altLang="en-US" sz="2400" dirty="0" smtClean="0"/>
+              <a:t>的已經對應不到 </a:t>
+            </a:r>
+            <a:r>
+              <a:rPr lang="en-US" altLang="zh-TW" sz="2400" dirty="0" smtClean="0"/>
+              <a:t>data </a:t>
+            </a:r>
+            <a:r>
+              <a:rPr lang="zh-TW" altLang="en-US" sz="2400" dirty="0" smtClean="0"/>
+              <a:t>了，所以就把它相對應的 </a:t>
+            </a:r>
+            <a:r>
+              <a:rPr lang="en-US" altLang="zh-TW" sz="2400" dirty="0"/>
+              <a:t>HTML</a:t>
+            </a:r>
+            <a:r>
+              <a:rPr lang="zh-TW" altLang="en-US" sz="2400" dirty="0"/>
+              <a:t> </a:t>
+            </a:r>
+            <a:r>
+              <a:rPr lang="en-US" altLang="zh-TW" sz="2400" dirty="0" smtClean="0"/>
+              <a:t>element</a:t>
+            </a:r>
+            <a:r>
+              <a:rPr lang="zh-TW" altLang="en-US" sz="2400" dirty="0" smtClean="0"/>
+              <a:t> 移除。</a:t>
+            </a:r>
+            <a:r>
+              <a:rPr lang="en-US" altLang="zh-TW" sz="2400" dirty="0" smtClean="0"/>
+              <a:t> </a:t>
+            </a:r>
+            <a:endParaRPr lang="zh-TW" altLang="en-US" dirty="0"/>
+          </a:p>
+        </p:txBody>
+      </p:sp>
+      <p:pic>
+        <p:nvPicPr>
+          <p:cNvPr id="6" name="圖片 5"/>
+          <p:cNvPicPr>
+            <a:picLocks noChangeAspect="1"/>
+          </p:cNvPicPr>
+          <p:nvPr/>
+        </p:nvPicPr>
+        <p:blipFill>
+          <a:blip r:embed="rId2">
+            <a:extLst>
+              <a:ext uri="{28A0092B-C50C-407E-A947-70E740481C1C}">
+                <a14:useLocalDpi xmlns:a14="http://schemas.microsoft.com/office/drawing/2010/main" val="0"/>
+              </a:ext>
+            </a:extLst>
+          </a:blip>
+          <a:stretch>
+            <a:fillRect/>
+          </a:stretch>
+        </p:blipFill>
+        <p:spPr>
+          <a:xfrm>
+            <a:off x="4424840" y="240572"/>
+            <a:ext cx="7282899" cy="1593599"/>
+          </a:xfrm>
+          <a:prstGeom prst="rect">
+            <a:avLst/>
+          </a:prstGeom>
+        </p:spPr>
+      </p:pic>
+      <p:pic>
+        <p:nvPicPr>
+          <p:cNvPr id="8" name="圖片 7"/>
+          <p:cNvPicPr>
+            <a:picLocks noChangeAspect="1"/>
+          </p:cNvPicPr>
+          <p:nvPr/>
+        </p:nvPicPr>
+        <p:blipFill>
+          <a:blip r:embed="rId3">
+            <a:extLst>
+              <a:ext uri="{28A0092B-C50C-407E-A947-70E740481C1C}">
+                <a14:useLocalDpi xmlns:a14="http://schemas.microsoft.com/office/drawing/2010/main" val="0"/>
+              </a:ext>
+            </a:extLst>
+          </a:blip>
+          <a:stretch>
+            <a:fillRect/>
+          </a:stretch>
+        </p:blipFill>
+        <p:spPr>
+          <a:xfrm>
+            <a:off x="6451122" y="4536520"/>
+            <a:ext cx="5079648" cy="1877930"/>
+          </a:xfrm>
+          <a:prstGeom prst="rect">
+            <a:avLst/>
+          </a:prstGeom>
+        </p:spPr>
+      </p:pic>
+      <p:cxnSp>
+        <p:nvCxnSpPr>
+          <p:cNvPr id="10" name="直線單箭頭接點 9"/>
+          <p:cNvCxnSpPr>
+            <a:stCxn id="15" idx="3"/>
+            <a:endCxn id="8" idx="1"/>
+          </p:cNvCxnSpPr>
+          <p:nvPr/>
+        </p:nvCxnSpPr>
+        <p:spPr>
+          <a:xfrm>
+            <a:off x="5709919" y="5142499"/>
+            <a:ext cx="741203" cy="332986"/>
+          </a:xfrm>
+          <a:prstGeom prst="straightConnector1">
+            <a:avLst/>
+          </a:prstGeom>
+          <a:ln w="57150">
+            <a:solidFill>
+              <a:schemeClr val="tx1"/>
+            </a:solidFill>
+            <a:tailEnd type="triangle"/>
+          </a:ln>
+        </p:spPr>
+        <p:style>
+          <a:lnRef idx="1">
+            <a:schemeClr val="accent1"/>
+          </a:lnRef>
+          <a:fillRef idx="0">
+            <a:schemeClr val="accent1"/>
+          </a:fillRef>
+          <a:effectRef idx="0">
+            <a:schemeClr val="accent1"/>
+          </a:effectRef>
+          <a:fontRef idx="minor">
+            <a:schemeClr val="tx1"/>
+          </a:fontRef>
+        </p:style>
+      </p:cxnSp>
+      <p:pic>
+        <p:nvPicPr>
+          <p:cNvPr id="15" name="圖片 14"/>
+          <p:cNvPicPr>
+            <a:picLocks noChangeAspect="1"/>
+          </p:cNvPicPr>
+          <p:nvPr/>
+        </p:nvPicPr>
+        <p:blipFill>
+          <a:blip r:embed="rId4">
+            <a:extLst>
+              <a:ext uri="{28A0092B-C50C-407E-A947-70E740481C1C}">
+                <a14:useLocalDpi xmlns:a14="http://schemas.microsoft.com/office/drawing/2010/main" val="0"/>
+              </a:ext>
+            </a:extLst>
+          </a:blip>
+          <a:stretch>
+            <a:fillRect/>
+          </a:stretch>
+        </p:blipFill>
+        <p:spPr>
+          <a:xfrm>
+            <a:off x="598413" y="3870548"/>
+            <a:ext cx="5111506" cy="2543902"/>
+          </a:xfrm>
+          <a:prstGeom prst="rect">
+            <a:avLst/>
+          </a:prstGeom>
+        </p:spPr>
+      </p:pic>
+    </p:spTree>
+    <p:extLst>
+      <p:ext uri="{BB962C8B-B14F-4D97-AF65-F5344CB8AC3E}">
+        <p14:creationId xmlns:p14="http://schemas.microsoft.com/office/powerpoint/2010/main" val="3765113701"/>
+      </p:ext>
+    </p:extLst>
+  </p:cSld>
+  <p:clrMapOvr>
+    <a:masterClrMapping/>
+  </p:clrMapOvr>
 </p:sld>
 </file>
 
@@ -10009,6 +10757,844 @@
     <p:extLst>
       <p:ext uri="{BB962C8B-B14F-4D97-AF65-F5344CB8AC3E}">
         <p14:creationId xmlns:p14="http://schemas.microsoft.com/office/powerpoint/2010/main" val="1527055721"/>
+      </p:ext>
+    </p:extLst>
+  </p:cSld>
+  <p:clrMapOvr>
+    <a:masterClrMapping/>
+  </p:clrMapOvr>
+  <p:timing>
+    <p:tnLst>
+      <p:par>
+        <p:cTn id="1" dur="indefinite" restart="never" nodeType="tmRoot"/>
+      </p:par>
+    </p:tnLst>
+  </p:timing>
+</p:sld>
+</file>
+
+<file path=ppt/slides/slide40.xml><?xml version="1.0" encoding="utf-8"?>
+<p:sld xmlns:a="http://schemas.openxmlformats.org/drawingml/2006/main" xmlns:r="http://schemas.openxmlformats.org/officeDocument/2006/relationships" xmlns:p="http://schemas.openxmlformats.org/presentationml/2006/main">
+  <p:cSld>
+    <p:spTree>
+      <p:nvGrpSpPr>
+        <p:cNvPr id="1" name=""/>
+        <p:cNvGrpSpPr/>
+        <p:nvPr/>
+      </p:nvGrpSpPr>
+      <p:grpSpPr>
+        <a:xfrm>
+          <a:off x="0" y="0"/>
+          <a:ext cx="0" cy="0"/>
+          <a:chOff x="0" y="0"/>
+          <a:chExt cx="0" cy="0"/>
+        </a:xfrm>
+      </p:grpSpPr>
+      <p:sp>
+        <p:nvSpPr>
+          <p:cNvPr id="2" name="標題 1"/>
+          <p:cNvSpPr>
+            <a:spLocks noGrp="1"/>
+          </p:cNvSpPr>
+          <p:nvPr>
+            <p:ph type="title"/>
+          </p:nvPr>
+        </p:nvSpPr>
+        <p:spPr/>
+        <p:txBody>
+          <a:bodyPr/>
+          <a:lstStyle/>
+          <a:p>
+            <a:r>
+              <a:rPr lang="en-US" altLang="zh-TW" dirty="0"/>
+              <a:t>k</a:t>
+            </a:r>
+            <a:r>
+              <a:rPr lang="en-US" altLang="zh-TW" dirty="0" smtClean="0"/>
+              <a:t>ey</a:t>
+            </a:r>
+            <a:r>
+              <a:rPr lang="zh-TW" altLang="en-US" dirty="0" smtClean="0"/>
+              <a:t> 非 </a:t>
+            </a:r>
+            <a:r>
+              <a:rPr lang="en-US" altLang="zh-TW" dirty="0" smtClean="0"/>
+              <a:t>unique</a:t>
+            </a:r>
+            <a:endParaRPr lang="zh-TW" altLang="en-US" dirty="0"/>
+          </a:p>
+        </p:txBody>
+      </p:sp>
+      <p:sp>
+        <p:nvSpPr>
+          <p:cNvPr id="3" name="內容版面配置區 2"/>
+          <p:cNvSpPr>
+            <a:spLocks noGrp="1"/>
+          </p:cNvSpPr>
+          <p:nvPr>
+            <p:ph idx="1"/>
+          </p:nvPr>
+        </p:nvSpPr>
+        <p:spPr/>
+        <p:txBody>
+          <a:bodyPr/>
+          <a:lstStyle/>
+          <a:p>
+            <a:pPr>
+              <a:lnSpc>
+                <a:spcPct val="150000"/>
+              </a:lnSpc>
+            </a:pPr>
+            <a:r>
+              <a:rPr lang="zh-TW" altLang="en-US" sz="2400" dirty="0" smtClean="0"/>
+              <a:t>綁</a:t>
+            </a:r>
+            <a:r>
+              <a:rPr lang="zh-TW" altLang="en-US" sz="2400" dirty="0" smtClean="0">
+                <a:solidFill>
+                  <a:srgbClr val="FF0000"/>
+                </a:solidFill>
+              </a:rPr>
+              <a:t> </a:t>
+            </a:r>
+            <a:r>
+              <a:rPr lang="en-US" altLang="zh-TW" sz="2400" dirty="0" err="1" smtClean="0">
+                <a:solidFill>
+                  <a:srgbClr val="FF0000"/>
+                </a:solidFill>
+              </a:rPr>
+              <a:t>customer.age</a:t>
+            </a:r>
+            <a:r>
+              <a:rPr lang="zh-TW" altLang="en-US" sz="2400" dirty="0" smtClean="0"/>
+              <a:t>，移除 </a:t>
+            </a:r>
+            <a:r>
+              <a:rPr lang="en-US" altLang="zh-TW" sz="2400" dirty="0" smtClean="0"/>
+              <a:t>Amy</a:t>
+            </a:r>
+            <a:r>
+              <a:rPr lang="zh-TW" altLang="en-US" sz="2400" dirty="0" smtClean="0"/>
+              <a:t>，比較時 </a:t>
+            </a:r>
+            <a:r>
+              <a:rPr lang="en-US" altLang="zh-TW" sz="2400" dirty="0" smtClean="0"/>
+              <a:t>VUE</a:t>
+            </a:r>
+            <a:r>
+              <a:rPr lang="zh-TW" altLang="en-US" sz="2400" dirty="0" smtClean="0"/>
+              <a:t> 發現第一個 </a:t>
+            </a:r>
+            <a:r>
+              <a:rPr lang="en-US" altLang="zh-TW" sz="2400" dirty="0" smtClean="0"/>
+              <a:t>key value </a:t>
+            </a:r>
+            <a:r>
+              <a:rPr lang="zh-TW" altLang="en-US" sz="2400" dirty="0" smtClean="0"/>
+              <a:t>為 </a:t>
+            </a:r>
+            <a:r>
+              <a:rPr lang="en-US" altLang="zh-TW" sz="2400" dirty="0" smtClean="0"/>
+              <a:t>“21” </a:t>
+            </a:r>
+            <a:r>
+              <a:rPr lang="zh-TW" altLang="en-US" sz="2400" dirty="0" smtClean="0"/>
+              <a:t>的有對應到 </a:t>
+            </a:r>
+            <a:r>
+              <a:rPr lang="en-US" altLang="zh-TW" sz="2400" dirty="0" smtClean="0"/>
+              <a:t>data </a:t>
+            </a:r>
+            <a:r>
+              <a:rPr lang="zh-TW" altLang="en-US" sz="2400" dirty="0" smtClean="0"/>
+              <a:t>，但是目前裡面的值是 </a:t>
+            </a:r>
+            <a:r>
+              <a:rPr lang="en-US" altLang="zh-TW" sz="2400" dirty="0" smtClean="0"/>
+              <a:t>Bob</a:t>
+            </a:r>
+            <a:r>
+              <a:rPr lang="zh-TW" altLang="en-US" sz="2400" dirty="0" smtClean="0"/>
+              <a:t>，所以將 </a:t>
+            </a:r>
+            <a:r>
+              <a:rPr lang="en-US" altLang="zh-TW" sz="2400" dirty="0" smtClean="0"/>
+              <a:t>{name: Bob, age: 21} </a:t>
+            </a:r>
+            <a:r>
+              <a:rPr lang="zh-TW" altLang="en-US" sz="2400" dirty="0" smtClean="0"/>
+              <a:t>更新到</a:t>
+            </a:r>
+            <a:r>
+              <a:rPr lang="zh-TW" altLang="en-US" sz="2400" dirty="0"/>
+              <a:t>第一個 </a:t>
+            </a:r>
+            <a:r>
+              <a:rPr lang="en-US" altLang="zh-TW" sz="2400" dirty="0"/>
+              <a:t>key value </a:t>
+            </a:r>
+            <a:r>
+              <a:rPr lang="zh-TW" altLang="en-US" sz="2400" dirty="0"/>
+              <a:t>為 </a:t>
+            </a:r>
+            <a:r>
+              <a:rPr lang="en-US" altLang="zh-TW" sz="2400" dirty="0"/>
+              <a:t>“21” </a:t>
+            </a:r>
+            <a:r>
+              <a:rPr lang="zh-TW" altLang="en-US" sz="2400" dirty="0" smtClean="0"/>
+              <a:t>的 </a:t>
+            </a:r>
+            <a:r>
+              <a:rPr lang="en-US" altLang="zh-TW" sz="2400" dirty="0" smtClean="0"/>
+              <a:t>HTML</a:t>
+            </a:r>
+            <a:r>
+              <a:rPr lang="zh-TW" altLang="en-US" sz="2400" dirty="0" smtClean="0"/>
+              <a:t> </a:t>
+            </a:r>
+            <a:r>
+              <a:rPr lang="en-US" altLang="zh-TW" sz="2400" dirty="0" smtClean="0"/>
+              <a:t>element</a:t>
+            </a:r>
+            <a:r>
+              <a:rPr lang="zh-TW" altLang="en-US" sz="2400" dirty="0" smtClean="0"/>
+              <a:t>；至於第二個 </a:t>
+            </a:r>
+            <a:r>
+              <a:rPr lang="en-US" altLang="zh-TW" sz="2400" dirty="0"/>
+              <a:t>key value </a:t>
+            </a:r>
+            <a:r>
+              <a:rPr lang="zh-TW" altLang="en-US" sz="2400" dirty="0"/>
+              <a:t>為 </a:t>
+            </a:r>
+            <a:r>
+              <a:rPr lang="en-US" altLang="zh-TW" sz="2400" dirty="0"/>
+              <a:t>“21” </a:t>
+            </a:r>
+            <a:r>
+              <a:rPr lang="zh-TW" altLang="en-US" sz="2400" dirty="0"/>
+              <a:t>的 </a:t>
+            </a:r>
+            <a:r>
+              <a:rPr lang="zh-TW" altLang="en-US" sz="2400" dirty="0" smtClean="0"/>
+              <a:t>，因為已經對應不到 </a:t>
+            </a:r>
+            <a:r>
+              <a:rPr lang="en-US" altLang="zh-TW" sz="2400" dirty="0" smtClean="0"/>
+              <a:t>data</a:t>
+            </a:r>
+            <a:r>
+              <a:rPr lang="zh-TW" altLang="en-US" sz="2400" dirty="0" smtClean="0"/>
+              <a:t>，故移除其相對應 </a:t>
+            </a:r>
+            <a:r>
+              <a:rPr lang="en-US" altLang="zh-TW" sz="2400" dirty="0" smtClean="0"/>
+              <a:t>HTML</a:t>
+            </a:r>
+            <a:r>
+              <a:rPr lang="zh-TW" altLang="en-US" sz="2400" dirty="0" smtClean="0"/>
+              <a:t> </a:t>
+            </a:r>
+            <a:r>
+              <a:rPr lang="en-US" altLang="zh-TW" sz="2400" dirty="0"/>
+              <a:t>element </a:t>
+            </a:r>
+            <a:r>
+              <a:rPr lang="zh-TW" altLang="en-US" sz="2400" dirty="0" smtClean="0"/>
+              <a:t>。</a:t>
+            </a:r>
+            <a:endParaRPr lang="zh-TW" altLang="en-US" sz="2400" dirty="0"/>
+          </a:p>
+        </p:txBody>
+      </p:sp>
+      <p:pic>
+        <p:nvPicPr>
+          <p:cNvPr id="5" name="圖片 4"/>
+          <p:cNvPicPr>
+            <a:picLocks noChangeAspect="1"/>
+          </p:cNvPicPr>
+          <p:nvPr/>
+        </p:nvPicPr>
+        <p:blipFill>
+          <a:blip r:embed="rId2">
+            <a:extLst>
+              <a:ext uri="{28A0092B-C50C-407E-A947-70E740481C1C}">
+                <a14:useLocalDpi xmlns:a14="http://schemas.microsoft.com/office/drawing/2010/main" val="0"/>
+              </a:ext>
+            </a:extLst>
+          </a:blip>
+          <a:stretch>
+            <a:fillRect/>
+          </a:stretch>
+        </p:blipFill>
+        <p:spPr>
+          <a:xfrm>
+            <a:off x="4330833" y="274135"/>
+            <a:ext cx="6954601" cy="1507541"/>
+          </a:xfrm>
+          <a:prstGeom prst="rect">
+            <a:avLst/>
+          </a:prstGeom>
+        </p:spPr>
+      </p:pic>
+      <p:pic>
+        <p:nvPicPr>
+          <p:cNvPr id="12" name="圖片 11"/>
+          <p:cNvPicPr>
+            <a:picLocks noChangeAspect="1"/>
+          </p:cNvPicPr>
+          <p:nvPr/>
+        </p:nvPicPr>
+        <p:blipFill>
+          <a:blip r:embed="rId3">
+            <a:extLst>
+              <a:ext uri="{28A0092B-C50C-407E-A947-70E740481C1C}">
+                <a14:useLocalDpi xmlns:a14="http://schemas.microsoft.com/office/drawing/2010/main" val="0"/>
+              </a:ext>
+            </a:extLst>
+          </a:blip>
+          <a:stretch>
+            <a:fillRect/>
+          </a:stretch>
+        </p:blipFill>
+        <p:spPr>
+          <a:xfrm>
+            <a:off x="6184678" y="4531677"/>
+            <a:ext cx="5403830" cy="2070780"/>
+          </a:xfrm>
+          <a:prstGeom prst="rect">
+            <a:avLst/>
+          </a:prstGeom>
+        </p:spPr>
+      </p:pic>
+      <p:pic>
+        <p:nvPicPr>
+          <p:cNvPr id="7" name="圖片 6"/>
+          <p:cNvPicPr>
+            <a:picLocks noChangeAspect="1"/>
+          </p:cNvPicPr>
+          <p:nvPr/>
+        </p:nvPicPr>
+        <p:blipFill>
+          <a:blip r:embed="rId4">
+            <a:extLst>
+              <a:ext uri="{28A0092B-C50C-407E-A947-70E740481C1C}">
+                <a14:useLocalDpi xmlns:a14="http://schemas.microsoft.com/office/drawing/2010/main" val="0"/>
+              </a:ext>
+            </a:extLst>
+          </a:blip>
+          <a:stretch>
+            <a:fillRect/>
+          </a:stretch>
+        </p:blipFill>
+        <p:spPr>
+          <a:xfrm>
+            <a:off x="744196" y="4231831"/>
+            <a:ext cx="4896028" cy="2448013"/>
+          </a:xfrm>
+          <a:prstGeom prst="rect">
+            <a:avLst/>
+          </a:prstGeom>
+        </p:spPr>
+      </p:pic>
+      <p:cxnSp>
+        <p:nvCxnSpPr>
+          <p:cNvPr id="13" name="直線單箭頭接點 12"/>
+          <p:cNvCxnSpPr>
+            <a:stCxn id="7" idx="3"/>
+            <a:endCxn id="12" idx="1"/>
+          </p:cNvCxnSpPr>
+          <p:nvPr/>
+        </p:nvCxnSpPr>
+        <p:spPr>
+          <a:xfrm>
+            <a:off x="5640224" y="5455838"/>
+            <a:ext cx="544454" cy="111229"/>
+          </a:xfrm>
+          <a:prstGeom prst="straightConnector1">
+            <a:avLst/>
+          </a:prstGeom>
+          <a:ln w="57150">
+            <a:solidFill>
+              <a:schemeClr val="tx1"/>
+            </a:solidFill>
+            <a:tailEnd type="triangle"/>
+          </a:ln>
+        </p:spPr>
+        <p:style>
+          <a:lnRef idx="1">
+            <a:schemeClr val="accent1"/>
+          </a:lnRef>
+          <a:fillRef idx="0">
+            <a:schemeClr val="accent1"/>
+          </a:fillRef>
+          <a:effectRef idx="0">
+            <a:schemeClr val="accent1"/>
+          </a:effectRef>
+          <a:fontRef idx="minor">
+            <a:schemeClr val="tx1"/>
+          </a:fontRef>
+        </p:style>
+      </p:cxnSp>
+    </p:spTree>
+    <p:extLst>
+      <p:ext uri="{BB962C8B-B14F-4D97-AF65-F5344CB8AC3E}">
+        <p14:creationId xmlns:p14="http://schemas.microsoft.com/office/powerpoint/2010/main" val="4221776884"/>
+      </p:ext>
+    </p:extLst>
+  </p:cSld>
+  <p:clrMapOvr>
+    <a:masterClrMapping/>
+  </p:clrMapOvr>
+</p:sld>
+</file>
+
+<file path=ppt/slides/slide41.xml><?xml version="1.0" encoding="utf-8"?>
+<p:sld xmlns:a="http://schemas.openxmlformats.org/drawingml/2006/main" xmlns:r="http://schemas.openxmlformats.org/officeDocument/2006/relationships" xmlns:p="http://schemas.openxmlformats.org/presentationml/2006/main">
+  <p:cSld>
+    <p:spTree>
+      <p:nvGrpSpPr>
+        <p:cNvPr id="1" name=""/>
+        <p:cNvGrpSpPr/>
+        <p:nvPr/>
+      </p:nvGrpSpPr>
+      <p:grpSpPr>
+        <a:xfrm>
+          <a:off x="0" y="0"/>
+          <a:ext cx="0" cy="0"/>
+          <a:chOff x="0" y="0"/>
+          <a:chExt cx="0" cy="0"/>
+        </a:xfrm>
+      </p:grpSpPr>
+      <p:sp>
+        <p:nvSpPr>
+          <p:cNvPr id="2" name="標題 1"/>
+          <p:cNvSpPr>
+            <a:spLocks noGrp="1"/>
+          </p:cNvSpPr>
+          <p:nvPr>
+            <p:ph type="title"/>
+          </p:nvPr>
+        </p:nvSpPr>
+        <p:spPr/>
+        <p:txBody>
+          <a:bodyPr/>
+          <a:lstStyle/>
+          <a:p>
+            <a:r>
+              <a:rPr lang="zh-TW" altLang="en-US" dirty="0"/>
+              <a:t>用 </a:t>
+            </a:r>
+            <a:r>
+              <a:rPr lang="en-US" altLang="zh-TW" dirty="0"/>
+              <a:t>index </a:t>
+            </a:r>
+            <a:r>
+              <a:rPr lang="zh-TW" altLang="en-US" dirty="0"/>
+              <a:t>當 </a:t>
+            </a:r>
+            <a:r>
+              <a:rPr lang="en-US" altLang="zh-TW" dirty="0"/>
+              <a:t>key</a:t>
+            </a:r>
+            <a:endParaRPr lang="zh-TW" altLang="en-US" dirty="0"/>
+          </a:p>
+        </p:txBody>
+      </p:sp>
+      <p:sp>
+        <p:nvSpPr>
+          <p:cNvPr id="3" name="內容版面配置區 2"/>
+          <p:cNvSpPr>
+            <a:spLocks noGrp="1"/>
+          </p:cNvSpPr>
+          <p:nvPr>
+            <p:ph idx="1"/>
+          </p:nvPr>
+        </p:nvSpPr>
+        <p:spPr/>
+        <p:txBody>
+          <a:bodyPr/>
+          <a:lstStyle/>
+          <a:p>
+            <a:pPr>
+              <a:lnSpc>
+                <a:spcPct val="150000"/>
+              </a:lnSpc>
+            </a:pPr>
+            <a:r>
+              <a:rPr lang="zh-TW" altLang="en-US" sz="2400" dirty="0" smtClean="0"/>
+              <a:t>綁</a:t>
+            </a:r>
+            <a:r>
+              <a:rPr lang="zh-TW" altLang="en-US" sz="2400" dirty="0" smtClean="0">
+                <a:solidFill>
+                  <a:srgbClr val="FF0000"/>
+                </a:solidFill>
+              </a:rPr>
+              <a:t> </a:t>
+            </a:r>
+            <a:r>
+              <a:rPr lang="en-US" altLang="zh-TW" sz="2400" dirty="0" smtClean="0">
+                <a:solidFill>
+                  <a:srgbClr val="FF0000"/>
+                </a:solidFill>
+              </a:rPr>
+              <a:t>index</a:t>
+            </a:r>
+            <a:r>
+              <a:rPr lang="zh-TW" altLang="en-US" sz="2400" dirty="0" smtClean="0"/>
+              <a:t>，移除 </a:t>
+            </a:r>
+            <a:r>
+              <a:rPr lang="en-US" altLang="zh-TW" sz="2400" dirty="0" smtClean="0"/>
+              <a:t>Amy</a:t>
+            </a:r>
+            <a:r>
+              <a:rPr lang="zh-TW" altLang="en-US" sz="2400" dirty="0" smtClean="0"/>
+              <a:t>，比較時 </a:t>
+            </a:r>
+            <a:r>
+              <a:rPr lang="en-US" altLang="zh-TW" sz="2400" dirty="0" smtClean="0"/>
+              <a:t>VUE</a:t>
+            </a:r>
+            <a:r>
+              <a:rPr lang="zh-TW" altLang="en-US" sz="2400" dirty="0" smtClean="0"/>
+              <a:t> 發現沒有 </a:t>
+            </a:r>
+            <a:r>
+              <a:rPr lang="en-US" altLang="zh-TW" sz="2400" dirty="0" smtClean="0"/>
+              <a:t>key value </a:t>
+            </a:r>
+            <a:r>
+              <a:rPr lang="zh-TW" altLang="en-US" sz="2400" dirty="0" smtClean="0"/>
+              <a:t>有對應到 </a:t>
+            </a:r>
+            <a:r>
+              <a:rPr lang="en-US" altLang="zh-TW" sz="2400" dirty="0" smtClean="0"/>
+              <a:t>data</a:t>
+            </a:r>
+            <a:r>
+              <a:rPr lang="zh-TW" altLang="en-US" sz="2400" dirty="0" smtClean="0"/>
+              <a:t>，所以將 </a:t>
+            </a:r>
+            <a:r>
+              <a:rPr lang="en-US" altLang="zh-TW" sz="2400" dirty="0" smtClean="0"/>
+              <a:t>{name: Bob, age: 21} </a:t>
+            </a:r>
+            <a:r>
+              <a:rPr lang="zh-TW" altLang="en-US" sz="2400" dirty="0" smtClean="0"/>
+              <a:t>更新到</a:t>
+            </a:r>
+            <a:r>
+              <a:rPr lang="zh-TW" altLang="en-US" sz="2400" dirty="0"/>
+              <a:t>第一個 </a:t>
+            </a:r>
+            <a:r>
+              <a:rPr lang="en-US" altLang="zh-TW" sz="2400" dirty="0" smtClean="0"/>
+              <a:t>HTML</a:t>
+            </a:r>
+            <a:r>
+              <a:rPr lang="zh-TW" altLang="en-US" sz="2400" dirty="0" smtClean="0"/>
+              <a:t> </a:t>
+            </a:r>
+            <a:r>
+              <a:rPr lang="en-US" altLang="zh-TW" sz="2400" dirty="0" smtClean="0"/>
+              <a:t>element</a:t>
+            </a:r>
+            <a:r>
+              <a:rPr lang="zh-TW" altLang="en-US" sz="2400" dirty="0" smtClean="0"/>
+              <a:t>；</a:t>
+            </a:r>
+            <a:r>
+              <a:rPr lang="zh-TW" altLang="en-US" sz="2400" dirty="0"/>
+              <a:t>將 </a:t>
+            </a:r>
+            <a:r>
+              <a:rPr lang="en-US" altLang="zh-TW" sz="2400" dirty="0"/>
+              <a:t>{name: </a:t>
+            </a:r>
+            <a:r>
+              <a:rPr lang="en-US" altLang="zh-TW" sz="2400" dirty="0" smtClean="0"/>
+              <a:t>Charlie, </a:t>
+            </a:r>
+            <a:r>
+              <a:rPr lang="en-US" altLang="zh-TW" sz="2400" dirty="0"/>
+              <a:t>age: </a:t>
+            </a:r>
+            <a:r>
+              <a:rPr lang="en-US" altLang="zh-TW" sz="2400" dirty="0" smtClean="0"/>
+              <a:t>24} </a:t>
+            </a:r>
+            <a:r>
+              <a:rPr lang="zh-TW" altLang="en-US" sz="2400" dirty="0"/>
+              <a:t>更新到</a:t>
+            </a:r>
+            <a:r>
+              <a:rPr lang="zh-TW" altLang="en-US" sz="2400" dirty="0" smtClean="0"/>
+              <a:t>第二個 </a:t>
+            </a:r>
+            <a:r>
+              <a:rPr lang="en-US" altLang="zh-TW" sz="2400" dirty="0"/>
+              <a:t>HTML</a:t>
+            </a:r>
+            <a:r>
+              <a:rPr lang="zh-TW" altLang="en-US" sz="2400" dirty="0"/>
+              <a:t> </a:t>
+            </a:r>
+            <a:r>
+              <a:rPr lang="en-US" altLang="zh-TW" sz="2400" dirty="0" smtClean="0"/>
+              <a:t>element</a:t>
+            </a:r>
+            <a:r>
+              <a:rPr lang="zh-TW" altLang="en-US" sz="2400" dirty="0" smtClean="0"/>
+              <a:t>；因為已經沒有資料了，</a:t>
+            </a:r>
+            <a:r>
+              <a:rPr lang="zh-TW" altLang="en-US" sz="2400" dirty="0"/>
+              <a:t>故</a:t>
+            </a:r>
+            <a:r>
+              <a:rPr lang="zh-TW" altLang="en-US" sz="2400" dirty="0" smtClean="0"/>
+              <a:t>移除最後一個 </a:t>
+            </a:r>
+            <a:r>
+              <a:rPr lang="en-US" altLang="zh-TW" sz="2400" dirty="0" smtClean="0"/>
+              <a:t>HTML</a:t>
+            </a:r>
+            <a:r>
+              <a:rPr lang="zh-TW" altLang="en-US" sz="2400" dirty="0" smtClean="0"/>
+              <a:t> </a:t>
+            </a:r>
+            <a:r>
+              <a:rPr lang="en-US" altLang="zh-TW" sz="2400" dirty="0" smtClean="0"/>
+              <a:t>element </a:t>
+            </a:r>
+            <a:r>
+              <a:rPr lang="zh-TW" altLang="en-US" sz="2400" dirty="0" smtClean="0"/>
+              <a:t>。</a:t>
+            </a:r>
+          </a:p>
+          <a:p>
+            <a:pPr>
+              <a:lnSpc>
+                <a:spcPct val="150000"/>
+              </a:lnSpc>
+            </a:pPr>
+            <a:endParaRPr lang="zh-TW" altLang="en-US" sz="2400" dirty="0"/>
+          </a:p>
+        </p:txBody>
+      </p:sp>
+      <p:pic>
+        <p:nvPicPr>
+          <p:cNvPr id="4" name="圖片 3"/>
+          <p:cNvPicPr>
+            <a:picLocks noChangeAspect="1"/>
+          </p:cNvPicPr>
+          <p:nvPr/>
+        </p:nvPicPr>
+        <p:blipFill>
+          <a:blip r:embed="rId2">
+            <a:extLst>
+              <a:ext uri="{28A0092B-C50C-407E-A947-70E740481C1C}">
+                <a14:useLocalDpi xmlns:a14="http://schemas.microsoft.com/office/drawing/2010/main" val="0"/>
+              </a:ext>
+            </a:extLst>
+          </a:blip>
+          <a:stretch>
+            <a:fillRect/>
+          </a:stretch>
+        </p:blipFill>
+        <p:spPr>
+          <a:xfrm>
+            <a:off x="4518843" y="255403"/>
+            <a:ext cx="7127432" cy="1545006"/>
+          </a:xfrm>
+          <a:prstGeom prst="rect">
+            <a:avLst/>
+          </a:prstGeom>
+        </p:spPr>
+      </p:pic>
+      <p:pic>
+        <p:nvPicPr>
+          <p:cNvPr id="6" name="圖片 5"/>
+          <p:cNvPicPr>
+            <a:picLocks noChangeAspect="1"/>
+          </p:cNvPicPr>
+          <p:nvPr/>
+        </p:nvPicPr>
+        <p:blipFill>
+          <a:blip r:embed="rId3">
+            <a:extLst>
+              <a:ext uri="{28A0092B-C50C-407E-A947-70E740481C1C}">
+                <a14:useLocalDpi xmlns:a14="http://schemas.microsoft.com/office/drawing/2010/main" val="0"/>
+              </a:ext>
+            </a:extLst>
+          </a:blip>
+          <a:stretch>
+            <a:fillRect/>
+          </a:stretch>
+        </p:blipFill>
+        <p:spPr>
+          <a:xfrm>
+            <a:off x="745512" y="4154282"/>
+            <a:ext cx="4903257" cy="2440434"/>
+          </a:xfrm>
+          <a:prstGeom prst="rect">
+            <a:avLst/>
+          </a:prstGeom>
+        </p:spPr>
+      </p:pic>
+      <p:pic>
+        <p:nvPicPr>
+          <p:cNvPr id="8" name="圖片 7"/>
+          <p:cNvPicPr>
+            <a:picLocks noChangeAspect="1"/>
+          </p:cNvPicPr>
+          <p:nvPr/>
+        </p:nvPicPr>
+        <p:blipFill>
+          <a:blip r:embed="rId4">
+            <a:extLst>
+              <a:ext uri="{28A0092B-C50C-407E-A947-70E740481C1C}">
+                <a14:useLocalDpi xmlns:a14="http://schemas.microsoft.com/office/drawing/2010/main" val="0"/>
+              </a:ext>
+            </a:extLst>
+          </a:blip>
+          <a:stretch>
+            <a:fillRect/>
+          </a:stretch>
+        </p:blipFill>
+        <p:spPr>
+          <a:xfrm>
+            <a:off x="6474532" y="4643095"/>
+            <a:ext cx="4981571" cy="1951621"/>
+          </a:xfrm>
+          <a:prstGeom prst="rect">
+            <a:avLst/>
+          </a:prstGeom>
+        </p:spPr>
+      </p:pic>
+      <p:cxnSp>
+        <p:nvCxnSpPr>
+          <p:cNvPr id="10" name="直線單箭頭接點 9"/>
+          <p:cNvCxnSpPr>
+            <a:stCxn id="6" idx="3"/>
+            <a:endCxn id="8" idx="1"/>
+          </p:cNvCxnSpPr>
+          <p:nvPr/>
+        </p:nvCxnSpPr>
+        <p:spPr>
+          <a:xfrm>
+            <a:off x="5648769" y="5374499"/>
+            <a:ext cx="825763" cy="244407"/>
+          </a:xfrm>
+          <a:prstGeom prst="straightConnector1">
+            <a:avLst/>
+          </a:prstGeom>
+          <a:ln w="57150">
+            <a:solidFill>
+              <a:schemeClr val="tx1"/>
+            </a:solidFill>
+            <a:tailEnd type="triangle"/>
+          </a:ln>
+        </p:spPr>
+        <p:style>
+          <a:lnRef idx="1">
+            <a:schemeClr val="accent1"/>
+          </a:lnRef>
+          <a:fillRef idx="0">
+            <a:schemeClr val="accent1"/>
+          </a:fillRef>
+          <a:effectRef idx="0">
+            <a:schemeClr val="accent1"/>
+          </a:effectRef>
+          <a:fontRef idx="minor">
+            <a:schemeClr val="tx1"/>
+          </a:fontRef>
+        </p:style>
+      </p:cxnSp>
+    </p:spTree>
+    <p:extLst>
+      <p:ext uri="{BB962C8B-B14F-4D97-AF65-F5344CB8AC3E}">
+        <p14:creationId xmlns:p14="http://schemas.microsoft.com/office/powerpoint/2010/main" val="162403182"/>
+      </p:ext>
+    </p:extLst>
+  </p:cSld>
+  <p:clrMapOvr>
+    <a:masterClrMapping/>
+  </p:clrMapOvr>
+</p:sld>
+</file>
+
+<file path=ppt/slides/slide42.xml><?xml version="1.0" encoding="utf-8"?>
+<p:sld xmlns:a="http://schemas.openxmlformats.org/drawingml/2006/main" xmlns:r="http://schemas.openxmlformats.org/officeDocument/2006/relationships" xmlns:p="http://schemas.openxmlformats.org/presentationml/2006/main">
+  <p:cSld>
+    <p:spTree>
+      <p:nvGrpSpPr>
+        <p:cNvPr id="1" name=""/>
+        <p:cNvGrpSpPr/>
+        <p:nvPr/>
+      </p:nvGrpSpPr>
+      <p:grpSpPr>
+        <a:xfrm>
+          <a:off x="0" y="0"/>
+          <a:ext cx="0" cy="0"/>
+          <a:chOff x="0" y="0"/>
+          <a:chExt cx="0" cy="0"/>
+        </a:xfrm>
+      </p:grpSpPr>
+      <p:sp>
+        <p:nvSpPr>
+          <p:cNvPr id="2" name="標題 1"/>
+          <p:cNvSpPr>
+            <a:spLocks noGrp="1"/>
+          </p:cNvSpPr>
+          <p:nvPr>
+            <p:ph type="ctrTitle"/>
+          </p:nvPr>
+        </p:nvSpPr>
+        <p:spPr/>
+        <p:txBody>
+          <a:bodyPr/>
+          <a:lstStyle/>
+          <a:p>
+            <a:r>
+              <a:rPr lang="en-US" altLang="zh-TW" dirty="0" smtClean="0"/>
+              <a:t>Goodbye</a:t>
+            </a:r>
+            <a:endParaRPr lang="zh-TW" altLang="en-US" dirty="0"/>
+          </a:p>
+        </p:txBody>
+      </p:sp>
+      <p:sp>
+        <p:nvSpPr>
+          <p:cNvPr id="3" name="副標題 2"/>
+          <p:cNvSpPr>
+            <a:spLocks noGrp="1"/>
+          </p:cNvSpPr>
+          <p:nvPr>
+            <p:ph type="subTitle" idx="1"/>
+          </p:nvPr>
+        </p:nvSpPr>
+        <p:spPr/>
+        <p:txBody>
+          <a:bodyPr/>
+          <a:lstStyle/>
+          <a:p>
+            <a:r>
+              <a:rPr lang="en-US" altLang="zh-TW" dirty="0" smtClean="0"/>
+              <a:t>Charlie</a:t>
+            </a:r>
+            <a:endParaRPr lang="zh-TW" altLang="en-US" dirty="0"/>
+          </a:p>
+        </p:txBody>
+      </p:sp>
+    </p:spTree>
+    <p:extLst>
+      <p:ext uri="{BB962C8B-B14F-4D97-AF65-F5344CB8AC3E}">
+        <p14:creationId xmlns:p14="http://schemas.microsoft.com/office/powerpoint/2010/main" val="133819064"/>
       </p:ext>
     </p:extLst>
   </p:cSld>
@@ -10822,12 +12408,8 @@
               <a:t>Every </a:t>
             </a:r>
             <a:r>
-              <a:rPr lang="en-US" altLang="zh-TW" dirty="0" err="1"/>
-              <a:t>Vue</a:t>
-            </a:r>
-            <a:r>
               <a:rPr lang="en-US" altLang="zh-TW" dirty="0"/>
-              <a:t> application starts by creating a new application instance with the </a:t>
+              <a:t>Vue application starts by creating a new application instance with the </a:t>
             </a:r>
             <a:r>
               <a:rPr lang="en-US" altLang="zh-TW" dirty="0" err="1"/>

--- a/VUE3.pptx
+++ b/VUE3.pptx
@@ -13,40 +13,41 @@
     <p:sldId id="259" r:id="rId7"/>
     <p:sldId id="264" r:id="rId8"/>
     <p:sldId id="279" r:id="rId9"/>
-    <p:sldId id="280" r:id="rId10"/>
-    <p:sldId id="282" r:id="rId11"/>
-    <p:sldId id="273" r:id="rId12"/>
-    <p:sldId id="263" r:id="rId13"/>
-    <p:sldId id="267" r:id="rId14"/>
-    <p:sldId id="268" r:id="rId15"/>
-    <p:sldId id="270" r:id="rId16"/>
-    <p:sldId id="272" r:id="rId17"/>
-    <p:sldId id="266" r:id="rId18"/>
-    <p:sldId id="275" r:id="rId19"/>
-    <p:sldId id="283" r:id="rId20"/>
-    <p:sldId id="284" r:id="rId21"/>
-    <p:sldId id="286" r:id="rId22"/>
-    <p:sldId id="285" r:id="rId23"/>
-    <p:sldId id="287" r:id="rId24"/>
-    <p:sldId id="278" r:id="rId25"/>
-    <p:sldId id="274" r:id="rId26"/>
-    <p:sldId id="277" r:id="rId27"/>
-    <p:sldId id="288" r:id="rId28"/>
-    <p:sldId id="276" r:id="rId29"/>
-    <p:sldId id="290" r:id="rId30"/>
-    <p:sldId id="291" r:id="rId31"/>
-    <p:sldId id="292" r:id="rId32"/>
-    <p:sldId id="293" r:id="rId33"/>
-    <p:sldId id="296" r:id="rId34"/>
-    <p:sldId id="294" r:id="rId35"/>
-    <p:sldId id="297" r:id="rId36"/>
-    <p:sldId id="298" r:id="rId37"/>
-    <p:sldId id="301" r:id="rId38"/>
-    <p:sldId id="306" r:id="rId39"/>
-    <p:sldId id="308" r:id="rId40"/>
-    <p:sldId id="310" r:id="rId41"/>
-    <p:sldId id="311" r:id="rId42"/>
-    <p:sldId id="289" r:id="rId43"/>
+    <p:sldId id="312" r:id="rId10"/>
+    <p:sldId id="280" r:id="rId11"/>
+    <p:sldId id="282" r:id="rId12"/>
+    <p:sldId id="273" r:id="rId13"/>
+    <p:sldId id="263" r:id="rId14"/>
+    <p:sldId id="267" r:id="rId15"/>
+    <p:sldId id="268" r:id="rId16"/>
+    <p:sldId id="270" r:id="rId17"/>
+    <p:sldId id="272" r:id="rId18"/>
+    <p:sldId id="266" r:id="rId19"/>
+    <p:sldId id="275" r:id="rId20"/>
+    <p:sldId id="283" r:id="rId21"/>
+    <p:sldId id="284" r:id="rId22"/>
+    <p:sldId id="286" r:id="rId23"/>
+    <p:sldId id="285" r:id="rId24"/>
+    <p:sldId id="287" r:id="rId25"/>
+    <p:sldId id="278" r:id="rId26"/>
+    <p:sldId id="274" r:id="rId27"/>
+    <p:sldId id="277" r:id="rId28"/>
+    <p:sldId id="288" r:id="rId29"/>
+    <p:sldId id="276" r:id="rId30"/>
+    <p:sldId id="290" r:id="rId31"/>
+    <p:sldId id="291" r:id="rId32"/>
+    <p:sldId id="292" r:id="rId33"/>
+    <p:sldId id="293" r:id="rId34"/>
+    <p:sldId id="296" r:id="rId35"/>
+    <p:sldId id="294" r:id="rId36"/>
+    <p:sldId id="297" r:id="rId37"/>
+    <p:sldId id="298" r:id="rId38"/>
+    <p:sldId id="301" r:id="rId39"/>
+    <p:sldId id="306" r:id="rId40"/>
+    <p:sldId id="308" r:id="rId41"/>
+    <p:sldId id="310" r:id="rId42"/>
+    <p:sldId id="311" r:id="rId43"/>
+    <p:sldId id="289" r:id="rId44"/>
   </p:sldIdLst>
   <p:sldSz cx="12192000" cy="6858000"/>
   <p:notesSz cx="6858000" cy="9144000"/>
@@ -284,7 +285,7 @@
           <a:p>
             <a:fld id="{3B772AED-9572-4DC5-BD20-456DDF1F6600}" type="datetimeFigureOut">
               <a:rPr lang="zh-TW" altLang="en-US" smtClean="0"/>
-              <a:t>2021/6/28</a:t>
+              <a:t>2021/6/30</a:t>
             </a:fld>
             <a:endParaRPr lang="zh-TW" altLang="en-US"/>
           </a:p>
@@ -454,7 +455,7 @@
           <a:p>
             <a:fld id="{3B772AED-9572-4DC5-BD20-456DDF1F6600}" type="datetimeFigureOut">
               <a:rPr lang="zh-TW" altLang="en-US" smtClean="0"/>
-              <a:t>2021/6/28</a:t>
+              <a:t>2021/6/30</a:t>
             </a:fld>
             <a:endParaRPr lang="zh-TW" altLang="en-US"/>
           </a:p>
@@ -634,7 +635,7 @@
           <a:p>
             <a:fld id="{3B772AED-9572-4DC5-BD20-456DDF1F6600}" type="datetimeFigureOut">
               <a:rPr lang="zh-TW" altLang="en-US" smtClean="0"/>
-              <a:t>2021/6/28</a:t>
+              <a:t>2021/6/30</a:t>
             </a:fld>
             <a:endParaRPr lang="zh-TW" altLang="en-US"/>
           </a:p>
@@ -804,7 +805,7 @@
           <a:p>
             <a:fld id="{3B772AED-9572-4DC5-BD20-456DDF1F6600}" type="datetimeFigureOut">
               <a:rPr lang="zh-TW" altLang="en-US" smtClean="0"/>
-              <a:t>2021/6/28</a:t>
+              <a:t>2021/6/30</a:t>
             </a:fld>
             <a:endParaRPr lang="zh-TW" altLang="en-US"/>
           </a:p>
@@ -1050,7 +1051,7 @@
           <a:p>
             <a:fld id="{3B772AED-9572-4DC5-BD20-456DDF1F6600}" type="datetimeFigureOut">
               <a:rPr lang="zh-TW" altLang="en-US" smtClean="0"/>
-              <a:t>2021/6/28</a:t>
+              <a:t>2021/6/30</a:t>
             </a:fld>
             <a:endParaRPr lang="zh-TW" altLang="en-US"/>
           </a:p>
@@ -1282,7 +1283,7 @@
           <a:p>
             <a:fld id="{3B772AED-9572-4DC5-BD20-456DDF1F6600}" type="datetimeFigureOut">
               <a:rPr lang="zh-TW" altLang="en-US" smtClean="0"/>
-              <a:t>2021/6/28</a:t>
+              <a:t>2021/6/30</a:t>
             </a:fld>
             <a:endParaRPr lang="zh-TW" altLang="en-US"/>
           </a:p>
@@ -1649,7 +1650,7 @@
           <a:p>
             <a:fld id="{3B772AED-9572-4DC5-BD20-456DDF1F6600}" type="datetimeFigureOut">
               <a:rPr lang="zh-TW" altLang="en-US" smtClean="0"/>
-              <a:t>2021/6/28</a:t>
+              <a:t>2021/6/30</a:t>
             </a:fld>
             <a:endParaRPr lang="zh-TW" altLang="en-US"/>
           </a:p>
@@ -1767,7 +1768,7 @@
           <a:p>
             <a:fld id="{3B772AED-9572-4DC5-BD20-456DDF1F6600}" type="datetimeFigureOut">
               <a:rPr lang="zh-TW" altLang="en-US" smtClean="0"/>
-              <a:t>2021/6/28</a:t>
+              <a:t>2021/6/30</a:t>
             </a:fld>
             <a:endParaRPr lang="zh-TW" altLang="en-US"/>
           </a:p>
@@ -1862,7 +1863,7 @@
           <a:p>
             <a:fld id="{3B772AED-9572-4DC5-BD20-456DDF1F6600}" type="datetimeFigureOut">
               <a:rPr lang="zh-TW" altLang="en-US" smtClean="0"/>
-              <a:t>2021/6/28</a:t>
+              <a:t>2021/6/30</a:t>
             </a:fld>
             <a:endParaRPr lang="zh-TW" altLang="en-US"/>
           </a:p>
@@ -2139,7 +2140,7 @@
           <a:p>
             <a:fld id="{3B772AED-9572-4DC5-BD20-456DDF1F6600}" type="datetimeFigureOut">
               <a:rPr lang="zh-TW" altLang="en-US" smtClean="0"/>
-              <a:t>2021/6/28</a:t>
+              <a:t>2021/6/30</a:t>
             </a:fld>
             <a:endParaRPr lang="zh-TW" altLang="en-US"/>
           </a:p>
@@ -2392,7 +2393,7 @@
           <a:p>
             <a:fld id="{3B772AED-9572-4DC5-BD20-456DDF1F6600}" type="datetimeFigureOut">
               <a:rPr lang="zh-TW" altLang="en-US" smtClean="0"/>
-              <a:t>2021/6/28</a:t>
+              <a:t>2021/6/30</a:t>
             </a:fld>
             <a:endParaRPr lang="zh-TW" altLang="en-US"/>
           </a:p>
@@ -2605,7 +2606,7 @@
           <a:p>
             <a:fld id="{3B772AED-9572-4DC5-BD20-456DDF1F6600}" type="datetimeFigureOut">
               <a:rPr lang="zh-TW" altLang="en-US" smtClean="0"/>
-              <a:t>2021/6/28</a:t>
+              <a:t>2021/6/30</a:t>
             </a:fld>
             <a:endParaRPr lang="zh-TW" altLang="en-US"/>
           </a:p>
@@ -3126,26 +3127,51 @@
             <p:ph idx="1"/>
           </p:nvPr>
         </p:nvSpPr>
-        <p:spPr/>
+        <p:spPr>
+          <a:xfrm>
+            <a:off x="838200" y="1466700"/>
+            <a:ext cx="10515600" cy="4351338"/>
+          </a:xfrm>
+        </p:spPr>
         <p:txBody>
           <a:bodyPr/>
           <a:lstStyle/>
           <a:p>
             <a:r>
+              <a:rPr lang="en-US" altLang="zh-TW" dirty="0" smtClean="0"/>
+              <a:t>Every </a:t>
+            </a:r>
+            <a:r>
               <a:rPr lang="en-US" altLang="zh-TW" dirty="0"/>
-              <a:t>An application needs to be mounted into a DOM element. For example, if we want to mount a Vue application into </a:t>
+              <a:t>Vue application starts by </a:t>
+            </a:r>
+            <a:r>
+              <a:rPr lang="en-US" altLang="zh-TW" dirty="0">
+                <a:solidFill>
+                  <a:srgbClr val="FF0000"/>
+                </a:solidFill>
+              </a:rPr>
+              <a:t>creating a new application instance </a:t>
+            </a:r>
+            <a:r>
+              <a:rPr lang="en-US" altLang="zh-TW" dirty="0"/>
+              <a:t>with the createApp </a:t>
             </a:r>
             <a:r>
               <a:rPr lang="en-US" altLang="zh-TW" dirty="0" smtClean="0"/>
-              <a:t>                        &lt;</a:t>
+              <a:t>function. The </a:t>
             </a:r>
             <a:r>
               <a:rPr lang="en-US" altLang="zh-TW" dirty="0"/>
-              <a:t>div id="app"&gt;&lt;/div&gt;, we should pass #</a:t>
-            </a:r>
-            <a:r>
-              <a:rPr lang="en-US" altLang="zh-TW" dirty="0" smtClean="0"/>
-              <a:t>app. </a:t>
+              <a:t>options passed to createApp are used to configure the root component. That component is used as the starting point for rendering when we </a:t>
+            </a:r>
+            <a:r>
+              <a:rPr lang="en-US" altLang="zh-TW" dirty="0">
+                <a:solidFill>
+                  <a:srgbClr val="FF0000"/>
+                </a:solidFill>
+              </a:rPr>
+              <a:t>mount the </a:t>
             </a:r>
             <a:r>
               <a:rPr lang="en-US" altLang="zh-TW" dirty="0" smtClean="0">
@@ -3153,19 +3179,29 @@
                   <a:srgbClr val="FF0000"/>
                 </a:solidFill>
               </a:rPr>
-              <a:t>[# = id, . = class]</a:t>
-            </a:r>
-            <a:endParaRPr lang="zh-TW" altLang="en-US" dirty="0">
-              <a:solidFill>
-                <a:srgbClr val="FF0000"/>
-              </a:solidFill>
-            </a:endParaRPr>
+              <a:t>application to DOM </a:t>
+            </a:r>
+            <a:r>
+              <a:rPr lang="en-US" altLang="zh-TW" dirty="0">
+                <a:solidFill>
+                  <a:srgbClr val="FF0000"/>
+                </a:solidFill>
+              </a:rPr>
+              <a:t>element</a:t>
+            </a:r>
+            <a:r>
+              <a:rPr lang="en-US" altLang="zh-TW" dirty="0"/>
+              <a:t>. (from vue3 official document)</a:t>
+            </a:r>
+          </a:p>
+          <a:p>
+            <a:endParaRPr lang="zh-TW" altLang="en-US" dirty="0"/>
           </a:p>
         </p:txBody>
       </p:sp>
       <p:pic>
         <p:nvPicPr>
-          <p:cNvPr id="6" name="圖片 5"/>
+          <p:cNvPr id="7" name="圖片 6"/>
           <p:cNvPicPr>
             <a:picLocks noChangeAspect="1"/>
           </p:cNvPicPr>
@@ -3185,8 +3221,8 @@
         </p:blipFill>
         <p:spPr>
           <a:xfrm>
-            <a:off x="1606147" y="3107057"/>
-            <a:ext cx="8982092" cy="3664244"/>
+            <a:off x="2894524" y="3650915"/>
+            <a:ext cx="6170045" cy="2869524"/>
           </a:xfrm>
           <a:prstGeom prst="rect">
             <a:avLst/>
@@ -3196,7 +3232,7 @@
     </p:spTree>
     <p:extLst>
       <p:ext uri="{BB962C8B-B14F-4D97-AF65-F5344CB8AC3E}">
-        <p14:creationId xmlns:p14="http://schemas.microsoft.com/office/powerpoint/2010/main" val="2771889650"/>
+        <p14:creationId xmlns:p14="http://schemas.microsoft.com/office/powerpoint/2010/main" val="3081459265"/>
       </p:ext>
     </p:extLst>
   </p:cSld>
@@ -3247,16 +3283,98 @@
           <a:p>
             <a:r>
               <a:rPr lang="en-US" altLang="zh-TW" dirty="0"/>
-              <a:t>Declarative Rendering</a:t>
+              <a:t>How it Works? </a:t>
             </a:r>
             <a:endParaRPr lang="zh-TW" altLang="en-US" dirty="0"/>
           </a:p>
         </p:txBody>
       </p:sp>
+      <p:sp>
+        <p:nvSpPr>
+          <p:cNvPr id="3" name="內容版面配置區 2"/>
+          <p:cNvSpPr>
+            <a:spLocks noGrp="1"/>
+          </p:cNvSpPr>
+          <p:nvPr>
+            <p:ph idx="1"/>
+          </p:nvPr>
+        </p:nvSpPr>
+        <p:spPr>
+          <a:xfrm>
+            <a:off x="838200" y="1535064"/>
+            <a:ext cx="10515600" cy="4351338"/>
+          </a:xfrm>
+        </p:spPr>
+        <p:txBody>
+          <a:bodyPr/>
+          <a:lstStyle/>
+          <a:p>
+            <a:r>
+              <a:rPr lang="en-US" altLang="zh-TW" dirty="0"/>
+              <a:t>An application needs to be mounted into a DOM element. For example, if we want to mount a Vue application into </a:t>
+            </a:r>
+            <a:r>
+              <a:rPr lang="en-US" altLang="zh-TW" dirty="0" smtClean="0"/>
+              <a:t>                        &lt;</a:t>
+            </a:r>
+            <a:r>
+              <a:rPr lang="en-US" altLang="zh-TW" dirty="0"/>
+              <a:t>div id="app"&gt;&lt;/div&gt;, we should pass #</a:t>
+            </a:r>
+            <a:r>
+              <a:rPr lang="en-US" altLang="zh-TW" dirty="0" smtClean="0"/>
+              <a:t>app. </a:t>
+            </a:r>
+            <a:r>
+              <a:rPr lang="en-US" altLang="zh-TW" dirty="0" smtClean="0">
+                <a:solidFill>
+                  <a:srgbClr val="FF0000"/>
+                </a:solidFill>
+              </a:rPr>
+              <a:t>[# = id, . = class]</a:t>
+            </a:r>
+            <a:endParaRPr lang="zh-TW" altLang="en-US" dirty="0">
+              <a:solidFill>
+                <a:srgbClr val="FF0000"/>
+              </a:solidFill>
+            </a:endParaRPr>
+          </a:p>
+        </p:txBody>
+      </p:sp>
+      <p:pic>
+        <p:nvPicPr>
+          <p:cNvPr id="6" name="圖片 5"/>
+          <p:cNvPicPr>
+            <a:picLocks noChangeAspect="1"/>
+          </p:cNvPicPr>
+          <p:nvPr/>
+        </p:nvPicPr>
+        <p:blipFill>
+          <a:blip r:embed="rId2">
+            <a:extLst>
+              <a:ext uri="{28A0092B-C50C-407E-A947-70E740481C1C}">
+                <a14:useLocalDpi xmlns:a14="http://schemas.microsoft.com/office/drawing/2010/main" val="0"/>
+              </a:ext>
+            </a:extLst>
+          </a:blip>
+          <a:stretch>
+            <a:fillRect/>
+          </a:stretch>
+        </p:blipFill>
+        <p:spPr>
+          <a:xfrm>
+            <a:off x="1477960" y="2953233"/>
+            <a:ext cx="8982092" cy="3664244"/>
+          </a:xfrm>
+          <a:prstGeom prst="rect">
+            <a:avLst/>
+          </a:prstGeom>
+        </p:spPr>
+      </p:pic>
     </p:spTree>
     <p:extLst>
       <p:ext uri="{BB962C8B-B14F-4D97-AF65-F5344CB8AC3E}">
-        <p14:creationId xmlns:p14="http://schemas.microsoft.com/office/powerpoint/2010/main" val="4025365302"/>
+        <p14:creationId xmlns:p14="http://schemas.microsoft.com/office/powerpoint/2010/main" val="2771889650"/>
       </p:ext>
     </p:extLst>
   </p:cSld>
@@ -3307,114 +3425,16 @@
           <a:p>
             <a:r>
               <a:rPr lang="en-US" altLang="zh-TW" dirty="0"/>
-              <a:t>What is Declarative?</a:t>
-            </a:r>
-          </a:p>
-        </p:txBody>
-      </p:sp>
-      <p:sp>
-        <p:nvSpPr>
-          <p:cNvPr id="3" name="內容版面配置區 2"/>
-          <p:cNvSpPr>
-            <a:spLocks noGrp="1"/>
-          </p:cNvSpPr>
-          <p:nvPr>
-            <p:ph idx="1"/>
-          </p:nvPr>
-        </p:nvSpPr>
-        <p:spPr/>
-        <p:txBody>
-          <a:bodyPr/>
-          <a:lstStyle/>
-          <a:p>
-            <a:pPr>
-              <a:lnSpc>
-                <a:spcPct val="150000"/>
-              </a:lnSpc>
-            </a:pPr>
-            <a:r>
-              <a:rPr lang="en-US" altLang="zh-TW" dirty="0" smtClean="0"/>
-              <a:t>Denoting </a:t>
-            </a:r>
-            <a:r>
-              <a:rPr lang="en-US" altLang="zh-TW" dirty="0"/>
-              <a:t>high-level programming languages which can be used to solve problems </a:t>
-            </a:r>
-            <a:r>
-              <a:rPr lang="en-US" altLang="zh-TW" dirty="0">
-                <a:solidFill>
-                  <a:srgbClr val="FF0000"/>
-                </a:solidFill>
-              </a:rPr>
-              <a:t>without requiring the programmer to specify an exact procedure </a:t>
-            </a:r>
-            <a:r>
-              <a:rPr lang="en-US" altLang="zh-TW" dirty="0" smtClean="0"/>
-              <a:t>to </a:t>
-            </a:r>
-            <a:r>
-              <a:rPr lang="en-US" altLang="zh-TW" dirty="0"/>
-              <a:t>be followed</a:t>
-            </a:r>
-            <a:r>
-              <a:rPr lang="en-US" altLang="zh-TW" dirty="0" smtClean="0"/>
-              <a:t>. (from google dictionary)</a:t>
-            </a:r>
-          </a:p>
-          <a:p>
-            <a:pPr marL="0" indent="0">
-              <a:buNone/>
-            </a:pPr>
-            <a:endParaRPr lang="en-US" altLang="zh-TW" dirty="0" smtClean="0"/>
-          </a:p>
-          <a:p>
-            <a:r>
-              <a:rPr lang="en-US" altLang="zh-TW" dirty="0" smtClean="0"/>
-              <a:t>Take java for example:</a:t>
-            </a:r>
-          </a:p>
-          <a:p>
-            <a:pPr marL="0" indent="0">
-              <a:buNone/>
-            </a:pPr>
-            <a:endParaRPr lang="en-US" altLang="zh-TW" dirty="0"/>
-          </a:p>
-        </p:txBody>
-      </p:sp>
-      <p:pic>
-        <p:nvPicPr>
-          <p:cNvPr id="5" name="圖片 4"/>
-          <p:cNvPicPr>
-            <a:picLocks noChangeAspect="1"/>
-          </p:cNvPicPr>
-          <p:nvPr/>
-        </p:nvPicPr>
-        <p:blipFill>
-          <a:blip r:embed="rId2">
-            <a:extLst>
-              <a:ext uri="{28A0092B-C50C-407E-A947-70E740481C1C}">
-                <a14:useLocalDpi xmlns:a14="http://schemas.microsoft.com/office/drawing/2010/main" val="0"/>
-              </a:ext>
-            </a:extLst>
-          </a:blip>
-          <a:stretch>
-            <a:fillRect/>
-          </a:stretch>
-        </p:blipFill>
-        <p:spPr>
-          <a:xfrm>
-            <a:off x="1131779" y="4932357"/>
-            <a:ext cx="10162200" cy="1441160"/>
-          </a:xfrm>
-          <a:prstGeom prst="rect">
-            <a:avLst/>
-          </a:prstGeom>
-        </p:spPr>
-      </p:pic>
+              <a:t>Declarative Rendering</a:t>
+            </a:r>
+            <a:endParaRPr lang="zh-TW" altLang="en-US" dirty="0"/>
+          </a:p>
+        </p:txBody>
+      </p:sp>
     </p:spTree>
     <p:extLst>
       <p:ext uri="{BB962C8B-B14F-4D97-AF65-F5344CB8AC3E}">
-        <p14:creationId xmlns:p14="http://schemas.microsoft.com/office/powerpoint/2010/main" val="1101464336"/>
+        <p14:creationId xmlns:p14="http://schemas.microsoft.com/office/powerpoint/2010/main" val="4025365302"/>
       </p:ext>
     </p:extLst>
   </p:cSld>
@@ -3465,9 +3485,8 @@
           <a:p>
             <a:r>
               <a:rPr lang="en-US" altLang="zh-TW" dirty="0"/>
-              <a:t>Declarative Rendering</a:t>
-            </a:r>
-            <a:endParaRPr lang="zh-TW" altLang="en-US" dirty="0"/>
+              <a:t>What is Declarative?</a:t>
+            </a:r>
           </a:p>
         </p:txBody>
       </p:sp>
@@ -3492,60 +3511,96 @@
               </a:lnSpc>
             </a:pPr>
             <a:r>
-              <a:rPr lang="en-US" altLang="zh-TW" sz="3200" dirty="0"/>
-              <a:t>At the core of Vue.js is a system that enables us to declaratively render data to the DOM using straightforward template </a:t>
-            </a:r>
-            <a:r>
-              <a:rPr lang="en-US" altLang="zh-TW" sz="3200" dirty="0" smtClean="0"/>
-              <a:t>syntax.   (from vue3 official document)</a:t>
-            </a:r>
-          </a:p>
-          <a:p>
-            <a:endParaRPr lang="en-US" altLang="zh-TW" sz="3200" dirty="0"/>
-          </a:p>
-          <a:p>
-            <a:r>
-              <a:rPr lang="en-US" altLang="zh-TW" sz="3200" dirty="0" smtClean="0">
-                <a:solidFill>
-                  <a:srgbClr val="FF0000"/>
-                </a:solidFill>
-              </a:rPr>
-              <a:t>So</a:t>
-            </a:r>
-            <a:r>
-              <a:rPr lang="en-US" altLang="zh-TW" sz="3200" dirty="0">
-                <a:solidFill>
-                  <a:srgbClr val="FF0000"/>
-                </a:solidFill>
-              </a:rPr>
-              <a:t>, we don’t have to manipulate DOM </a:t>
-            </a:r>
-            <a:r>
-              <a:rPr lang="en-US" altLang="zh-TW" sz="3200" dirty="0" smtClean="0">
-                <a:solidFill>
-                  <a:srgbClr val="FF0000"/>
-                </a:solidFill>
-              </a:rPr>
-              <a:t>manually!</a:t>
-            </a:r>
-            <a:endParaRPr lang="en-US" altLang="zh-TW" sz="3200" dirty="0">
-              <a:solidFill>
-                <a:srgbClr val="FF0000"/>
-              </a:solidFill>
-            </a:endParaRPr>
-          </a:p>
-          <a:p>
+              <a:rPr lang="en-US" altLang="zh-TW" dirty="0" smtClean="0"/>
+              <a:t>Denoting </a:t>
+            </a:r>
+            <a:r>
+              <a:rPr lang="en-US" altLang="zh-TW" dirty="0"/>
+              <a:t>programming </a:t>
+            </a:r>
+            <a:r>
+              <a:rPr lang="en-US" altLang="zh-TW" dirty="0" smtClean="0"/>
+              <a:t>concept which </a:t>
+            </a:r>
+            <a:r>
+              <a:rPr lang="en-US" altLang="zh-TW" dirty="0"/>
+              <a:t>can be used to solve problems </a:t>
+            </a:r>
+            <a:r>
+              <a:rPr lang="en-US" altLang="zh-TW" dirty="0">
+                <a:solidFill>
+                  <a:srgbClr val="FF0000"/>
+                </a:solidFill>
+              </a:rPr>
+              <a:t>without requiring the programmer to specify an exact procedure </a:t>
+            </a:r>
+            <a:r>
+              <a:rPr lang="en-US" altLang="zh-TW" dirty="0" smtClean="0"/>
+              <a:t>to </a:t>
+            </a:r>
+            <a:r>
+              <a:rPr lang="en-US" altLang="zh-TW" dirty="0"/>
+              <a:t>be followed</a:t>
+            </a:r>
+            <a:r>
+              <a:rPr lang="en-US" altLang="zh-TW" dirty="0" smtClean="0"/>
+              <a:t>. (from google dictionary)</a:t>
+            </a:r>
+          </a:p>
+          <a:p>
+            <a:pPr marL="0" indent="0">
+              <a:buNone/>
+            </a:pPr>
             <a:endParaRPr lang="en-US" altLang="zh-TW" dirty="0" smtClean="0"/>
           </a:p>
           <a:p>
-            <a:endParaRPr lang="zh-TW" altLang="en-US" dirty="0"/>
-          </a:p>
-        </p:txBody>
-      </p:sp>
+            <a:r>
+              <a:rPr lang="en-US" altLang="zh-TW" dirty="0" smtClean="0"/>
+              <a:t>Take java for example:</a:t>
+            </a:r>
+          </a:p>
+          <a:p>
+            <a:pPr marL="0" indent="0">
+              <a:buNone/>
+            </a:pPr>
+            <a:endParaRPr lang="en-US" altLang="zh-TW" dirty="0"/>
+          </a:p>
+        </p:txBody>
+      </p:sp>
+      <p:pic>
+        <p:nvPicPr>
+          <p:cNvPr id="5" name="圖片 4"/>
+          <p:cNvPicPr>
+            <a:picLocks noChangeAspect="1"/>
+          </p:cNvPicPr>
+          <p:nvPr/>
+        </p:nvPicPr>
+        <p:blipFill>
+          <a:blip r:embed="rId2">
+            <a:extLst>
+              <a:ext uri="{28A0092B-C50C-407E-A947-70E740481C1C}">
+                <a14:useLocalDpi xmlns:a14="http://schemas.microsoft.com/office/drawing/2010/main" val="0"/>
+              </a:ext>
+            </a:extLst>
+          </a:blip>
+          <a:stretch>
+            <a:fillRect/>
+          </a:stretch>
+        </p:blipFill>
+        <p:spPr>
+          <a:xfrm>
+            <a:off x="1131779" y="4932357"/>
+            <a:ext cx="10162200" cy="1441160"/>
+          </a:xfrm>
+          <a:prstGeom prst="rect">
+            <a:avLst/>
+          </a:prstGeom>
+        </p:spPr>
+      </p:pic>
     </p:spTree>
     <p:extLst>
       <p:ext uri="{BB962C8B-B14F-4D97-AF65-F5344CB8AC3E}">
-        <p14:creationId xmlns:p14="http://schemas.microsoft.com/office/powerpoint/2010/main" val="1221619328"/>
+        <p14:creationId xmlns:p14="http://schemas.microsoft.com/office/powerpoint/2010/main" val="1101464336"/>
       </p:ext>
     </p:extLst>
   </p:cSld>
@@ -3595,77 +3650,100 @@
           <a:lstStyle/>
           <a:p>
             <a:r>
-              <a:rPr lang="en-US" altLang="zh-TW" dirty="0" smtClean="0"/>
+              <a:rPr lang="en-US" altLang="zh-TW" dirty="0"/>
               <a:t>Declarative Rendering</a:t>
             </a:r>
             <a:endParaRPr lang="zh-TW" altLang="en-US" dirty="0"/>
           </a:p>
         </p:txBody>
       </p:sp>
-      <p:pic>
-        <p:nvPicPr>
-          <p:cNvPr id="12" name="圖片 11"/>
-          <p:cNvPicPr>
-            <a:picLocks noChangeAspect="1"/>
-          </p:cNvPicPr>
-          <p:nvPr/>
-        </p:nvPicPr>
-        <p:blipFill>
-          <a:blip r:embed="rId2">
-            <a:extLst>
-              <a:ext uri="{28A0092B-C50C-407E-A947-70E740481C1C}">
-                <a14:useLocalDpi xmlns:a14="http://schemas.microsoft.com/office/drawing/2010/main" val="0"/>
-              </a:ext>
-            </a:extLst>
-          </a:blip>
-          <a:stretch>
-            <a:fillRect/>
-          </a:stretch>
-        </p:blipFill>
-        <p:spPr>
-          <a:xfrm>
-            <a:off x="8146852" y="3096737"/>
-            <a:ext cx="1817546" cy="533508"/>
-          </a:xfrm>
-          <a:prstGeom prst="rect">
-            <a:avLst/>
-          </a:prstGeom>
-        </p:spPr>
-      </p:pic>
-      <p:pic>
-        <p:nvPicPr>
-          <p:cNvPr id="3" name="圖片 2"/>
-          <p:cNvPicPr>
-            <a:picLocks noChangeAspect="1"/>
-          </p:cNvPicPr>
-          <p:nvPr/>
-        </p:nvPicPr>
-        <p:blipFill>
-          <a:blip r:embed="rId3">
-            <a:extLst>
-              <a:ext uri="{28A0092B-C50C-407E-A947-70E740481C1C}">
-                <a14:useLocalDpi xmlns:a14="http://schemas.microsoft.com/office/drawing/2010/main" val="0"/>
-              </a:ext>
-            </a:extLst>
-          </a:blip>
-          <a:stretch>
-            <a:fillRect/>
-          </a:stretch>
-        </p:blipFill>
-        <p:spPr>
-          <a:xfrm>
-            <a:off x="1565004" y="1400427"/>
-            <a:ext cx="4348686" cy="5226108"/>
-          </a:xfrm>
-          <a:prstGeom prst="rect">
-            <a:avLst/>
-          </a:prstGeom>
-        </p:spPr>
-      </p:pic>
+      <p:sp>
+        <p:nvSpPr>
+          <p:cNvPr id="3" name="內容版面配置區 2"/>
+          <p:cNvSpPr>
+            <a:spLocks noGrp="1"/>
+          </p:cNvSpPr>
+          <p:nvPr>
+            <p:ph idx="1"/>
+          </p:nvPr>
+        </p:nvSpPr>
+        <p:spPr/>
+        <p:txBody>
+          <a:bodyPr/>
+          <a:lstStyle/>
+          <a:p>
+            <a:pPr>
+              <a:lnSpc>
+                <a:spcPct val="150000"/>
+              </a:lnSpc>
+            </a:pPr>
+            <a:r>
+              <a:rPr lang="en-US" altLang="zh-TW" sz="3200" dirty="0"/>
+              <a:t>At the core of Vue.js is a system that enables us to </a:t>
+            </a:r>
+            <a:r>
+              <a:rPr lang="en-US" altLang="zh-TW" sz="3200" dirty="0">
+                <a:solidFill>
+                  <a:srgbClr val="FF0000"/>
+                </a:solidFill>
+              </a:rPr>
+              <a:t>declaratively render data to the DOM </a:t>
+            </a:r>
+            <a:r>
+              <a:rPr lang="en-US" altLang="zh-TW" sz="3200" dirty="0"/>
+              <a:t>using straightforward template </a:t>
+            </a:r>
+            <a:r>
+              <a:rPr lang="en-US" altLang="zh-TW" sz="3200" dirty="0" smtClean="0"/>
+              <a:t>syntax.   (from vue3 official document)</a:t>
+            </a:r>
+          </a:p>
+          <a:p>
+            <a:endParaRPr lang="en-US" altLang="zh-TW" sz="3200" dirty="0"/>
+          </a:p>
+          <a:p>
+            <a:r>
+              <a:rPr lang="en-US" altLang="zh-TW" sz="3200" dirty="0" smtClean="0">
+                <a:solidFill>
+                  <a:srgbClr val="FF0000"/>
+                </a:solidFill>
+              </a:rPr>
+              <a:t>So</a:t>
+            </a:r>
+            <a:r>
+              <a:rPr lang="en-US" altLang="zh-TW" sz="3200" dirty="0">
+                <a:solidFill>
+                  <a:srgbClr val="FF0000"/>
+                </a:solidFill>
+              </a:rPr>
+              <a:t>, we don’t have to manipulate DOM </a:t>
+            </a:r>
+            <a:r>
+              <a:rPr lang="en-US" altLang="zh-TW" sz="3200" dirty="0" smtClean="0">
+                <a:solidFill>
+                  <a:srgbClr val="FF0000"/>
+                </a:solidFill>
+              </a:rPr>
+              <a:t>manually!</a:t>
+            </a:r>
+            <a:endParaRPr lang="en-US" altLang="zh-TW" sz="3200" dirty="0">
+              <a:solidFill>
+                <a:srgbClr val="FF0000"/>
+              </a:solidFill>
+            </a:endParaRPr>
+          </a:p>
+          <a:p>
+            <a:endParaRPr lang="en-US" altLang="zh-TW" dirty="0" smtClean="0"/>
+          </a:p>
+          <a:p>
+            <a:endParaRPr lang="zh-TW" altLang="en-US" dirty="0"/>
+          </a:p>
+        </p:txBody>
+      </p:sp>
     </p:spTree>
     <p:extLst>
       <p:ext uri="{BB962C8B-B14F-4D97-AF65-F5344CB8AC3E}">
-        <p14:creationId xmlns:p14="http://schemas.microsoft.com/office/powerpoint/2010/main" val="2115564268"/>
+        <p14:creationId xmlns:p14="http://schemas.microsoft.com/office/powerpoint/2010/main" val="1221619328"/>
       </p:ext>
     </p:extLst>
   </p:cSld>
@@ -3715,62 +3793,8 @@
           <a:lstStyle/>
           <a:p>
             <a:r>
-              <a:rPr lang="en-US" altLang="zh-TW" dirty="0"/>
-              <a:t>Non-Declarative Rendering (Imperative)</a:t>
-            </a:r>
-            <a:endParaRPr lang="zh-TW" altLang="en-US" dirty="0"/>
-          </a:p>
-        </p:txBody>
-      </p:sp>
-      <p:sp>
-        <p:nvSpPr>
-          <p:cNvPr id="3" name="內容版面配置區 2"/>
-          <p:cNvSpPr>
-            <a:spLocks noGrp="1"/>
-          </p:cNvSpPr>
-          <p:nvPr>
-            <p:ph idx="1"/>
-          </p:nvPr>
-        </p:nvSpPr>
-        <p:spPr>
-          <a:xfrm>
-            <a:off x="838199" y="1825625"/>
-            <a:ext cx="10604619" cy="4351338"/>
-          </a:xfrm>
-        </p:spPr>
-        <p:txBody>
-          <a:bodyPr>
-            <a:normAutofit/>
-          </a:bodyPr>
-          <a:lstStyle/>
-          <a:p>
-            <a:r>
-              <a:rPr lang="en-US" altLang="zh-TW" dirty="0"/>
-              <a:t>Imperative programming is a paradigm of </a:t>
-            </a:r>
-            <a:r>
               <a:rPr lang="en-US" altLang="zh-TW" dirty="0" smtClean="0"/>
-              <a:t>computer programming</a:t>
-            </a:r>
-            <a:r>
-              <a:rPr lang="en-US" altLang="zh-TW" dirty="0"/>
-              <a:t> where the </a:t>
-            </a:r>
-            <a:r>
-              <a:rPr lang="en-US" altLang="zh-TW" dirty="0">
-                <a:solidFill>
-                  <a:srgbClr val="FF0000"/>
-                </a:solidFill>
-              </a:rPr>
-              <a:t>program describes steps that change the state of the computer</a:t>
-            </a:r>
-            <a:r>
-              <a:rPr lang="en-US" altLang="zh-TW" dirty="0"/>
-              <a:t>. (from </a:t>
-            </a:r>
-            <a:r>
-              <a:rPr lang="en-US" altLang="zh-TW" dirty="0" smtClean="0"/>
-              <a:t>computerhope.com)</a:t>
+              <a:t>Declarative Rendering</a:t>
             </a:r>
             <a:endParaRPr lang="zh-TW" altLang="en-US" dirty="0"/>
           </a:p>
@@ -3778,7 +3802,7 @@
       </p:sp>
       <p:pic>
         <p:nvPicPr>
-          <p:cNvPr id="4" name="內容版面配置區 3"/>
+          <p:cNvPr id="12" name="圖片 11"/>
           <p:cNvPicPr>
             <a:picLocks noChangeAspect="1"/>
           </p:cNvPicPr>
@@ -3798,8 +3822,38 @@
         </p:blipFill>
         <p:spPr>
           <a:xfrm>
-            <a:off x="912687" y="3361336"/>
-            <a:ext cx="10366626" cy="2815627"/>
+            <a:off x="8146852" y="3096737"/>
+            <a:ext cx="1817546" cy="533508"/>
+          </a:xfrm>
+          <a:prstGeom prst="rect">
+            <a:avLst/>
+          </a:prstGeom>
+        </p:spPr>
+      </p:pic>
+      <p:pic>
+        <p:nvPicPr>
+          <p:cNvPr id="3" name="圖片 2"/>
+          <p:cNvPicPr>
+            <a:picLocks noChangeAspect="1"/>
+          </p:cNvPicPr>
+          <p:nvPr/>
+        </p:nvPicPr>
+        <p:blipFill>
+          <a:blip r:embed="rId3">
+            <a:extLst>
+              <a:ext uri="{28A0092B-C50C-407E-A947-70E740481C1C}">
+                <a14:useLocalDpi xmlns:a14="http://schemas.microsoft.com/office/drawing/2010/main" val="0"/>
+              </a:ext>
+            </a:extLst>
+          </a:blip>
+          <a:stretch>
+            <a:fillRect/>
+          </a:stretch>
+        </p:blipFill>
+        <p:spPr>
+          <a:xfrm>
+            <a:off x="1565004" y="1400427"/>
+            <a:ext cx="4348686" cy="5226108"/>
           </a:xfrm>
           <a:prstGeom prst="rect">
             <a:avLst/>
@@ -3809,7 +3863,7 @@
     </p:spTree>
     <p:extLst>
       <p:ext uri="{BB962C8B-B14F-4D97-AF65-F5344CB8AC3E}">
-        <p14:creationId xmlns:p14="http://schemas.microsoft.com/office/powerpoint/2010/main" val="1602129316"/>
+        <p14:creationId xmlns:p14="http://schemas.microsoft.com/office/powerpoint/2010/main" val="2115564268"/>
       </p:ext>
     </p:extLst>
   </p:cSld>
@@ -3859,8 +3913,70 @@
           <a:lstStyle/>
           <a:p>
             <a:r>
+              <a:rPr lang="en-US" altLang="zh-TW" dirty="0"/>
+              <a:t>Non-Declarative Rendering (Imperative)</a:t>
+            </a:r>
+            <a:endParaRPr lang="zh-TW" altLang="en-US" dirty="0"/>
+          </a:p>
+        </p:txBody>
+      </p:sp>
+      <p:sp>
+        <p:nvSpPr>
+          <p:cNvPr id="3" name="內容版面配置區 2"/>
+          <p:cNvSpPr>
+            <a:spLocks noGrp="1"/>
+          </p:cNvSpPr>
+          <p:nvPr>
+            <p:ph idx="1"/>
+          </p:nvPr>
+        </p:nvSpPr>
+        <p:spPr>
+          <a:xfrm>
+            <a:off x="838199" y="1825625"/>
+            <a:ext cx="10604619" cy="4351338"/>
+          </a:xfrm>
+        </p:spPr>
+        <p:txBody>
+          <a:bodyPr>
+            <a:normAutofit/>
+          </a:bodyPr>
+          <a:lstStyle/>
+          <a:p>
+            <a:r>
+              <a:rPr lang="en-US" altLang="zh-TW" dirty="0"/>
+              <a:t>Imperative programming is a </a:t>
+            </a:r>
+            <a:r>
+              <a:rPr lang="en-US" altLang="zh-TW" dirty="0"/>
+              <a:t>programming </a:t>
+            </a:r>
+            <a:r>
               <a:rPr lang="en-US" altLang="zh-TW" dirty="0" smtClean="0"/>
-              <a:t>Declarative Rendering (attributes)</a:t>
+              <a:t>concept </a:t>
+            </a:r>
+            <a:r>
+              <a:rPr lang="en-US" altLang="zh-TW" dirty="0" smtClean="0"/>
+              <a:t>which </a:t>
+            </a:r>
+            <a:r>
+              <a:rPr lang="en-US" altLang="zh-TW" dirty="0"/>
+              <a:t>the </a:t>
+            </a:r>
+            <a:r>
+              <a:rPr lang="en-US" altLang="zh-TW" dirty="0">
+                <a:solidFill>
+                  <a:srgbClr val="FF0000"/>
+                </a:solidFill>
+              </a:rPr>
+              <a:t>program describes steps that change the state of the computer</a:t>
+            </a:r>
+            <a:r>
+              <a:rPr lang="en-US" altLang="zh-TW" dirty="0"/>
+              <a:t>. (from </a:t>
+            </a:r>
+            <a:r>
+              <a:rPr lang="en-US" altLang="zh-TW" dirty="0" smtClean="0"/>
+              <a:t>computerhope.com)</a:t>
             </a:r>
             <a:endParaRPr lang="zh-TW" altLang="en-US" dirty="0"/>
           </a:p>
@@ -3868,7 +3984,7 @@
       </p:sp>
       <p:pic>
         <p:nvPicPr>
-          <p:cNvPr id="3" name="圖片 2"/>
+          <p:cNvPr id="4" name="內容版面配置區 3"/>
           <p:cNvPicPr>
             <a:picLocks noChangeAspect="1"/>
           </p:cNvPicPr>
@@ -3888,97 +4004,18 @@
         </p:blipFill>
         <p:spPr>
           <a:xfrm>
-            <a:off x="1125027" y="1515748"/>
-            <a:ext cx="4899759" cy="5026131"/>
+            <a:off x="912687" y="3361336"/>
+            <a:ext cx="10366626" cy="2815627"/>
           </a:xfrm>
           <a:prstGeom prst="rect">
             <a:avLst/>
           </a:prstGeom>
         </p:spPr>
       </p:pic>
-      <p:pic>
-        <p:nvPicPr>
-          <p:cNvPr id="4" name="圖片 3"/>
-          <p:cNvPicPr>
-            <a:picLocks noChangeAspect="1"/>
-          </p:cNvPicPr>
-          <p:nvPr/>
-        </p:nvPicPr>
-        <p:blipFill>
-          <a:blip r:embed="rId3">
-            <a:extLst>
-              <a:ext uri="{28A0092B-C50C-407E-A947-70E740481C1C}">
-                <a14:useLocalDpi xmlns:a14="http://schemas.microsoft.com/office/drawing/2010/main" val="0"/>
-              </a:ext>
-            </a:extLst>
-          </a:blip>
-          <a:stretch>
-            <a:fillRect/>
-          </a:stretch>
-        </p:blipFill>
-        <p:spPr>
-          <a:xfrm>
-            <a:off x="8053494" y="3077139"/>
-            <a:ext cx="2112641" cy="1039144"/>
-          </a:xfrm>
-          <a:prstGeom prst="rect">
-            <a:avLst/>
-          </a:prstGeom>
-        </p:spPr>
-      </p:pic>
-      <p:sp>
-        <p:nvSpPr>
-          <p:cNvPr id="5" name="文字方塊 4"/>
-          <p:cNvSpPr txBox="1"/>
-          <p:nvPr/>
-        </p:nvSpPr>
-        <p:spPr>
-          <a:xfrm>
-            <a:off x="6215639" y="1834431"/>
-            <a:ext cx="5788352" cy="461665"/>
-          </a:xfrm>
-          <a:prstGeom prst="rect">
-            <a:avLst/>
-          </a:prstGeom>
-          <a:noFill/>
-        </p:spPr>
-        <p:txBody>
-          <a:bodyPr wrap="square" rtlCol="0">
-            <a:spAutoFit/>
-          </a:bodyPr>
-          <a:lstStyle/>
-          <a:p>
-            <a:r>
-              <a:rPr lang="en-US" altLang="zh-TW" sz="2400" b="1" dirty="0" smtClean="0">
-                <a:solidFill>
-                  <a:srgbClr val="FF0000"/>
-                </a:solidFill>
-              </a:rPr>
-              <a:t>The shorthand for v-bind</a:t>
-            </a:r>
-            <a:r>
-              <a:rPr lang="zh-TW" altLang="en-US" sz="2400" b="1" dirty="0" smtClean="0">
-                <a:solidFill>
-                  <a:srgbClr val="FF0000"/>
-                </a:solidFill>
-              </a:rPr>
-              <a:t> </a:t>
-            </a:r>
-            <a:r>
-              <a:rPr lang="en-US" altLang="zh-TW" sz="2400" b="1" dirty="0" smtClean="0">
-                <a:solidFill>
-                  <a:srgbClr val="FF0000"/>
-                </a:solidFill>
-              </a:rPr>
-              <a:t>is simply a colon (:)</a:t>
-            </a:r>
-          </a:p>
-        </p:txBody>
-      </p:sp>
     </p:spTree>
     <p:extLst>
       <p:ext uri="{BB962C8B-B14F-4D97-AF65-F5344CB8AC3E}">
-        <p14:creationId xmlns:p14="http://schemas.microsoft.com/office/powerpoint/2010/main" val="3138714389"/>
+        <p14:creationId xmlns:p14="http://schemas.microsoft.com/office/powerpoint/2010/main" val="1602129316"/>
       </p:ext>
     </p:extLst>
   </p:cSld>
@@ -4028,55 +4065,8 @@
           <a:lstStyle/>
           <a:p>
             <a:r>
-              <a:rPr lang="en-US" altLang="zh-TW" dirty="0"/>
-              <a:t>Declarative Rendering</a:t>
-            </a:r>
-            <a:endParaRPr lang="zh-TW" altLang="en-US" dirty="0"/>
-          </a:p>
-        </p:txBody>
-      </p:sp>
-      <p:sp>
-        <p:nvSpPr>
-          <p:cNvPr id="3" name="內容版面配置區 2"/>
-          <p:cNvSpPr>
-            <a:spLocks noGrp="1"/>
-          </p:cNvSpPr>
-          <p:nvPr>
-            <p:ph idx="1"/>
-          </p:nvPr>
-        </p:nvSpPr>
-        <p:spPr/>
-        <p:txBody>
-          <a:bodyPr/>
-          <a:lstStyle/>
-          <a:p>
-            <a:r>
-              <a:rPr lang="zh-TW" altLang="en-US" dirty="0" smtClean="0"/>
-              <a:t>要在 </a:t>
-            </a:r>
-            <a:r>
               <a:rPr lang="en-US" altLang="zh-TW" dirty="0" smtClean="0"/>
-              <a:t>&lt;template&gt; </a:t>
-            </a:r>
-            <a:r>
-              <a:rPr lang="zh-TW" altLang="en-US" dirty="0" smtClean="0"/>
-              <a:t>裡面使用的變數或方法，必須要寫在 </a:t>
-            </a:r>
-            <a:r>
-              <a:rPr lang="en-US" altLang="zh-TW" dirty="0" smtClean="0"/>
-              <a:t>setup() </a:t>
-            </a:r>
-            <a:r>
-              <a:rPr lang="zh-TW" altLang="en-US" dirty="0" smtClean="0"/>
-              <a:t>的 </a:t>
-            </a:r>
-            <a:r>
-              <a:rPr lang="en-US" altLang="zh-TW" dirty="0" smtClean="0"/>
-              <a:t>return block</a:t>
-            </a:r>
-            <a:r>
-              <a:rPr lang="en-US" altLang="zh-TW" dirty="0"/>
-              <a:t>.</a:t>
+              <a:t>Declarative Rendering (attributes)</a:t>
             </a:r>
             <a:endParaRPr lang="zh-TW" altLang="en-US" dirty="0"/>
           </a:p>
@@ -4084,7 +4074,7 @@
       </p:sp>
       <p:pic>
         <p:nvPicPr>
-          <p:cNvPr id="6" name="圖片 5"/>
+          <p:cNvPr id="3" name="圖片 2"/>
           <p:cNvPicPr>
             <a:picLocks noChangeAspect="1"/>
           </p:cNvPicPr>
@@ -4104,18 +4094,97 @@
         </p:blipFill>
         <p:spPr>
           <a:xfrm>
-            <a:off x="1983675" y="2689464"/>
-            <a:ext cx="7895261" cy="3795108"/>
+            <a:off x="1125027" y="1515748"/>
+            <a:ext cx="4899759" cy="5026131"/>
           </a:xfrm>
           <a:prstGeom prst="rect">
             <a:avLst/>
           </a:prstGeom>
         </p:spPr>
       </p:pic>
+      <p:pic>
+        <p:nvPicPr>
+          <p:cNvPr id="4" name="圖片 3"/>
+          <p:cNvPicPr>
+            <a:picLocks noChangeAspect="1"/>
+          </p:cNvPicPr>
+          <p:nvPr/>
+        </p:nvPicPr>
+        <p:blipFill>
+          <a:blip r:embed="rId3">
+            <a:extLst>
+              <a:ext uri="{28A0092B-C50C-407E-A947-70E740481C1C}">
+                <a14:useLocalDpi xmlns:a14="http://schemas.microsoft.com/office/drawing/2010/main" val="0"/>
+              </a:ext>
+            </a:extLst>
+          </a:blip>
+          <a:stretch>
+            <a:fillRect/>
+          </a:stretch>
+        </p:blipFill>
+        <p:spPr>
+          <a:xfrm>
+            <a:off x="8053494" y="3077139"/>
+            <a:ext cx="2112641" cy="1039144"/>
+          </a:xfrm>
+          <a:prstGeom prst="rect">
+            <a:avLst/>
+          </a:prstGeom>
+        </p:spPr>
+      </p:pic>
+      <p:sp>
+        <p:nvSpPr>
+          <p:cNvPr id="5" name="文字方塊 4"/>
+          <p:cNvSpPr txBox="1"/>
+          <p:nvPr/>
+        </p:nvSpPr>
+        <p:spPr>
+          <a:xfrm>
+            <a:off x="6215639" y="1834431"/>
+            <a:ext cx="5788352" cy="461665"/>
+          </a:xfrm>
+          <a:prstGeom prst="rect">
+            <a:avLst/>
+          </a:prstGeom>
+          <a:noFill/>
+        </p:spPr>
+        <p:txBody>
+          <a:bodyPr wrap="square" rtlCol="0">
+            <a:spAutoFit/>
+          </a:bodyPr>
+          <a:lstStyle/>
+          <a:p>
+            <a:r>
+              <a:rPr lang="en-US" altLang="zh-TW" sz="2400" b="1" dirty="0" smtClean="0">
+                <a:solidFill>
+                  <a:srgbClr val="FF0000"/>
+                </a:solidFill>
+              </a:rPr>
+              <a:t>The shorthand for v-bind</a:t>
+            </a:r>
+            <a:r>
+              <a:rPr lang="zh-TW" altLang="en-US" sz="2400" b="1" dirty="0" smtClean="0">
+                <a:solidFill>
+                  <a:srgbClr val="FF0000"/>
+                </a:solidFill>
+              </a:rPr>
+              <a:t> </a:t>
+            </a:r>
+            <a:r>
+              <a:rPr lang="en-US" altLang="zh-TW" sz="2400" b="1" dirty="0" smtClean="0">
+                <a:solidFill>
+                  <a:srgbClr val="FF0000"/>
+                </a:solidFill>
+              </a:rPr>
+              <a:t>is simply a colon (:)</a:t>
+            </a:r>
+          </a:p>
+        </p:txBody>
+      </p:sp>
     </p:spTree>
     <p:extLst>
       <p:ext uri="{BB962C8B-B14F-4D97-AF65-F5344CB8AC3E}">
-        <p14:creationId xmlns:p14="http://schemas.microsoft.com/office/powerpoint/2010/main" val="1320234048"/>
+        <p14:creationId xmlns:p14="http://schemas.microsoft.com/office/powerpoint/2010/main" val="3138714389"/>
       </p:ext>
     </p:extLst>
   </p:cSld>
@@ -4166,16 +4235,93 @@
           <a:p>
             <a:r>
               <a:rPr lang="en-US" altLang="zh-TW" dirty="0"/>
-              <a:t>Event Handling</a:t>
+              <a:t>Declarative Rendering</a:t>
             </a:r>
             <a:endParaRPr lang="zh-TW" altLang="en-US" dirty="0"/>
           </a:p>
         </p:txBody>
       </p:sp>
+      <p:sp>
+        <p:nvSpPr>
+          <p:cNvPr id="3" name="內容版面配置區 2"/>
+          <p:cNvSpPr>
+            <a:spLocks noGrp="1"/>
+          </p:cNvSpPr>
+          <p:nvPr>
+            <p:ph idx="1"/>
+          </p:nvPr>
+        </p:nvSpPr>
+        <p:spPr/>
+        <p:txBody>
+          <a:bodyPr/>
+          <a:lstStyle/>
+          <a:p>
+            <a:r>
+              <a:rPr lang="zh-TW" altLang="en-US" dirty="0" smtClean="0"/>
+              <a:t>要在 </a:t>
+            </a:r>
+            <a:r>
+              <a:rPr lang="en-US" altLang="zh-TW" dirty="0" smtClean="0"/>
+              <a:t>&lt;template&gt; </a:t>
+            </a:r>
+            <a:r>
+              <a:rPr lang="zh-TW" altLang="en-US" dirty="0" smtClean="0"/>
+              <a:t>裡面使用的變數或方法，必須要寫在 </a:t>
+            </a:r>
+            <a:r>
+              <a:rPr lang="en-US" altLang="zh-TW" dirty="0" smtClean="0"/>
+              <a:t>setup() </a:t>
+            </a:r>
+            <a:r>
+              <a:rPr lang="zh-TW" altLang="en-US" dirty="0" smtClean="0"/>
+              <a:t>的 </a:t>
+            </a:r>
+            <a:r>
+              <a:rPr lang="en-US" altLang="zh-TW" dirty="0" smtClean="0"/>
+              <a:t>return block</a:t>
+            </a:r>
+            <a:r>
+              <a:rPr lang="en-US" altLang="zh-TW" dirty="0"/>
+              <a:t>.</a:t>
+            </a:r>
+            <a:endParaRPr lang="zh-TW" altLang="en-US" dirty="0"/>
+          </a:p>
+        </p:txBody>
+      </p:sp>
+      <p:pic>
+        <p:nvPicPr>
+          <p:cNvPr id="6" name="圖片 5"/>
+          <p:cNvPicPr>
+            <a:picLocks noChangeAspect="1"/>
+          </p:cNvPicPr>
+          <p:nvPr/>
+        </p:nvPicPr>
+        <p:blipFill>
+          <a:blip r:embed="rId2">
+            <a:extLst>
+              <a:ext uri="{28A0092B-C50C-407E-A947-70E740481C1C}">
+                <a14:useLocalDpi xmlns:a14="http://schemas.microsoft.com/office/drawing/2010/main" val="0"/>
+              </a:ext>
+            </a:extLst>
+          </a:blip>
+          <a:stretch>
+            <a:fillRect/>
+          </a:stretch>
+        </p:blipFill>
+        <p:spPr>
+          <a:xfrm>
+            <a:off x="1983675" y="2689464"/>
+            <a:ext cx="7895261" cy="3795108"/>
+          </a:xfrm>
+          <a:prstGeom prst="rect">
+            <a:avLst/>
+          </a:prstGeom>
+        </p:spPr>
+      </p:pic>
     </p:spTree>
     <p:extLst>
       <p:ext uri="{BB962C8B-B14F-4D97-AF65-F5344CB8AC3E}">
-        <p14:creationId xmlns:p14="http://schemas.microsoft.com/office/powerpoint/2010/main" val="881757534"/>
+        <p14:creationId xmlns:p14="http://schemas.microsoft.com/office/powerpoint/2010/main" val="1320234048"/>
       </p:ext>
     </p:extLst>
   </p:cSld>
@@ -4225,330 +4371,17 @@
           <a:lstStyle/>
           <a:p>
             <a:r>
-              <a:rPr lang="en-US" altLang="zh-TW" dirty="0" smtClean="0"/>
-              <a:t>Event Handling (click)</a:t>
+              <a:rPr lang="en-US" altLang="zh-TW" dirty="0"/>
+              <a:t>Event Handling</a:t>
             </a:r>
             <a:endParaRPr lang="zh-TW" altLang="en-US" dirty="0"/>
-          </a:p>
-        </p:txBody>
-      </p:sp>
-      <p:pic>
-        <p:nvPicPr>
-          <p:cNvPr id="6" name="圖片 5"/>
-          <p:cNvPicPr>
-            <a:picLocks noChangeAspect="1"/>
-          </p:cNvPicPr>
-          <p:nvPr/>
-        </p:nvPicPr>
-        <p:blipFill>
-          <a:blip r:embed="rId2">
-            <a:extLst>
-              <a:ext uri="{28A0092B-C50C-407E-A947-70E740481C1C}">
-                <a14:useLocalDpi xmlns:a14="http://schemas.microsoft.com/office/drawing/2010/main" val="0"/>
-              </a:ext>
-            </a:extLst>
-          </a:blip>
-          <a:stretch>
-            <a:fillRect/>
-          </a:stretch>
-        </p:blipFill>
-        <p:spPr>
-          <a:xfrm>
-            <a:off x="1740543" y="3800883"/>
-            <a:ext cx="3005192" cy="826427"/>
-          </a:xfrm>
-          <a:prstGeom prst="rect">
-            <a:avLst/>
-          </a:prstGeom>
-        </p:spPr>
-      </p:pic>
-      <p:pic>
-        <p:nvPicPr>
-          <p:cNvPr id="7" name="圖片 6"/>
-          <p:cNvPicPr>
-            <a:picLocks noChangeAspect="1"/>
-          </p:cNvPicPr>
-          <p:nvPr/>
-        </p:nvPicPr>
-        <p:blipFill>
-          <a:blip r:embed="rId3">
-            <a:extLst>
-              <a:ext uri="{28A0092B-C50C-407E-A947-70E740481C1C}">
-                <a14:useLocalDpi xmlns:a14="http://schemas.microsoft.com/office/drawing/2010/main" val="0"/>
-              </a:ext>
-            </a:extLst>
-          </a:blip>
-          <a:stretch>
-            <a:fillRect/>
-          </a:stretch>
-        </p:blipFill>
-        <p:spPr>
-          <a:xfrm>
-            <a:off x="1453809" y="5330532"/>
-            <a:ext cx="3609542" cy="942081"/>
-          </a:xfrm>
-          <a:prstGeom prst="rect">
-            <a:avLst/>
-          </a:prstGeom>
-        </p:spPr>
-      </p:pic>
-      <p:sp>
-        <p:nvSpPr>
-          <p:cNvPr id="8" name="文字方塊 7"/>
-          <p:cNvSpPr txBox="1"/>
-          <p:nvPr/>
-        </p:nvSpPr>
-        <p:spPr>
-          <a:xfrm>
-            <a:off x="1301852" y="4715436"/>
-            <a:ext cx="2481770" cy="369332"/>
-          </a:xfrm>
-          <a:prstGeom prst="rect">
-            <a:avLst/>
-          </a:prstGeom>
-          <a:noFill/>
-        </p:spPr>
-        <p:txBody>
-          <a:bodyPr wrap="none" rtlCol="0">
-            <a:spAutoFit/>
-          </a:bodyPr>
-          <a:lstStyle/>
-          <a:p>
-            <a:r>
-              <a:rPr lang="en-US" altLang="zh-TW" dirty="0" smtClean="0">
-                <a:solidFill>
-                  <a:srgbClr val="FF0000"/>
-                </a:solidFill>
-              </a:rPr>
-              <a:t>After Clicking the button</a:t>
-            </a:r>
-            <a:endParaRPr lang="zh-TW" altLang="en-US" dirty="0">
-              <a:solidFill>
-                <a:srgbClr val="FF0000"/>
-              </a:solidFill>
-            </a:endParaRPr>
-          </a:p>
-        </p:txBody>
-      </p:sp>
-      <p:sp>
-        <p:nvSpPr>
-          <p:cNvPr id="9" name="向下箭號 8"/>
-          <p:cNvSpPr/>
-          <p:nvPr/>
-        </p:nvSpPr>
-        <p:spPr>
-          <a:xfrm>
-            <a:off x="3941228" y="4604140"/>
-            <a:ext cx="267838" cy="726392"/>
-          </a:xfrm>
-          <a:prstGeom prst="downArrow">
-            <a:avLst/>
-          </a:prstGeom>
-          <a:solidFill>
-            <a:srgbClr val="FF0000"/>
-          </a:solidFill>
-          <a:ln>
-            <a:solidFill>
-              <a:schemeClr val="tx1"/>
-            </a:solidFill>
-          </a:ln>
-        </p:spPr>
-        <p:style>
-          <a:lnRef idx="2">
-            <a:schemeClr val="accent1">
-              <a:shade val="50000"/>
-            </a:schemeClr>
-          </a:lnRef>
-          <a:fillRef idx="1">
-            <a:schemeClr val="accent1"/>
-          </a:fillRef>
-          <a:effectRef idx="0">
-            <a:schemeClr val="accent1"/>
-          </a:effectRef>
-          <a:fontRef idx="minor">
-            <a:schemeClr val="lt1"/>
-          </a:fontRef>
-        </p:style>
-        <p:txBody>
-          <a:bodyPr rtlCol="0" anchor="ctr"/>
-          <a:lstStyle/>
-          <a:p>
-            <a:pPr algn="ctr"/>
-            <a:endParaRPr lang="zh-TW" altLang="en-US">
-              <a:solidFill>
-                <a:srgbClr val="FF0000"/>
-              </a:solidFill>
-            </a:endParaRPr>
-          </a:p>
-        </p:txBody>
-      </p:sp>
-      <p:pic>
-        <p:nvPicPr>
-          <p:cNvPr id="3" name="圖片 2"/>
-          <p:cNvPicPr>
-            <a:picLocks noChangeAspect="1"/>
-          </p:cNvPicPr>
-          <p:nvPr/>
-        </p:nvPicPr>
-        <p:blipFill>
-          <a:blip r:embed="rId4">
-            <a:extLst>
-              <a:ext uri="{28A0092B-C50C-407E-A947-70E740481C1C}">
-                <a14:useLocalDpi xmlns:a14="http://schemas.microsoft.com/office/drawing/2010/main" val="0"/>
-              </a:ext>
-            </a:extLst>
-          </a:blip>
-          <a:stretch>
-            <a:fillRect/>
-          </a:stretch>
-        </p:blipFill>
-        <p:spPr>
-          <a:xfrm>
-            <a:off x="6213410" y="1690688"/>
-            <a:ext cx="5792649" cy="4064562"/>
-          </a:xfrm>
-          <a:prstGeom prst="rect">
-            <a:avLst/>
-          </a:prstGeom>
-        </p:spPr>
-      </p:pic>
-      <p:pic>
-        <p:nvPicPr>
-          <p:cNvPr id="10" name="圖片 9"/>
-          <p:cNvPicPr>
-            <a:picLocks noChangeAspect="1"/>
-          </p:cNvPicPr>
-          <p:nvPr/>
-        </p:nvPicPr>
-        <p:blipFill>
-          <a:blip r:embed="rId5">
-            <a:extLst>
-              <a:ext uri="{28A0092B-C50C-407E-A947-70E740481C1C}">
-                <a14:useLocalDpi xmlns:a14="http://schemas.microsoft.com/office/drawing/2010/main" val="0"/>
-              </a:ext>
-            </a:extLst>
-          </a:blip>
-          <a:stretch>
-            <a:fillRect/>
-          </a:stretch>
-        </p:blipFill>
-        <p:spPr>
-          <a:xfrm>
-            <a:off x="448173" y="1840492"/>
-            <a:ext cx="5589933" cy="1428085"/>
-          </a:xfrm>
-          <a:prstGeom prst="rect">
-            <a:avLst/>
-          </a:prstGeom>
-        </p:spPr>
-      </p:pic>
-      <p:sp>
-        <p:nvSpPr>
-          <p:cNvPr id="4" name="文字方塊 3"/>
-          <p:cNvSpPr txBox="1"/>
-          <p:nvPr/>
-        </p:nvSpPr>
-        <p:spPr>
-          <a:xfrm>
-            <a:off x="8530400" y="2241959"/>
-            <a:ext cx="3475659" cy="373054"/>
-          </a:xfrm>
-          <a:prstGeom prst="rect">
-            <a:avLst/>
-          </a:prstGeom>
-          <a:noFill/>
-        </p:spPr>
-        <p:txBody>
-          <a:bodyPr wrap="square" rtlCol="0">
-            <a:spAutoFit/>
-          </a:bodyPr>
-          <a:lstStyle/>
-          <a:p>
-            <a:r>
-              <a:rPr lang="zh-TW" altLang="en-US" dirty="0" smtClean="0">
-                <a:solidFill>
-                  <a:srgbClr val="FF0000"/>
-                </a:solidFill>
-              </a:rPr>
-              <a:t>目前先不用管 </a:t>
-            </a:r>
-            <a:r>
-              <a:rPr lang="en-US" altLang="zh-TW" dirty="0" smtClean="0">
-                <a:solidFill>
-                  <a:srgbClr val="FF0000"/>
-                </a:solidFill>
-              </a:rPr>
-              <a:t>ref</a:t>
-            </a:r>
-            <a:r>
-              <a:rPr lang="zh-TW" altLang="en-US" dirty="0" smtClean="0">
-                <a:solidFill>
-                  <a:srgbClr val="FF0000"/>
-                </a:solidFill>
-              </a:rPr>
-              <a:t>，等等會提到</a:t>
-            </a:r>
-            <a:endParaRPr lang="zh-TW" altLang="en-US" dirty="0">
-              <a:solidFill>
-                <a:srgbClr val="FF0000"/>
-              </a:solidFill>
-            </a:endParaRPr>
-          </a:p>
-        </p:txBody>
-      </p:sp>
-      <p:sp>
-        <p:nvSpPr>
-          <p:cNvPr id="12" name="文字方塊 11"/>
-          <p:cNvSpPr txBox="1"/>
-          <p:nvPr/>
-        </p:nvSpPr>
-        <p:spPr>
-          <a:xfrm>
-            <a:off x="5636224" y="6017014"/>
-            <a:ext cx="5788352" cy="461665"/>
-          </a:xfrm>
-          <a:prstGeom prst="rect">
-            <a:avLst/>
-          </a:prstGeom>
-          <a:noFill/>
-        </p:spPr>
-        <p:txBody>
-          <a:bodyPr wrap="square" rtlCol="0">
-            <a:spAutoFit/>
-          </a:bodyPr>
-          <a:lstStyle/>
-          <a:p>
-            <a:r>
-              <a:rPr lang="en-US" altLang="zh-TW" sz="2400" b="1" dirty="0" smtClean="0">
-                <a:solidFill>
-                  <a:srgbClr val="FF0000"/>
-                </a:solidFill>
-              </a:rPr>
-              <a:t>The shorthand for v-on</a:t>
-            </a:r>
-            <a:r>
-              <a:rPr lang="zh-TW" altLang="en-US" sz="2400" b="1" dirty="0" smtClean="0">
-                <a:solidFill>
-                  <a:srgbClr val="FF0000"/>
-                </a:solidFill>
-              </a:rPr>
-              <a:t> </a:t>
-            </a:r>
-            <a:r>
-              <a:rPr lang="en-US" altLang="zh-TW" sz="2400" b="1" dirty="0" smtClean="0">
-                <a:solidFill>
-                  <a:srgbClr val="FF0000"/>
-                </a:solidFill>
-              </a:rPr>
-              <a:t>is simply a (@)</a:t>
-            </a:r>
           </a:p>
         </p:txBody>
       </p:sp>
     </p:spTree>
     <p:extLst>
       <p:ext uri="{BB962C8B-B14F-4D97-AF65-F5344CB8AC3E}">
-        <p14:creationId xmlns:p14="http://schemas.microsoft.com/office/powerpoint/2010/main" val="3751129595"/>
+        <p14:creationId xmlns:p14="http://schemas.microsoft.com/office/powerpoint/2010/main" val="881757534"/>
       </p:ext>
     </p:extLst>
   </p:cSld>
@@ -4659,117 +4492,15 @@
           <a:p>
             <a:r>
               <a:rPr lang="en-US" altLang="zh-TW" dirty="0" smtClean="0"/>
-              <a:t>Event </a:t>
-            </a:r>
-            <a:r>
-              <a:rPr lang="en-US" altLang="zh-TW" dirty="0"/>
-              <a:t>Handling </a:t>
-            </a:r>
-            <a:r>
-              <a:rPr lang="en-US" altLang="zh-TW" dirty="0" smtClean="0"/>
-              <a:t>(mouse</a:t>
-            </a:r>
-            <a:r>
-              <a:rPr lang="en-US" altLang="zh-TW" dirty="0"/>
-              <a:t>)</a:t>
+              <a:t>Event Handling (click)</a:t>
             </a:r>
             <a:endParaRPr lang="zh-TW" altLang="en-US" dirty="0"/>
-          </a:p>
-        </p:txBody>
-      </p:sp>
-      <p:sp>
-        <p:nvSpPr>
-          <p:cNvPr id="8" name="文字方塊 7"/>
-          <p:cNvSpPr txBox="1"/>
-          <p:nvPr/>
-        </p:nvSpPr>
-        <p:spPr>
-          <a:xfrm>
-            <a:off x="1937359" y="5302725"/>
-            <a:ext cx="1420902" cy="369332"/>
-          </a:xfrm>
-          <a:prstGeom prst="rect">
-            <a:avLst/>
-          </a:prstGeom>
-          <a:noFill/>
-        </p:spPr>
-        <p:txBody>
-          <a:bodyPr wrap="none" rtlCol="0">
-            <a:spAutoFit/>
-          </a:bodyPr>
-          <a:lstStyle/>
-          <a:p>
-            <a:r>
-              <a:rPr lang="en-US" altLang="zh-TW" dirty="0" smtClean="0">
-                <a:solidFill>
-                  <a:srgbClr val="FF0000"/>
-                </a:solidFill>
-              </a:rPr>
-              <a:t>Mouse Leave</a:t>
-            </a:r>
-            <a:endParaRPr lang="zh-TW" altLang="en-US" dirty="0">
-              <a:solidFill>
-                <a:srgbClr val="FF0000"/>
-              </a:solidFill>
-            </a:endParaRPr>
-          </a:p>
-        </p:txBody>
-      </p:sp>
-      <p:sp>
-        <p:nvSpPr>
-          <p:cNvPr id="9" name="向下箭號 8"/>
-          <p:cNvSpPr/>
-          <p:nvPr/>
-        </p:nvSpPr>
-        <p:spPr>
-          <a:xfrm>
-            <a:off x="3741694" y="3856635"/>
-            <a:ext cx="267838" cy="726392"/>
-          </a:xfrm>
-          <a:prstGeom prst="downArrow">
-            <a:avLst/>
-          </a:prstGeom>
-          <a:solidFill>
-            <a:srgbClr val="FF0000"/>
-          </a:solidFill>
-          <a:ln>
-            <a:solidFill>
-              <a:schemeClr val="tx1"/>
-            </a:solidFill>
-          </a:ln>
-        </p:spPr>
-        <p:style>
-          <a:lnRef idx="2">
-            <a:schemeClr val="accent1">
-              <a:shade val="50000"/>
-            </a:schemeClr>
-          </a:lnRef>
-          <a:fillRef idx="1">
-            <a:schemeClr val="accent1"/>
-          </a:fillRef>
-          <a:effectRef idx="0">
-            <a:schemeClr val="accent1"/>
-          </a:effectRef>
-          <a:fontRef idx="minor">
-            <a:schemeClr val="lt1"/>
-          </a:fontRef>
-        </p:style>
-        <p:txBody>
-          <a:bodyPr rtlCol="0" anchor="ctr"/>
-          <a:lstStyle/>
-          <a:p>
-            <a:pPr algn="ctr"/>
-            <a:endParaRPr lang="zh-TW" altLang="en-US">
-              <a:solidFill>
-                <a:srgbClr val="FF0000"/>
-              </a:solidFill>
-            </a:endParaRPr>
           </a:p>
         </p:txBody>
       </p:sp>
       <p:pic>
         <p:nvPicPr>
-          <p:cNvPr id="5" name="圖片 4"/>
+          <p:cNvPr id="6" name="圖片 5"/>
           <p:cNvPicPr>
             <a:picLocks noChangeAspect="1"/>
           </p:cNvPicPr>
@@ -4789,8 +4520,8 @@
         </p:blipFill>
         <p:spPr>
           <a:xfrm>
-            <a:off x="441393" y="1603663"/>
-            <a:ext cx="7992158" cy="1369693"/>
+            <a:off x="1740543" y="3800883"/>
+            <a:ext cx="3005192" cy="826427"/>
           </a:xfrm>
           <a:prstGeom prst="rect">
             <a:avLst/>
@@ -4799,7 +4530,7 @@
       </p:pic>
       <p:pic>
         <p:nvPicPr>
-          <p:cNvPr id="11" name="圖片 10"/>
+          <p:cNvPr id="7" name="圖片 6"/>
           <p:cNvPicPr>
             <a:picLocks noChangeAspect="1"/>
           </p:cNvPicPr>
@@ -4819,17 +4550,107 @@
         </p:blipFill>
         <p:spPr>
           <a:xfrm>
-            <a:off x="5203865" y="3374979"/>
-            <a:ext cx="6703992" cy="2897634"/>
+            <a:off x="1453809" y="5330532"/>
+            <a:ext cx="3609542" cy="942081"/>
           </a:xfrm>
           <a:prstGeom prst="rect">
             <a:avLst/>
           </a:prstGeom>
         </p:spPr>
       </p:pic>
+      <p:sp>
+        <p:nvSpPr>
+          <p:cNvPr id="8" name="文字方塊 7"/>
+          <p:cNvSpPr txBox="1"/>
+          <p:nvPr/>
+        </p:nvSpPr>
+        <p:spPr>
+          <a:xfrm>
+            <a:off x="1301852" y="4715436"/>
+            <a:ext cx="2481770" cy="369332"/>
+          </a:xfrm>
+          <a:prstGeom prst="rect">
+            <a:avLst/>
+          </a:prstGeom>
+          <a:noFill/>
+        </p:spPr>
+        <p:txBody>
+          <a:bodyPr wrap="none" rtlCol="0">
+            <a:spAutoFit/>
+          </a:bodyPr>
+          <a:lstStyle/>
+          <a:p>
+            <a:r>
+              <a:rPr lang="en-US" altLang="zh-TW" dirty="0" smtClean="0">
+                <a:solidFill>
+                  <a:srgbClr val="FF0000"/>
+                </a:solidFill>
+              </a:rPr>
+              <a:t>After Clicking the button</a:t>
+            </a:r>
+            <a:endParaRPr lang="zh-TW" altLang="en-US" dirty="0">
+              <a:solidFill>
+                <a:srgbClr val="FF0000"/>
+              </a:solidFill>
+            </a:endParaRPr>
+          </a:p>
+        </p:txBody>
+      </p:sp>
+      <p:sp>
+        <p:nvSpPr>
+          <p:cNvPr id="9" name="向下箭號 8"/>
+          <p:cNvSpPr/>
+          <p:nvPr/>
+        </p:nvSpPr>
+        <p:spPr>
+          <a:xfrm>
+            <a:off x="3941228" y="4604140"/>
+            <a:ext cx="267838" cy="726392"/>
+          </a:xfrm>
+          <a:prstGeom prst="downArrow">
+            <a:avLst/>
+          </a:prstGeom>
+          <a:solidFill>
+            <a:srgbClr val="FF0000"/>
+          </a:solidFill>
+          <a:ln>
+            <a:solidFill>
+              <a:schemeClr val="tx1"/>
+            </a:solidFill>
+          </a:ln>
+        </p:spPr>
+        <p:style>
+          <a:lnRef idx="2">
+            <a:schemeClr val="accent1">
+              <a:shade val="50000"/>
+            </a:schemeClr>
+          </a:lnRef>
+          <a:fillRef idx="1">
+            <a:schemeClr val="accent1"/>
+          </a:fillRef>
+          <a:effectRef idx="0">
+            <a:schemeClr val="accent1"/>
+          </a:effectRef>
+          <a:fontRef idx="minor">
+            <a:schemeClr val="lt1"/>
+          </a:fontRef>
+        </p:style>
+        <p:txBody>
+          <a:bodyPr rtlCol="0" anchor="ctr"/>
+          <a:lstStyle/>
+          <a:p>
+            <a:pPr algn="ctr"/>
+            <a:endParaRPr lang="zh-TW" altLang="en-US">
+              <a:solidFill>
+                <a:srgbClr val="FF0000"/>
+              </a:solidFill>
+            </a:endParaRPr>
+          </a:p>
+        </p:txBody>
+      </p:sp>
       <p:pic>
         <p:nvPicPr>
-          <p:cNvPr id="12" name="圖片 11"/>
+          <p:cNvPr id="3" name="圖片 2"/>
           <p:cNvPicPr>
             <a:picLocks noChangeAspect="1"/>
           </p:cNvPicPr>
@@ -4849,8 +4670,8 @@
         </p:blipFill>
         <p:spPr>
           <a:xfrm>
-            <a:off x="1777530" y="3460727"/>
-            <a:ext cx="1659302" cy="544321"/>
+            <a:off x="6213410" y="1690688"/>
+            <a:ext cx="5792649" cy="4064562"/>
           </a:xfrm>
           <a:prstGeom prst="rect">
             <a:avLst/>
@@ -4859,7 +4680,7 @@
       </p:pic>
       <p:pic>
         <p:nvPicPr>
-          <p:cNvPr id="13" name="圖片 12"/>
+          <p:cNvPr id="10" name="圖片 9"/>
           <p:cNvPicPr>
             <a:picLocks noChangeAspect="1"/>
           </p:cNvPicPr>
@@ -4879,54 +4700,24 @@
         </p:blipFill>
         <p:spPr>
           <a:xfrm>
-            <a:off x="1556171" y="4576639"/>
-            <a:ext cx="2183278" cy="686447"/>
+            <a:off x="448173" y="1840492"/>
+            <a:ext cx="5589933" cy="1428085"/>
           </a:xfrm>
           <a:prstGeom prst="rect">
             <a:avLst/>
           </a:prstGeom>
         </p:spPr>
       </p:pic>
-      <p:pic>
-        <p:nvPicPr>
-          <p:cNvPr id="14" name="圖片 13"/>
-          <p:cNvPicPr>
-            <a:picLocks noChangeAspect="1"/>
-          </p:cNvPicPr>
-          <p:nvPr/>
-        </p:nvPicPr>
-        <p:blipFill>
-          <a:blip r:embed="rId4">
-            <a:extLst>
-              <a:ext uri="{28A0092B-C50C-407E-A947-70E740481C1C}">
-                <a14:useLocalDpi xmlns:a14="http://schemas.microsoft.com/office/drawing/2010/main" val="0"/>
-              </a:ext>
-            </a:extLst>
-          </a:blip>
-          <a:stretch>
-            <a:fillRect/>
-          </a:stretch>
-        </p:blipFill>
-        <p:spPr>
-          <a:xfrm>
-            <a:off x="1818159" y="5727682"/>
-            <a:ext cx="1659302" cy="544321"/>
-          </a:xfrm>
-          <a:prstGeom prst="rect">
-            <a:avLst/>
-          </a:prstGeom>
-        </p:spPr>
-      </p:pic>
-      <p:sp>
-        <p:nvSpPr>
-          <p:cNvPr id="15" name="文字方塊 14"/>
+      <p:sp>
+        <p:nvSpPr>
+          <p:cNvPr id="4" name="文字方塊 3"/>
           <p:cNvSpPr txBox="1"/>
           <p:nvPr/>
         </p:nvSpPr>
         <p:spPr>
           <a:xfrm>
-            <a:off x="1981121" y="4130677"/>
-            <a:ext cx="1333378" cy="369332"/>
+            <a:off x="8530400" y="2241959"/>
+            <a:ext cx="3475659" cy="373054"/>
           </a:xfrm>
           <a:prstGeom prst="rect">
             <a:avLst/>
@@ -4934,18 +4725,34 @@
           <a:noFill/>
         </p:spPr>
         <p:txBody>
-          <a:bodyPr wrap="none" rtlCol="0">
+          <a:bodyPr wrap="square" rtlCol="0">
             <a:spAutoFit/>
           </a:bodyPr>
           <a:lstStyle/>
           <a:p>
             <a:r>
+              <a:rPr lang="zh-TW" altLang="en-US" dirty="0" smtClean="0">
+                <a:solidFill>
+                  <a:srgbClr val="FF0000"/>
+                </a:solidFill>
+              </a:rPr>
+              <a:t>目前先不用管 </a:t>
+            </a:r>
+            <a:r>
               <a:rPr lang="en-US" altLang="zh-TW" dirty="0" smtClean="0">
                 <a:solidFill>
                   <a:srgbClr val="FF0000"/>
                 </a:solidFill>
               </a:rPr>
-              <a:t>Mouse Over</a:t>
+              <a:t>ref</a:t>
+            </a:r>
+            <a:r>
+              <a:rPr lang="zh-TW" altLang="en-US" dirty="0" smtClean="0">
+                <a:solidFill>
+                  <a:srgbClr val="FF0000"/>
+                </a:solidFill>
+              </a:rPr>
+              <a:t>，等等會提到</a:t>
             </a:r>
             <a:endParaRPr lang="zh-TW" altLang="en-US" dirty="0">
               <a:solidFill>
@@ -4957,60 +4764,57 @@
       </p:sp>
       <p:sp>
         <p:nvSpPr>
-          <p:cNvPr id="16" name="向下箭號 15"/>
-          <p:cNvSpPr/>
+          <p:cNvPr id="12" name="文字方塊 11"/>
+          <p:cNvSpPr txBox="1"/>
           <p:nvPr/>
         </p:nvSpPr>
         <p:spPr>
           <a:xfrm>
-            <a:off x="3739449" y="5124195"/>
-            <a:ext cx="267838" cy="726392"/>
-          </a:xfrm>
-          <a:prstGeom prst="downArrow">
+            <a:off x="5636224" y="6017014"/>
+            <a:ext cx="5788352" cy="461665"/>
+          </a:xfrm>
+          <a:prstGeom prst="rect">
             <a:avLst/>
           </a:prstGeom>
-          <a:solidFill>
-            <a:srgbClr val="FF0000"/>
-          </a:solidFill>
-          <a:ln>
-            <a:solidFill>
-              <a:schemeClr val="tx1"/>
-            </a:solidFill>
-          </a:ln>
-        </p:spPr>
-        <p:style>
-          <a:lnRef idx="2">
-            <a:schemeClr val="accent1">
-              <a:shade val="50000"/>
-            </a:schemeClr>
-          </a:lnRef>
-          <a:fillRef idx="1">
-            <a:schemeClr val="accent1"/>
-          </a:fillRef>
-          <a:effectRef idx="0">
-            <a:schemeClr val="accent1"/>
-          </a:effectRef>
-          <a:fontRef idx="minor">
-            <a:schemeClr val="lt1"/>
-          </a:fontRef>
-        </p:style>
-        <p:txBody>
-          <a:bodyPr rtlCol="0" anchor="ctr"/>
-          <a:lstStyle/>
-          <a:p>
-            <a:pPr algn="ctr"/>
-            <a:endParaRPr lang="zh-TW" altLang="en-US">
-              <a:solidFill>
-                <a:srgbClr val="FF0000"/>
-              </a:solidFill>
-            </a:endParaRPr>
+          <a:noFill/>
+        </p:spPr>
+        <p:txBody>
+          <a:bodyPr wrap="square" rtlCol="0">
+            <a:spAutoFit/>
+          </a:bodyPr>
+          <a:lstStyle/>
+          <a:p>
+            <a:r>
+              <a:rPr lang="en-US" altLang="zh-TW" sz="2400" b="1" dirty="0" smtClean="0">
+                <a:solidFill>
+                  <a:srgbClr val="FF0000"/>
+                </a:solidFill>
+              </a:rPr>
+              <a:t>The shorthand for v-on</a:t>
+            </a:r>
+            <a:r>
+              <a:rPr lang="zh-TW" altLang="en-US" sz="2400" b="1" dirty="0" smtClean="0">
+                <a:solidFill>
+                  <a:srgbClr val="FF0000"/>
+                </a:solidFill>
+              </a:rPr>
+              <a:t> </a:t>
+            </a:r>
+            <a:r>
+              <a:rPr lang="en-US" altLang="zh-TW" sz="2400" b="1" dirty="0" smtClean="0">
+                <a:solidFill>
+                  <a:srgbClr val="FF0000"/>
+                </a:solidFill>
+              </a:rPr>
+              <a:t>is simply a (@)</a:t>
+            </a:r>
           </a:p>
         </p:txBody>
       </p:sp>
     </p:spTree>
     <p:extLst>
       <p:ext uri="{BB962C8B-B14F-4D97-AF65-F5344CB8AC3E}">
-        <p14:creationId xmlns:p14="http://schemas.microsoft.com/office/powerpoint/2010/main" val="4172617205"/>
+        <p14:creationId xmlns:p14="http://schemas.microsoft.com/office/powerpoint/2010/main" val="3751129595"/>
       </p:ext>
     </p:extLst>
   </p:cSld>
@@ -5060,8 +4864,20 @@
           <a:lstStyle/>
           <a:p>
             <a:r>
+              <a:rPr lang="en-US" altLang="zh-TW" dirty="0" smtClean="0"/>
+              <a:t>Event </a:t>
+            </a:r>
+            <a:r>
               <a:rPr lang="en-US" altLang="zh-TW" dirty="0"/>
-              <a:t>Event Handling (two-way binding)</a:t>
+              <a:t>Handling </a:t>
+            </a:r>
+            <a:r>
+              <a:rPr lang="en-US" altLang="zh-TW" dirty="0" smtClean="0"/>
+              <a:t>(mouse</a:t>
+            </a:r>
+            <a:r>
+              <a:rPr lang="en-US" altLang="zh-TW" dirty="0"/>
+              <a:t>)</a:t>
             </a:r>
             <a:endParaRPr lang="zh-TW" altLang="en-US" dirty="0"/>
           </a:p>
@@ -5069,58 +4885,338 @@
       </p:sp>
       <p:sp>
         <p:nvSpPr>
-          <p:cNvPr id="3" name="內容版面配置區 2"/>
-          <p:cNvSpPr>
-            <a:spLocks noGrp="1"/>
-          </p:cNvSpPr>
-          <p:nvPr>
-            <p:ph idx="1"/>
-          </p:nvPr>
-        </p:nvSpPr>
-        <p:spPr/>
-        <p:txBody>
-          <a:bodyPr>
-            <a:normAutofit lnSpcReduction="10000"/>
+          <p:cNvPr id="8" name="文字方塊 7"/>
+          <p:cNvSpPr txBox="1"/>
+          <p:nvPr/>
+        </p:nvSpPr>
+        <p:spPr>
+          <a:xfrm>
+            <a:off x="1937359" y="5302725"/>
+            <a:ext cx="1420902" cy="369332"/>
+          </a:xfrm>
+          <a:prstGeom prst="rect">
+            <a:avLst/>
+          </a:prstGeom>
+          <a:noFill/>
+        </p:spPr>
+        <p:txBody>
+          <a:bodyPr wrap="none" rtlCol="0">
+            <a:spAutoFit/>
           </a:bodyPr>
           <a:lstStyle/>
           <a:p>
-            <a:pPr>
-              <a:lnSpc>
-                <a:spcPct val="150000"/>
-              </a:lnSpc>
-            </a:pPr>
-            <a:r>
-              <a:rPr lang="en-US" altLang="zh-TW" sz="3200" dirty="0"/>
-              <a:t>Two-way data binding refers to </a:t>
-            </a:r>
-            <a:r>
-              <a:rPr lang="en-US" altLang="zh-TW" sz="3200" dirty="0">
-                <a:solidFill>
-                  <a:srgbClr val="FF0000"/>
-                </a:solidFill>
-              </a:rPr>
-              <a:t>sharing data between a component class and its template</a:t>
-            </a:r>
-            <a:r>
-              <a:rPr lang="en-US" altLang="zh-TW" sz="3200" dirty="0"/>
-              <a:t>. If you change data in one place, it will automatically reflate at the other end. For example, if you change the value of the input box, then it will also update the value of the attached property in a component class</a:t>
-            </a:r>
-            <a:r>
-              <a:rPr lang="en-US" altLang="zh-TW" sz="3200" dirty="0" smtClean="0"/>
-              <a:t>. </a:t>
-            </a:r>
-            <a:r>
-              <a:rPr lang="en-US" altLang="zh-TW" sz="3200" dirty="0"/>
-              <a:t>(from tutorialsteacher.com)</a:t>
-            </a:r>
-            <a:endParaRPr lang="zh-TW" altLang="en-US" sz="3200" dirty="0"/>
+            <a:r>
+              <a:rPr lang="en-US" altLang="zh-TW" dirty="0" smtClean="0">
+                <a:solidFill>
+                  <a:srgbClr val="FF0000"/>
+                </a:solidFill>
+              </a:rPr>
+              <a:t>Mouse Leave</a:t>
+            </a:r>
+            <a:endParaRPr lang="zh-TW" altLang="en-US" dirty="0">
+              <a:solidFill>
+                <a:srgbClr val="FF0000"/>
+              </a:solidFill>
+            </a:endParaRPr>
+          </a:p>
+        </p:txBody>
+      </p:sp>
+      <p:sp>
+        <p:nvSpPr>
+          <p:cNvPr id="9" name="向下箭號 8"/>
+          <p:cNvSpPr/>
+          <p:nvPr/>
+        </p:nvSpPr>
+        <p:spPr>
+          <a:xfrm>
+            <a:off x="3741694" y="3856635"/>
+            <a:ext cx="267838" cy="726392"/>
+          </a:xfrm>
+          <a:prstGeom prst="downArrow">
+            <a:avLst/>
+          </a:prstGeom>
+          <a:solidFill>
+            <a:srgbClr val="FF0000"/>
+          </a:solidFill>
+          <a:ln>
+            <a:solidFill>
+              <a:schemeClr val="tx1"/>
+            </a:solidFill>
+          </a:ln>
+        </p:spPr>
+        <p:style>
+          <a:lnRef idx="2">
+            <a:schemeClr val="accent1">
+              <a:shade val="50000"/>
+            </a:schemeClr>
+          </a:lnRef>
+          <a:fillRef idx="1">
+            <a:schemeClr val="accent1"/>
+          </a:fillRef>
+          <a:effectRef idx="0">
+            <a:schemeClr val="accent1"/>
+          </a:effectRef>
+          <a:fontRef idx="minor">
+            <a:schemeClr val="lt1"/>
+          </a:fontRef>
+        </p:style>
+        <p:txBody>
+          <a:bodyPr rtlCol="0" anchor="ctr"/>
+          <a:lstStyle/>
+          <a:p>
+            <a:pPr algn="ctr"/>
+            <a:endParaRPr lang="zh-TW" altLang="en-US">
+              <a:solidFill>
+                <a:srgbClr val="FF0000"/>
+              </a:solidFill>
+            </a:endParaRPr>
+          </a:p>
+        </p:txBody>
+      </p:sp>
+      <p:pic>
+        <p:nvPicPr>
+          <p:cNvPr id="5" name="圖片 4"/>
+          <p:cNvPicPr>
+            <a:picLocks noChangeAspect="1"/>
+          </p:cNvPicPr>
+          <p:nvPr/>
+        </p:nvPicPr>
+        <p:blipFill>
+          <a:blip r:embed="rId2">
+            <a:extLst>
+              <a:ext uri="{28A0092B-C50C-407E-A947-70E740481C1C}">
+                <a14:useLocalDpi xmlns:a14="http://schemas.microsoft.com/office/drawing/2010/main" val="0"/>
+              </a:ext>
+            </a:extLst>
+          </a:blip>
+          <a:stretch>
+            <a:fillRect/>
+          </a:stretch>
+        </p:blipFill>
+        <p:spPr>
+          <a:xfrm>
+            <a:off x="441393" y="1603663"/>
+            <a:ext cx="7992158" cy="1369693"/>
+          </a:xfrm>
+          <a:prstGeom prst="rect">
+            <a:avLst/>
+          </a:prstGeom>
+        </p:spPr>
+      </p:pic>
+      <p:pic>
+        <p:nvPicPr>
+          <p:cNvPr id="11" name="圖片 10"/>
+          <p:cNvPicPr>
+            <a:picLocks noChangeAspect="1"/>
+          </p:cNvPicPr>
+          <p:nvPr/>
+        </p:nvPicPr>
+        <p:blipFill>
+          <a:blip r:embed="rId3">
+            <a:extLst>
+              <a:ext uri="{28A0092B-C50C-407E-A947-70E740481C1C}">
+                <a14:useLocalDpi xmlns:a14="http://schemas.microsoft.com/office/drawing/2010/main" val="0"/>
+              </a:ext>
+            </a:extLst>
+          </a:blip>
+          <a:stretch>
+            <a:fillRect/>
+          </a:stretch>
+        </p:blipFill>
+        <p:spPr>
+          <a:xfrm>
+            <a:off x="5203865" y="3374979"/>
+            <a:ext cx="6703992" cy="2897634"/>
+          </a:xfrm>
+          <a:prstGeom prst="rect">
+            <a:avLst/>
+          </a:prstGeom>
+        </p:spPr>
+      </p:pic>
+      <p:pic>
+        <p:nvPicPr>
+          <p:cNvPr id="12" name="圖片 11"/>
+          <p:cNvPicPr>
+            <a:picLocks noChangeAspect="1"/>
+          </p:cNvPicPr>
+          <p:nvPr/>
+        </p:nvPicPr>
+        <p:blipFill>
+          <a:blip r:embed="rId4">
+            <a:extLst>
+              <a:ext uri="{28A0092B-C50C-407E-A947-70E740481C1C}">
+                <a14:useLocalDpi xmlns:a14="http://schemas.microsoft.com/office/drawing/2010/main" val="0"/>
+              </a:ext>
+            </a:extLst>
+          </a:blip>
+          <a:stretch>
+            <a:fillRect/>
+          </a:stretch>
+        </p:blipFill>
+        <p:spPr>
+          <a:xfrm>
+            <a:off x="1777530" y="3460727"/>
+            <a:ext cx="1659302" cy="544321"/>
+          </a:xfrm>
+          <a:prstGeom prst="rect">
+            <a:avLst/>
+          </a:prstGeom>
+        </p:spPr>
+      </p:pic>
+      <p:pic>
+        <p:nvPicPr>
+          <p:cNvPr id="13" name="圖片 12"/>
+          <p:cNvPicPr>
+            <a:picLocks noChangeAspect="1"/>
+          </p:cNvPicPr>
+          <p:nvPr/>
+        </p:nvPicPr>
+        <p:blipFill>
+          <a:blip r:embed="rId5">
+            <a:extLst>
+              <a:ext uri="{28A0092B-C50C-407E-A947-70E740481C1C}">
+                <a14:useLocalDpi xmlns:a14="http://schemas.microsoft.com/office/drawing/2010/main" val="0"/>
+              </a:ext>
+            </a:extLst>
+          </a:blip>
+          <a:stretch>
+            <a:fillRect/>
+          </a:stretch>
+        </p:blipFill>
+        <p:spPr>
+          <a:xfrm>
+            <a:off x="1556171" y="4576639"/>
+            <a:ext cx="2183278" cy="686447"/>
+          </a:xfrm>
+          <a:prstGeom prst="rect">
+            <a:avLst/>
+          </a:prstGeom>
+        </p:spPr>
+      </p:pic>
+      <p:pic>
+        <p:nvPicPr>
+          <p:cNvPr id="14" name="圖片 13"/>
+          <p:cNvPicPr>
+            <a:picLocks noChangeAspect="1"/>
+          </p:cNvPicPr>
+          <p:nvPr/>
+        </p:nvPicPr>
+        <p:blipFill>
+          <a:blip r:embed="rId4">
+            <a:extLst>
+              <a:ext uri="{28A0092B-C50C-407E-A947-70E740481C1C}">
+                <a14:useLocalDpi xmlns:a14="http://schemas.microsoft.com/office/drawing/2010/main" val="0"/>
+              </a:ext>
+            </a:extLst>
+          </a:blip>
+          <a:stretch>
+            <a:fillRect/>
+          </a:stretch>
+        </p:blipFill>
+        <p:spPr>
+          <a:xfrm>
+            <a:off x="1818159" y="5727682"/>
+            <a:ext cx="1659302" cy="544321"/>
+          </a:xfrm>
+          <a:prstGeom prst="rect">
+            <a:avLst/>
+          </a:prstGeom>
+        </p:spPr>
+      </p:pic>
+      <p:sp>
+        <p:nvSpPr>
+          <p:cNvPr id="15" name="文字方塊 14"/>
+          <p:cNvSpPr txBox="1"/>
+          <p:nvPr/>
+        </p:nvSpPr>
+        <p:spPr>
+          <a:xfrm>
+            <a:off x="1981121" y="4130677"/>
+            <a:ext cx="1333378" cy="369332"/>
+          </a:xfrm>
+          <a:prstGeom prst="rect">
+            <a:avLst/>
+          </a:prstGeom>
+          <a:noFill/>
+        </p:spPr>
+        <p:txBody>
+          <a:bodyPr wrap="none" rtlCol="0">
+            <a:spAutoFit/>
+          </a:bodyPr>
+          <a:lstStyle/>
+          <a:p>
+            <a:r>
+              <a:rPr lang="en-US" altLang="zh-TW" dirty="0" smtClean="0">
+                <a:solidFill>
+                  <a:srgbClr val="FF0000"/>
+                </a:solidFill>
+              </a:rPr>
+              <a:t>Mouse Over</a:t>
+            </a:r>
+            <a:endParaRPr lang="zh-TW" altLang="en-US" dirty="0">
+              <a:solidFill>
+                <a:srgbClr val="FF0000"/>
+              </a:solidFill>
+            </a:endParaRPr>
+          </a:p>
+        </p:txBody>
+      </p:sp>
+      <p:sp>
+        <p:nvSpPr>
+          <p:cNvPr id="16" name="向下箭號 15"/>
+          <p:cNvSpPr/>
+          <p:nvPr/>
+        </p:nvSpPr>
+        <p:spPr>
+          <a:xfrm>
+            <a:off x="3739449" y="5124195"/>
+            <a:ext cx="267838" cy="726392"/>
+          </a:xfrm>
+          <a:prstGeom prst="downArrow">
+            <a:avLst/>
+          </a:prstGeom>
+          <a:solidFill>
+            <a:srgbClr val="FF0000"/>
+          </a:solidFill>
+          <a:ln>
+            <a:solidFill>
+              <a:schemeClr val="tx1"/>
+            </a:solidFill>
+          </a:ln>
+        </p:spPr>
+        <p:style>
+          <a:lnRef idx="2">
+            <a:schemeClr val="accent1">
+              <a:shade val="50000"/>
+            </a:schemeClr>
+          </a:lnRef>
+          <a:fillRef idx="1">
+            <a:schemeClr val="accent1"/>
+          </a:fillRef>
+          <a:effectRef idx="0">
+            <a:schemeClr val="accent1"/>
+          </a:effectRef>
+          <a:fontRef idx="minor">
+            <a:schemeClr val="lt1"/>
+          </a:fontRef>
+        </p:style>
+        <p:txBody>
+          <a:bodyPr rtlCol="0" anchor="ctr"/>
+          <a:lstStyle/>
+          <a:p>
+            <a:pPr algn="ctr"/>
+            <a:endParaRPr lang="zh-TW" altLang="en-US">
+              <a:solidFill>
+                <a:srgbClr val="FF0000"/>
+              </a:solidFill>
+            </a:endParaRPr>
           </a:p>
         </p:txBody>
       </p:sp>
     </p:spTree>
     <p:extLst>
       <p:ext uri="{BB962C8B-B14F-4D97-AF65-F5344CB8AC3E}">
-        <p14:creationId xmlns:p14="http://schemas.microsoft.com/office/powerpoint/2010/main" val="3153311159"/>
+        <p14:creationId xmlns:p14="http://schemas.microsoft.com/office/powerpoint/2010/main" val="4172617205"/>
       </p:ext>
     </p:extLst>
   </p:cSld>
@@ -5171,6 +5267,116 @@
           <a:p>
             <a:r>
               <a:rPr lang="en-US" altLang="zh-TW" dirty="0"/>
+              <a:t>Event Handling (two-way binding)</a:t>
+            </a:r>
+            <a:endParaRPr lang="zh-TW" altLang="en-US" dirty="0"/>
+          </a:p>
+        </p:txBody>
+      </p:sp>
+      <p:sp>
+        <p:nvSpPr>
+          <p:cNvPr id="3" name="內容版面配置區 2"/>
+          <p:cNvSpPr>
+            <a:spLocks noGrp="1"/>
+          </p:cNvSpPr>
+          <p:nvPr>
+            <p:ph idx="1"/>
+          </p:nvPr>
+        </p:nvSpPr>
+        <p:spPr/>
+        <p:txBody>
+          <a:bodyPr>
+            <a:normAutofit lnSpcReduction="10000"/>
+          </a:bodyPr>
+          <a:lstStyle/>
+          <a:p>
+            <a:pPr>
+              <a:lnSpc>
+                <a:spcPct val="150000"/>
+              </a:lnSpc>
+            </a:pPr>
+            <a:r>
+              <a:rPr lang="en-US" altLang="zh-TW" sz="3200" dirty="0"/>
+              <a:t>Two-way data binding refers to </a:t>
+            </a:r>
+            <a:r>
+              <a:rPr lang="en-US" altLang="zh-TW" sz="3200" dirty="0">
+                <a:solidFill>
+                  <a:srgbClr val="FF0000"/>
+                </a:solidFill>
+              </a:rPr>
+              <a:t>sharing data between a component class and its template</a:t>
+            </a:r>
+            <a:r>
+              <a:rPr lang="en-US" altLang="zh-TW" sz="3200" dirty="0"/>
+              <a:t>. If you change data in one place, it will automatically reflate at the other end. For example, if you change the value of the input box, then it will also update the value of the attached property in a component class</a:t>
+            </a:r>
+            <a:r>
+              <a:rPr lang="en-US" altLang="zh-TW" sz="3200" dirty="0" smtClean="0"/>
+              <a:t>. </a:t>
+            </a:r>
+            <a:r>
+              <a:rPr lang="en-US" altLang="zh-TW" sz="3200" dirty="0"/>
+              <a:t>(from tutorialsteacher.com)</a:t>
+            </a:r>
+            <a:endParaRPr lang="zh-TW" altLang="en-US" sz="3200" dirty="0"/>
+          </a:p>
+        </p:txBody>
+      </p:sp>
+    </p:spTree>
+    <p:extLst>
+      <p:ext uri="{BB962C8B-B14F-4D97-AF65-F5344CB8AC3E}">
+        <p14:creationId xmlns:p14="http://schemas.microsoft.com/office/powerpoint/2010/main" val="3153311159"/>
+      </p:ext>
+    </p:extLst>
+  </p:cSld>
+  <p:clrMapOvr>
+    <a:masterClrMapping/>
+  </p:clrMapOvr>
+  <p:timing>
+    <p:tnLst>
+      <p:par>
+        <p:cTn id="1" dur="indefinite" restart="never" nodeType="tmRoot"/>
+      </p:par>
+    </p:tnLst>
+  </p:timing>
+</p:sld>
+</file>
+
+<file path=ppt/slides/slide23.xml><?xml version="1.0" encoding="utf-8"?>
+<p:sld xmlns:a="http://schemas.openxmlformats.org/drawingml/2006/main" xmlns:r="http://schemas.openxmlformats.org/officeDocument/2006/relationships" xmlns:p="http://schemas.openxmlformats.org/presentationml/2006/main">
+  <p:cSld>
+    <p:spTree>
+      <p:nvGrpSpPr>
+        <p:cNvPr id="1" name=""/>
+        <p:cNvGrpSpPr/>
+        <p:nvPr/>
+      </p:nvGrpSpPr>
+      <p:grpSpPr>
+        <a:xfrm>
+          <a:off x="0" y="0"/>
+          <a:ext cx="0" cy="0"/>
+          <a:chOff x="0" y="0"/>
+          <a:chExt cx="0" cy="0"/>
+        </a:xfrm>
+      </p:grpSpPr>
+      <p:sp>
+        <p:nvSpPr>
+          <p:cNvPr id="2" name="標題 1"/>
+          <p:cNvSpPr>
+            <a:spLocks noGrp="1"/>
+          </p:cNvSpPr>
+          <p:nvPr>
+            <p:ph type="title"/>
+          </p:nvPr>
+        </p:nvSpPr>
+        <p:spPr/>
+        <p:txBody>
+          <a:bodyPr/>
+          <a:lstStyle/>
+          <a:p>
+            <a:r>
+              <a:rPr lang="en-US" altLang="zh-TW" dirty="0"/>
               <a:t>Event </a:t>
             </a:r>
             <a:r>
@@ -5302,9 +5508,48 @@
           </a:xfrm>
         </p:spPr>
       </p:pic>
+      <p:cxnSp>
+        <p:nvCxnSpPr>
+          <p:cNvPr id="7" name="直線單箭頭接點 6"/>
+          <p:cNvCxnSpPr>
+            <a:stCxn id="10" idx="2"/>
+            <a:endCxn id="5" idx="0"/>
+          </p:cNvCxnSpPr>
+          <p:nvPr/>
+        </p:nvCxnSpPr>
+        <p:spPr>
+          <a:xfrm>
+            <a:off x="9095901" y="3049596"/>
+            <a:ext cx="1740" cy="392125"/>
+          </a:xfrm>
+          <a:prstGeom prst="straightConnector1">
+            <a:avLst/>
+          </a:prstGeom>
+          <a:ln w="38100">
+            <a:solidFill>
+              <a:srgbClr val="FF0000"/>
+            </a:solidFill>
+            <a:tailEnd type="triangle"/>
+          </a:ln>
+        </p:spPr>
+        <p:style>
+          <a:lnRef idx="1">
+            <a:schemeClr val="accent1"/>
+          </a:lnRef>
+          <a:fillRef idx="0">
+            <a:schemeClr val="accent1"/>
+          </a:fillRef>
+          <a:effectRef idx="0">
+            <a:schemeClr val="accent1"/>
+          </a:effectRef>
+          <a:fontRef idx="minor">
+            <a:schemeClr val="tx1"/>
+          </a:fontRef>
+        </p:style>
+      </p:cxnSp>
       <p:pic>
         <p:nvPicPr>
-          <p:cNvPr id="3" name="圖片 2"/>
+          <p:cNvPr id="10" name="圖片 9"/>
           <p:cNvPicPr>
             <a:picLocks noChangeAspect="1"/>
           </p:cNvPicPr>
@@ -5324,53 +5569,14 @@
         </p:blipFill>
         <p:spPr>
           <a:xfrm>
-            <a:off x="7290206" y="1754011"/>
-            <a:ext cx="3614869" cy="1298809"/>
+            <a:off x="7116452" y="1690688"/>
+            <a:ext cx="3958898" cy="1358908"/>
           </a:xfrm>
           <a:prstGeom prst="rect">
             <a:avLst/>
           </a:prstGeom>
         </p:spPr>
       </p:pic>
-      <p:cxnSp>
-        <p:nvCxnSpPr>
-          <p:cNvPr id="7" name="直線單箭頭接點 6"/>
-          <p:cNvCxnSpPr>
-            <a:stCxn id="3" idx="2"/>
-            <a:endCxn id="5" idx="0"/>
-          </p:cNvCxnSpPr>
-          <p:nvPr/>
-        </p:nvCxnSpPr>
-        <p:spPr>
-          <a:xfrm>
-            <a:off x="9097641" y="3052820"/>
-            <a:ext cx="0" cy="388901"/>
-          </a:xfrm>
-          <a:prstGeom prst="straightConnector1">
-            <a:avLst/>
-          </a:prstGeom>
-          <a:ln w="38100">
-            <a:solidFill>
-              <a:srgbClr val="FF0000"/>
-            </a:solidFill>
-            <a:tailEnd type="triangle"/>
-          </a:ln>
-        </p:spPr>
-        <p:style>
-          <a:lnRef idx="1">
-            <a:schemeClr val="accent1"/>
-          </a:lnRef>
-          <a:fillRef idx="0">
-            <a:schemeClr val="accent1"/>
-          </a:fillRef>
-          <a:effectRef idx="0">
-            <a:schemeClr val="accent1"/>
-          </a:effectRef>
-          <a:fontRef idx="minor">
-            <a:schemeClr val="tx1"/>
-          </a:fontRef>
-        </p:style>
-      </p:cxnSp>
     </p:spTree>
     <p:extLst>
       <p:ext uri="{BB962C8B-B14F-4D97-AF65-F5344CB8AC3E}">
@@ -5391,7 +5597,7 @@
 </p:sld>
 </file>
 
-<file path=ppt/slides/slide23.xml><?xml version="1.0" encoding="utf-8"?>
+<file path=ppt/slides/slide24.xml><?xml version="1.0" encoding="utf-8"?>
 <p:sld xmlns:a="http://schemas.openxmlformats.org/drawingml/2006/main" xmlns:r="http://schemas.openxmlformats.org/officeDocument/2006/relationships" xmlns:p="http://schemas.openxmlformats.org/presentationml/2006/main">
   <p:cSld>
     <p:spTree>
@@ -5715,136 +5921,6 @@
 </p:sld>
 </file>
 
-<file path=ppt/slides/slide24.xml><?xml version="1.0" encoding="utf-8"?>
-<p:sld xmlns:a="http://schemas.openxmlformats.org/drawingml/2006/main" xmlns:r="http://schemas.openxmlformats.org/officeDocument/2006/relationships" xmlns:p="http://schemas.openxmlformats.org/presentationml/2006/main">
-  <p:cSld>
-    <p:spTree>
-      <p:nvGrpSpPr>
-        <p:cNvPr id="1" name=""/>
-        <p:cNvGrpSpPr/>
-        <p:nvPr/>
-      </p:nvGrpSpPr>
-      <p:grpSpPr>
-        <a:xfrm>
-          <a:off x="0" y="0"/>
-          <a:ext cx="0" cy="0"/>
-          <a:chOff x="0" y="0"/>
-          <a:chExt cx="0" cy="0"/>
-        </a:xfrm>
-      </p:grpSpPr>
-      <p:sp>
-        <p:nvSpPr>
-          <p:cNvPr id="2" name="標題 1"/>
-          <p:cNvSpPr>
-            <a:spLocks noGrp="1"/>
-          </p:cNvSpPr>
-          <p:nvPr>
-            <p:ph type="title"/>
-          </p:nvPr>
-        </p:nvSpPr>
-        <p:spPr/>
-        <p:txBody>
-          <a:bodyPr/>
-          <a:lstStyle/>
-          <a:p>
-            <a:r>
-              <a:rPr lang="en-US" altLang="zh-TW" dirty="0"/>
-              <a:t>Event Handling</a:t>
-            </a:r>
-            <a:endParaRPr lang="zh-TW" altLang="en-US" dirty="0"/>
-          </a:p>
-        </p:txBody>
-      </p:sp>
-      <p:sp>
-        <p:nvSpPr>
-          <p:cNvPr id="3" name="內容版面配置區 2"/>
-          <p:cNvSpPr>
-            <a:spLocks noGrp="1"/>
-          </p:cNvSpPr>
-          <p:nvPr>
-            <p:ph idx="1"/>
-          </p:nvPr>
-        </p:nvSpPr>
-        <p:spPr/>
-        <p:txBody>
-          <a:bodyPr>
-            <a:normAutofit/>
-          </a:bodyPr>
-          <a:lstStyle/>
-          <a:p>
-            <a:pPr>
-              <a:lnSpc>
-                <a:spcPct val="150000"/>
-              </a:lnSpc>
-            </a:pPr>
-            <a:r>
-              <a:rPr lang="en-US" altLang="zh-TW" sz="3200" dirty="0"/>
-              <a:t>Note that in </a:t>
-            </a:r>
-            <a:r>
-              <a:rPr lang="en-US" altLang="zh-TW" sz="3200" dirty="0" smtClean="0"/>
-              <a:t>previous examples we </a:t>
-            </a:r>
-            <a:r>
-              <a:rPr lang="en-US" altLang="zh-TW" sz="3200" dirty="0"/>
-              <a:t>update the state of our app without touching the DOM - </a:t>
-            </a:r>
-            <a:r>
-              <a:rPr lang="en-US" altLang="zh-TW" sz="3200" dirty="0">
-                <a:solidFill>
-                  <a:srgbClr val="FF0000"/>
-                </a:solidFill>
-              </a:rPr>
-              <a:t>all DOM manipulations are handled by </a:t>
-            </a:r>
-            <a:r>
-              <a:rPr lang="en-US" altLang="zh-TW" sz="3200" dirty="0" err="1">
-                <a:solidFill>
-                  <a:srgbClr val="FF0000"/>
-                </a:solidFill>
-              </a:rPr>
-              <a:t>Vue</a:t>
-            </a:r>
-            <a:r>
-              <a:rPr lang="en-US" altLang="zh-TW" sz="3200" dirty="0"/>
-              <a:t>, and the code you write is focused on the underlying logic</a:t>
-            </a:r>
-            <a:r>
-              <a:rPr lang="en-US" altLang="zh-TW" sz="3200" dirty="0" smtClean="0"/>
-              <a:t>. (from </a:t>
-            </a:r>
-            <a:r>
-              <a:rPr lang="en-US" altLang="zh-TW" sz="3200" dirty="0"/>
-              <a:t>vue3 official document</a:t>
-            </a:r>
-            <a:r>
-              <a:rPr lang="en-US" altLang="zh-TW" sz="3200" dirty="0" smtClean="0"/>
-              <a:t>)</a:t>
-            </a:r>
-            <a:endParaRPr lang="en-US" altLang="zh-TW" sz="3200" dirty="0"/>
-          </a:p>
-        </p:txBody>
-      </p:sp>
-    </p:spTree>
-    <p:extLst>
-      <p:ext uri="{BB962C8B-B14F-4D97-AF65-F5344CB8AC3E}">
-        <p14:creationId xmlns:p14="http://schemas.microsoft.com/office/powerpoint/2010/main" val="3313866378"/>
-      </p:ext>
-    </p:extLst>
-  </p:cSld>
-  <p:clrMapOvr>
-    <a:masterClrMapping/>
-  </p:clrMapOvr>
-  <p:timing>
-    <p:tnLst>
-      <p:par>
-        <p:cTn id="1" dur="indefinite" restart="never" nodeType="tmRoot"/>
-      </p:par>
-    </p:tnLst>
-  </p:timing>
-</p:sld>
-</file>
-
 <file path=ppt/slides/slide25.xml><?xml version="1.0" encoding="utf-8"?>
 <p:sld xmlns:a="http://schemas.openxmlformats.org/drawingml/2006/main" xmlns:r="http://schemas.openxmlformats.org/officeDocument/2006/relationships" xmlns:p="http://schemas.openxmlformats.org/presentationml/2006/main">
   <p:cSld>
@@ -5879,20 +5955,86 @@
           <a:p>
             <a:r>
               <a:rPr lang="en-US" altLang="zh-TW" dirty="0"/>
-              <a:t>Reactivity vs. </a:t>
-            </a:r>
-            <a:r>
-              <a:rPr lang="en-US" altLang="zh-TW" dirty="0" smtClean="0"/>
-              <a:t>Non-Reactivity</a:t>
+              <a:t>Event Handling</a:t>
             </a:r>
             <a:endParaRPr lang="zh-TW" altLang="en-US" dirty="0"/>
+          </a:p>
+        </p:txBody>
+      </p:sp>
+      <p:sp>
+        <p:nvSpPr>
+          <p:cNvPr id="3" name="內容版面配置區 2"/>
+          <p:cNvSpPr>
+            <a:spLocks noGrp="1"/>
+          </p:cNvSpPr>
+          <p:nvPr>
+            <p:ph idx="1"/>
+          </p:nvPr>
+        </p:nvSpPr>
+        <p:spPr/>
+        <p:txBody>
+          <a:bodyPr>
+            <a:normAutofit/>
+          </a:bodyPr>
+          <a:lstStyle/>
+          <a:p>
+            <a:pPr>
+              <a:lnSpc>
+                <a:spcPct val="150000"/>
+              </a:lnSpc>
+            </a:pPr>
+            <a:r>
+              <a:rPr lang="en-US" altLang="zh-TW" sz="3200" dirty="0"/>
+              <a:t>Note that in </a:t>
+            </a:r>
+            <a:r>
+              <a:rPr lang="en-US" altLang="zh-TW" sz="3200" dirty="0" smtClean="0"/>
+              <a:t>previous examples we </a:t>
+            </a:r>
+            <a:r>
+              <a:rPr lang="en-US" altLang="zh-TW" sz="3200" dirty="0"/>
+              <a:t>update the state of our app without touching the DOM - </a:t>
+            </a:r>
+            <a:r>
+              <a:rPr lang="en-US" altLang="zh-TW" sz="3200" dirty="0">
+                <a:solidFill>
+                  <a:srgbClr val="FF0000"/>
+                </a:solidFill>
+              </a:rPr>
+              <a:t>all DOM manipulations are handled by </a:t>
+            </a:r>
+            <a:r>
+              <a:rPr lang="en-US" altLang="zh-TW" sz="3200" dirty="0" err="1">
+                <a:solidFill>
+                  <a:srgbClr val="FF0000"/>
+                </a:solidFill>
+              </a:rPr>
+              <a:t>Vue</a:t>
+            </a:r>
+            <a:r>
+              <a:rPr lang="en-US" altLang="zh-TW" sz="3200" dirty="0"/>
+              <a:t>, and the code you write is focused on the underlying logic</a:t>
+            </a:r>
+            <a:r>
+              <a:rPr lang="en-US" altLang="zh-TW" sz="3200" dirty="0" smtClean="0"/>
+              <a:t>. (from </a:t>
+            </a:r>
+            <a:r>
+              <a:rPr lang="en-US" altLang="zh-TW" sz="3200" dirty="0"/>
+              <a:t>vue3 official document</a:t>
+            </a:r>
+            <a:r>
+              <a:rPr lang="en-US" altLang="zh-TW" sz="3200" dirty="0" smtClean="0"/>
+              <a:t>)</a:t>
+            </a:r>
+            <a:endParaRPr lang="en-US" altLang="zh-TW" sz="3200" dirty="0"/>
           </a:p>
         </p:txBody>
       </p:sp>
     </p:spTree>
     <p:extLst>
       <p:ext uri="{BB962C8B-B14F-4D97-AF65-F5344CB8AC3E}">
-        <p14:creationId xmlns:p14="http://schemas.microsoft.com/office/powerpoint/2010/main" val="338740504"/>
+        <p14:creationId xmlns:p14="http://schemas.microsoft.com/office/powerpoint/2010/main" val="3313866378"/>
       </p:ext>
     </p:extLst>
   </p:cSld>
@@ -5943,229 +6085,20 @@
           <a:p>
             <a:r>
               <a:rPr lang="en-US" altLang="zh-TW" dirty="0"/>
-              <a:t>Reactivity vs. Non-Reactivity</a:t>
+              <a:t>Reactivity vs. </a:t>
+            </a:r>
+            <a:r>
+              <a:rPr lang="en-US" altLang="zh-TW" dirty="0" smtClean="0"/>
+              <a:t>Non-Reactivity</a:t>
             </a:r>
             <a:endParaRPr lang="zh-TW" altLang="en-US" dirty="0"/>
-          </a:p>
-        </p:txBody>
-      </p:sp>
-      <p:pic>
-        <p:nvPicPr>
-          <p:cNvPr id="4" name="內容版面配置區 3"/>
-          <p:cNvPicPr>
-            <a:picLocks noGrp="1" noChangeAspect="1"/>
-          </p:cNvPicPr>
-          <p:nvPr>
-            <p:ph idx="1"/>
-          </p:nvPr>
-        </p:nvPicPr>
-        <p:blipFill>
-          <a:blip r:embed="rId2">
-            <a:extLst>
-              <a:ext uri="{28A0092B-C50C-407E-A947-70E740481C1C}">
-                <a14:useLocalDpi xmlns:a14="http://schemas.microsoft.com/office/drawing/2010/main" val="0"/>
-              </a:ext>
-            </a:extLst>
-          </a:blip>
-          <a:stretch>
-            <a:fillRect/>
-          </a:stretch>
-        </p:blipFill>
-        <p:spPr>
-          <a:xfrm>
-            <a:off x="688074" y="1576619"/>
-            <a:ext cx="5535796" cy="1524096"/>
-          </a:xfrm>
-        </p:spPr>
-      </p:pic>
-      <p:pic>
-        <p:nvPicPr>
-          <p:cNvPr id="6" name="圖片 5"/>
-          <p:cNvPicPr>
-            <a:picLocks noChangeAspect="1"/>
-          </p:cNvPicPr>
-          <p:nvPr/>
-        </p:nvPicPr>
-        <p:blipFill>
-          <a:blip r:embed="rId3">
-            <a:extLst>
-              <a:ext uri="{28A0092B-C50C-407E-A947-70E740481C1C}">
-                <a14:useLocalDpi xmlns:a14="http://schemas.microsoft.com/office/drawing/2010/main" val="0"/>
-              </a:ext>
-            </a:extLst>
-          </a:blip>
-          <a:stretch>
-            <a:fillRect/>
-          </a:stretch>
-        </p:blipFill>
-        <p:spPr>
-          <a:xfrm>
-            <a:off x="642819" y="4472471"/>
-            <a:ext cx="5656114" cy="1404929"/>
-          </a:xfrm>
-          <a:prstGeom prst="rect">
-            <a:avLst/>
-          </a:prstGeom>
-        </p:spPr>
-      </p:pic>
-      <p:sp>
-        <p:nvSpPr>
-          <p:cNvPr id="7" name="文字方塊 6"/>
-          <p:cNvSpPr txBox="1"/>
-          <p:nvPr/>
-        </p:nvSpPr>
-        <p:spPr>
-          <a:xfrm>
-            <a:off x="560204" y="3949251"/>
-            <a:ext cx="1256232" cy="523220"/>
-          </a:xfrm>
-          <a:prstGeom prst="rect">
-            <a:avLst/>
-          </a:prstGeom>
-          <a:noFill/>
-        </p:spPr>
-        <p:txBody>
-          <a:bodyPr wrap="square" rtlCol="0">
-            <a:spAutoFit/>
-          </a:bodyPr>
-          <a:lstStyle/>
-          <a:p>
-            <a:r>
-              <a:rPr lang="en-US" altLang="zh-TW" sz="2800" dirty="0" smtClean="0">
-                <a:solidFill>
-                  <a:srgbClr val="FF0000"/>
-                </a:solidFill>
-              </a:rPr>
-              <a:t>Result:</a:t>
-            </a:r>
-            <a:endParaRPr lang="zh-TW" altLang="en-US" sz="2800" dirty="0">
-              <a:solidFill>
-                <a:srgbClr val="FF0000"/>
-              </a:solidFill>
-            </a:endParaRPr>
-          </a:p>
-        </p:txBody>
-      </p:sp>
-      <p:pic>
-        <p:nvPicPr>
-          <p:cNvPr id="8" name="圖片 7"/>
-          <p:cNvPicPr>
-            <a:picLocks noChangeAspect="1"/>
-          </p:cNvPicPr>
-          <p:nvPr/>
-        </p:nvPicPr>
-        <p:blipFill>
-          <a:blip r:embed="rId4">
-            <a:extLst>
-              <a:ext uri="{28A0092B-C50C-407E-A947-70E740481C1C}">
-                <a14:useLocalDpi xmlns:a14="http://schemas.microsoft.com/office/drawing/2010/main" val="0"/>
-              </a:ext>
-            </a:extLst>
-          </a:blip>
-          <a:stretch>
-            <a:fillRect/>
-          </a:stretch>
-        </p:blipFill>
-        <p:spPr>
-          <a:xfrm>
-            <a:off x="6505319" y="1459991"/>
-            <a:ext cx="5431112" cy="4978519"/>
-          </a:xfrm>
-          <a:prstGeom prst="rect">
-            <a:avLst/>
-          </a:prstGeom>
-        </p:spPr>
-      </p:pic>
-      <p:sp>
-        <p:nvSpPr>
-          <p:cNvPr id="3" name="文字方塊 2"/>
-          <p:cNvSpPr txBox="1"/>
-          <p:nvPr/>
-        </p:nvSpPr>
-        <p:spPr>
-          <a:xfrm>
-            <a:off x="688074" y="6038400"/>
-            <a:ext cx="5124416" cy="400110"/>
-          </a:xfrm>
-          <a:prstGeom prst="rect">
-            <a:avLst/>
-          </a:prstGeom>
-          <a:noFill/>
-        </p:spPr>
-        <p:txBody>
-          <a:bodyPr wrap="none" rtlCol="0">
-            <a:spAutoFit/>
-          </a:bodyPr>
-          <a:lstStyle/>
-          <a:p>
-            <a:r>
-              <a:rPr lang="en-US" altLang="zh-TW" sz="2000" dirty="0">
-                <a:solidFill>
-                  <a:srgbClr val="FF0000"/>
-                </a:solidFill>
-              </a:rPr>
-              <a:t>m</a:t>
-            </a:r>
-            <a:r>
-              <a:rPr lang="en-US" altLang="zh-TW" sz="2000" dirty="0" smtClean="0">
-                <a:solidFill>
-                  <a:srgbClr val="FF0000"/>
-                </a:solidFill>
-              </a:rPr>
-              <a:t>essage </a:t>
-            </a:r>
-            <a:r>
-              <a:rPr lang="zh-TW" altLang="en-US" sz="2000" dirty="0" smtClean="0">
-                <a:solidFill>
-                  <a:srgbClr val="FF0000"/>
-                </a:solidFill>
-              </a:rPr>
-              <a:t>沒</a:t>
-            </a:r>
-            <a:r>
-              <a:rPr lang="zh-TW" altLang="en-US" sz="2000" dirty="0">
-                <a:solidFill>
-                  <a:srgbClr val="FF0000"/>
-                </a:solidFill>
-              </a:rPr>
-              <a:t>有</a:t>
-            </a:r>
-            <a:r>
-              <a:rPr lang="zh-TW" altLang="en-US" sz="2000" dirty="0" smtClean="0">
-                <a:solidFill>
-                  <a:srgbClr val="FF0000"/>
-                </a:solidFill>
-              </a:rPr>
-              <a:t>更新，因為它不是 </a:t>
-            </a:r>
-            <a:r>
-              <a:rPr lang="en-US" altLang="zh-TW" sz="2000" dirty="0">
-                <a:solidFill>
-                  <a:srgbClr val="FF0000"/>
-                </a:solidFill>
-              </a:rPr>
-              <a:t>reactive </a:t>
-            </a:r>
-            <a:r>
-              <a:rPr lang="en-US" altLang="zh-TW" sz="2000" dirty="0" smtClean="0">
-                <a:solidFill>
-                  <a:srgbClr val="FF0000"/>
-                </a:solidFill>
-              </a:rPr>
-              <a:t>data</a:t>
-            </a:r>
-            <a:endParaRPr lang="zh-TW" altLang="en-US" sz="2000" dirty="0">
-              <a:solidFill>
-                <a:srgbClr val="FF0000"/>
-              </a:solidFill>
-            </a:endParaRPr>
           </a:p>
         </p:txBody>
       </p:sp>
     </p:spTree>
     <p:extLst>
       <p:ext uri="{BB962C8B-B14F-4D97-AF65-F5344CB8AC3E}">
-        <p14:creationId xmlns:p14="http://schemas.microsoft.com/office/powerpoint/2010/main" val="1998871426"/>
+        <p14:creationId xmlns:p14="http://schemas.microsoft.com/office/powerpoint/2010/main" val="338740504"/>
       </p:ext>
     </p:extLst>
   </p:cSld>
@@ -6215,149 +6148,230 @@
           <a:lstStyle/>
           <a:p>
             <a:r>
-              <a:rPr lang="en-US" altLang="zh-TW" dirty="0" smtClean="0"/>
-              <a:t>What is reactive data?</a:t>
+              <a:rPr lang="en-US" altLang="zh-TW" dirty="0"/>
+              <a:t>Reactivity vs. Non-Reactivity</a:t>
             </a:r>
             <a:endParaRPr lang="zh-TW" altLang="en-US" dirty="0"/>
           </a:p>
         </p:txBody>
       </p:sp>
-      <p:sp>
-        <p:nvSpPr>
-          <p:cNvPr id="3" name="內容版面配置區 2"/>
-          <p:cNvSpPr>
-            <a:spLocks noGrp="1"/>
-          </p:cNvSpPr>
+      <p:pic>
+        <p:nvPicPr>
+          <p:cNvPr id="4" name="內容版面配置區 3"/>
+          <p:cNvPicPr>
+            <a:picLocks noGrp="1" noChangeAspect="1"/>
+          </p:cNvPicPr>
           <p:nvPr>
             <p:ph idx="1"/>
           </p:nvPr>
-        </p:nvSpPr>
-        <p:spPr/>
-        <p:txBody>
-          <a:bodyPr/>
-          <a:lstStyle/>
-          <a:p>
-            <a:pPr>
-              <a:lnSpc>
-                <a:spcPct val="150000"/>
-              </a:lnSpc>
-            </a:pPr>
-            <a:r>
-              <a:rPr lang="en-US" altLang="zh-TW" dirty="0"/>
+        </p:nvPicPr>
+        <p:blipFill>
+          <a:blip r:embed="rId2">
+            <a:extLst>
+              <a:ext uri="{28A0092B-C50C-407E-A947-70E740481C1C}">
+                <a14:useLocalDpi xmlns:a14="http://schemas.microsoft.com/office/drawing/2010/main" val="0"/>
+              </a:ext>
+            </a:extLst>
+          </a:blip>
+          <a:stretch>
+            <a:fillRect/>
+          </a:stretch>
+        </p:blipFill>
+        <p:spPr>
+          <a:xfrm>
+            <a:off x="688074" y="1576619"/>
+            <a:ext cx="5535796" cy="1524096"/>
+          </a:xfrm>
+        </p:spPr>
+      </p:pic>
+      <p:pic>
+        <p:nvPicPr>
+          <p:cNvPr id="6" name="圖片 5"/>
+          <p:cNvPicPr>
+            <a:picLocks noChangeAspect="1"/>
+          </p:cNvPicPr>
+          <p:nvPr/>
+        </p:nvPicPr>
+        <p:blipFill>
+          <a:blip r:embed="rId3">
+            <a:extLst>
+              <a:ext uri="{28A0092B-C50C-407E-A947-70E740481C1C}">
+                <a14:useLocalDpi xmlns:a14="http://schemas.microsoft.com/office/drawing/2010/main" val="0"/>
+              </a:ext>
+            </a:extLst>
+          </a:blip>
+          <a:stretch>
+            <a:fillRect/>
+          </a:stretch>
+        </p:blipFill>
+        <p:spPr>
+          <a:xfrm>
+            <a:off x="642819" y="4472471"/>
+            <a:ext cx="5656114" cy="1404929"/>
+          </a:xfrm>
+          <a:prstGeom prst="rect">
+            <a:avLst/>
+          </a:prstGeom>
+        </p:spPr>
+      </p:pic>
+      <p:sp>
+        <p:nvSpPr>
+          <p:cNvPr id="7" name="文字方塊 6"/>
+          <p:cNvSpPr txBox="1"/>
+          <p:nvPr/>
+        </p:nvSpPr>
+        <p:spPr>
+          <a:xfrm>
+            <a:off x="560204" y="3949251"/>
+            <a:ext cx="1256232" cy="523220"/>
+          </a:xfrm>
+          <a:prstGeom prst="rect">
+            <a:avLst/>
+          </a:prstGeom>
+          <a:noFill/>
+        </p:spPr>
+        <p:txBody>
+          <a:bodyPr wrap="square" rtlCol="0">
+            <a:spAutoFit/>
+          </a:bodyPr>
+          <a:lstStyle/>
+          <a:p>
+            <a:r>
+              <a:rPr lang="en-US" altLang="zh-TW" sz="2800" dirty="0" smtClean="0">
+                <a:solidFill>
+                  <a:srgbClr val="FF0000"/>
+                </a:solidFill>
+              </a:rPr>
+              <a:t>Result:</a:t>
+            </a:r>
+            <a:endParaRPr lang="zh-TW" altLang="en-US" sz="2800" dirty="0">
+              <a:solidFill>
+                <a:srgbClr val="FF0000"/>
+              </a:solidFill>
+            </a:endParaRPr>
+          </a:p>
+        </p:txBody>
+      </p:sp>
+      <p:pic>
+        <p:nvPicPr>
+          <p:cNvPr id="8" name="圖片 7"/>
+          <p:cNvPicPr>
+            <a:picLocks noChangeAspect="1"/>
+          </p:cNvPicPr>
+          <p:nvPr/>
+        </p:nvPicPr>
+        <p:blipFill>
+          <a:blip r:embed="rId4">
+            <a:extLst>
+              <a:ext uri="{28A0092B-C50C-407E-A947-70E740481C1C}">
+                <a14:useLocalDpi xmlns:a14="http://schemas.microsoft.com/office/drawing/2010/main" val="0"/>
+              </a:ext>
+            </a:extLst>
+          </a:blip>
+          <a:stretch>
+            <a:fillRect/>
+          </a:stretch>
+        </p:blipFill>
+        <p:spPr>
+          <a:xfrm>
+            <a:off x="6505319" y="1459991"/>
+            <a:ext cx="5431112" cy="4978519"/>
+          </a:xfrm>
+          <a:prstGeom prst="rect">
+            <a:avLst/>
+          </a:prstGeom>
+        </p:spPr>
+      </p:pic>
+      <p:sp>
+        <p:nvSpPr>
+          <p:cNvPr id="3" name="文字方塊 2"/>
+          <p:cNvSpPr txBox="1"/>
+          <p:nvPr/>
+        </p:nvSpPr>
+        <p:spPr>
+          <a:xfrm>
+            <a:off x="688074" y="6038400"/>
+            <a:ext cx="5124416" cy="400110"/>
+          </a:xfrm>
+          <a:prstGeom prst="rect">
+            <a:avLst/>
+          </a:prstGeom>
+          <a:noFill/>
+        </p:spPr>
+        <p:txBody>
+          <a:bodyPr wrap="none" rtlCol="0">
+            <a:spAutoFit/>
+          </a:bodyPr>
+          <a:lstStyle/>
+          <a:p>
+            <a:r>
+              <a:rPr lang="en-US" altLang="zh-TW" sz="2000" dirty="0">
+                <a:solidFill>
+                  <a:srgbClr val="FF0000"/>
+                </a:solidFill>
+              </a:rPr>
+              <a:t>m</a:t>
+            </a:r>
+            <a:r>
+              <a:rPr lang="en-US" altLang="zh-TW" sz="2000" dirty="0" smtClean="0">
+                <a:solidFill>
+                  <a:srgbClr val="FF0000"/>
+                </a:solidFill>
+              </a:rPr>
+              <a:t>essage </a:t>
+            </a:r>
+            <a:r>
+              <a:rPr lang="zh-TW" altLang="en-US" sz="2000" dirty="0" smtClean="0">
+                <a:solidFill>
+                  <a:srgbClr val="FF0000"/>
+                </a:solidFill>
+              </a:rPr>
+              <a:t>沒</a:t>
+            </a:r>
+            <a:r>
+              <a:rPr lang="zh-TW" altLang="en-US" sz="2000" dirty="0">
+                <a:solidFill>
+                  <a:srgbClr val="FF0000"/>
+                </a:solidFill>
+              </a:rPr>
+              <a:t>有</a:t>
+            </a:r>
+            <a:r>
+              <a:rPr lang="zh-TW" altLang="en-US" sz="2000" dirty="0" smtClean="0">
+                <a:solidFill>
+                  <a:srgbClr val="FF0000"/>
+                </a:solidFill>
+              </a:rPr>
+              <a:t>更新，因為它不是 </a:t>
+            </a:r>
+            <a:r>
+              <a:rPr lang="en-US" altLang="zh-TW" sz="2000" dirty="0">
+                <a:solidFill>
+                  <a:srgbClr val="FF0000"/>
+                </a:solidFill>
+              </a:rPr>
               <a:t>reactive </a:t>
             </a:r>
             <a:r>
-              <a:rPr lang="en-US" altLang="zh-TW" dirty="0" smtClean="0"/>
-              <a:t>data </a:t>
-            </a:r>
-            <a:r>
-              <a:rPr lang="zh-TW" altLang="en-US" dirty="0" smtClean="0"/>
-              <a:t>其實就是 </a:t>
-            </a:r>
-            <a:r>
-              <a:rPr lang="en-US" altLang="zh-TW" dirty="0" smtClean="0"/>
-              <a:t>proxy</a:t>
-            </a:r>
-            <a:r>
-              <a:rPr lang="zh-TW" altLang="en-US" dirty="0" smtClean="0"/>
-              <a:t>，當使用者更新 </a:t>
-            </a:r>
-            <a:r>
-              <a:rPr lang="en-US" altLang="zh-TW" dirty="0" smtClean="0"/>
-              <a:t>reactive data </a:t>
-            </a:r>
-            <a:r>
-              <a:rPr lang="zh-TW" altLang="en-US" dirty="0" smtClean="0"/>
-              <a:t>的內容時，會先被引導到 </a:t>
-            </a:r>
-            <a:r>
-              <a:rPr lang="en-US" altLang="zh-TW" dirty="0" smtClean="0"/>
-              <a:t>proxy handler</a:t>
-            </a:r>
-            <a:r>
-              <a:rPr lang="zh-TW" altLang="en-US" dirty="0" smtClean="0"/>
-              <a:t>，</a:t>
-            </a:r>
-            <a:r>
-              <a:rPr lang="en-US" altLang="zh-TW" dirty="0"/>
-              <a:t> proxy </a:t>
-            </a:r>
-            <a:r>
-              <a:rPr lang="en-US" altLang="zh-TW" dirty="0" smtClean="0"/>
-              <a:t>handler </a:t>
-            </a:r>
-            <a:r>
-              <a:rPr lang="zh-TW" altLang="en-US" dirty="0" smtClean="0"/>
-              <a:t>除了會幫我們更新 </a:t>
-            </a:r>
-            <a:r>
-              <a:rPr lang="en-US" altLang="zh-TW" dirty="0" smtClean="0"/>
-              <a:t>real value </a:t>
-            </a:r>
-            <a:r>
-              <a:rPr lang="zh-TW" altLang="en-US" dirty="0" smtClean="0"/>
-              <a:t>的值之外，還會觸發後續的 </a:t>
-            </a:r>
-            <a:r>
-              <a:rPr lang="en-US" altLang="zh-TW" dirty="0" smtClean="0"/>
-              <a:t>re-render </a:t>
-            </a:r>
-            <a:r>
-              <a:rPr lang="zh-TW" altLang="en-US" dirty="0" smtClean="0"/>
-              <a:t>功能。</a:t>
-            </a:r>
-            <a:endParaRPr lang="en-US" altLang="zh-TW" dirty="0" smtClean="0"/>
-          </a:p>
-          <a:p>
-            <a:pPr>
-              <a:lnSpc>
-                <a:spcPct val="150000"/>
-              </a:lnSpc>
-            </a:pPr>
-            <a:r>
-              <a:rPr lang="zh-TW" altLang="en-US" dirty="0" smtClean="0"/>
-              <a:t>所以，當我們</a:t>
-            </a:r>
-            <a:r>
-              <a:rPr lang="zh-TW" altLang="en-US" dirty="0"/>
-              <a:t>更新物件或</a:t>
-            </a:r>
-            <a:r>
-              <a:rPr lang="zh-TW" altLang="en-US" dirty="0" smtClean="0"/>
-              <a:t>參數時，需要 </a:t>
-            </a:r>
-            <a:r>
-              <a:rPr lang="en-US" altLang="zh-TW" dirty="0" smtClean="0"/>
-              <a:t>Vue </a:t>
-            </a:r>
-            <a:r>
-              <a:rPr lang="zh-TW" altLang="en-US" dirty="0" smtClean="0"/>
-              <a:t>即時操作 </a:t>
-            </a:r>
-            <a:r>
-              <a:rPr lang="en-US" altLang="zh-TW" dirty="0" smtClean="0"/>
-              <a:t>DOM</a:t>
-            </a:r>
-            <a:r>
-              <a:rPr lang="zh-TW" altLang="en-US" dirty="0" smtClean="0"/>
-              <a:t> 物件並呈現給使用者看時，此物件或參數就必須是 </a:t>
-            </a:r>
-            <a:r>
-              <a:rPr lang="en-US" altLang="zh-TW" dirty="0"/>
-              <a:t>reactive </a:t>
-            </a:r>
-            <a:r>
-              <a:rPr lang="en-US" altLang="zh-TW" dirty="0" smtClean="0"/>
-              <a:t>data.</a:t>
-            </a:r>
-            <a:endParaRPr lang="zh-TW" altLang="en-US" dirty="0"/>
+              <a:rPr lang="en-US" altLang="zh-TW" sz="2000" dirty="0" smtClean="0">
+                <a:solidFill>
+                  <a:srgbClr val="FF0000"/>
+                </a:solidFill>
+              </a:rPr>
+              <a:t>data</a:t>
+            </a:r>
+            <a:endParaRPr lang="zh-TW" altLang="en-US" sz="2000" dirty="0">
+              <a:solidFill>
+                <a:srgbClr val="FF0000"/>
+              </a:solidFill>
+            </a:endParaRPr>
           </a:p>
         </p:txBody>
       </p:sp>
     </p:spTree>
     <p:extLst>
       <p:ext uri="{BB962C8B-B14F-4D97-AF65-F5344CB8AC3E}">
-        <p14:creationId xmlns:p14="http://schemas.microsoft.com/office/powerpoint/2010/main" val="452639568"/>
+        <p14:creationId xmlns:p14="http://schemas.microsoft.com/office/powerpoint/2010/main" val="1998871426"/>
       </p:ext>
     </p:extLst>
   </p:cSld>
@@ -6407,242 +6421,149 @@
           <a:lstStyle/>
           <a:p>
             <a:r>
+              <a:rPr lang="en-US" altLang="zh-TW" dirty="0" smtClean="0"/>
+              <a:t>What is reactive data?</a:t>
+            </a:r>
+            <a:endParaRPr lang="zh-TW" altLang="en-US" dirty="0"/>
+          </a:p>
+        </p:txBody>
+      </p:sp>
+      <p:sp>
+        <p:nvSpPr>
+          <p:cNvPr id="3" name="內容版面配置區 2"/>
+          <p:cNvSpPr>
+            <a:spLocks noGrp="1"/>
+          </p:cNvSpPr>
+          <p:nvPr>
+            <p:ph idx="1"/>
+          </p:nvPr>
+        </p:nvSpPr>
+        <p:spPr/>
+        <p:txBody>
+          <a:bodyPr/>
+          <a:lstStyle/>
+          <a:p>
+            <a:pPr>
+              <a:lnSpc>
+                <a:spcPct val="150000"/>
+              </a:lnSpc>
+            </a:pPr>
+            <a:r>
               <a:rPr lang="en-US" altLang="zh-TW" dirty="0"/>
-              <a:t>How Changes Are Tracked</a:t>
+              <a:t>reactive </a:t>
+            </a:r>
+            <a:r>
+              <a:rPr lang="en-US" altLang="zh-TW" dirty="0" smtClean="0"/>
+              <a:t>data </a:t>
+            </a:r>
+            <a:r>
+              <a:rPr lang="zh-TW" altLang="en-US" dirty="0" smtClean="0"/>
+              <a:t>其實就是 </a:t>
+            </a:r>
+            <a:r>
+              <a:rPr lang="en-US" altLang="zh-TW" dirty="0" smtClean="0"/>
+              <a:t>proxy</a:t>
+            </a:r>
+            <a:r>
+              <a:rPr lang="zh-TW" altLang="en-US" dirty="0" smtClean="0"/>
+              <a:t>，當使用者更新 </a:t>
+            </a:r>
+            <a:r>
+              <a:rPr lang="en-US" altLang="zh-TW" dirty="0" smtClean="0"/>
+              <a:t>reactive data </a:t>
+            </a:r>
+            <a:r>
+              <a:rPr lang="zh-TW" altLang="en-US" dirty="0" smtClean="0"/>
+              <a:t>的內容時，會先被引導到 </a:t>
+            </a:r>
+            <a:r>
+              <a:rPr lang="en-US" altLang="zh-TW" dirty="0" smtClean="0"/>
+              <a:t>proxy handler</a:t>
+            </a:r>
+            <a:r>
+              <a:rPr lang="zh-TW" altLang="en-US" dirty="0" smtClean="0"/>
+              <a:t>，</a:t>
+            </a:r>
+            <a:r>
+              <a:rPr lang="en-US" altLang="zh-TW" dirty="0"/>
+              <a:t> proxy </a:t>
+            </a:r>
+            <a:r>
+              <a:rPr lang="en-US" altLang="zh-TW" dirty="0" smtClean="0"/>
+              <a:t>handler </a:t>
+            </a:r>
+            <a:r>
+              <a:rPr lang="zh-TW" altLang="en-US" dirty="0" smtClean="0"/>
+              <a:t>除了會幫我們更新 </a:t>
+            </a:r>
+            <a:r>
+              <a:rPr lang="en-US" altLang="zh-TW" dirty="0" smtClean="0"/>
+              <a:t>real value </a:t>
+            </a:r>
+            <a:r>
+              <a:rPr lang="zh-TW" altLang="en-US" dirty="0" smtClean="0"/>
+              <a:t>的值之外，還會觸發後續的 </a:t>
+            </a:r>
+            <a:r>
+              <a:rPr lang="en-US" altLang="zh-TW" dirty="0" smtClean="0"/>
+              <a:t>re-render </a:t>
+            </a:r>
+            <a:r>
+              <a:rPr lang="zh-TW" altLang="en-US" dirty="0" smtClean="0"/>
+              <a:t>功能。</a:t>
+            </a:r>
+            <a:endParaRPr lang="en-US" altLang="zh-TW" dirty="0" smtClean="0"/>
+          </a:p>
+          <a:p>
+            <a:pPr>
+              <a:lnSpc>
+                <a:spcPct val="150000"/>
+              </a:lnSpc>
+            </a:pPr>
+            <a:r>
+              <a:rPr lang="zh-TW" altLang="en-US" dirty="0" smtClean="0"/>
+              <a:t>所以，當我們</a:t>
+            </a:r>
+            <a:r>
+              <a:rPr lang="zh-TW" altLang="en-US" dirty="0"/>
+              <a:t>更新物件或</a:t>
+            </a:r>
+            <a:r>
+              <a:rPr lang="zh-TW" altLang="en-US" dirty="0" smtClean="0"/>
+              <a:t>參數時，需要 </a:t>
+            </a:r>
+            <a:r>
+              <a:rPr lang="en-US" altLang="zh-TW" dirty="0" smtClean="0"/>
+              <a:t>Vue </a:t>
+            </a:r>
+            <a:r>
+              <a:rPr lang="zh-TW" altLang="en-US" dirty="0" smtClean="0"/>
+              <a:t>即時操作 </a:t>
+            </a:r>
+            <a:r>
+              <a:rPr lang="en-US" altLang="zh-TW" dirty="0" smtClean="0"/>
+              <a:t>DOM</a:t>
+            </a:r>
+            <a:r>
+              <a:rPr lang="zh-TW" altLang="en-US" dirty="0" smtClean="0"/>
+              <a:t> 物件並呈現給使用者看時，此物件或參數就必須是 </a:t>
+            </a:r>
+            <a:r>
+              <a:rPr lang="en-US" altLang="zh-TW" dirty="0"/>
+              <a:t>reactive </a:t>
+            </a:r>
+            <a:r>
+              <a:rPr lang="en-US" altLang="zh-TW" dirty="0" smtClean="0"/>
+              <a:t>data.</a:t>
             </a:r>
             <a:endParaRPr lang="zh-TW" altLang="en-US" dirty="0"/>
           </a:p>
         </p:txBody>
       </p:sp>
-      <p:pic>
-        <p:nvPicPr>
-          <p:cNvPr id="4" name="內容版面配置區 3"/>
-          <p:cNvPicPr>
-            <a:picLocks noGrp="1" noChangeAspect="1"/>
-          </p:cNvPicPr>
-          <p:nvPr>
-            <p:ph idx="1"/>
-          </p:nvPr>
-        </p:nvPicPr>
-        <p:blipFill>
-          <a:blip r:embed="rId2">
-            <a:extLst>
-              <a:ext uri="{28A0092B-C50C-407E-A947-70E740481C1C}">
-                <a14:useLocalDpi xmlns:a14="http://schemas.microsoft.com/office/drawing/2010/main" val="0"/>
-              </a:ext>
-            </a:extLst>
-          </a:blip>
-          <a:stretch>
-            <a:fillRect/>
-          </a:stretch>
-        </p:blipFill>
-        <p:spPr>
-          <a:xfrm>
-            <a:off x="2157281" y="1562502"/>
-            <a:ext cx="7877438" cy="4606641"/>
-          </a:xfrm>
-        </p:spPr>
-      </p:pic>
-      <p:sp>
-        <p:nvSpPr>
-          <p:cNvPr id="3" name="文字方塊 2"/>
-          <p:cNvSpPr txBox="1"/>
-          <p:nvPr/>
-        </p:nvSpPr>
-        <p:spPr>
-          <a:xfrm>
-            <a:off x="7376483" y="5594712"/>
-            <a:ext cx="2728055" cy="369332"/>
-          </a:xfrm>
-          <a:prstGeom prst="rect">
-            <a:avLst/>
-          </a:prstGeom>
-          <a:noFill/>
-        </p:spPr>
-        <p:txBody>
-          <a:bodyPr wrap="none" rtlCol="0">
-            <a:spAutoFit/>
-          </a:bodyPr>
-          <a:lstStyle/>
-          <a:p>
-            <a:r>
-              <a:rPr lang="en-US" altLang="zh-TW" b="1" dirty="0" smtClean="0">
-                <a:solidFill>
-                  <a:srgbClr val="FF0000"/>
-                </a:solidFill>
-              </a:rPr>
-              <a:t>&lt;= Data </a:t>
-            </a:r>
-            <a:r>
-              <a:rPr lang="zh-TW" altLang="en-US" b="1" dirty="0" smtClean="0">
-                <a:solidFill>
-                  <a:srgbClr val="FF0000"/>
-                </a:solidFill>
-              </a:rPr>
-              <a:t>就是 </a:t>
-            </a:r>
-            <a:r>
-              <a:rPr lang="en-US" altLang="zh-TW" b="1" dirty="0">
-                <a:solidFill>
-                  <a:srgbClr val="FF0000"/>
-                </a:solidFill>
-              </a:rPr>
-              <a:t>reactive </a:t>
-            </a:r>
-            <a:r>
-              <a:rPr lang="en-US" altLang="zh-TW" b="1" dirty="0" smtClean="0">
-                <a:solidFill>
-                  <a:srgbClr val="FF0000"/>
-                </a:solidFill>
-              </a:rPr>
-              <a:t>data</a:t>
-            </a:r>
-            <a:endParaRPr lang="zh-TW" altLang="en-US" b="1" dirty="0">
-              <a:solidFill>
-                <a:srgbClr val="FF0000"/>
-              </a:solidFill>
-            </a:endParaRPr>
-          </a:p>
-        </p:txBody>
-      </p:sp>
-      <p:sp>
-        <p:nvSpPr>
-          <p:cNvPr id="5" name="文字方塊 4"/>
-          <p:cNvSpPr txBox="1"/>
-          <p:nvPr/>
-        </p:nvSpPr>
-        <p:spPr>
-          <a:xfrm>
-            <a:off x="4076743" y="6171564"/>
-            <a:ext cx="7255063" cy="369332"/>
-          </a:xfrm>
-          <a:prstGeom prst="rect">
-            <a:avLst/>
-          </a:prstGeom>
-          <a:noFill/>
-        </p:spPr>
-        <p:txBody>
-          <a:bodyPr wrap="none" rtlCol="0">
-            <a:spAutoFit/>
-          </a:bodyPr>
-          <a:lstStyle/>
-          <a:p>
-            <a:r>
-              <a:rPr lang="zh-TW" altLang="en-US" b="1" dirty="0">
-                <a:solidFill>
-                  <a:srgbClr val="FF0000"/>
-                </a:solidFill>
-              </a:rPr>
-              <a:t>使用者更新 </a:t>
-            </a:r>
-            <a:r>
-              <a:rPr lang="en-US" altLang="zh-TW" b="1" dirty="0">
-                <a:solidFill>
-                  <a:srgbClr val="FF0000"/>
-                </a:solidFill>
-              </a:rPr>
-              <a:t>reactive </a:t>
-            </a:r>
-            <a:r>
-              <a:rPr lang="en-US" altLang="zh-TW" b="1" dirty="0" smtClean="0">
-                <a:solidFill>
-                  <a:srgbClr val="FF0000"/>
-                </a:solidFill>
-              </a:rPr>
-              <a:t>data</a:t>
-            </a:r>
-            <a:r>
-              <a:rPr lang="zh-TW" altLang="en-US" b="1" dirty="0" smtClean="0">
-                <a:solidFill>
-                  <a:srgbClr val="FF0000"/>
-                </a:solidFill>
-              </a:rPr>
-              <a:t> 的值時，會呼叫 </a:t>
-            </a:r>
-            <a:r>
-              <a:rPr lang="en-US" altLang="zh-TW" b="1" dirty="0" smtClean="0">
-                <a:solidFill>
-                  <a:srgbClr val="FF0000"/>
-                </a:solidFill>
-              </a:rPr>
-              <a:t>setter</a:t>
-            </a:r>
-            <a:r>
-              <a:rPr lang="zh-TW" altLang="en-US" b="1" dirty="0" smtClean="0">
-                <a:solidFill>
-                  <a:srgbClr val="FF0000"/>
-                </a:solidFill>
-              </a:rPr>
-              <a:t>，觸發後續</a:t>
-            </a:r>
-            <a:r>
-              <a:rPr lang="zh-TW" altLang="en-US" b="1" dirty="0">
-                <a:solidFill>
-                  <a:srgbClr val="FF0000"/>
-                </a:solidFill>
-              </a:rPr>
-              <a:t>的</a:t>
-            </a:r>
-            <a:r>
-              <a:rPr lang="zh-TW" altLang="en-US" b="1" dirty="0" smtClean="0">
-                <a:solidFill>
-                  <a:srgbClr val="FF0000"/>
-                </a:solidFill>
-              </a:rPr>
-              <a:t> </a:t>
-            </a:r>
-            <a:r>
-              <a:rPr lang="en-US" altLang="zh-TW" b="1" dirty="0" smtClean="0">
-                <a:solidFill>
-                  <a:srgbClr val="FF0000"/>
-                </a:solidFill>
-              </a:rPr>
-              <a:t>re-render</a:t>
-            </a:r>
-            <a:endParaRPr lang="zh-TW" altLang="en-US" dirty="0"/>
-          </a:p>
-        </p:txBody>
-      </p:sp>
-      <p:cxnSp>
-        <p:nvCxnSpPr>
-          <p:cNvPr id="7" name="直線單箭頭接點 6"/>
-          <p:cNvCxnSpPr/>
-          <p:nvPr/>
-        </p:nvCxnSpPr>
-        <p:spPr>
-          <a:xfrm flipV="1">
-            <a:off x="5272755" y="5779379"/>
-            <a:ext cx="683664" cy="389764"/>
-          </a:xfrm>
-          <a:prstGeom prst="straightConnector1">
-            <a:avLst/>
-          </a:prstGeom>
-          <a:ln w="38100">
-            <a:solidFill>
-              <a:srgbClr val="FF0000"/>
-            </a:solidFill>
-            <a:tailEnd type="triangle"/>
-          </a:ln>
-        </p:spPr>
-        <p:style>
-          <a:lnRef idx="1">
-            <a:schemeClr val="accent1"/>
-          </a:lnRef>
-          <a:fillRef idx="0">
-            <a:schemeClr val="accent1"/>
-          </a:fillRef>
-          <a:effectRef idx="0">
-            <a:schemeClr val="accent1"/>
-          </a:effectRef>
-          <a:fontRef idx="minor">
-            <a:schemeClr val="tx1"/>
-          </a:fontRef>
-        </p:style>
-      </p:cxnSp>
     </p:spTree>
     <p:extLst>
       <p:ext uri="{BB962C8B-B14F-4D97-AF65-F5344CB8AC3E}">
-        <p14:creationId xmlns:p14="http://schemas.microsoft.com/office/powerpoint/2010/main" val="1402948107"/>
+        <p14:creationId xmlns:p14="http://schemas.microsoft.com/office/powerpoint/2010/main" val="452639568"/>
       </p:ext>
     </p:extLst>
   </p:cSld>
@@ -6692,97 +6613,22 @@
           <a:lstStyle/>
           <a:p>
             <a:r>
-              <a:rPr lang="en-US" altLang="zh-TW" dirty="0" smtClean="0"/>
-              <a:t>How to create reactive data? (reactive)</a:t>
+              <a:rPr lang="en-US" altLang="zh-TW" dirty="0"/>
+              <a:t>How Changes Are Tracked</a:t>
             </a:r>
             <a:endParaRPr lang="zh-TW" altLang="en-US" dirty="0"/>
-          </a:p>
-        </p:txBody>
-      </p:sp>
-      <p:sp>
-        <p:nvSpPr>
-          <p:cNvPr id="3" name="內容版面配置區 2"/>
-          <p:cNvSpPr>
-            <a:spLocks noGrp="1"/>
-          </p:cNvSpPr>
-          <p:nvPr>
-            <p:ph idx="1"/>
-          </p:nvPr>
-        </p:nvSpPr>
-        <p:spPr/>
-        <p:txBody>
-          <a:bodyPr/>
-          <a:lstStyle/>
-          <a:p>
-            <a:pPr>
-              <a:lnSpc>
-                <a:spcPct val="150000"/>
-              </a:lnSpc>
-            </a:pPr>
-            <a:r>
-              <a:rPr lang="zh-TW" altLang="en-US" dirty="0" smtClean="0"/>
-              <a:t>在 </a:t>
-            </a:r>
-            <a:r>
-              <a:rPr lang="en-US" altLang="zh-TW" dirty="0" smtClean="0"/>
-              <a:t>Vue3 </a:t>
-            </a:r>
-            <a:r>
-              <a:rPr lang="zh-TW" altLang="en-US" dirty="0" smtClean="0"/>
-              <a:t>，有 </a:t>
-            </a:r>
-            <a:r>
-              <a:rPr lang="en-US" altLang="zh-TW" dirty="0" smtClean="0"/>
-              <a:t>2</a:t>
-            </a:r>
-            <a:r>
-              <a:rPr lang="zh-TW" altLang="en-US" dirty="0" smtClean="0"/>
-              <a:t> 種建立 </a:t>
-            </a:r>
-            <a:r>
-              <a:rPr lang="en-US" altLang="zh-TW" dirty="0" smtClean="0"/>
-              <a:t>reactive data </a:t>
-            </a:r>
-            <a:r>
-              <a:rPr lang="zh-TW" altLang="en-US" dirty="0" smtClean="0"/>
-              <a:t>的方式</a:t>
-            </a:r>
-            <a:endParaRPr lang="en-US" altLang="zh-TW" dirty="0"/>
-          </a:p>
-          <a:p>
-            <a:pPr marL="0" indent="0">
-              <a:lnSpc>
-                <a:spcPct val="150000"/>
-              </a:lnSpc>
-              <a:buNone/>
-            </a:pPr>
-            <a:r>
-              <a:rPr lang="en-US" altLang="zh-TW" dirty="0" smtClean="0">
-                <a:solidFill>
-                  <a:srgbClr val="FF0000"/>
-                </a:solidFill>
-              </a:rPr>
-              <a:t>1. reactive</a:t>
-            </a:r>
-          </a:p>
-          <a:p>
-            <a:pPr marL="0" indent="0">
-              <a:lnSpc>
-                <a:spcPct val="150000"/>
-              </a:lnSpc>
-              <a:buNone/>
-            </a:pPr>
-            <a:endParaRPr lang="en-US" altLang="zh-TW" dirty="0" smtClean="0"/>
           </a:p>
         </p:txBody>
       </p:sp>
       <p:pic>
         <p:nvPicPr>
-          <p:cNvPr id="4" name="圖片 3"/>
+          <p:cNvPr id="4" name="內容版面配置區 3"/>
           <p:cNvPicPr>
-            <a:picLocks noChangeAspect="1"/>
+            <a:picLocks noGrp="1" noChangeAspect="1"/>
           </p:cNvPicPr>
-          <p:nvPr/>
+          <p:nvPr>
+            <p:ph idx="1"/>
+          </p:nvPr>
         </p:nvPicPr>
         <p:blipFill>
           <a:blip r:embed="rId2">
@@ -6798,54 +6644,21 @@
         </p:blipFill>
         <p:spPr>
           <a:xfrm>
-            <a:off x="227231" y="3361606"/>
-            <a:ext cx="5496883" cy="1244577"/>
-          </a:xfrm>
-          <a:prstGeom prst="rect">
-            <a:avLst/>
-          </a:prstGeom>
+            <a:off x="2157281" y="1562502"/>
+            <a:ext cx="7877438" cy="4606641"/>
+          </a:xfrm>
         </p:spPr>
       </p:pic>
-      <p:pic>
-        <p:nvPicPr>
-          <p:cNvPr id="7" name="圖片 6"/>
-          <p:cNvPicPr>
-            <a:picLocks noChangeAspect="1"/>
-          </p:cNvPicPr>
-          <p:nvPr/>
-        </p:nvPicPr>
-        <p:blipFill>
-          <a:blip r:embed="rId3">
-            <a:extLst>
-              <a:ext uri="{28A0092B-C50C-407E-A947-70E740481C1C}">
-                <a14:useLocalDpi xmlns:a14="http://schemas.microsoft.com/office/drawing/2010/main" val="0"/>
-              </a:ext>
-            </a:extLst>
-          </a:blip>
-          <a:stretch>
-            <a:fillRect/>
-          </a:stretch>
-        </p:blipFill>
-        <p:spPr>
-          <a:xfrm>
-            <a:off x="5860921" y="3361606"/>
-            <a:ext cx="6253359" cy="3424029"/>
-          </a:xfrm>
-          <a:prstGeom prst="rect">
-            <a:avLst/>
-          </a:prstGeom>
-        </p:spPr>
-      </p:pic>
-      <p:sp>
-        <p:nvSpPr>
-          <p:cNvPr id="8" name="文字方塊 7"/>
+      <p:sp>
+        <p:nvSpPr>
+          <p:cNvPr id="3" name="文字方塊 2"/>
           <p:cNvSpPr txBox="1"/>
           <p:nvPr/>
         </p:nvSpPr>
         <p:spPr>
           <a:xfrm>
-            <a:off x="494508" y="5189493"/>
-            <a:ext cx="4962327" cy="830997"/>
+            <a:off x="7376483" y="5594712"/>
+            <a:ext cx="2728055" cy="369332"/>
           </a:xfrm>
           <a:prstGeom prst="rect">
             <a:avLst/>
@@ -6853,60 +6666,44 @@
           <a:noFill/>
         </p:spPr>
         <p:txBody>
-          <a:bodyPr wrap="square" rtlCol="0">
+          <a:bodyPr wrap="none" rtlCol="0">
             <a:spAutoFit/>
           </a:bodyPr>
           <a:lstStyle/>
           <a:p>
             <a:r>
-              <a:rPr lang="en-US" altLang="zh-TW" sz="2400" dirty="0">
-                <a:solidFill>
-                  <a:srgbClr val="FF0000"/>
-                </a:solidFill>
-              </a:rPr>
-              <a:t>reactive() takes an </a:t>
-            </a:r>
-            <a:r>
-              <a:rPr lang="en-US" altLang="zh-TW" sz="2400" b="1" u="sng" dirty="0" smtClean="0">
-                <a:solidFill>
-                  <a:srgbClr val="FF0000"/>
-                </a:solidFill>
-              </a:rPr>
-              <a:t>“object” </a:t>
-            </a:r>
-            <a:r>
-              <a:rPr lang="en-US" altLang="zh-TW" sz="2400" dirty="0">
-                <a:solidFill>
-                  <a:srgbClr val="FF0000"/>
-                </a:solidFill>
-              </a:rPr>
-              <a:t>and </a:t>
-            </a:r>
-            <a:r>
-              <a:rPr lang="en-US" altLang="zh-TW" sz="2400" dirty="0" smtClean="0">
-                <a:solidFill>
-                  <a:srgbClr val="FF0000"/>
-                </a:solidFill>
-              </a:rPr>
-              <a:t>returns </a:t>
-            </a:r>
-            <a:r>
-              <a:rPr lang="en-US" altLang="zh-TW" sz="2400" dirty="0">
-                <a:solidFill>
-                  <a:srgbClr val="FF0000"/>
-                </a:solidFill>
-              </a:rPr>
-              <a:t>a reactive proxy of </a:t>
-            </a:r>
-            <a:r>
-              <a:rPr lang="en-US" altLang="zh-TW" sz="2400" dirty="0" smtClean="0">
-                <a:solidFill>
-                  <a:srgbClr val="FF0000"/>
-                </a:solidFill>
-              </a:rPr>
-              <a:t>the original</a:t>
-            </a:r>
-            <a:endParaRPr lang="zh-TW" altLang="en-US" sz="2400" dirty="0">
+              <a:rPr lang="en-US" altLang="zh-TW" b="1" dirty="0" smtClean="0">
+                <a:solidFill>
+                  <a:srgbClr val="FF0000"/>
+                </a:solidFill>
+              </a:rPr>
+              <a:t>&lt;= Data </a:t>
+            </a:r>
+            <a:r>
+              <a:rPr lang="zh-TW" altLang="en-US" b="1" dirty="0" smtClean="0">
+                <a:solidFill>
+                  <a:srgbClr val="FF0000"/>
+                </a:solidFill>
+              </a:rPr>
+              <a:t>就是 </a:t>
+            </a:r>
+            <a:r>
+              <a:rPr lang="en-US" altLang="zh-TW" b="1" dirty="0">
+                <a:solidFill>
+                  <a:srgbClr val="FF0000"/>
+                </a:solidFill>
+              </a:rPr>
+              <a:t>reactive </a:t>
+            </a:r>
+            <a:r>
+              <a:rPr lang="en-US" altLang="zh-TW" b="1" dirty="0" smtClean="0">
+                <a:solidFill>
+                  <a:srgbClr val="FF0000"/>
+                </a:solidFill>
+              </a:rPr>
+              <a:t>data</a:t>
+            </a:r>
+            <a:endParaRPr lang="zh-TW" altLang="en-US" b="1" dirty="0">
               <a:solidFill>
                 <a:srgbClr val="FF0000"/>
               </a:solidFill>
@@ -6914,10 +6711,144 @@
           </a:p>
         </p:txBody>
       </p:sp>
+      <p:sp>
+        <p:nvSpPr>
+          <p:cNvPr id="5" name="文字方塊 4"/>
+          <p:cNvSpPr txBox="1"/>
+          <p:nvPr/>
+        </p:nvSpPr>
+        <p:spPr>
+          <a:xfrm>
+            <a:off x="4076743" y="6171564"/>
+            <a:ext cx="7255063" cy="369332"/>
+          </a:xfrm>
+          <a:prstGeom prst="rect">
+            <a:avLst/>
+          </a:prstGeom>
+          <a:noFill/>
+        </p:spPr>
+        <p:txBody>
+          <a:bodyPr wrap="none" rtlCol="0">
+            <a:spAutoFit/>
+          </a:bodyPr>
+          <a:lstStyle/>
+          <a:p>
+            <a:r>
+              <a:rPr lang="zh-TW" altLang="en-US" b="1" dirty="0">
+                <a:solidFill>
+                  <a:srgbClr val="FF0000"/>
+                </a:solidFill>
+              </a:rPr>
+              <a:t>使用者更新 </a:t>
+            </a:r>
+            <a:r>
+              <a:rPr lang="en-US" altLang="zh-TW" b="1" dirty="0">
+                <a:solidFill>
+                  <a:srgbClr val="FF0000"/>
+                </a:solidFill>
+              </a:rPr>
+              <a:t>reactive </a:t>
+            </a:r>
+            <a:r>
+              <a:rPr lang="en-US" altLang="zh-TW" b="1" dirty="0" smtClean="0">
+                <a:solidFill>
+                  <a:srgbClr val="FF0000"/>
+                </a:solidFill>
+              </a:rPr>
+              <a:t>data</a:t>
+            </a:r>
+            <a:r>
+              <a:rPr lang="zh-TW" altLang="en-US" b="1" dirty="0" smtClean="0">
+                <a:solidFill>
+                  <a:srgbClr val="FF0000"/>
+                </a:solidFill>
+              </a:rPr>
+              <a:t> 的值時，會呼叫 </a:t>
+            </a:r>
+            <a:r>
+              <a:rPr lang="en-US" altLang="zh-TW" b="1" dirty="0" smtClean="0">
+                <a:solidFill>
+                  <a:srgbClr val="FF0000"/>
+                </a:solidFill>
+              </a:rPr>
+              <a:t>setter</a:t>
+            </a:r>
+            <a:r>
+              <a:rPr lang="zh-TW" altLang="en-US" b="1" dirty="0" smtClean="0">
+                <a:solidFill>
+                  <a:srgbClr val="FF0000"/>
+                </a:solidFill>
+              </a:rPr>
+              <a:t>，觸發後續</a:t>
+            </a:r>
+            <a:r>
+              <a:rPr lang="zh-TW" altLang="en-US" b="1" dirty="0">
+                <a:solidFill>
+                  <a:srgbClr val="FF0000"/>
+                </a:solidFill>
+              </a:rPr>
+              <a:t>的</a:t>
+            </a:r>
+            <a:r>
+              <a:rPr lang="zh-TW" altLang="en-US" b="1" dirty="0" smtClean="0">
+                <a:solidFill>
+                  <a:srgbClr val="FF0000"/>
+                </a:solidFill>
+              </a:rPr>
+              <a:t> </a:t>
+            </a:r>
+            <a:r>
+              <a:rPr lang="en-US" altLang="zh-TW" b="1" dirty="0" smtClean="0">
+                <a:solidFill>
+                  <a:srgbClr val="FF0000"/>
+                </a:solidFill>
+              </a:rPr>
+              <a:t>re-render</a:t>
+            </a:r>
+            <a:endParaRPr lang="zh-TW" altLang="en-US" dirty="0"/>
+          </a:p>
+        </p:txBody>
+      </p:sp>
+      <p:cxnSp>
+        <p:nvCxnSpPr>
+          <p:cNvPr id="7" name="直線單箭頭接點 6"/>
+          <p:cNvCxnSpPr/>
+          <p:nvPr/>
+        </p:nvCxnSpPr>
+        <p:spPr>
+          <a:xfrm flipV="1">
+            <a:off x="5272755" y="5779379"/>
+            <a:ext cx="683664" cy="389764"/>
+          </a:xfrm>
+          <a:prstGeom prst="straightConnector1">
+            <a:avLst/>
+          </a:prstGeom>
+          <a:ln w="38100">
+            <a:solidFill>
+              <a:srgbClr val="FF0000"/>
+            </a:solidFill>
+            <a:tailEnd type="triangle"/>
+          </a:ln>
+        </p:spPr>
+        <p:style>
+          <a:lnRef idx="1">
+            <a:schemeClr val="accent1"/>
+          </a:lnRef>
+          <a:fillRef idx="0">
+            <a:schemeClr val="accent1"/>
+          </a:fillRef>
+          <a:effectRef idx="0">
+            <a:schemeClr val="accent1"/>
+          </a:effectRef>
+          <a:fontRef idx="minor">
+            <a:schemeClr val="tx1"/>
+          </a:fontRef>
+        </p:style>
+      </p:cxnSp>
     </p:spTree>
     <p:extLst>
       <p:ext uri="{BB962C8B-B14F-4D97-AF65-F5344CB8AC3E}">
-        <p14:creationId xmlns:p14="http://schemas.microsoft.com/office/powerpoint/2010/main" val="1309018210"/>
+        <p14:creationId xmlns:p14="http://schemas.microsoft.com/office/powerpoint/2010/main" val="1402948107"/>
       </p:ext>
     </p:extLst>
   </p:cSld>
@@ -7242,7 +7173,7 @@
           <a:lstStyle/>
           <a:p>
             <a:r>
-              <a:rPr lang="en-US" altLang="zh-TW" dirty="0"/>
+              <a:rPr lang="en-US" altLang="zh-TW" dirty="0" smtClean="0"/>
               <a:t>How to create reactive data? (reactive)</a:t>
             </a:r>
             <a:endParaRPr lang="zh-TW" altLang="en-US" dirty="0"/>
@@ -7259,147 +7190,76 @@
             <p:ph idx="1"/>
           </p:nvPr>
         </p:nvSpPr>
-        <p:spPr>
-          <a:xfrm>
-            <a:off x="838200" y="1423971"/>
-            <a:ext cx="10515600" cy="4351338"/>
-          </a:xfrm>
-        </p:spPr>
+        <p:spPr/>
         <p:txBody>
           <a:bodyPr/>
           <a:lstStyle/>
           <a:p>
-            <a:r>
-              <a:rPr lang="en-US" altLang="zh-TW" dirty="0">
-                <a:solidFill>
-                  <a:srgbClr val="FF0000"/>
-                </a:solidFill>
-              </a:rPr>
-              <a:t>reactive() will not work with primitive </a:t>
-            </a:r>
+            <a:pPr>
+              <a:lnSpc>
+                <a:spcPct val="150000"/>
+              </a:lnSpc>
+            </a:pPr>
+            <a:r>
+              <a:rPr lang="zh-TW" altLang="en-US" dirty="0" smtClean="0"/>
+              <a:t>在 </a:t>
+            </a:r>
+            <a:r>
+              <a:rPr lang="en-US" altLang="zh-TW" dirty="0" smtClean="0"/>
+              <a:t>Vue3 </a:t>
+            </a:r>
+            <a:r>
+              <a:rPr lang="zh-TW" altLang="en-US" dirty="0" smtClean="0"/>
+              <a:t>，有 </a:t>
+            </a:r>
+            <a:r>
+              <a:rPr lang="en-US" altLang="zh-TW" dirty="0" smtClean="0"/>
+              <a:t>2</a:t>
+            </a:r>
+            <a:r>
+              <a:rPr lang="zh-TW" altLang="en-US" dirty="0" smtClean="0"/>
+              <a:t> 種建立 </a:t>
+            </a:r>
+            <a:r>
+              <a:rPr lang="en-US" altLang="zh-TW" dirty="0" smtClean="0"/>
+              <a:t>reactive data </a:t>
+            </a:r>
+            <a:r>
+              <a:rPr lang="zh-TW" altLang="en-US" dirty="0" smtClean="0"/>
+              <a:t>的方式</a:t>
+            </a:r>
+            <a:endParaRPr lang="en-US" altLang="zh-TW" dirty="0"/>
+          </a:p>
+          <a:p>
+            <a:pPr marL="0" indent="0">
+              <a:lnSpc>
+                <a:spcPct val="150000"/>
+              </a:lnSpc>
+              <a:buNone/>
+            </a:pPr>
             <a:r>
               <a:rPr lang="en-US" altLang="zh-TW" dirty="0" smtClean="0">
                 <a:solidFill>
                   <a:srgbClr val="FF0000"/>
                 </a:solidFill>
               </a:rPr>
-              <a:t>values!</a:t>
-            </a:r>
-          </a:p>
-          <a:p>
-            <a:pPr lvl="1"/>
-            <a:r>
-              <a:rPr lang="en-US" altLang="zh-TW" dirty="0" smtClean="0"/>
-              <a:t>String, Number, </a:t>
-            </a:r>
-            <a:r>
-              <a:rPr lang="en-US" altLang="zh-TW" dirty="0" err="1" smtClean="0"/>
-              <a:t>BigInt</a:t>
-            </a:r>
-            <a:r>
-              <a:rPr lang="en-US" altLang="zh-TW" dirty="0" smtClean="0"/>
-              <a:t>, Boolean, Symbol, Null, Undefined</a:t>
-            </a:r>
-            <a:endParaRPr lang="en-US" altLang="zh-TW" dirty="0"/>
-          </a:p>
-          <a:p>
-            <a:pPr lvl="1"/>
-            <a:endParaRPr lang="zh-TW" altLang="en-US" dirty="0"/>
-          </a:p>
-        </p:txBody>
-      </p:sp>
-      <p:sp>
-        <p:nvSpPr>
-          <p:cNvPr id="4" name="文字方塊 3"/>
-          <p:cNvSpPr txBox="1"/>
-          <p:nvPr/>
-        </p:nvSpPr>
-        <p:spPr>
-          <a:xfrm>
-            <a:off x="4645966" y="5002555"/>
-            <a:ext cx="7546034" cy="400110"/>
-          </a:xfrm>
-          <a:prstGeom prst="rect">
-            <a:avLst/>
-          </a:prstGeom>
-          <a:noFill/>
-        </p:spPr>
-        <p:txBody>
-          <a:bodyPr wrap="square" rtlCol="0">
-            <a:spAutoFit/>
-          </a:bodyPr>
-          <a:lstStyle/>
-          <a:p>
-            <a:r>
-              <a:rPr lang="zh-TW" altLang="en-US" sz="2000" dirty="0">
-                <a:solidFill>
-                  <a:srgbClr val="0070C0"/>
-                </a:solidFill>
-              </a:rPr>
-              <a:t>如果使用 </a:t>
-            </a:r>
-            <a:r>
-              <a:rPr lang="en-US" altLang="zh-TW" sz="2000" dirty="0">
-                <a:solidFill>
-                  <a:srgbClr val="0070C0"/>
-                </a:solidFill>
-              </a:rPr>
-              <a:t>Typescript</a:t>
-            </a:r>
-            <a:r>
-              <a:rPr lang="zh-TW" altLang="en-US" sz="2000" dirty="0">
-                <a:solidFill>
-                  <a:srgbClr val="0070C0"/>
-                </a:solidFill>
-              </a:rPr>
-              <a:t>，傳 </a:t>
-            </a:r>
-            <a:r>
-              <a:rPr lang="en-US" altLang="zh-TW" sz="2000" dirty="0">
-                <a:solidFill>
-                  <a:srgbClr val="0070C0"/>
-                </a:solidFill>
-              </a:rPr>
-              <a:t>primitive type</a:t>
-            </a:r>
-            <a:r>
-              <a:rPr lang="zh-TW" altLang="en-US" sz="2000" dirty="0" smtClean="0">
-                <a:solidFill>
-                  <a:srgbClr val="0070C0"/>
-                </a:solidFill>
-              </a:rPr>
-              <a:t> </a:t>
-            </a:r>
-            <a:r>
-              <a:rPr lang="zh-TW" altLang="en-US" sz="2000" dirty="0">
-                <a:solidFill>
-                  <a:srgbClr val="0070C0"/>
-                </a:solidFill>
-              </a:rPr>
-              <a:t>給 </a:t>
-            </a:r>
-            <a:r>
-              <a:rPr lang="en-US" altLang="zh-TW" sz="2000" dirty="0">
-                <a:solidFill>
-                  <a:srgbClr val="0070C0"/>
-                </a:solidFill>
-              </a:rPr>
-              <a:t>reactive()</a:t>
-            </a:r>
-            <a:r>
-              <a:rPr lang="zh-TW" altLang="en-US" sz="2000" dirty="0">
-                <a:solidFill>
-                  <a:srgbClr val="0070C0"/>
-                </a:solidFill>
-              </a:rPr>
-              <a:t>，會編譯不過</a:t>
-            </a:r>
+              <a:t>1. reactive</a:t>
+            </a:r>
+          </a:p>
+          <a:p>
+            <a:pPr marL="0" indent="0">
+              <a:lnSpc>
+                <a:spcPct val="150000"/>
+              </a:lnSpc>
+              <a:buNone/>
+            </a:pPr>
+            <a:endParaRPr lang="en-US" altLang="zh-TW" dirty="0" smtClean="0"/>
           </a:p>
         </p:txBody>
       </p:sp>
       <p:pic>
         <p:nvPicPr>
-          <p:cNvPr id="5" name="圖片 4"/>
+          <p:cNvPr id="4" name="圖片 3"/>
           <p:cNvPicPr>
             <a:picLocks noChangeAspect="1"/>
           </p:cNvPicPr>
@@ -7419,161 +7279,14 @@
         </p:blipFill>
         <p:spPr>
           <a:xfrm>
-            <a:off x="4774737" y="5560993"/>
-            <a:ext cx="7288491" cy="1012977"/>
+            <a:off x="227231" y="3361606"/>
+            <a:ext cx="5496883" cy="1244577"/>
           </a:xfrm>
           <a:prstGeom prst="rect">
             <a:avLst/>
           </a:prstGeom>
         </p:spPr>
       </p:pic>
-      <p:sp>
-        <p:nvSpPr>
-          <p:cNvPr id="6" name="文字方塊 5"/>
-          <p:cNvSpPr txBox="1"/>
-          <p:nvPr/>
-        </p:nvSpPr>
-        <p:spPr>
-          <a:xfrm>
-            <a:off x="4488935" y="2383836"/>
-            <a:ext cx="7458084" cy="1015663"/>
-          </a:xfrm>
-          <a:prstGeom prst="rect">
-            <a:avLst/>
-          </a:prstGeom>
-          <a:noFill/>
-        </p:spPr>
-        <p:txBody>
-          <a:bodyPr wrap="square" rtlCol="0">
-            <a:spAutoFit/>
-          </a:bodyPr>
-          <a:lstStyle/>
-          <a:p>
-            <a:pPr>
-              <a:lnSpc>
-                <a:spcPct val="150000"/>
-              </a:lnSpc>
-            </a:pPr>
-            <a:r>
-              <a:rPr lang="zh-TW" altLang="en-US" sz="2000" dirty="0" smtClean="0">
-                <a:solidFill>
-                  <a:srgbClr val="0070C0"/>
-                </a:solidFill>
-              </a:rPr>
-              <a:t>如果沒有使用 </a:t>
-            </a:r>
-            <a:r>
-              <a:rPr lang="en-US" altLang="zh-TW" sz="2000" dirty="0" smtClean="0">
-                <a:solidFill>
-                  <a:srgbClr val="0070C0"/>
-                </a:solidFill>
-              </a:rPr>
-              <a:t>Typescript</a:t>
-            </a:r>
-            <a:r>
-              <a:rPr lang="zh-TW" altLang="en-US" sz="2000" dirty="0" smtClean="0">
-                <a:solidFill>
-                  <a:srgbClr val="0070C0"/>
-                </a:solidFill>
-              </a:rPr>
-              <a:t>，傳 </a:t>
-            </a:r>
-            <a:r>
-              <a:rPr lang="en-US" altLang="zh-TW" sz="2000" dirty="0" smtClean="0">
-                <a:solidFill>
-                  <a:srgbClr val="0070C0"/>
-                </a:solidFill>
-              </a:rPr>
-              <a:t>primitive type</a:t>
-            </a:r>
-            <a:r>
-              <a:rPr lang="zh-TW" altLang="en-US" sz="2000" dirty="0" smtClean="0">
-                <a:solidFill>
-                  <a:srgbClr val="0070C0"/>
-                </a:solidFill>
-              </a:rPr>
-              <a:t> 給 </a:t>
-            </a:r>
-            <a:r>
-              <a:rPr lang="en-US" altLang="zh-TW" sz="2000" dirty="0" smtClean="0">
-                <a:solidFill>
-                  <a:srgbClr val="0070C0"/>
-                </a:solidFill>
-              </a:rPr>
-              <a:t>reactive()</a:t>
-            </a:r>
-            <a:r>
-              <a:rPr lang="zh-TW" altLang="en-US" sz="2000" dirty="0" smtClean="0">
-                <a:solidFill>
-                  <a:srgbClr val="0070C0"/>
-                </a:solidFill>
-              </a:rPr>
-              <a:t>，會沒有 </a:t>
-            </a:r>
-            <a:r>
-              <a:rPr lang="en-US" altLang="zh-TW" sz="2000" dirty="0" smtClean="0">
-                <a:solidFill>
-                  <a:srgbClr val="0070C0"/>
-                </a:solidFill>
-              </a:rPr>
-              <a:t>Reactive</a:t>
-            </a:r>
-            <a:r>
-              <a:rPr lang="zh-TW" altLang="en-US" sz="2000" dirty="0" smtClean="0">
-                <a:solidFill>
-                  <a:srgbClr val="0070C0"/>
-                </a:solidFill>
-              </a:rPr>
-              <a:t> 效果。因為在 </a:t>
-            </a:r>
-            <a:r>
-              <a:rPr lang="en-US" altLang="zh-TW" sz="2000" dirty="0" smtClean="0">
-                <a:solidFill>
-                  <a:srgbClr val="0070C0"/>
-                </a:solidFill>
-              </a:rPr>
-              <a:t>JavaScript </a:t>
-            </a:r>
-            <a:r>
-              <a:rPr lang="zh-TW" altLang="en-US" sz="2000" dirty="0" smtClean="0">
-                <a:solidFill>
-                  <a:srgbClr val="0070C0"/>
-                </a:solidFill>
-              </a:rPr>
-              <a:t>建立 </a:t>
-            </a:r>
-            <a:r>
-              <a:rPr lang="en-US" altLang="zh-TW" sz="2000" dirty="0">
-                <a:solidFill>
-                  <a:srgbClr val="0070C0"/>
-                </a:solidFill>
-              </a:rPr>
-              <a:t>P</a:t>
-            </a:r>
-            <a:r>
-              <a:rPr lang="en-US" altLang="zh-TW" sz="2000" dirty="0" smtClean="0">
-                <a:solidFill>
-                  <a:srgbClr val="0070C0"/>
-                </a:solidFill>
-              </a:rPr>
-              <a:t>roxy</a:t>
-            </a:r>
-            <a:r>
-              <a:rPr lang="zh-TW" altLang="en-US" sz="2000" dirty="0" smtClean="0">
-                <a:solidFill>
-                  <a:srgbClr val="0070C0"/>
-                </a:solidFill>
-              </a:rPr>
-              <a:t>，需要建立在物件上。</a:t>
-            </a:r>
-            <a:endParaRPr lang="zh-TW" altLang="en-US" sz="2000" dirty="0">
-              <a:solidFill>
-                <a:srgbClr val="0070C0"/>
-              </a:solidFill>
-            </a:endParaRPr>
-          </a:p>
-        </p:txBody>
-      </p:sp>
       <p:pic>
         <p:nvPicPr>
           <p:cNvPr id="7" name="圖片 6"/>
@@ -7596,94 +7309,24 @@
         </p:blipFill>
         <p:spPr>
           <a:xfrm>
-            <a:off x="244981" y="2406236"/>
-            <a:ext cx="4084080" cy="4342181"/>
+            <a:off x="5860921" y="3361606"/>
+            <a:ext cx="6253359" cy="3424029"/>
           </a:xfrm>
           <a:prstGeom prst="rect">
             <a:avLst/>
           </a:prstGeom>
         </p:spPr>
       </p:pic>
-      <p:cxnSp>
-        <p:nvCxnSpPr>
-          <p:cNvPr id="12" name="直線接點 11"/>
-          <p:cNvCxnSpPr/>
-          <p:nvPr/>
-        </p:nvCxnSpPr>
-        <p:spPr>
-          <a:xfrm flipV="1">
-            <a:off x="4628874" y="4853260"/>
-            <a:ext cx="7412763" cy="17092"/>
-          </a:xfrm>
-          <a:prstGeom prst="line">
-            <a:avLst/>
-          </a:prstGeom>
-          <a:ln w="57150">
-            <a:solidFill>
-              <a:schemeClr val="tx1"/>
-            </a:solidFill>
-          </a:ln>
-        </p:spPr>
-        <p:style>
-          <a:lnRef idx="1">
-            <a:schemeClr val="accent1"/>
-          </a:lnRef>
-          <a:fillRef idx="0">
-            <a:schemeClr val="accent1"/>
-          </a:fillRef>
-          <a:effectRef idx="0">
-            <a:schemeClr val="accent1"/>
-          </a:effectRef>
-          <a:fontRef idx="minor">
-            <a:schemeClr val="tx1"/>
-          </a:fontRef>
-        </p:style>
-      </p:cxnSp>
-      <p:cxnSp>
-        <p:nvCxnSpPr>
-          <p:cNvPr id="14" name="直線接點 13"/>
-          <p:cNvCxnSpPr/>
-          <p:nvPr/>
-        </p:nvCxnSpPr>
-        <p:spPr>
-          <a:xfrm>
-            <a:off x="4645966" y="4844714"/>
-            <a:ext cx="0" cy="1792605"/>
-          </a:xfrm>
-          <a:prstGeom prst="line">
-            <a:avLst/>
-          </a:prstGeom>
-          <a:ln w="57150">
-            <a:solidFill>
-              <a:schemeClr val="tx1"/>
-            </a:solidFill>
-          </a:ln>
-        </p:spPr>
-        <p:style>
-          <a:lnRef idx="1">
-            <a:schemeClr val="accent1"/>
-          </a:lnRef>
-          <a:fillRef idx="0">
-            <a:schemeClr val="accent1"/>
-          </a:fillRef>
-          <a:effectRef idx="0">
-            <a:schemeClr val="accent1"/>
-          </a:effectRef>
-          <a:fontRef idx="minor">
-            <a:schemeClr val="tx1"/>
-          </a:fontRef>
-        </p:style>
-      </p:cxnSp>
-      <p:sp>
-        <p:nvSpPr>
-          <p:cNvPr id="17" name="文字方塊 16"/>
+      <p:sp>
+        <p:nvSpPr>
+          <p:cNvPr id="8" name="文字方塊 7"/>
           <p:cNvSpPr txBox="1"/>
           <p:nvPr/>
         </p:nvSpPr>
         <p:spPr>
           <a:xfrm>
-            <a:off x="2487733" y="4503932"/>
-            <a:ext cx="1432619" cy="369332"/>
+            <a:off x="494508" y="5189493"/>
+            <a:ext cx="4962327" cy="830997"/>
           </a:xfrm>
           <a:prstGeom prst="rect">
             <a:avLst/>
@@ -7697,14 +7340,54 @@
           <a:lstStyle/>
           <a:p>
             <a:r>
-              <a:rPr lang="en-US" altLang="zh-TW" dirty="0" smtClean="0">
-                <a:solidFill>
-                  <a:srgbClr val="FF0000"/>
-                </a:solidFill>
-              </a:rPr>
-              <a:t>Not Working!</a:t>
-            </a:r>
-            <a:endParaRPr lang="zh-TW" altLang="en-US" dirty="0">
+              <a:rPr lang="en-US" altLang="zh-TW" sz="2400" dirty="0">
+                <a:solidFill>
+                  <a:srgbClr val="FF0000"/>
+                </a:solidFill>
+              </a:rPr>
+              <a:t>reactive() takes an </a:t>
+            </a:r>
+            <a:r>
+              <a:rPr lang="en-US" altLang="zh-TW" sz="2400" b="1" u="sng" dirty="0" smtClean="0">
+                <a:solidFill>
+                  <a:srgbClr val="FF0000"/>
+                </a:solidFill>
+              </a:rPr>
+              <a:t>“object” </a:t>
+            </a:r>
+            <a:r>
+              <a:rPr lang="en-US" altLang="zh-TW" sz="2400" dirty="0">
+                <a:solidFill>
+                  <a:srgbClr val="FF0000"/>
+                </a:solidFill>
+              </a:rPr>
+              <a:t>and </a:t>
+            </a:r>
+            <a:r>
+              <a:rPr lang="en-US" altLang="zh-TW" sz="2400" dirty="0" smtClean="0">
+                <a:solidFill>
+                  <a:srgbClr val="FF0000"/>
+                </a:solidFill>
+              </a:rPr>
+              <a:t>returns </a:t>
+            </a:r>
+            <a:r>
+              <a:rPr lang="en-US" altLang="zh-TW" sz="2400" dirty="0">
+                <a:solidFill>
+                  <a:srgbClr val="FF0000"/>
+                </a:solidFill>
+              </a:rPr>
+              <a:t>a reactive proxy of </a:t>
+            </a:r>
+            <a:r>
+              <a:rPr lang="en-US" altLang="zh-TW" sz="2400" dirty="0" smtClean="0">
+                <a:solidFill>
+                  <a:srgbClr val="FF0000"/>
+                </a:solidFill>
+              </a:rPr>
+              <a:t>the original</a:t>
+            </a:r>
+            <a:endParaRPr lang="zh-TW" altLang="en-US" sz="2400" dirty="0">
               <a:solidFill>
                 <a:srgbClr val="FF0000"/>
               </a:solidFill>
@@ -7712,70 +7395,10 @@
           </a:p>
         </p:txBody>
       </p:sp>
-      <p:pic>
-        <p:nvPicPr>
-          <p:cNvPr id="9" name="圖片 8"/>
-          <p:cNvPicPr>
-            <a:picLocks noChangeAspect="1"/>
-          </p:cNvPicPr>
-          <p:nvPr/>
-        </p:nvPicPr>
-        <p:blipFill>
-          <a:blip r:embed="rId4">
-            <a:extLst>
-              <a:ext uri="{28A0092B-C50C-407E-A947-70E740481C1C}">
-                <a14:useLocalDpi xmlns:a14="http://schemas.microsoft.com/office/drawing/2010/main" val="0"/>
-              </a:ext>
-            </a:extLst>
-          </a:blip>
-          <a:stretch>
-            <a:fillRect/>
-          </a:stretch>
-        </p:blipFill>
-        <p:spPr>
-          <a:xfrm>
-            <a:off x="4406654" y="3474381"/>
-            <a:ext cx="7708106" cy="913660"/>
-          </a:xfrm>
-          <a:prstGeom prst="rect">
-            <a:avLst/>
-          </a:prstGeom>
-        </p:spPr>
-      </p:pic>
-      <p:pic>
-        <p:nvPicPr>
-          <p:cNvPr id="8" name="圖片 7"/>
-          <p:cNvPicPr>
-            <a:picLocks noChangeAspect="1"/>
-          </p:cNvPicPr>
-          <p:nvPr/>
-        </p:nvPicPr>
-        <p:blipFill>
-          <a:blip r:embed="rId5">
-            <a:extLst>
-              <a:ext uri="{28A0092B-C50C-407E-A947-70E740481C1C}">
-                <a14:useLocalDpi xmlns:a14="http://schemas.microsoft.com/office/drawing/2010/main" val="0"/>
-              </a:ext>
-            </a:extLst>
-          </a:blip>
-          <a:stretch>
-            <a:fillRect/>
-          </a:stretch>
-        </p:blipFill>
-        <p:spPr>
-          <a:xfrm>
-            <a:off x="337422" y="5364396"/>
-            <a:ext cx="3991639" cy="280114"/>
-          </a:xfrm>
-          <a:prstGeom prst="rect">
-            <a:avLst/>
-          </a:prstGeom>
-        </p:spPr>
-      </p:pic>
     </p:spTree>
     <p:extLst>
       <p:ext uri="{BB962C8B-B14F-4D97-AF65-F5344CB8AC3E}">
-        <p14:creationId xmlns:p14="http://schemas.microsoft.com/office/powerpoint/2010/main" val="2113241473"/>
+        <p14:creationId xmlns:p14="http://schemas.microsoft.com/office/powerpoint/2010/main" val="1309018210"/>
       </p:ext>
     </p:extLst>
   </p:cSld>
@@ -7826,6 +7449,589 @@
           <a:p>
             <a:r>
               <a:rPr lang="en-US" altLang="zh-TW" dirty="0"/>
+              <a:t>How to create reactive data? (reactive)</a:t>
+            </a:r>
+            <a:endParaRPr lang="zh-TW" altLang="en-US" dirty="0"/>
+          </a:p>
+        </p:txBody>
+      </p:sp>
+      <p:sp>
+        <p:nvSpPr>
+          <p:cNvPr id="3" name="內容版面配置區 2"/>
+          <p:cNvSpPr>
+            <a:spLocks noGrp="1"/>
+          </p:cNvSpPr>
+          <p:nvPr>
+            <p:ph idx="1"/>
+          </p:nvPr>
+        </p:nvSpPr>
+        <p:spPr>
+          <a:xfrm>
+            <a:off x="838200" y="1423971"/>
+            <a:ext cx="10515600" cy="4351338"/>
+          </a:xfrm>
+        </p:spPr>
+        <p:txBody>
+          <a:bodyPr/>
+          <a:lstStyle/>
+          <a:p>
+            <a:r>
+              <a:rPr lang="en-US" altLang="zh-TW" dirty="0">
+                <a:solidFill>
+                  <a:srgbClr val="FF0000"/>
+                </a:solidFill>
+              </a:rPr>
+              <a:t>reactive() will not work with primitive </a:t>
+            </a:r>
+            <a:r>
+              <a:rPr lang="en-US" altLang="zh-TW" dirty="0" smtClean="0">
+                <a:solidFill>
+                  <a:srgbClr val="FF0000"/>
+                </a:solidFill>
+              </a:rPr>
+              <a:t>values!</a:t>
+            </a:r>
+          </a:p>
+          <a:p>
+            <a:pPr lvl="1"/>
+            <a:r>
+              <a:rPr lang="en-US" altLang="zh-TW" dirty="0" smtClean="0"/>
+              <a:t>String, Number, </a:t>
+            </a:r>
+            <a:r>
+              <a:rPr lang="en-US" altLang="zh-TW" dirty="0" err="1" smtClean="0"/>
+              <a:t>BigInt</a:t>
+            </a:r>
+            <a:r>
+              <a:rPr lang="en-US" altLang="zh-TW" dirty="0" smtClean="0"/>
+              <a:t>, Boolean, Symbol, Null, Undefined</a:t>
+            </a:r>
+            <a:endParaRPr lang="en-US" altLang="zh-TW" dirty="0"/>
+          </a:p>
+          <a:p>
+            <a:pPr lvl="1"/>
+            <a:endParaRPr lang="zh-TW" altLang="en-US" dirty="0"/>
+          </a:p>
+        </p:txBody>
+      </p:sp>
+      <p:sp>
+        <p:nvSpPr>
+          <p:cNvPr id="4" name="文字方塊 3"/>
+          <p:cNvSpPr txBox="1"/>
+          <p:nvPr/>
+        </p:nvSpPr>
+        <p:spPr>
+          <a:xfrm>
+            <a:off x="4645966" y="5002555"/>
+            <a:ext cx="7546034" cy="400110"/>
+          </a:xfrm>
+          <a:prstGeom prst="rect">
+            <a:avLst/>
+          </a:prstGeom>
+          <a:noFill/>
+        </p:spPr>
+        <p:txBody>
+          <a:bodyPr wrap="square" rtlCol="0">
+            <a:spAutoFit/>
+          </a:bodyPr>
+          <a:lstStyle/>
+          <a:p>
+            <a:r>
+              <a:rPr lang="zh-TW" altLang="en-US" sz="2000" dirty="0">
+                <a:solidFill>
+                  <a:srgbClr val="0070C0"/>
+                </a:solidFill>
+              </a:rPr>
+              <a:t>如果使用 </a:t>
+            </a:r>
+            <a:r>
+              <a:rPr lang="en-US" altLang="zh-TW" sz="2000" dirty="0">
+                <a:solidFill>
+                  <a:srgbClr val="0070C0"/>
+                </a:solidFill>
+              </a:rPr>
+              <a:t>Typescript</a:t>
+            </a:r>
+            <a:r>
+              <a:rPr lang="zh-TW" altLang="en-US" sz="2000" dirty="0">
+                <a:solidFill>
+                  <a:srgbClr val="0070C0"/>
+                </a:solidFill>
+              </a:rPr>
+              <a:t>，傳 </a:t>
+            </a:r>
+            <a:r>
+              <a:rPr lang="en-US" altLang="zh-TW" sz="2000" dirty="0">
+                <a:solidFill>
+                  <a:srgbClr val="0070C0"/>
+                </a:solidFill>
+              </a:rPr>
+              <a:t>primitive type</a:t>
+            </a:r>
+            <a:r>
+              <a:rPr lang="zh-TW" altLang="en-US" sz="2000" dirty="0" smtClean="0">
+                <a:solidFill>
+                  <a:srgbClr val="0070C0"/>
+                </a:solidFill>
+              </a:rPr>
+              <a:t> </a:t>
+            </a:r>
+            <a:r>
+              <a:rPr lang="zh-TW" altLang="en-US" sz="2000" dirty="0">
+                <a:solidFill>
+                  <a:srgbClr val="0070C0"/>
+                </a:solidFill>
+              </a:rPr>
+              <a:t>給 </a:t>
+            </a:r>
+            <a:r>
+              <a:rPr lang="en-US" altLang="zh-TW" sz="2000" dirty="0">
+                <a:solidFill>
+                  <a:srgbClr val="0070C0"/>
+                </a:solidFill>
+              </a:rPr>
+              <a:t>reactive()</a:t>
+            </a:r>
+            <a:r>
+              <a:rPr lang="zh-TW" altLang="en-US" sz="2000" dirty="0">
+                <a:solidFill>
+                  <a:srgbClr val="0070C0"/>
+                </a:solidFill>
+              </a:rPr>
+              <a:t>，會編譯不過</a:t>
+            </a:r>
+          </a:p>
+        </p:txBody>
+      </p:sp>
+      <p:pic>
+        <p:nvPicPr>
+          <p:cNvPr id="5" name="圖片 4"/>
+          <p:cNvPicPr>
+            <a:picLocks noChangeAspect="1"/>
+          </p:cNvPicPr>
+          <p:nvPr/>
+        </p:nvPicPr>
+        <p:blipFill>
+          <a:blip r:embed="rId2">
+            <a:extLst>
+              <a:ext uri="{28A0092B-C50C-407E-A947-70E740481C1C}">
+                <a14:useLocalDpi xmlns:a14="http://schemas.microsoft.com/office/drawing/2010/main" val="0"/>
+              </a:ext>
+            </a:extLst>
+          </a:blip>
+          <a:stretch>
+            <a:fillRect/>
+          </a:stretch>
+        </p:blipFill>
+        <p:spPr>
+          <a:xfrm>
+            <a:off x="4774737" y="5560993"/>
+            <a:ext cx="7288491" cy="1012977"/>
+          </a:xfrm>
+          <a:prstGeom prst="rect">
+            <a:avLst/>
+          </a:prstGeom>
+        </p:spPr>
+      </p:pic>
+      <p:sp>
+        <p:nvSpPr>
+          <p:cNvPr id="6" name="文字方塊 5"/>
+          <p:cNvSpPr txBox="1"/>
+          <p:nvPr/>
+        </p:nvSpPr>
+        <p:spPr>
+          <a:xfrm>
+            <a:off x="4488935" y="2383836"/>
+            <a:ext cx="7458084" cy="1015663"/>
+          </a:xfrm>
+          <a:prstGeom prst="rect">
+            <a:avLst/>
+          </a:prstGeom>
+          <a:noFill/>
+        </p:spPr>
+        <p:txBody>
+          <a:bodyPr wrap="square" rtlCol="0">
+            <a:spAutoFit/>
+          </a:bodyPr>
+          <a:lstStyle/>
+          <a:p>
+            <a:pPr>
+              <a:lnSpc>
+                <a:spcPct val="150000"/>
+              </a:lnSpc>
+            </a:pPr>
+            <a:r>
+              <a:rPr lang="zh-TW" altLang="en-US" sz="2000" dirty="0" smtClean="0">
+                <a:solidFill>
+                  <a:srgbClr val="0070C0"/>
+                </a:solidFill>
+              </a:rPr>
+              <a:t>如果沒有使用 </a:t>
+            </a:r>
+            <a:r>
+              <a:rPr lang="en-US" altLang="zh-TW" sz="2000" dirty="0" smtClean="0">
+                <a:solidFill>
+                  <a:srgbClr val="0070C0"/>
+                </a:solidFill>
+              </a:rPr>
+              <a:t>Typescript</a:t>
+            </a:r>
+            <a:r>
+              <a:rPr lang="zh-TW" altLang="en-US" sz="2000" dirty="0" smtClean="0">
+                <a:solidFill>
+                  <a:srgbClr val="0070C0"/>
+                </a:solidFill>
+              </a:rPr>
+              <a:t>，傳 </a:t>
+            </a:r>
+            <a:r>
+              <a:rPr lang="en-US" altLang="zh-TW" sz="2000" dirty="0" smtClean="0">
+                <a:solidFill>
+                  <a:srgbClr val="0070C0"/>
+                </a:solidFill>
+              </a:rPr>
+              <a:t>primitive type</a:t>
+            </a:r>
+            <a:r>
+              <a:rPr lang="zh-TW" altLang="en-US" sz="2000" dirty="0" smtClean="0">
+                <a:solidFill>
+                  <a:srgbClr val="0070C0"/>
+                </a:solidFill>
+              </a:rPr>
+              <a:t> 給 </a:t>
+            </a:r>
+            <a:r>
+              <a:rPr lang="en-US" altLang="zh-TW" sz="2000" dirty="0" smtClean="0">
+                <a:solidFill>
+                  <a:srgbClr val="0070C0"/>
+                </a:solidFill>
+              </a:rPr>
+              <a:t>reactive()</a:t>
+            </a:r>
+            <a:r>
+              <a:rPr lang="zh-TW" altLang="en-US" sz="2000" dirty="0" smtClean="0">
+                <a:solidFill>
+                  <a:srgbClr val="0070C0"/>
+                </a:solidFill>
+              </a:rPr>
+              <a:t>，會沒有 </a:t>
+            </a:r>
+            <a:r>
+              <a:rPr lang="en-US" altLang="zh-TW" sz="2000" dirty="0" smtClean="0">
+                <a:solidFill>
+                  <a:srgbClr val="0070C0"/>
+                </a:solidFill>
+              </a:rPr>
+              <a:t>Reactive</a:t>
+            </a:r>
+            <a:r>
+              <a:rPr lang="zh-TW" altLang="en-US" sz="2000" dirty="0" smtClean="0">
+                <a:solidFill>
+                  <a:srgbClr val="0070C0"/>
+                </a:solidFill>
+              </a:rPr>
+              <a:t> 效果。因為在 </a:t>
+            </a:r>
+            <a:r>
+              <a:rPr lang="en-US" altLang="zh-TW" sz="2000" dirty="0" smtClean="0">
+                <a:solidFill>
+                  <a:srgbClr val="0070C0"/>
+                </a:solidFill>
+              </a:rPr>
+              <a:t>JavaScript </a:t>
+            </a:r>
+            <a:r>
+              <a:rPr lang="zh-TW" altLang="en-US" sz="2000" dirty="0" smtClean="0">
+                <a:solidFill>
+                  <a:srgbClr val="0070C0"/>
+                </a:solidFill>
+              </a:rPr>
+              <a:t>建立 </a:t>
+            </a:r>
+            <a:r>
+              <a:rPr lang="en-US" altLang="zh-TW" sz="2000" dirty="0">
+                <a:solidFill>
+                  <a:srgbClr val="0070C0"/>
+                </a:solidFill>
+              </a:rPr>
+              <a:t>P</a:t>
+            </a:r>
+            <a:r>
+              <a:rPr lang="en-US" altLang="zh-TW" sz="2000" dirty="0" smtClean="0">
+                <a:solidFill>
+                  <a:srgbClr val="0070C0"/>
+                </a:solidFill>
+              </a:rPr>
+              <a:t>roxy</a:t>
+            </a:r>
+            <a:r>
+              <a:rPr lang="zh-TW" altLang="en-US" sz="2000" dirty="0" smtClean="0">
+                <a:solidFill>
+                  <a:srgbClr val="0070C0"/>
+                </a:solidFill>
+              </a:rPr>
+              <a:t>，需要建立在物件上。</a:t>
+            </a:r>
+            <a:endParaRPr lang="zh-TW" altLang="en-US" sz="2000" dirty="0">
+              <a:solidFill>
+                <a:srgbClr val="0070C0"/>
+              </a:solidFill>
+            </a:endParaRPr>
+          </a:p>
+        </p:txBody>
+      </p:sp>
+      <p:pic>
+        <p:nvPicPr>
+          <p:cNvPr id="7" name="圖片 6"/>
+          <p:cNvPicPr>
+            <a:picLocks noChangeAspect="1"/>
+          </p:cNvPicPr>
+          <p:nvPr/>
+        </p:nvPicPr>
+        <p:blipFill>
+          <a:blip r:embed="rId3">
+            <a:extLst>
+              <a:ext uri="{28A0092B-C50C-407E-A947-70E740481C1C}">
+                <a14:useLocalDpi xmlns:a14="http://schemas.microsoft.com/office/drawing/2010/main" val="0"/>
+              </a:ext>
+            </a:extLst>
+          </a:blip>
+          <a:stretch>
+            <a:fillRect/>
+          </a:stretch>
+        </p:blipFill>
+        <p:spPr>
+          <a:xfrm>
+            <a:off x="244981" y="2406236"/>
+            <a:ext cx="4084080" cy="4342181"/>
+          </a:xfrm>
+          <a:prstGeom prst="rect">
+            <a:avLst/>
+          </a:prstGeom>
+        </p:spPr>
+      </p:pic>
+      <p:cxnSp>
+        <p:nvCxnSpPr>
+          <p:cNvPr id="12" name="直線接點 11"/>
+          <p:cNvCxnSpPr/>
+          <p:nvPr/>
+        </p:nvCxnSpPr>
+        <p:spPr>
+          <a:xfrm flipV="1">
+            <a:off x="4628874" y="4853260"/>
+            <a:ext cx="7412763" cy="17092"/>
+          </a:xfrm>
+          <a:prstGeom prst="line">
+            <a:avLst/>
+          </a:prstGeom>
+          <a:ln w="57150">
+            <a:solidFill>
+              <a:schemeClr val="tx1"/>
+            </a:solidFill>
+          </a:ln>
+        </p:spPr>
+        <p:style>
+          <a:lnRef idx="1">
+            <a:schemeClr val="accent1"/>
+          </a:lnRef>
+          <a:fillRef idx="0">
+            <a:schemeClr val="accent1"/>
+          </a:fillRef>
+          <a:effectRef idx="0">
+            <a:schemeClr val="accent1"/>
+          </a:effectRef>
+          <a:fontRef idx="minor">
+            <a:schemeClr val="tx1"/>
+          </a:fontRef>
+        </p:style>
+      </p:cxnSp>
+      <p:cxnSp>
+        <p:nvCxnSpPr>
+          <p:cNvPr id="14" name="直線接點 13"/>
+          <p:cNvCxnSpPr/>
+          <p:nvPr/>
+        </p:nvCxnSpPr>
+        <p:spPr>
+          <a:xfrm>
+            <a:off x="4645966" y="4844714"/>
+            <a:ext cx="0" cy="1792605"/>
+          </a:xfrm>
+          <a:prstGeom prst="line">
+            <a:avLst/>
+          </a:prstGeom>
+          <a:ln w="57150">
+            <a:solidFill>
+              <a:schemeClr val="tx1"/>
+            </a:solidFill>
+          </a:ln>
+        </p:spPr>
+        <p:style>
+          <a:lnRef idx="1">
+            <a:schemeClr val="accent1"/>
+          </a:lnRef>
+          <a:fillRef idx="0">
+            <a:schemeClr val="accent1"/>
+          </a:fillRef>
+          <a:effectRef idx="0">
+            <a:schemeClr val="accent1"/>
+          </a:effectRef>
+          <a:fontRef idx="minor">
+            <a:schemeClr val="tx1"/>
+          </a:fontRef>
+        </p:style>
+      </p:cxnSp>
+      <p:sp>
+        <p:nvSpPr>
+          <p:cNvPr id="17" name="文字方塊 16"/>
+          <p:cNvSpPr txBox="1"/>
+          <p:nvPr/>
+        </p:nvSpPr>
+        <p:spPr>
+          <a:xfrm>
+            <a:off x="2487733" y="4503932"/>
+            <a:ext cx="1432619" cy="369332"/>
+          </a:xfrm>
+          <a:prstGeom prst="rect">
+            <a:avLst/>
+          </a:prstGeom>
+          <a:noFill/>
+        </p:spPr>
+        <p:txBody>
+          <a:bodyPr wrap="square" rtlCol="0">
+            <a:spAutoFit/>
+          </a:bodyPr>
+          <a:lstStyle/>
+          <a:p>
+            <a:r>
+              <a:rPr lang="en-US" altLang="zh-TW" dirty="0" smtClean="0">
+                <a:solidFill>
+                  <a:srgbClr val="FF0000"/>
+                </a:solidFill>
+              </a:rPr>
+              <a:t>Not Working!</a:t>
+            </a:r>
+            <a:endParaRPr lang="zh-TW" altLang="en-US" dirty="0">
+              <a:solidFill>
+                <a:srgbClr val="FF0000"/>
+              </a:solidFill>
+            </a:endParaRPr>
+          </a:p>
+        </p:txBody>
+      </p:sp>
+      <p:pic>
+        <p:nvPicPr>
+          <p:cNvPr id="9" name="圖片 8"/>
+          <p:cNvPicPr>
+            <a:picLocks noChangeAspect="1"/>
+          </p:cNvPicPr>
+          <p:nvPr/>
+        </p:nvPicPr>
+        <p:blipFill>
+          <a:blip r:embed="rId4">
+            <a:extLst>
+              <a:ext uri="{28A0092B-C50C-407E-A947-70E740481C1C}">
+                <a14:useLocalDpi xmlns:a14="http://schemas.microsoft.com/office/drawing/2010/main" val="0"/>
+              </a:ext>
+            </a:extLst>
+          </a:blip>
+          <a:stretch>
+            <a:fillRect/>
+          </a:stretch>
+        </p:blipFill>
+        <p:spPr>
+          <a:xfrm>
+            <a:off x="4406654" y="3474381"/>
+            <a:ext cx="7708106" cy="913660"/>
+          </a:xfrm>
+          <a:prstGeom prst="rect">
+            <a:avLst/>
+          </a:prstGeom>
+        </p:spPr>
+      </p:pic>
+      <p:pic>
+        <p:nvPicPr>
+          <p:cNvPr id="8" name="圖片 7"/>
+          <p:cNvPicPr>
+            <a:picLocks noChangeAspect="1"/>
+          </p:cNvPicPr>
+          <p:nvPr/>
+        </p:nvPicPr>
+        <p:blipFill>
+          <a:blip r:embed="rId5">
+            <a:extLst>
+              <a:ext uri="{28A0092B-C50C-407E-A947-70E740481C1C}">
+                <a14:useLocalDpi xmlns:a14="http://schemas.microsoft.com/office/drawing/2010/main" val="0"/>
+              </a:ext>
+            </a:extLst>
+          </a:blip>
+          <a:stretch>
+            <a:fillRect/>
+          </a:stretch>
+        </p:blipFill>
+        <p:spPr>
+          <a:xfrm>
+            <a:off x="337422" y="5364396"/>
+            <a:ext cx="3991639" cy="280114"/>
+          </a:xfrm>
+          <a:prstGeom prst="rect">
+            <a:avLst/>
+          </a:prstGeom>
+        </p:spPr>
+      </p:pic>
+    </p:spTree>
+    <p:extLst>
+      <p:ext uri="{BB962C8B-B14F-4D97-AF65-F5344CB8AC3E}">
+        <p14:creationId xmlns:p14="http://schemas.microsoft.com/office/powerpoint/2010/main" val="2113241473"/>
+      </p:ext>
+    </p:extLst>
+  </p:cSld>
+  <p:clrMapOvr>
+    <a:masterClrMapping/>
+  </p:clrMapOvr>
+  <p:timing>
+    <p:tnLst>
+      <p:par>
+        <p:cTn id="1" dur="indefinite" restart="never" nodeType="tmRoot"/>
+      </p:par>
+    </p:tnLst>
+  </p:timing>
+</p:sld>
+</file>
+
+<file path=ppt/slides/slide32.xml><?xml version="1.0" encoding="utf-8"?>
+<p:sld xmlns:a="http://schemas.openxmlformats.org/drawingml/2006/main" xmlns:r="http://schemas.openxmlformats.org/officeDocument/2006/relationships" xmlns:p="http://schemas.openxmlformats.org/presentationml/2006/main">
+  <p:cSld>
+    <p:spTree>
+      <p:nvGrpSpPr>
+        <p:cNvPr id="1" name=""/>
+        <p:cNvGrpSpPr/>
+        <p:nvPr/>
+      </p:nvGrpSpPr>
+      <p:grpSpPr>
+        <a:xfrm>
+          <a:off x="0" y="0"/>
+          <a:ext cx="0" cy="0"/>
+          <a:chOff x="0" y="0"/>
+          <a:chExt cx="0" cy="0"/>
+        </a:xfrm>
+      </p:grpSpPr>
+      <p:sp>
+        <p:nvSpPr>
+          <p:cNvPr id="2" name="標題 1"/>
+          <p:cNvSpPr>
+            <a:spLocks noGrp="1"/>
+          </p:cNvSpPr>
+          <p:nvPr>
+            <p:ph type="title"/>
+          </p:nvPr>
+        </p:nvSpPr>
+        <p:spPr/>
+        <p:txBody>
+          <a:bodyPr/>
+          <a:lstStyle/>
+          <a:p>
+            <a:r>
+              <a:rPr lang="en-US" altLang="zh-TW" dirty="0"/>
               <a:t>How to create reactive data? </a:t>
             </a:r>
             <a:r>
@@ -8066,7 +8272,23 @@
                   <a:srgbClr val="FF0000"/>
                 </a:solidFill>
               </a:rPr>
-              <a:t>returns a reactive and mutable ref object.</a:t>
+              <a:t>returns a </a:t>
+            </a:r>
+            <a:r>
+              <a:rPr lang="en-US" altLang="zh-TW" sz="2400" dirty="0" smtClean="0">
+                <a:solidFill>
+                  <a:srgbClr val="FF0000"/>
+                </a:solidFill>
+              </a:rPr>
+              <a:t>reactive </a:t>
+            </a:r>
+            <a:r>
+              <a:rPr lang="en-US" altLang="zh-TW" sz="2400" dirty="0" smtClean="0">
+                <a:solidFill>
+                  <a:srgbClr val="FF0000"/>
+                </a:solidFill>
+              </a:rPr>
+              <a:t>ref object.</a:t>
             </a:r>
           </a:p>
         </p:txBody>
@@ -8306,6 +8528,36 @@
           </a:p>
         </p:txBody>
       </p:sp>
+      <p:pic>
+        <p:nvPicPr>
+          <p:cNvPr id="4" name="圖片 3"/>
+          <p:cNvPicPr>
+            <a:picLocks noChangeAspect="1"/>
+          </p:cNvPicPr>
+          <p:nvPr/>
+        </p:nvPicPr>
+        <p:blipFill>
+          <a:blip r:embed="rId4">
+            <a:extLst>
+              <a:ext uri="{28A0092B-C50C-407E-A947-70E740481C1C}">
+                <a14:useLocalDpi xmlns:a14="http://schemas.microsoft.com/office/drawing/2010/main" val="0"/>
+              </a:ext>
+            </a:extLst>
+          </a:blip>
+          <a:stretch>
+            <a:fillRect/>
+          </a:stretch>
+        </p:blipFill>
+        <p:spPr>
+          <a:xfrm>
+            <a:off x="9696426" y="3296408"/>
+            <a:ext cx="2495574" cy="450771"/>
+          </a:xfrm>
+          <a:prstGeom prst="rect">
+            <a:avLst/>
+          </a:prstGeom>
+        </p:spPr>
+      </p:pic>
     </p:spTree>
     <p:extLst>
       <p:ext uri="{BB962C8B-B14F-4D97-AF65-F5344CB8AC3E}">
@@ -8326,7 +8578,7 @@
 </p:sld>
 </file>
 
-<file path=ppt/slides/slide32.xml><?xml version="1.0" encoding="utf-8"?>
+<file path=ppt/slides/slide33.xml><?xml version="1.0" encoding="utf-8"?>
 <p:sld xmlns:a="http://schemas.openxmlformats.org/drawingml/2006/main" xmlns:r="http://schemas.openxmlformats.org/officeDocument/2006/relationships" xmlns:p="http://schemas.openxmlformats.org/presentationml/2006/main">
   <p:cSld>
     <p:spTree>
@@ -8710,65 +8962,6 @@
 </p:sld>
 </file>
 
-<file path=ppt/slides/slide33.xml><?xml version="1.0" encoding="utf-8"?>
-<p:sld xmlns:a="http://schemas.openxmlformats.org/drawingml/2006/main" xmlns:r="http://schemas.openxmlformats.org/officeDocument/2006/relationships" xmlns:p="http://schemas.openxmlformats.org/presentationml/2006/main">
-  <p:cSld>
-    <p:spTree>
-      <p:nvGrpSpPr>
-        <p:cNvPr id="1" name=""/>
-        <p:cNvGrpSpPr/>
-        <p:nvPr/>
-      </p:nvGrpSpPr>
-      <p:grpSpPr>
-        <a:xfrm>
-          <a:off x="0" y="0"/>
-          <a:ext cx="0" cy="0"/>
-          <a:chOff x="0" y="0"/>
-          <a:chExt cx="0" cy="0"/>
-        </a:xfrm>
-      </p:grpSpPr>
-      <p:sp>
-        <p:nvSpPr>
-          <p:cNvPr id="2" name="標題 1"/>
-          <p:cNvSpPr>
-            <a:spLocks noGrp="1"/>
-          </p:cNvSpPr>
-          <p:nvPr>
-            <p:ph type="title"/>
-          </p:nvPr>
-        </p:nvSpPr>
-        <p:spPr/>
-        <p:txBody>
-          <a:bodyPr/>
-          <a:lstStyle/>
-          <a:p>
-            <a:r>
-              <a:rPr lang="en-US" altLang="zh-TW" dirty="0"/>
-              <a:t>Conditionals and Loops</a:t>
-            </a:r>
-          </a:p>
-        </p:txBody>
-      </p:sp>
-    </p:spTree>
-    <p:extLst>
-      <p:ext uri="{BB962C8B-B14F-4D97-AF65-F5344CB8AC3E}">
-        <p14:creationId xmlns:p14="http://schemas.microsoft.com/office/powerpoint/2010/main" val="392860552"/>
-      </p:ext>
-    </p:extLst>
-  </p:cSld>
-  <p:clrMapOvr>
-    <a:masterClrMapping/>
-  </p:clrMapOvr>
-  <p:timing>
-    <p:tnLst>
-      <p:par>
-        <p:cTn id="1" dur="indefinite" restart="never" nodeType="tmRoot"/>
-      </p:par>
-    </p:tnLst>
-  </p:timing>
-</p:sld>
-</file>
-
 <file path=ppt/slides/slide34.xml><?xml version="1.0" encoding="utf-8"?>
 <p:sld xmlns:a="http://schemas.openxmlformats.org/drawingml/2006/main" xmlns:r="http://schemas.openxmlformats.org/officeDocument/2006/relationships" xmlns:p="http://schemas.openxmlformats.org/presentationml/2006/main">
   <p:cSld>
@@ -8803,156 +8996,15 @@
           <a:p>
             <a:r>
               <a:rPr lang="en-US" altLang="zh-TW" dirty="0"/>
-              <a:t>Conditionals</a:t>
-            </a:r>
-            <a:endParaRPr lang="zh-TW" altLang="en-US" dirty="0"/>
-          </a:p>
-        </p:txBody>
-      </p:sp>
-      <p:sp>
-        <p:nvSpPr>
-          <p:cNvPr id="3" name="內容版面配置區 2"/>
-          <p:cNvSpPr>
-            <a:spLocks noGrp="1"/>
-          </p:cNvSpPr>
-          <p:nvPr>
-            <p:ph idx="1"/>
-          </p:nvPr>
-        </p:nvSpPr>
-        <p:spPr/>
-        <p:txBody>
-          <a:bodyPr/>
-          <a:lstStyle/>
-          <a:p>
-            <a:pPr>
-              <a:lnSpc>
-                <a:spcPct val="150000"/>
-              </a:lnSpc>
-            </a:pPr>
-            <a:r>
-              <a:rPr lang="en-US" altLang="zh-TW" dirty="0" smtClean="0"/>
-              <a:t>We </a:t>
-            </a:r>
-            <a:r>
-              <a:rPr lang="en-US" altLang="zh-TW" dirty="0"/>
-              <a:t>can bind data to not only text and attributes, but </a:t>
-            </a:r>
-            <a:r>
-              <a:rPr lang="en-US" altLang="zh-TW" dirty="0" smtClean="0"/>
-              <a:t>also </a:t>
-            </a:r>
-            <a:r>
-              <a:rPr lang="en-US" altLang="zh-TW" dirty="0" smtClean="0">
-                <a:solidFill>
-                  <a:srgbClr val="FF0000"/>
-                </a:solidFill>
-              </a:rPr>
-              <a:t>the</a:t>
-            </a:r>
-            <a:r>
-              <a:rPr lang="en-US" altLang="zh-TW" dirty="0">
-                <a:solidFill>
-                  <a:srgbClr val="FF0000"/>
-                </a:solidFill>
-              </a:rPr>
-              <a:t> </a:t>
-            </a:r>
-            <a:r>
-              <a:rPr lang="en-US" altLang="zh-TW" b="1" dirty="0">
-                <a:solidFill>
-                  <a:srgbClr val="FF0000"/>
-                </a:solidFill>
-              </a:rPr>
-              <a:t>structure</a:t>
-            </a:r>
-            <a:r>
-              <a:rPr lang="en-US" altLang="zh-TW" dirty="0">
-                <a:solidFill>
-                  <a:srgbClr val="FF0000"/>
-                </a:solidFill>
-              </a:rPr>
-              <a:t> of the DOM</a:t>
-            </a:r>
-            <a:r>
-              <a:rPr lang="en-US" altLang="zh-TW" dirty="0" smtClean="0"/>
-              <a:t>. (</a:t>
-            </a:r>
-            <a:r>
-              <a:rPr lang="zh-TW" altLang="en-US" dirty="0" smtClean="0"/>
-              <a:t>我們可以用宣告式語法，決定要不要顯示元件</a:t>
-            </a:r>
-            <a:r>
-              <a:rPr lang="en-US" altLang="zh-TW" dirty="0" smtClean="0"/>
-              <a:t>)</a:t>
-            </a:r>
-            <a:endParaRPr lang="zh-TW" altLang="en-US" dirty="0"/>
-          </a:p>
-        </p:txBody>
-      </p:sp>
-      <p:pic>
-        <p:nvPicPr>
-          <p:cNvPr id="5" name="圖片 4"/>
-          <p:cNvPicPr>
-            <a:picLocks noChangeAspect="1"/>
-          </p:cNvPicPr>
-          <p:nvPr/>
-        </p:nvPicPr>
-        <p:blipFill>
-          <a:blip r:embed="rId2">
-            <a:extLst>
-              <a:ext uri="{28A0092B-C50C-407E-A947-70E740481C1C}">
-                <a14:useLocalDpi xmlns:a14="http://schemas.microsoft.com/office/drawing/2010/main" val="0"/>
-              </a:ext>
-            </a:extLst>
-          </a:blip>
-          <a:stretch>
-            <a:fillRect/>
-          </a:stretch>
-        </p:blipFill>
-        <p:spPr>
-          <a:xfrm>
-            <a:off x="6831258" y="3821276"/>
-            <a:ext cx="4857301" cy="2398417"/>
-          </a:xfrm>
-          <a:prstGeom prst="rect">
-            <a:avLst/>
-          </a:prstGeom>
-        </p:spPr>
-      </p:pic>
-      <p:pic>
-        <p:nvPicPr>
-          <p:cNvPr id="6" name="圖片 5"/>
-          <p:cNvPicPr>
-            <a:picLocks noChangeAspect="1"/>
-          </p:cNvPicPr>
-          <p:nvPr/>
-        </p:nvPicPr>
-        <p:blipFill>
-          <a:blip r:embed="rId3">
-            <a:extLst>
-              <a:ext uri="{28A0092B-C50C-407E-A947-70E740481C1C}">
-                <a14:useLocalDpi xmlns:a14="http://schemas.microsoft.com/office/drawing/2010/main" val="0"/>
-              </a:ext>
-            </a:extLst>
-          </a:blip>
-          <a:stretch>
-            <a:fillRect/>
-          </a:stretch>
-        </p:blipFill>
-        <p:spPr>
-          <a:xfrm>
-            <a:off x="503441" y="4058842"/>
-            <a:ext cx="5846084" cy="2160851"/>
-          </a:xfrm>
-          <a:prstGeom prst="rect">
-            <a:avLst/>
-          </a:prstGeom>
-        </p:spPr>
-      </p:pic>
+              <a:t>Conditionals and Loops</a:t>
+            </a:r>
+          </a:p>
+        </p:txBody>
+      </p:sp>
     </p:spTree>
     <p:extLst>
       <p:ext uri="{BB962C8B-B14F-4D97-AF65-F5344CB8AC3E}">
-        <p14:creationId xmlns:p14="http://schemas.microsoft.com/office/powerpoint/2010/main" val="1098531290"/>
+        <p14:creationId xmlns:p14="http://schemas.microsoft.com/office/powerpoint/2010/main" val="392860552"/>
       </p:ext>
     </p:extLst>
   </p:cSld>
@@ -9009,15 +9061,93 @@
           </a:p>
         </p:txBody>
       </p:sp>
+      <p:sp>
+        <p:nvSpPr>
+          <p:cNvPr id="3" name="內容版面配置區 2"/>
+          <p:cNvSpPr>
+            <a:spLocks noGrp="1"/>
+          </p:cNvSpPr>
+          <p:nvPr>
+            <p:ph idx="1"/>
+          </p:nvPr>
+        </p:nvSpPr>
+        <p:spPr/>
+        <p:txBody>
+          <a:bodyPr/>
+          <a:lstStyle/>
+          <a:p>
+            <a:pPr>
+              <a:lnSpc>
+                <a:spcPct val="150000"/>
+              </a:lnSpc>
+            </a:pPr>
+            <a:r>
+              <a:rPr lang="en-US" altLang="zh-TW" dirty="0" smtClean="0"/>
+              <a:t>We </a:t>
+            </a:r>
+            <a:r>
+              <a:rPr lang="en-US" altLang="zh-TW" dirty="0"/>
+              <a:t>can bind data to not only text and attributes, but </a:t>
+            </a:r>
+            <a:r>
+              <a:rPr lang="en-US" altLang="zh-TW" dirty="0" smtClean="0"/>
+              <a:t>also </a:t>
+            </a:r>
+            <a:r>
+              <a:rPr lang="en-US" altLang="zh-TW" dirty="0" smtClean="0">
+                <a:solidFill>
+                  <a:srgbClr val="FF0000"/>
+                </a:solidFill>
+              </a:rPr>
+              <a:t>the</a:t>
+            </a:r>
+            <a:r>
+              <a:rPr lang="en-US" altLang="zh-TW" dirty="0">
+                <a:solidFill>
+                  <a:srgbClr val="FF0000"/>
+                </a:solidFill>
+              </a:rPr>
+              <a:t> </a:t>
+            </a:r>
+            <a:r>
+              <a:rPr lang="en-US" altLang="zh-TW" b="1" dirty="0">
+                <a:solidFill>
+                  <a:srgbClr val="FF0000"/>
+                </a:solidFill>
+              </a:rPr>
+              <a:t>structure</a:t>
+            </a:r>
+            <a:r>
+              <a:rPr lang="en-US" altLang="zh-TW" dirty="0">
+                <a:solidFill>
+                  <a:srgbClr val="FF0000"/>
+                </a:solidFill>
+              </a:rPr>
+              <a:t> of the DOM</a:t>
+            </a:r>
+            <a:r>
+              <a:rPr lang="en-US" altLang="zh-TW" dirty="0" smtClean="0"/>
+              <a:t>. (</a:t>
+            </a:r>
+            <a:r>
+              <a:rPr lang="zh-TW" altLang="en-US" dirty="0" smtClean="0"/>
+              <a:t>我們可以用宣告式語法，決定要不要顯示元件</a:t>
+            </a:r>
+            <a:r>
+              <a:rPr lang="en-US" altLang="zh-TW" dirty="0" smtClean="0"/>
+              <a:t>)</a:t>
+            </a:r>
+            <a:endParaRPr lang="zh-TW" altLang="en-US" dirty="0"/>
+          </a:p>
+        </p:txBody>
+      </p:sp>
       <p:pic>
         <p:nvPicPr>
-          <p:cNvPr id="4" name="內容版面配置區 3"/>
+          <p:cNvPr id="5" name="圖片 4"/>
           <p:cNvPicPr>
-            <a:picLocks noGrp="1" noChangeAspect="1"/>
+            <a:picLocks noChangeAspect="1"/>
           </p:cNvPicPr>
-          <p:nvPr>
-            <p:ph idx="1"/>
-          </p:nvPr>
+          <p:nvPr/>
         </p:nvPicPr>
         <p:blipFill>
           <a:blip r:embed="rId2">
@@ -9033,14 +9163,17 @@
         </p:blipFill>
         <p:spPr>
           <a:xfrm>
-            <a:off x="4939469" y="365125"/>
-            <a:ext cx="6898007" cy="3157200"/>
-          </a:xfrm>
+            <a:off x="6831258" y="3821276"/>
+            <a:ext cx="4857301" cy="2398417"/>
+          </a:xfrm>
+          <a:prstGeom prst="rect">
+            <a:avLst/>
+          </a:prstGeom>
         </p:spPr>
       </p:pic>
       <p:pic>
         <p:nvPicPr>
-          <p:cNvPr id="5" name="圖片 4"/>
+          <p:cNvPr id="6" name="圖片 5"/>
           <p:cNvPicPr>
             <a:picLocks noChangeAspect="1"/>
           </p:cNvPicPr>
@@ -9060,420 +9193,18 @@
         </p:blipFill>
         <p:spPr>
           <a:xfrm>
-            <a:off x="34186" y="3784543"/>
-            <a:ext cx="8679579" cy="2846053"/>
+            <a:off x="503441" y="4058842"/>
+            <a:ext cx="5846084" cy="2160851"/>
           </a:xfrm>
           <a:prstGeom prst="rect">
             <a:avLst/>
           </a:prstGeom>
         </p:spPr>
       </p:pic>
-      <p:cxnSp>
-        <p:nvCxnSpPr>
-          <p:cNvPr id="7" name="直線單箭頭接點 6"/>
-          <p:cNvCxnSpPr/>
-          <p:nvPr/>
-        </p:nvCxnSpPr>
-        <p:spPr>
-          <a:xfrm flipH="1">
-            <a:off x="1303589" y="2008262"/>
-            <a:ext cx="4114447" cy="1776281"/>
-          </a:xfrm>
-          <a:prstGeom prst="straightConnector1">
-            <a:avLst/>
-          </a:prstGeom>
-          <a:ln w="57150">
-            <a:solidFill>
-              <a:srgbClr val="FF0000"/>
-            </a:solidFill>
-            <a:tailEnd type="triangle"/>
-          </a:ln>
-        </p:spPr>
-        <p:style>
-          <a:lnRef idx="1">
-            <a:schemeClr val="accent1"/>
-          </a:lnRef>
-          <a:fillRef idx="0">
-            <a:schemeClr val="accent1"/>
-          </a:fillRef>
-          <a:effectRef idx="0">
-            <a:schemeClr val="accent1"/>
-          </a:effectRef>
-          <a:fontRef idx="minor">
-            <a:schemeClr val="tx1"/>
-          </a:fontRef>
-        </p:style>
-      </p:cxnSp>
-      <p:sp>
-        <p:nvSpPr>
-          <p:cNvPr id="13" name="文字方塊 12"/>
-          <p:cNvSpPr txBox="1"/>
-          <p:nvPr/>
-        </p:nvSpPr>
-        <p:spPr>
-          <a:xfrm>
-            <a:off x="354524" y="1385021"/>
-            <a:ext cx="4317657" cy="1428211"/>
-          </a:xfrm>
-          <a:prstGeom prst="rect">
-            <a:avLst/>
-          </a:prstGeom>
-          <a:noFill/>
-        </p:spPr>
-        <p:txBody>
-          <a:bodyPr wrap="none" rtlCol="0">
-            <a:spAutoFit/>
-          </a:bodyPr>
-          <a:lstStyle/>
-          <a:p>
-            <a:pPr>
-              <a:lnSpc>
-                <a:spcPct val="150000"/>
-              </a:lnSpc>
-            </a:pPr>
-            <a:r>
-              <a:rPr lang="zh-TW" altLang="en-US" sz="2000" dirty="0" smtClean="0">
-                <a:solidFill>
-                  <a:srgbClr val="FF0000"/>
-                </a:solidFill>
-              </a:rPr>
-              <a:t>很常 </a:t>
-            </a:r>
-            <a:r>
-              <a:rPr lang="en-US" altLang="zh-TW" sz="2000" dirty="0" smtClean="0">
-                <a:solidFill>
-                  <a:srgbClr val="FF0000"/>
-                </a:solidFill>
-              </a:rPr>
-              <a:t>toggle </a:t>
-            </a:r>
-            <a:r>
-              <a:rPr lang="zh-TW" altLang="en-US" sz="2000" dirty="0" smtClean="0">
-                <a:solidFill>
-                  <a:srgbClr val="FF0000"/>
-                </a:solidFill>
-              </a:rPr>
-              <a:t>的話，</a:t>
-            </a:r>
-            <a:r>
-              <a:rPr lang="en-US" altLang="zh-TW" sz="2000" dirty="0" smtClean="0">
-                <a:solidFill>
-                  <a:srgbClr val="FF0000"/>
-                </a:solidFill>
-              </a:rPr>
-              <a:t>v-show</a:t>
-            </a:r>
-            <a:r>
-              <a:rPr lang="zh-TW" altLang="en-US" sz="2000" dirty="0" smtClean="0">
-                <a:solidFill>
-                  <a:srgbClr val="FF0000"/>
-                </a:solidFill>
-              </a:rPr>
-              <a:t> 會比較快，</a:t>
-            </a:r>
-            <a:endParaRPr lang="en-US" altLang="zh-TW" sz="2000" dirty="0" smtClean="0">
-              <a:solidFill>
-                <a:srgbClr val="FF0000"/>
-              </a:solidFill>
-            </a:endParaRPr>
-          </a:p>
-          <a:p>
-            <a:pPr>
-              <a:lnSpc>
-                <a:spcPct val="150000"/>
-              </a:lnSpc>
-            </a:pPr>
-            <a:r>
-              <a:rPr lang="zh-TW" altLang="en-US" sz="2000" dirty="0" smtClean="0">
-                <a:solidFill>
-                  <a:srgbClr val="FF0000"/>
-                </a:solidFill>
-              </a:rPr>
-              <a:t>因為 </a:t>
-            </a:r>
-            <a:r>
-              <a:rPr lang="en-US" altLang="zh-TW" sz="2000" dirty="0" smtClean="0">
-                <a:solidFill>
-                  <a:srgbClr val="FF0000"/>
-                </a:solidFill>
-              </a:rPr>
-              <a:t>v-show </a:t>
-            </a:r>
-            <a:r>
-              <a:rPr lang="zh-TW" altLang="en-US" sz="2000" dirty="0" smtClean="0">
-                <a:solidFill>
-                  <a:srgbClr val="FF0000"/>
-                </a:solidFill>
-              </a:rPr>
-              <a:t>只是變換 </a:t>
-            </a:r>
-            <a:r>
-              <a:rPr lang="en-US" altLang="zh-TW" sz="2000" dirty="0" smtClean="0">
-                <a:solidFill>
-                  <a:srgbClr val="FF0000"/>
-                </a:solidFill>
-              </a:rPr>
-              <a:t>display</a:t>
-            </a:r>
-            <a:r>
-              <a:rPr lang="zh-TW" altLang="en-US" sz="2000" dirty="0">
-                <a:solidFill>
-                  <a:srgbClr val="FF0000"/>
-                </a:solidFill>
-              </a:rPr>
-              <a:t> </a:t>
-            </a:r>
-            <a:r>
-              <a:rPr lang="zh-TW" altLang="en-US" sz="2000" dirty="0" smtClean="0">
-                <a:solidFill>
-                  <a:srgbClr val="FF0000"/>
-                </a:solidFill>
-              </a:rPr>
-              <a:t>而已，</a:t>
-            </a:r>
-            <a:endParaRPr lang="en-US" altLang="zh-TW" sz="2000" dirty="0" smtClean="0">
-              <a:solidFill>
-                <a:srgbClr val="FF0000"/>
-              </a:solidFill>
-            </a:endParaRPr>
-          </a:p>
-          <a:p>
-            <a:pPr>
-              <a:lnSpc>
-                <a:spcPct val="150000"/>
-              </a:lnSpc>
-            </a:pPr>
-            <a:r>
-              <a:rPr lang="en-US" altLang="zh-TW" sz="2000" dirty="0" smtClean="0">
-                <a:solidFill>
-                  <a:srgbClr val="FF0000"/>
-                </a:solidFill>
-              </a:rPr>
-              <a:t>v-if </a:t>
-            </a:r>
-            <a:r>
-              <a:rPr lang="zh-TW" altLang="en-US" sz="2000" dirty="0" smtClean="0">
-                <a:solidFill>
-                  <a:srgbClr val="FF0000"/>
-                </a:solidFill>
-              </a:rPr>
-              <a:t>則需要重建元件。</a:t>
-            </a:r>
-            <a:endParaRPr lang="zh-TW" altLang="en-US" sz="2000" dirty="0">
-              <a:solidFill>
-                <a:srgbClr val="FF0000"/>
-              </a:solidFill>
-            </a:endParaRPr>
-          </a:p>
-        </p:txBody>
-      </p:sp>
-      <p:sp>
-        <p:nvSpPr>
-          <p:cNvPr id="3" name="文字方塊 2"/>
-          <p:cNvSpPr txBox="1"/>
-          <p:nvPr/>
-        </p:nvSpPr>
-        <p:spPr>
-          <a:xfrm>
-            <a:off x="8895328" y="3822709"/>
-            <a:ext cx="3296672" cy="2400657"/>
-          </a:xfrm>
-          <a:prstGeom prst="rect">
-            <a:avLst/>
-          </a:prstGeom>
-          <a:noFill/>
-        </p:spPr>
-        <p:txBody>
-          <a:bodyPr wrap="none" rtlCol="0">
-            <a:spAutoFit/>
-          </a:bodyPr>
-          <a:lstStyle/>
-          <a:p>
-            <a:pPr>
-              <a:lnSpc>
-                <a:spcPct val="150000"/>
-              </a:lnSpc>
-            </a:pPr>
-            <a:r>
-              <a:rPr lang="zh-TW" altLang="en-US" sz="2000" dirty="0" smtClean="0">
-                <a:solidFill>
-                  <a:srgbClr val="FF0000"/>
-                </a:solidFill>
-              </a:rPr>
-              <a:t>若有很多元件預設不顯示，</a:t>
-            </a:r>
-            <a:endParaRPr lang="en-US" altLang="zh-TW" sz="2000" dirty="0" smtClean="0">
-              <a:solidFill>
-                <a:srgbClr val="FF0000"/>
-              </a:solidFill>
-            </a:endParaRPr>
-          </a:p>
-          <a:p>
-            <a:pPr>
-              <a:lnSpc>
-                <a:spcPct val="150000"/>
-              </a:lnSpc>
-            </a:pPr>
-            <a:r>
-              <a:rPr lang="zh-TW" altLang="en-US" sz="2000" dirty="0" smtClean="0">
-                <a:solidFill>
-                  <a:srgbClr val="FF0000"/>
-                </a:solidFill>
-              </a:rPr>
-              <a:t>則初始時間 </a:t>
-            </a:r>
-            <a:r>
-              <a:rPr lang="en-US" altLang="zh-TW" sz="2000" dirty="0" smtClean="0">
-                <a:solidFill>
-                  <a:srgbClr val="FF0000"/>
-                </a:solidFill>
-              </a:rPr>
-              <a:t>v-if </a:t>
-            </a:r>
-            <a:r>
-              <a:rPr lang="zh-TW" altLang="en-US" sz="2000" dirty="0" smtClean="0">
-                <a:solidFill>
-                  <a:srgbClr val="FF0000"/>
-                </a:solidFill>
-              </a:rPr>
-              <a:t>會比較快，</a:t>
-            </a:r>
-            <a:endParaRPr lang="en-US" altLang="zh-TW" sz="2000" dirty="0" smtClean="0">
-              <a:solidFill>
-                <a:srgbClr val="FF0000"/>
-              </a:solidFill>
-            </a:endParaRPr>
-          </a:p>
-          <a:p>
-            <a:pPr>
-              <a:lnSpc>
-                <a:spcPct val="150000"/>
-              </a:lnSpc>
-            </a:pPr>
-            <a:r>
-              <a:rPr lang="zh-TW" altLang="en-US" sz="2000" dirty="0" smtClean="0">
-                <a:solidFill>
-                  <a:srgbClr val="FF0000"/>
-                </a:solidFill>
-              </a:rPr>
-              <a:t>因為 </a:t>
-            </a:r>
-            <a:r>
-              <a:rPr lang="en-US" altLang="zh-TW" sz="2000" dirty="0" smtClean="0">
-                <a:solidFill>
-                  <a:srgbClr val="FF0000"/>
-                </a:solidFill>
-              </a:rPr>
-              <a:t>v-if </a:t>
-            </a:r>
-            <a:r>
-              <a:rPr lang="zh-TW" altLang="en-US" sz="2000" dirty="0" smtClean="0">
-                <a:solidFill>
-                  <a:srgbClr val="FF0000"/>
-                </a:solidFill>
-              </a:rPr>
-              <a:t>是 </a:t>
-            </a:r>
-            <a:r>
-              <a:rPr lang="en-US" altLang="zh-TW" sz="2000" dirty="0" smtClean="0">
-                <a:solidFill>
-                  <a:srgbClr val="FF0000"/>
-                </a:solidFill>
-              </a:rPr>
-              <a:t>lazy-loading</a:t>
-            </a:r>
-            <a:r>
-              <a:rPr lang="zh-TW" altLang="en-US" sz="2000" dirty="0">
-                <a:solidFill>
-                  <a:srgbClr val="FF0000"/>
-                </a:solidFill>
-              </a:rPr>
-              <a:t> </a:t>
-            </a:r>
-            <a:endParaRPr lang="en-US" altLang="zh-TW" sz="2000" dirty="0" smtClean="0">
-              <a:solidFill>
-                <a:srgbClr val="FF0000"/>
-              </a:solidFill>
-            </a:endParaRPr>
-          </a:p>
-          <a:p>
-            <a:pPr>
-              <a:lnSpc>
-                <a:spcPct val="150000"/>
-              </a:lnSpc>
-            </a:pPr>
-            <a:r>
-              <a:rPr lang="en-US" altLang="zh-TW" sz="2000" dirty="0" smtClean="0">
-                <a:solidFill>
-                  <a:srgbClr val="FF0000"/>
-                </a:solidFill>
-              </a:rPr>
-              <a:t>(</a:t>
-            </a:r>
-            <a:r>
-              <a:rPr lang="zh-TW" altLang="en-US" sz="2000" dirty="0" smtClean="0">
-                <a:solidFill>
-                  <a:srgbClr val="FF0000"/>
-                </a:solidFill>
-              </a:rPr>
-              <a:t>要顯示時才建立元件</a:t>
-            </a:r>
-            <a:r>
-              <a:rPr lang="en-US" altLang="zh-TW" sz="2000" dirty="0" smtClean="0">
-                <a:solidFill>
-                  <a:srgbClr val="FF0000"/>
-                </a:solidFill>
-              </a:rPr>
-              <a:t>)</a:t>
-            </a:r>
-            <a:r>
-              <a:rPr lang="zh-TW" altLang="en-US" sz="2000" dirty="0" smtClean="0">
-                <a:solidFill>
-                  <a:srgbClr val="FF0000"/>
-                </a:solidFill>
-              </a:rPr>
-              <a:t>；</a:t>
-            </a:r>
-            <a:endParaRPr lang="en-US" altLang="zh-TW" sz="2000" dirty="0" smtClean="0">
-              <a:solidFill>
-                <a:srgbClr val="FF0000"/>
-              </a:solidFill>
-            </a:endParaRPr>
-          </a:p>
-          <a:p>
-            <a:pPr>
-              <a:lnSpc>
-                <a:spcPct val="150000"/>
-              </a:lnSpc>
-            </a:pPr>
-            <a:r>
-              <a:rPr lang="en-US" altLang="zh-TW" sz="2000" dirty="0" smtClean="0">
-                <a:solidFill>
-                  <a:srgbClr val="FF0000"/>
-                </a:solidFill>
-              </a:rPr>
-              <a:t>v-show</a:t>
-            </a:r>
-            <a:r>
-              <a:rPr lang="zh-TW" altLang="en-US" sz="2000" dirty="0" smtClean="0">
-                <a:solidFill>
-                  <a:srgbClr val="FF0000"/>
-                </a:solidFill>
-              </a:rPr>
-              <a:t> 則是一開始就建立。</a:t>
-            </a:r>
-            <a:endParaRPr lang="zh-TW" altLang="en-US" sz="2000" dirty="0">
-              <a:solidFill>
-                <a:srgbClr val="FF0000"/>
-              </a:solidFill>
-            </a:endParaRPr>
-          </a:p>
-        </p:txBody>
-      </p:sp>
     </p:spTree>
     <p:extLst>
       <p:ext uri="{BB962C8B-B14F-4D97-AF65-F5344CB8AC3E}">
-        <p14:creationId xmlns:p14="http://schemas.microsoft.com/office/powerpoint/2010/main" val="4117815631"/>
+        <p14:creationId xmlns:p14="http://schemas.microsoft.com/office/powerpoint/2010/main" val="1098531290"/>
       </p:ext>
     </p:extLst>
   </p:cSld>
@@ -9524,66 +9255,21 @@
           <a:p>
             <a:r>
               <a:rPr lang="en-US" altLang="zh-TW" dirty="0"/>
-              <a:t>Loops</a:t>
+              <a:t>Conditionals</a:t>
             </a:r>
             <a:endParaRPr lang="zh-TW" altLang="en-US" dirty="0"/>
-          </a:p>
-        </p:txBody>
-      </p:sp>
-      <p:sp>
-        <p:nvSpPr>
-          <p:cNvPr id="3" name="內容版面配置區 2"/>
-          <p:cNvSpPr>
-            <a:spLocks noGrp="1"/>
-          </p:cNvSpPr>
-          <p:nvPr>
-            <p:ph idx="1"/>
-          </p:nvPr>
-        </p:nvSpPr>
-        <p:spPr/>
-        <p:txBody>
-          <a:bodyPr/>
-          <a:lstStyle/>
-          <a:p>
-            <a:r>
-              <a:rPr lang="zh-TW" altLang="en-US" dirty="0" smtClean="0"/>
-              <a:t>可以使用 </a:t>
-            </a:r>
-            <a:r>
-              <a:rPr lang="en-US" altLang="zh-TW" dirty="0" smtClean="0"/>
-              <a:t>v-for</a:t>
-            </a:r>
-            <a:r>
-              <a:rPr lang="zh-TW" altLang="en-US" dirty="0" smtClean="0"/>
-              <a:t>，在 </a:t>
-            </a:r>
-            <a:r>
-              <a:rPr lang="en-US" altLang="zh-TW" dirty="0" smtClean="0"/>
-              <a:t>&lt;template&gt; </a:t>
-            </a:r>
-            <a:r>
-              <a:rPr lang="zh-TW" altLang="en-US" dirty="0" smtClean="0"/>
-              <a:t>逐一呈現出 </a:t>
-            </a:r>
-            <a:r>
-              <a:rPr lang="en-US" altLang="zh-TW" dirty="0" smtClean="0"/>
-              <a:t>arrays</a:t>
-            </a:r>
-            <a:r>
-              <a:rPr lang="zh-TW" altLang="en-US" dirty="0" smtClean="0"/>
-              <a:t> 的資料。 </a:t>
-            </a:r>
-            <a:endParaRPr lang="en-US" altLang="zh-TW" dirty="0"/>
           </a:p>
         </p:txBody>
       </p:sp>
       <p:pic>
         <p:nvPicPr>
-          <p:cNvPr id="5" name="圖片 4"/>
+          <p:cNvPr id="4" name="內容版面配置區 3"/>
           <p:cNvPicPr>
-            <a:picLocks noChangeAspect="1"/>
+            <a:picLocks noGrp="1" noChangeAspect="1"/>
           </p:cNvPicPr>
-          <p:nvPr/>
+          <p:nvPr>
+            <p:ph idx="1"/>
+          </p:nvPr>
         </p:nvPicPr>
         <p:blipFill>
           <a:blip r:embed="rId2">
@@ -9599,17 +9285,14 @@
         </p:blipFill>
         <p:spPr>
           <a:xfrm>
-            <a:off x="1407079" y="4252943"/>
-            <a:ext cx="4515311" cy="2199518"/>
-          </a:xfrm>
-          <a:prstGeom prst="rect">
-            <a:avLst/>
-          </a:prstGeom>
+            <a:off x="4939469" y="365125"/>
+            <a:ext cx="6898007" cy="3157200"/>
+          </a:xfrm>
         </p:spPr>
       </p:pic>
       <p:pic>
         <p:nvPicPr>
-          <p:cNvPr id="6" name="圖片 5"/>
+          <p:cNvPr id="5" name="圖片 4"/>
           <p:cNvPicPr>
             <a:picLocks noChangeAspect="1"/>
           </p:cNvPicPr>
@@ -9629,54 +9312,60 @@
         </p:blipFill>
         <p:spPr>
           <a:xfrm>
-            <a:off x="7764855" y="4396654"/>
-            <a:ext cx="1575566" cy="1912095"/>
+            <a:off x="34186" y="3784543"/>
+            <a:ext cx="8679579" cy="2846053"/>
           </a:xfrm>
           <a:prstGeom prst="rect">
             <a:avLst/>
           </a:prstGeom>
         </p:spPr>
       </p:pic>
-      <p:pic>
-        <p:nvPicPr>
-          <p:cNvPr id="7" name="圖片 6"/>
-          <p:cNvPicPr>
-            <a:picLocks noChangeAspect="1"/>
-          </p:cNvPicPr>
+      <p:cxnSp>
+        <p:nvCxnSpPr>
+          <p:cNvPr id="7" name="直線單箭頭接點 6"/>
+          <p:cNvCxnSpPr/>
           <p:nvPr/>
-        </p:nvPicPr>
-        <p:blipFill>
-          <a:blip r:embed="rId4">
-            <a:extLst>
-              <a:ext uri="{28A0092B-C50C-407E-A947-70E740481C1C}">
-                <a14:useLocalDpi xmlns:a14="http://schemas.microsoft.com/office/drawing/2010/main" val="0"/>
-              </a:ext>
-            </a:extLst>
-          </a:blip>
-          <a:stretch>
-            <a:fillRect/>
-          </a:stretch>
-        </p:blipFill>
-        <p:spPr>
-          <a:xfrm>
-            <a:off x="986648" y="2443367"/>
-            <a:ext cx="10218703" cy="1499894"/>
-          </a:xfrm>
-          <a:prstGeom prst="rect">
+        </p:nvCxnSpPr>
+        <p:spPr>
+          <a:xfrm flipH="1">
+            <a:off x="1303589" y="2008262"/>
+            <a:ext cx="4114447" cy="1776281"/>
+          </a:xfrm>
+          <a:prstGeom prst="straightConnector1">
             <a:avLst/>
           </a:prstGeom>
-        </p:spPr>
-      </p:pic>
-      <p:sp>
-        <p:nvSpPr>
-          <p:cNvPr id="8" name="文字方塊 7"/>
+          <a:ln w="57150">
+            <a:solidFill>
+              <a:srgbClr val="FF0000"/>
+            </a:solidFill>
+            <a:tailEnd type="triangle"/>
+          </a:ln>
+        </p:spPr>
+        <p:style>
+          <a:lnRef idx="1">
+            <a:schemeClr val="accent1"/>
+          </a:lnRef>
+          <a:fillRef idx="0">
+            <a:schemeClr val="accent1"/>
+          </a:fillRef>
+          <a:effectRef idx="0">
+            <a:schemeClr val="accent1"/>
+          </a:effectRef>
+          <a:fontRef idx="minor">
+            <a:schemeClr val="tx1"/>
+          </a:fontRef>
+        </p:style>
+      </p:cxnSp>
+      <p:sp>
+        <p:nvSpPr>
+          <p:cNvPr id="13" name="文字方塊 12"/>
           <p:cNvSpPr txBox="1"/>
           <p:nvPr/>
         </p:nvSpPr>
         <p:spPr>
           <a:xfrm>
-            <a:off x="7084463" y="2905570"/>
-            <a:ext cx="3042303" cy="400110"/>
+            <a:off x="354524" y="1385021"/>
+            <a:ext cx="4317657" cy="1428211"/>
           </a:xfrm>
           <a:prstGeom prst="rect">
             <a:avLst/>
@@ -9684,18 +9373,23 @@
           <a:noFill/>
         </p:spPr>
         <p:txBody>
-          <a:bodyPr wrap="square" rtlCol="0">
+          <a:bodyPr wrap="none" rtlCol="0">
             <a:spAutoFit/>
           </a:bodyPr>
           <a:lstStyle/>
           <a:p>
+            <a:pPr>
+              <a:lnSpc>
+                <a:spcPct val="150000"/>
+              </a:lnSpc>
+            </a:pPr>
             <a:r>
               <a:rPr lang="zh-TW" altLang="en-US" sz="2000" dirty="0" smtClean="0">
                 <a:solidFill>
                   <a:srgbClr val="FF0000"/>
                 </a:solidFill>
               </a:rPr>
-              <a:t>後面解釋 </a:t>
+              <a:t>很常 </a:t>
             </a:r>
             <a:r>
               <a:rPr lang="en-US" altLang="zh-TW" sz="2000" dirty="0" smtClean="0">
@@ -9703,7 +9397,119 @@
                   <a:srgbClr val="FF0000"/>
                 </a:solidFill>
               </a:rPr>
-              <a:t>:key</a:t>
+              <a:t>toggle </a:t>
+            </a:r>
+            <a:r>
+              <a:rPr lang="zh-TW" altLang="en-US" sz="2000" dirty="0" smtClean="0">
+                <a:solidFill>
+                  <a:srgbClr val="FF0000"/>
+                </a:solidFill>
+              </a:rPr>
+              <a:t>的話，</a:t>
+            </a:r>
+            <a:r>
+              <a:rPr lang="en-US" altLang="zh-TW" sz="2000" dirty="0" smtClean="0">
+                <a:solidFill>
+                  <a:srgbClr val="FF0000"/>
+                </a:solidFill>
+              </a:rPr>
+              <a:t>v-show</a:t>
+            </a:r>
+            <a:r>
+              <a:rPr lang="zh-TW" altLang="en-US" sz="2000" dirty="0" smtClean="0">
+                <a:solidFill>
+                  <a:srgbClr val="FF0000"/>
+                </a:solidFill>
+              </a:rPr>
+              <a:t> 會比較快，</a:t>
+            </a:r>
+            <a:endParaRPr lang="en-US" altLang="zh-TW" sz="2000" dirty="0" smtClean="0">
+              <a:solidFill>
+                <a:srgbClr val="FF0000"/>
+              </a:solidFill>
+            </a:endParaRPr>
+          </a:p>
+          <a:p>
+            <a:pPr>
+              <a:lnSpc>
+                <a:spcPct val="150000"/>
+              </a:lnSpc>
+            </a:pPr>
+            <a:r>
+              <a:rPr lang="zh-TW" altLang="en-US" sz="2000" dirty="0" smtClean="0">
+                <a:solidFill>
+                  <a:srgbClr val="FF0000"/>
+                </a:solidFill>
+              </a:rPr>
+              <a:t>因為 </a:t>
+            </a:r>
+            <a:r>
+              <a:rPr lang="en-US" altLang="zh-TW" sz="2000" dirty="0" smtClean="0">
+                <a:solidFill>
+                  <a:srgbClr val="FF0000"/>
+                </a:solidFill>
+              </a:rPr>
+              <a:t>v-show </a:t>
+            </a:r>
+            <a:r>
+              <a:rPr lang="zh-TW" altLang="en-US" sz="2000" dirty="0" smtClean="0">
+                <a:solidFill>
+                  <a:srgbClr val="FF0000"/>
+                </a:solidFill>
+              </a:rPr>
+              <a:t>只是變換 </a:t>
+            </a:r>
+            <a:r>
+              <a:rPr lang="en-US" altLang="zh-TW" sz="2000" dirty="0" smtClean="0">
+                <a:solidFill>
+                  <a:srgbClr val="FF0000"/>
+                </a:solidFill>
+              </a:rPr>
+              <a:t>display</a:t>
+            </a:r>
+            <a:r>
+              <a:rPr lang="zh-TW" altLang="en-US" sz="2000" dirty="0">
+                <a:solidFill>
+                  <a:srgbClr val="FF0000"/>
+                </a:solidFill>
+              </a:rPr>
+              <a:t> </a:t>
+            </a:r>
+            <a:r>
+              <a:rPr lang="zh-TW" altLang="en-US" sz="2000" dirty="0" smtClean="0">
+                <a:solidFill>
+                  <a:srgbClr val="FF0000"/>
+                </a:solidFill>
+              </a:rPr>
+              <a:t>而已，</a:t>
+            </a:r>
+            <a:endParaRPr lang="en-US" altLang="zh-TW" sz="2000" dirty="0" smtClean="0">
+              <a:solidFill>
+                <a:srgbClr val="FF0000"/>
+              </a:solidFill>
+            </a:endParaRPr>
+          </a:p>
+          <a:p>
+            <a:pPr>
+              <a:lnSpc>
+                <a:spcPct val="150000"/>
+              </a:lnSpc>
+            </a:pPr>
+            <a:r>
+              <a:rPr lang="en-US" altLang="zh-TW" sz="2000" dirty="0" smtClean="0">
+                <a:solidFill>
+                  <a:srgbClr val="FF0000"/>
+                </a:solidFill>
+              </a:rPr>
+              <a:t>v-if </a:t>
+            </a:r>
+            <a:r>
+              <a:rPr lang="zh-TW" altLang="en-US" sz="2000" dirty="0" smtClean="0">
+                <a:solidFill>
+                  <a:srgbClr val="FF0000"/>
+                </a:solidFill>
+              </a:rPr>
+              <a:t>則需要重建元件。</a:t>
             </a:r>
             <a:endParaRPr lang="zh-TW" altLang="en-US" sz="2000" dirty="0">
               <a:solidFill>
@@ -9713,10 +9519,213 @@
           </a:p>
         </p:txBody>
       </p:sp>
+      <p:sp>
+        <p:nvSpPr>
+          <p:cNvPr id="3" name="文字方塊 2"/>
+          <p:cNvSpPr txBox="1"/>
+          <p:nvPr/>
+        </p:nvSpPr>
+        <p:spPr>
+          <a:xfrm>
+            <a:off x="8895328" y="3822709"/>
+            <a:ext cx="3296672" cy="2400657"/>
+          </a:xfrm>
+          <a:prstGeom prst="rect">
+            <a:avLst/>
+          </a:prstGeom>
+          <a:noFill/>
+        </p:spPr>
+        <p:txBody>
+          <a:bodyPr wrap="none" rtlCol="0">
+            <a:spAutoFit/>
+          </a:bodyPr>
+          <a:lstStyle/>
+          <a:p>
+            <a:pPr>
+              <a:lnSpc>
+                <a:spcPct val="150000"/>
+              </a:lnSpc>
+            </a:pPr>
+            <a:r>
+              <a:rPr lang="zh-TW" altLang="en-US" sz="2000" dirty="0" smtClean="0">
+                <a:solidFill>
+                  <a:srgbClr val="FF0000"/>
+                </a:solidFill>
+              </a:rPr>
+              <a:t>若有很多元件預設不顯示，</a:t>
+            </a:r>
+            <a:endParaRPr lang="en-US" altLang="zh-TW" sz="2000" dirty="0" smtClean="0">
+              <a:solidFill>
+                <a:srgbClr val="FF0000"/>
+              </a:solidFill>
+            </a:endParaRPr>
+          </a:p>
+          <a:p>
+            <a:pPr>
+              <a:lnSpc>
+                <a:spcPct val="150000"/>
+              </a:lnSpc>
+            </a:pPr>
+            <a:r>
+              <a:rPr lang="zh-TW" altLang="en-US" sz="2000" dirty="0" smtClean="0">
+                <a:solidFill>
+                  <a:srgbClr val="FF0000"/>
+                </a:solidFill>
+              </a:rPr>
+              <a:t>則初始時間 </a:t>
+            </a:r>
+            <a:r>
+              <a:rPr lang="en-US" altLang="zh-TW" sz="2000" dirty="0" smtClean="0">
+                <a:solidFill>
+                  <a:srgbClr val="FF0000"/>
+                </a:solidFill>
+              </a:rPr>
+              <a:t>v-if </a:t>
+            </a:r>
+            <a:r>
+              <a:rPr lang="zh-TW" altLang="en-US" sz="2000" dirty="0" smtClean="0">
+                <a:solidFill>
+                  <a:srgbClr val="FF0000"/>
+                </a:solidFill>
+              </a:rPr>
+              <a:t>會比較快，</a:t>
+            </a:r>
+            <a:endParaRPr lang="en-US" altLang="zh-TW" sz="2000" dirty="0" smtClean="0">
+              <a:solidFill>
+                <a:srgbClr val="FF0000"/>
+              </a:solidFill>
+            </a:endParaRPr>
+          </a:p>
+          <a:p>
+            <a:pPr>
+              <a:lnSpc>
+                <a:spcPct val="150000"/>
+              </a:lnSpc>
+            </a:pPr>
+            <a:r>
+              <a:rPr lang="zh-TW" altLang="en-US" sz="2000" dirty="0" smtClean="0">
+                <a:solidFill>
+                  <a:srgbClr val="FF0000"/>
+                </a:solidFill>
+              </a:rPr>
+              <a:t>因為 </a:t>
+            </a:r>
+            <a:r>
+              <a:rPr lang="en-US" altLang="zh-TW" sz="2000" dirty="0" smtClean="0">
+                <a:solidFill>
+                  <a:srgbClr val="FF0000"/>
+                </a:solidFill>
+              </a:rPr>
+              <a:t>v-if </a:t>
+            </a:r>
+            <a:r>
+              <a:rPr lang="zh-TW" altLang="en-US" sz="2000" dirty="0" smtClean="0">
+                <a:solidFill>
+                  <a:srgbClr val="FF0000"/>
+                </a:solidFill>
+              </a:rPr>
+              <a:t>是 </a:t>
+            </a:r>
+            <a:r>
+              <a:rPr lang="en-US" altLang="zh-TW" sz="2000" dirty="0" smtClean="0">
+                <a:solidFill>
+                  <a:srgbClr val="FF0000"/>
+                </a:solidFill>
+              </a:rPr>
+              <a:t>lazy-loading</a:t>
+            </a:r>
+            <a:r>
+              <a:rPr lang="zh-TW" altLang="en-US" sz="2000" dirty="0">
+                <a:solidFill>
+                  <a:srgbClr val="FF0000"/>
+                </a:solidFill>
+              </a:rPr>
+              <a:t> </a:t>
+            </a:r>
+            <a:endParaRPr lang="en-US" altLang="zh-TW" sz="2000" dirty="0" smtClean="0">
+              <a:solidFill>
+                <a:srgbClr val="FF0000"/>
+              </a:solidFill>
+            </a:endParaRPr>
+          </a:p>
+          <a:p>
+            <a:pPr>
+              <a:lnSpc>
+                <a:spcPct val="150000"/>
+              </a:lnSpc>
+            </a:pPr>
+            <a:r>
+              <a:rPr lang="en-US" altLang="zh-TW" sz="2000" dirty="0" smtClean="0">
+                <a:solidFill>
+                  <a:srgbClr val="FF0000"/>
+                </a:solidFill>
+              </a:rPr>
+              <a:t>(</a:t>
+            </a:r>
+            <a:r>
+              <a:rPr lang="zh-TW" altLang="en-US" sz="2000" dirty="0" smtClean="0">
+                <a:solidFill>
+                  <a:srgbClr val="FF0000"/>
+                </a:solidFill>
+              </a:rPr>
+              <a:t>要顯示時才建立元件</a:t>
+            </a:r>
+            <a:r>
+              <a:rPr lang="en-US" altLang="zh-TW" sz="2000" dirty="0" smtClean="0">
+                <a:solidFill>
+                  <a:srgbClr val="FF0000"/>
+                </a:solidFill>
+              </a:rPr>
+              <a:t>)</a:t>
+            </a:r>
+            <a:r>
+              <a:rPr lang="zh-TW" altLang="en-US" sz="2000" dirty="0" smtClean="0">
+                <a:solidFill>
+                  <a:srgbClr val="FF0000"/>
+                </a:solidFill>
+              </a:rPr>
+              <a:t>；</a:t>
+            </a:r>
+            <a:endParaRPr lang="en-US" altLang="zh-TW" sz="2000" dirty="0" smtClean="0">
+              <a:solidFill>
+                <a:srgbClr val="FF0000"/>
+              </a:solidFill>
+            </a:endParaRPr>
+          </a:p>
+          <a:p>
+            <a:pPr>
+              <a:lnSpc>
+                <a:spcPct val="150000"/>
+              </a:lnSpc>
+            </a:pPr>
+            <a:r>
+              <a:rPr lang="en-US" altLang="zh-TW" sz="2000" dirty="0" smtClean="0">
+                <a:solidFill>
+                  <a:srgbClr val="FF0000"/>
+                </a:solidFill>
+              </a:rPr>
+              <a:t>v-show</a:t>
+            </a:r>
+            <a:r>
+              <a:rPr lang="zh-TW" altLang="en-US" sz="2000" dirty="0" smtClean="0">
+                <a:solidFill>
+                  <a:srgbClr val="FF0000"/>
+                </a:solidFill>
+              </a:rPr>
+              <a:t> 則是一開始就建立。</a:t>
+            </a:r>
+            <a:endParaRPr lang="zh-TW" altLang="en-US" sz="2000" dirty="0">
+              <a:solidFill>
+                <a:srgbClr val="FF0000"/>
+              </a:solidFill>
+            </a:endParaRPr>
+          </a:p>
+        </p:txBody>
+      </p:sp>
     </p:spTree>
     <p:extLst>
       <p:ext uri="{BB962C8B-B14F-4D97-AF65-F5344CB8AC3E}">
-        <p14:creationId xmlns:p14="http://schemas.microsoft.com/office/powerpoint/2010/main" val="3625899456"/>
+        <p14:creationId xmlns:p14="http://schemas.microsoft.com/office/powerpoint/2010/main" val="4117815631"/>
       </p:ext>
     </p:extLst>
   </p:cSld>
@@ -9766,8 +9775,8 @@
           <a:lstStyle/>
           <a:p>
             <a:r>
-              <a:rPr lang="en-US" altLang="zh-TW" dirty="0" smtClean="0"/>
-              <a:t>:key</a:t>
+              <a:rPr lang="en-US" altLang="zh-TW" dirty="0"/>
+              <a:t>Loops</a:t>
             </a:r>
             <a:endParaRPr lang="zh-TW" altLang="en-US" dirty="0"/>
           </a:p>
@@ -9783,106 +9792,46 @@
             <p:ph idx="1"/>
           </p:nvPr>
         </p:nvSpPr>
-        <p:spPr>
-          <a:xfrm>
-            <a:off x="838200" y="1295783"/>
-            <a:ext cx="10515600" cy="4351338"/>
-          </a:xfrm>
-        </p:spPr>
-        <p:txBody>
-          <a:bodyPr>
-            <a:normAutofit/>
-          </a:bodyPr>
-          <a:lstStyle/>
-          <a:p>
-            <a:pPr>
-              <a:lnSpc>
-                <a:spcPct val="150000"/>
-              </a:lnSpc>
-            </a:pPr>
-            <a:r>
-              <a:rPr lang="en-US" altLang="zh-TW" dirty="0">
-                <a:solidFill>
-                  <a:srgbClr val="FF0000"/>
-                </a:solidFill>
-              </a:rPr>
-              <a:t>key attribute </a:t>
-            </a:r>
-            <a:r>
-              <a:rPr lang="zh-TW" altLang="en-US" dirty="0"/>
-              <a:t>加在 </a:t>
-            </a:r>
-            <a:r>
-              <a:rPr lang="en-US" altLang="zh-TW" dirty="0"/>
-              <a:t>v-for </a:t>
-            </a:r>
-            <a:r>
-              <a:rPr lang="zh-TW" altLang="en-US" dirty="0"/>
-              <a:t>上，能讓 </a:t>
-            </a:r>
-            <a:r>
-              <a:rPr lang="en-US" altLang="zh-TW" dirty="0"/>
-              <a:t>data</a:t>
-            </a:r>
-            <a:r>
-              <a:rPr lang="zh-TW" altLang="en-US" dirty="0"/>
-              <a:t> 和它相對應顯示在畫面上的 </a:t>
-            </a:r>
-            <a:r>
-              <a:rPr lang="en-US" altLang="zh-TW" dirty="0"/>
-              <a:t>HTML</a:t>
-            </a:r>
-            <a:r>
-              <a:rPr lang="zh-TW" altLang="en-US" dirty="0"/>
-              <a:t> </a:t>
-            </a:r>
-            <a:r>
-              <a:rPr lang="en-US" altLang="zh-TW" dirty="0"/>
-              <a:t>element</a:t>
-            </a:r>
-            <a:r>
-              <a:rPr lang="zh-TW" altLang="en-US" dirty="0"/>
-              <a:t> 利用</a:t>
-            </a:r>
+        <p:spPr/>
+        <p:txBody>
+          <a:bodyPr/>
+          <a:lstStyle/>
+          <a:p>
             <a:r>
               <a:rPr lang="zh-TW" altLang="en-US" dirty="0" smtClean="0"/>
-              <a:t>此 </a:t>
+              <a:t>可以使用 </a:t>
             </a:r>
             <a:r>
               <a:rPr lang="en-US" altLang="zh-TW" dirty="0" smtClean="0"/>
-              <a:t>value </a:t>
+              <a:t>v-for</a:t>
             </a:r>
             <a:r>
               <a:rPr lang="zh-TW" altLang="en-US" dirty="0" smtClean="0"/>
-              <a:t>綁</a:t>
-            </a:r>
-            <a:r>
-              <a:rPr lang="zh-TW" altLang="en-US" dirty="0"/>
-              <a:t>定在一起。</a:t>
+              <a:t>，在 </a:t>
+            </a:r>
+            <a:r>
+              <a:rPr lang="en-US" altLang="zh-TW" dirty="0" smtClean="0"/>
+              <a:t>&lt;template&gt; </a:t>
+            </a:r>
+            <a:r>
+              <a:rPr lang="zh-TW" altLang="en-US" dirty="0" smtClean="0"/>
+              <a:t>逐一呈現出 </a:t>
+            </a:r>
+            <a:r>
+              <a:rPr lang="en-US" altLang="zh-TW" dirty="0" smtClean="0"/>
+              <a:t>arrays</a:t>
+            </a:r>
+            <a:r>
+              <a:rPr lang="zh-TW" altLang="en-US" dirty="0" smtClean="0"/>
+              <a:t> 的資料。 </a:t>
             </a:r>
             <a:endParaRPr lang="en-US" altLang="zh-TW" dirty="0"/>
-          </a:p>
-          <a:p>
-            <a:pPr>
-              <a:lnSpc>
-                <a:spcPct val="150000"/>
-              </a:lnSpc>
-            </a:pPr>
-            <a:endParaRPr lang="en-US" altLang="zh-TW" dirty="0" smtClean="0"/>
-          </a:p>
-          <a:p>
-            <a:pPr>
-              <a:lnSpc>
-                <a:spcPct val="150000"/>
-              </a:lnSpc>
-            </a:pPr>
-            <a:endParaRPr lang="zh-TW" altLang="en-US" dirty="0"/>
           </a:p>
         </p:txBody>
       </p:sp>
       <p:pic>
         <p:nvPicPr>
-          <p:cNvPr id="8" name="圖片 7"/>
+          <p:cNvPr id="5" name="圖片 4"/>
           <p:cNvPicPr>
             <a:picLocks noChangeAspect="1"/>
           </p:cNvPicPr>
@@ -9902,18 +9851,124 @@
         </p:blipFill>
         <p:spPr>
           <a:xfrm>
-            <a:off x="1347189" y="2720862"/>
-            <a:ext cx="9314090" cy="3936312"/>
+            <a:off x="1407079" y="4252943"/>
+            <a:ext cx="4515311" cy="2199518"/>
           </a:xfrm>
           <a:prstGeom prst="rect">
             <a:avLst/>
           </a:prstGeom>
         </p:spPr>
       </p:pic>
+      <p:pic>
+        <p:nvPicPr>
+          <p:cNvPr id="6" name="圖片 5"/>
+          <p:cNvPicPr>
+            <a:picLocks noChangeAspect="1"/>
+          </p:cNvPicPr>
+          <p:nvPr/>
+        </p:nvPicPr>
+        <p:blipFill>
+          <a:blip r:embed="rId3">
+            <a:extLst>
+              <a:ext uri="{28A0092B-C50C-407E-A947-70E740481C1C}">
+                <a14:useLocalDpi xmlns:a14="http://schemas.microsoft.com/office/drawing/2010/main" val="0"/>
+              </a:ext>
+            </a:extLst>
+          </a:blip>
+          <a:stretch>
+            <a:fillRect/>
+          </a:stretch>
+        </p:blipFill>
+        <p:spPr>
+          <a:xfrm>
+            <a:off x="7764855" y="4396654"/>
+            <a:ext cx="1575566" cy="1912095"/>
+          </a:xfrm>
+          <a:prstGeom prst="rect">
+            <a:avLst/>
+          </a:prstGeom>
+        </p:spPr>
+      </p:pic>
+      <p:pic>
+        <p:nvPicPr>
+          <p:cNvPr id="7" name="圖片 6"/>
+          <p:cNvPicPr>
+            <a:picLocks noChangeAspect="1"/>
+          </p:cNvPicPr>
+          <p:nvPr/>
+        </p:nvPicPr>
+        <p:blipFill>
+          <a:blip r:embed="rId4">
+            <a:extLst>
+              <a:ext uri="{28A0092B-C50C-407E-A947-70E740481C1C}">
+                <a14:useLocalDpi xmlns:a14="http://schemas.microsoft.com/office/drawing/2010/main" val="0"/>
+              </a:ext>
+            </a:extLst>
+          </a:blip>
+          <a:stretch>
+            <a:fillRect/>
+          </a:stretch>
+        </p:blipFill>
+        <p:spPr>
+          <a:xfrm>
+            <a:off x="986648" y="2443367"/>
+            <a:ext cx="10218703" cy="1499894"/>
+          </a:xfrm>
+          <a:prstGeom prst="rect">
+            <a:avLst/>
+          </a:prstGeom>
+        </p:spPr>
+      </p:pic>
+      <p:sp>
+        <p:nvSpPr>
+          <p:cNvPr id="8" name="文字方塊 7"/>
+          <p:cNvSpPr txBox="1"/>
+          <p:nvPr/>
+        </p:nvSpPr>
+        <p:spPr>
+          <a:xfrm>
+            <a:off x="7084463" y="2905570"/>
+            <a:ext cx="3042303" cy="400110"/>
+          </a:xfrm>
+          <a:prstGeom prst="rect">
+            <a:avLst/>
+          </a:prstGeom>
+          <a:noFill/>
+        </p:spPr>
+        <p:txBody>
+          <a:bodyPr wrap="square" rtlCol="0">
+            <a:spAutoFit/>
+          </a:bodyPr>
+          <a:lstStyle/>
+          <a:p>
+            <a:r>
+              <a:rPr lang="zh-TW" altLang="en-US" sz="2000" dirty="0" smtClean="0">
+                <a:solidFill>
+                  <a:srgbClr val="FF0000"/>
+                </a:solidFill>
+              </a:rPr>
+              <a:t>後面解釋 </a:t>
+            </a:r>
+            <a:r>
+              <a:rPr lang="en-US" altLang="zh-TW" sz="2000" dirty="0" smtClean="0">
+                <a:solidFill>
+                  <a:srgbClr val="FF0000"/>
+                </a:solidFill>
+              </a:rPr>
+              <a:t>:key</a:t>
+            </a:r>
+            <a:endParaRPr lang="zh-TW" altLang="en-US" sz="2000" dirty="0">
+              <a:solidFill>
+                <a:srgbClr val="FF0000"/>
+              </a:solidFill>
+            </a:endParaRPr>
+          </a:p>
+        </p:txBody>
+      </p:sp>
     </p:spTree>
     <p:extLst>
       <p:ext uri="{BB962C8B-B14F-4D97-AF65-F5344CB8AC3E}">
-        <p14:creationId xmlns:p14="http://schemas.microsoft.com/office/powerpoint/2010/main" val="2085492286"/>
+        <p14:creationId xmlns:p14="http://schemas.microsoft.com/office/powerpoint/2010/main" val="3625899456"/>
       </p:ext>
     </p:extLst>
   </p:cSld>
@@ -9963,12 +10018,8 @@
           <a:lstStyle/>
           <a:p>
             <a:r>
-              <a:rPr lang="en-US" altLang="zh-TW" dirty="0"/>
-              <a:t>:</a:t>
-            </a:r>
-            <a:r>
               <a:rPr lang="en-US" altLang="zh-TW" dirty="0" smtClean="0"/>
-              <a:t>key</a:t>
+              <a:t>:key</a:t>
             </a:r>
             <a:endParaRPr lang="zh-TW" altLang="en-US" dirty="0"/>
           </a:p>
@@ -9984,7 +10035,12 @@
             <p:ph idx="1"/>
           </p:nvPr>
         </p:nvSpPr>
-        <p:spPr/>
+        <p:spPr>
+          <a:xfrm>
+            <a:off x="838200" y="1295783"/>
+            <a:ext cx="10515600" cy="4351338"/>
+          </a:xfrm>
+        </p:spPr>
         <p:txBody>
           <a:bodyPr>
             <a:normAutofit/>
@@ -9997,44 +10053,32 @@
               </a:lnSpc>
             </a:pPr>
             <a:r>
+              <a:rPr lang="en-US" altLang="zh-TW" dirty="0">
+                <a:solidFill>
+                  <a:srgbClr val="FF0000"/>
+                </a:solidFill>
+              </a:rPr>
+              <a:t>key attribute </a:t>
+            </a:r>
+            <a:r>
               <a:rPr lang="zh-TW" altLang="en-US" dirty="0"/>
-              <a:t>當 </a:t>
+              <a:t>加在 </a:t>
             </a:r>
             <a:r>
               <a:rPr lang="en-US" altLang="zh-TW" dirty="0"/>
-              <a:t>data </a:t>
+              <a:t>v-for </a:t>
             </a:r>
             <a:r>
               <a:rPr lang="zh-TW" altLang="en-US" dirty="0"/>
-              <a:t>被改變時，</a:t>
+              <a:t>上，能讓 </a:t>
             </a:r>
             <a:r>
               <a:rPr lang="en-US" altLang="zh-TW" dirty="0"/>
-              <a:t>Vue </a:t>
+              <a:t>data</a:t>
             </a:r>
             <a:r>
               <a:rPr lang="zh-TW" altLang="en-US" dirty="0"/>
-              <a:t>會利用 </a:t>
-            </a:r>
-            <a:r>
-              <a:rPr lang="en-US" altLang="zh-TW" dirty="0">
-                <a:solidFill>
-                  <a:srgbClr val="FF0000"/>
-                </a:solidFill>
-              </a:rPr>
-              <a:t>key attribute</a:t>
-            </a:r>
-            <a:r>
-              <a:rPr lang="zh-TW" altLang="en-US" dirty="0">
-                <a:solidFill>
-                  <a:srgbClr val="FF0000"/>
-                </a:solidFill>
-              </a:rPr>
-              <a:t> </a:t>
-            </a:r>
-            <a:r>
-              <a:rPr lang="zh-TW" altLang="en-US" dirty="0"/>
-              <a:t>決定哪些 </a:t>
+              <a:t> 和它相對應顯示在畫面上的 </a:t>
             </a:r>
             <a:r>
               <a:rPr lang="en-US" altLang="zh-TW" dirty="0"/>
@@ -10046,235 +10090,95 @@
             </a:r>
             <a:r>
               <a:rPr lang="en-US" altLang="zh-TW" dirty="0"/>
-              <a:t>elements</a:t>
+              <a:t>element</a:t>
             </a:r>
             <a:r>
               <a:rPr lang="zh-TW" altLang="en-US" dirty="0"/>
-              <a:t> 需要被更新或移除，所以當 </a:t>
-            </a:r>
-            <a:r>
-              <a:rPr lang="en-US" altLang="zh-TW" dirty="0">
-                <a:solidFill>
-                  <a:srgbClr val="FF0000"/>
-                </a:solidFill>
-              </a:rPr>
-              <a:t>key attribute</a:t>
-            </a:r>
-            <a:r>
-              <a:rPr lang="zh-TW" altLang="en-US" dirty="0">
-                <a:solidFill>
-                  <a:srgbClr val="FF0000"/>
-                </a:solidFill>
-              </a:rPr>
-              <a:t> </a:t>
+              <a:t> 利用</a:t>
+            </a:r>
+            <a:r>
+              <a:rPr lang="zh-TW" altLang="en-US" dirty="0" smtClean="0"/>
+              <a:t>此 </a:t>
+            </a:r>
+            <a:r>
+              <a:rPr lang="en-US" altLang="zh-TW" dirty="0" smtClean="0"/>
+              <a:t>value </a:t>
+            </a:r>
+            <a:r>
+              <a:rPr lang="zh-TW" altLang="en-US" dirty="0" smtClean="0"/>
+              <a:t>綁</a:t>
             </a:r>
             <a:r>
               <a:rPr lang="zh-TW" altLang="en-US" dirty="0"/>
-              <a:t>沒有被綁定好或是綁定的欄位不是 </a:t>
-            </a:r>
-            <a:r>
-              <a:rPr lang="en-US" altLang="zh-TW" dirty="0"/>
-              <a:t>unique </a:t>
-            </a:r>
-            <a:r>
-              <a:rPr lang="zh-TW" altLang="en-US" dirty="0"/>
-              <a:t>時</a:t>
-            </a:r>
-            <a:r>
-              <a:rPr lang="zh-TW" altLang="en-US" dirty="0" smtClean="0"/>
-              <a:t>，會影響效能，或是產生</a:t>
-            </a:r>
-            <a:r>
-              <a:rPr lang="zh-TW" altLang="en-US" dirty="0"/>
-              <a:t>一些非預期</a:t>
-            </a:r>
-            <a:r>
-              <a:rPr lang="zh-TW" altLang="en-US" dirty="0" smtClean="0"/>
-              <a:t>錯誤，後面舉例。</a:t>
-            </a:r>
-            <a:endParaRPr lang="en-US" altLang="zh-TW" dirty="0" smtClean="0"/>
-          </a:p>
-          <a:p>
-            <a:pPr marL="457200" indent="-457200">
+              <a:t>定在一起。</a:t>
+            </a:r>
+            <a:endParaRPr lang="en-US" altLang="zh-TW" dirty="0"/>
+          </a:p>
+          <a:p>
+            <a:pPr>
               <a:lnSpc>
-                <a:spcPct val="100000"/>
+                <a:spcPct val="150000"/>
               </a:lnSpc>
-              <a:buFont typeface="+mj-lt"/>
-              <a:buAutoNum type="arabicPeriod"/>
-            </a:pPr>
-            <a:r>
-              <a:rPr lang="en-US" altLang="zh-TW" sz="2400" dirty="0">
-                <a:solidFill>
-                  <a:srgbClr val="FF0000"/>
-                </a:solidFill>
-              </a:rPr>
-              <a:t>k</a:t>
-            </a:r>
-            <a:r>
-              <a:rPr lang="en-US" altLang="zh-TW" sz="2400" dirty="0" smtClean="0">
-                <a:solidFill>
-                  <a:srgbClr val="FF0000"/>
-                </a:solidFill>
-              </a:rPr>
-              <a:t>ey </a:t>
-            </a:r>
-            <a:r>
-              <a:rPr lang="zh-TW" altLang="en-US" sz="2400" dirty="0" smtClean="0">
-                <a:solidFill>
-                  <a:srgbClr val="FF0000"/>
-                </a:solidFill>
-              </a:rPr>
-              <a:t>為 </a:t>
-            </a:r>
-            <a:r>
-              <a:rPr lang="en-US" altLang="zh-TW" sz="2400" dirty="0" smtClean="0">
-                <a:solidFill>
-                  <a:srgbClr val="FF0000"/>
-                </a:solidFill>
-              </a:rPr>
-              <a:t>unique</a:t>
-            </a:r>
-            <a:r>
-              <a:rPr lang="zh-TW" altLang="en-US" sz="2400" dirty="0" smtClean="0">
-                <a:solidFill>
-                  <a:srgbClr val="FF0000"/>
-                </a:solidFill>
-              </a:rPr>
-              <a:t> </a:t>
-            </a:r>
-            <a:r>
-              <a:rPr lang="en-US" altLang="zh-TW" sz="2400" dirty="0">
-                <a:solidFill>
-                  <a:srgbClr val="FF0000"/>
-                </a:solidFill>
-              </a:rPr>
-              <a:t>[</a:t>
-            </a:r>
-            <a:r>
-              <a:rPr lang="en-US" altLang="zh-TW" sz="2400" dirty="0" smtClean="0">
-                <a:solidFill>
-                  <a:srgbClr val="FF0000"/>
-                </a:solidFill>
-              </a:rPr>
-              <a:t>Good</a:t>
-            </a:r>
-            <a:r>
-              <a:rPr lang="en-US" altLang="zh-TW" sz="2400" dirty="0">
-                <a:solidFill>
-                  <a:srgbClr val="FF0000"/>
-                </a:solidFill>
-              </a:rPr>
-              <a:t>]</a:t>
-            </a:r>
-            <a:endParaRPr lang="en-US" altLang="zh-TW" sz="2400" dirty="0" smtClean="0">
-              <a:solidFill>
-                <a:srgbClr val="FF0000"/>
-              </a:solidFill>
-            </a:endParaRPr>
-          </a:p>
-          <a:p>
-            <a:pPr marL="457200" indent="-457200">
-              <a:lnSpc>
-                <a:spcPct val="100000"/>
-              </a:lnSpc>
-              <a:buFont typeface="+mj-lt"/>
-              <a:buAutoNum type="arabicPeriod"/>
-            </a:pPr>
-            <a:r>
-              <a:rPr lang="en-US" altLang="zh-TW" sz="2400" dirty="0"/>
-              <a:t>k</a:t>
-            </a:r>
-            <a:r>
-              <a:rPr lang="en-US" altLang="zh-TW" sz="2400" dirty="0" smtClean="0"/>
-              <a:t>ey </a:t>
-            </a:r>
-            <a:r>
-              <a:rPr lang="zh-TW" altLang="en-US" sz="2400" dirty="0" smtClean="0"/>
-              <a:t>非 </a:t>
-            </a:r>
-            <a:r>
-              <a:rPr lang="en-US" altLang="zh-TW" sz="2400" dirty="0" smtClean="0"/>
-              <a:t>unique </a:t>
-            </a:r>
-            <a:r>
-              <a:rPr lang="en-US" altLang="zh-TW" sz="2400" dirty="0"/>
-              <a:t>[</a:t>
-            </a:r>
-            <a:r>
-              <a:rPr lang="en-US" altLang="zh-TW" sz="2400" dirty="0" smtClean="0"/>
-              <a:t>Bad]</a:t>
-            </a:r>
-          </a:p>
-          <a:p>
-            <a:pPr marL="457200" indent="-457200">
-              <a:lnSpc>
-                <a:spcPct val="100000"/>
-              </a:lnSpc>
-              <a:buFont typeface="+mj-lt"/>
-              <a:buAutoNum type="arabicPeriod"/>
-            </a:pPr>
-            <a:r>
-              <a:rPr lang="zh-TW" altLang="en-US" sz="2400" dirty="0" smtClean="0"/>
-              <a:t>用 </a:t>
-            </a:r>
-            <a:r>
-              <a:rPr lang="en-US" altLang="zh-TW" sz="2400" dirty="0" smtClean="0"/>
-              <a:t>index </a:t>
-            </a:r>
-            <a:r>
-              <a:rPr lang="zh-TW" altLang="en-US" sz="2400" dirty="0"/>
-              <a:t>當 </a:t>
-            </a:r>
-            <a:r>
-              <a:rPr lang="en-US" altLang="zh-TW" sz="2400" dirty="0"/>
-              <a:t>key (</a:t>
-            </a:r>
-            <a:r>
-              <a:rPr lang="zh-TW" altLang="en-US" sz="2400" dirty="0"/>
-              <a:t>沒有綁在 </a:t>
-            </a:r>
-            <a:r>
-              <a:rPr lang="en-US" altLang="zh-TW" sz="2400" dirty="0"/>
-              <a:t>data </a:t>
-            </a:r>
-            <a:r>
-              <a:rPr lang="zh-TW" altLang="en-US" sz="2400" dirty="0"/>
-              <a:t>上</a:t>
-            </a:r>
-            <a:r>
-              <a:rPr lang="en-US" altLang="zh-TW" sz="2400" dirty="0"/>
-              <a:t>) </a:t>
-            </a:r>
-            <a:r>
-              <a:rPr lang="en-US" altLang="zh-TW" sz="2400" dirty="0"/>
-              <a:t>[Bad]</a:t>
-            </a:r>
-          </a:p>
-          <a:p>
-            <a:pPr marL="457200" indent="-457200">
-              <a:lnSpc>
-                <a:spcPct val="100000"/>
-              </a:lnSpc>
-              <a:buFont typeface="+mj-lt"/>
-              <a:buAutoNum type="arabicPeriod"/>
             </a:pPr>
             <a:endParaRPr lang="en-US" altLang="zh-TW" dirty="0" smtClean="0"/>
           </a:p>
           <a:p>
+            <a:pPr>
+              <a:lnSpc>
+                <a:spcPct val="150000"/>
+              </a:lnSpc>
+            </a:pPr>
             <a:endParaRPr lang="zh-TW" altLang="en-US" dirty="0"/>
           </a:p>
         </p:txBody>
       </p:sp>
+      <p:pic>
+        <p:nvPicPr>
+          <p:cNvPr id="8" name="圖片 7"/>
+          <p:cNvPicPr>
+            <a:picLocks noChangeAspect="1"/>
+          </p:cNvPicPr>
+          <p:nvPr/>
+        </p:nvPicPr>
+        <p:blipFill>
+          <a:blip r:embed="rId2">
+            <a:extLst>
+              <a:ext uri="{28A0092B-C50C-407E-A947-70E740481C1C}">
+                <a14:useLocalDpi xmlns:a14="http://schemas.microsoft.com/office/drawing/2010/main" val="0"/>
+              </a:ext>
+            </a:extLst>
+          </a:blip>
+          <a:stretch>
+            <a:fillRect/>
+          </a:stretch>
+        </p:blipFill>
+        <p:spPr>
+          <a:xfrm>
+            <a:off x="1347189" y="2720862"/>
+            <a:ext cx="9314090" cy="3936312"/>
+          </a:xfrm>
+          <a:prstGeom prst="rect">
+            <a:avLst/>
+          </a:prstGeom>
+        </p:spPr>
+      </p:pic>
     </p:spTree>
     <p:extLst>
       <p:ext uri="{BB962C8B-B14F-4D97-AF65-F5344CB8AC3E}">
-        <p14:creationId xmlns:p14="http://schemas.microsoft.com/office/powerpoint/2010/main" val="3097257145"/>
+        <p14:creationId xmlns:p14="http://schemas.microsoft.com/office/powerpoint/2010/main" val="2085492286"/>
       </p:ext>
     </p:extLst>
   </p:cSld>
   <p:clrMapOvr>
     <a:masterClrMapping/>
   </p:clrMapOvr>
+  <p:timing>
+    <p:tnLst>
+      <p:par>
+        <p:cTn id="1" dur="indefinite" restart="never" nodeType="tmRoot"/>
+      </p:par>
+    </p:tnLst>
+  </p:timing>
 </p:sld>
 </file>
 
@@ -10312,15 +10216,11 @@
           <a:p>
             <a:r>
               <a:rPr lang="en-US" altLang="zh-TW" dirty="0"/>
-              <a:t>key </a:t>
-            </a:r>
-            <a:r>
-              <a:rPr lang="zh-TW" altLang="en-US" dirty="0"/>
-              <a:t>為 </a:t>
+              <a:t>:</a:t>
             </a:r>
             <a:r>
               <a:rPr lang="en-US" altLang="zh-TW" dirty="0" smtClean="0"/>
-              <a:t>unique</a:t>
+              <a:t>key</a:t>
             </a:r>
             <a:endParaRPr lang="zh-TW" altLang="en-US" dirty="0"/>
           </a:p>
@@ -10338,7 +10238,9 @@
         </p:nvSpPr>
         <p:spPr/>
         <p:txBody>
-          <a:bodyPr/>
+          <a:bodyPr>
+            <a:normAutofit/>
+          </a:bodyPr>
           <a:lstStyle/>
           <a:p>
             <a:pPr>
@@ -10347,256 +10249,287 @@
               </a:lnSpc>
             </a:pPr>
             <a:r>
+              <a:rPr lang="zh-TW" altLang="en-US" dirty="0"/>
+              <a:t>當 </a:t>
+            </a:r>
+            <a:r>
+              <a:rPr lang="en-US" altLang="zh-TW" dirty="0"/>
+              <a:t>data </a:t>
+            </a:r>
+            <a:r>
+              <a:rPr lang="zh-TW" altLang="en-US" dirty="0"/>
+              <a:t>被改變時，</a:t>
+            </a:r>
+            <a:r>
+              <a:rPr lang="en-US" altLang="zh-TW" dirty="0"/>
+              <a:t>Vue </a:t>
+            </a:r>
+            <a:r>
+              <a:rPr lang="zh-TW" altLang="en-US" dirty="0"/>
+              <a:t>會利用 </a:t>
+            </a:r>
+            <a:r>
+              <a:rPr lang="en-US" altLang="zh-TW" dirty="0">
+                <a:solidFill>
+                  <a:srgbClr val="FF0000"/>
+                </a:solidFill>
+              </a:rPr>
+              <a:t>key attribute</a:t>
+            </a:r>
+            <a:r>
+              <a:rPr lang="zh-TW" altLang="en-US" dirty="0">
+                <a:solidFill>
+                  <a:srgbClr val="FF0000"/>
+                </a:solidFill>
+              </a:rPr>
+              <a:t> </a:t>
+            </a:r>
+            <a:r>
+              <a:rPr lang="zh-TW" altLang="en-US" dirty="0"/>
+              <a:t>決定哪些 </a:t>
+            </a:r>
+            <a:r>
+              <a:rPr lang="en-US" altLang="zh-TW" dirty="0"/>
+              <a:t>HTML</a:t>
+            </a:r>
+            <a:r>
+              <a:rPr lang="zh-TW" altLang="en-US" dirty="0"/>
+              <a:t> </a:t>
+            </a:r>
+            <a:r>
+              <a:rPr lang="en-US" altLang="zh-TW" dirty="0"/>
+              <a:t>elements</a:t>
+            </a:r>
+            <a:r>
+              <a:rPr lang="zh-TW" altLang="en-US" dirty="0"/>
+              <a:t> 需要被更新或移除，所以當 </a:t>
+            </a:r>
+            <a:r>
+              <a:rPr lang="en-US" altLang="zh-TW" dirty="0">
+                <a:solidFill>
+                  <a:srgbClr val="FF0000"/>
+                </a:solidFill>
+              </a:rPr>
+              <a:t>key attribute</a:t>
+            </a:r>
+            <a:r>
+              <a:rPr lang="zh-TW" altLang="en-US" dirty="0">
+                <a:solidFill>
+                  <a:srgbClr val="FF0000"/>
+                </a:solidFill>
+              </a:rPr>
+              <a:t> </a:t>
+            </a:r>
+            <a:r>
+              <a:rPr lang="zh-TW" altLang="en-US" dirty="0"/>
+              <a:t>沒有被綁定好或是綁定的欄位不是 </a:t>
+            </a:r>
+            <a:r>
+              <a:rPr lang="en-US" altLang="zh-TW" dirty="0"/>
+              <a:t>unique </a:t>
+            </a:r>
+            <a:r>
+              <a:rPr lang="zh-TW" altLang="en-US" dirty="0"/>
+              <a:t>時</a:t>
+            </a:r>
+            <a:r>
+              <a:rPr lang="zh-TW" altLang="en-US" dirty="0" smtClean="0"/>
+              <a:t>，會影響效能，或是產生</a:t>
+            </a:r>
+            <a:r>
+              <a:rPr lang="zh-TW" altLang="en-US" dirty="0"/>
+              <a:t>一些非預期</a:t>
+            </a:r>
+            <a:r>
+              <a:rPr lang="zh-TW" altLang="en-US" dirty="0" smtClean="0"/>
+              <a:t>錯誤，後面舉例。</a:t>
+            </a:r>
+            <a:endParaRPr lang="en-US" altLang="zh-TW" dirty="0" smtClean="0"/>
+          </a:p>
+          <a:p>
+            <a:pPr marL="457200" indent="-457200">
+              <a:lnSpc>
+                <a:spcPct val="100000"/>
+              </a:lnSpc>
+              <a:buFont typeface="+mj-lt"/>
+              <a:buAutoNum type="arabicPeriod"/>
+            </a:pPr>
+            <a:r>
+              <a:rPr lang="en-US" altLang="zh-TW" sz="2400" dirty="0">
+                <a:solidFill>
+                  <a:srgbClr val="FF0000"/>
+                </a:solidFill>
+              </a:rPr>
+              <a:t>k</a:t>
+            </a:r>
+            <a:r>
+              <a:rPr lang="en-US" altLang="zh-TW" sz="2400" dirty="0" smtClean="0">
+                <a:solidFill>
+                  <a:srgbClr val="FF0000"/>
+                </a:solidFill>
+              </a:rPr>
+              <a:t>ey </a:t>
+            </a:r>
+            <a:r>
+              <a:rPr lang="zh-TW" altLang="en-US" sz="2400" dirty="0" smtClean="0">
+                <a:solidFill>
+                  <a:srgbClr val="FF0000"/>
+                </a:solidFill>
+              </a:rPr>
+              <a:t>為 </a:t>
+            </a:r>
+            <a:r>
+              <a:rPr lang="en-US" altLang="zh-TW" sz="2400" dirty="0" smtClean="0">
+                <a:solidFill>
+                  <a:srgbClr val="FF0000"/>
+                </a:solidFill>
+              </a:rPr>
+              <a:t>unique</a:t>
+            </a:r>
+            <a:r>
+              <a:rPr lang="zh-TW" altLang="en-US" sz="2400" dirty="0" smtClean="0">
+                <a:solidFill>
+                  <a:srgbClr val="FF0000"/>
+                </a:solidFill>
+              </a:rPr>
+              <a:t> </a:t>
+            </a:r>
+            <a:r>
+              <a:rPr lang="en-US" altLang="zh-TW" sz="2400" dirty="0">
+                <a:solidFill>
+                  <a:srgbClr val="FF0000"/>
+                </a:solidFill>
+              </a:rPr>
+              <a:t>[</a:t>
+            </a:r>
+            <a:r>
+              <a:rPr lang="en-US" altLang="zh-TW" sz="2400" dirty="0" smtClean="0">
+                <a:solidFill>
+                  <a:srgbClr val="FF0000"/>
+                </a:solidFill>
+              </a:rPr>
+              <a:t>Good</a:t>
+            </a:r>
+            <a:r>
+              <a:rPr lang="en-US" altLang="zh-TW" sz="2400" dirty="0">
+                <a:solidFill>
+                  <a:srgbClr val="FF0000"/>
+                </a:solidFill>
+              </a:rPr>
+              <a:t>]</a:t>
+            </a:r>
+            <a:endParaRPr lang="en-US" altLang="zh-TW" sz="2400" dirty="0" smtClean="0">
+              <a:solidFill>
+                <a:srgbClr val="FF0000"/>
+              </a:solidFill>
+            </a:endParaRPr>
+          </a:p>
+          <a:p>
+            <a:pPr marL="457200" indent="-457200">
+              <a:lnSpc>
+                <a:spcPct val="100000"/>
+              </a:lnSpc>
+              <a:buFont typeface="+mj-lt"/>
+              <a:buAutoNum type="arabicPeriod"/>
+            </a:pPr>
+            <a:r>
+              <a:rPr lang="en-US" altLang="zh-TW" sz="2400" dirty="0"/>
+              <a:t>k</a:t>
+            </a:r>
+            <a:r>
+              <a:rPr lang="en-US" altLang="zh-TW" sz="2400" dirty="0" smtClean="0"/>
+              <a:t>ey </a:t>
+            </a:r>
+            <a:r>
               <a:rPr lang="zh-TW" altLang="en-US" sz="2400" dirty="0" smtClean="0"/>
-              <a:t>綁</a:t>
-            </a:r>
-            <a:r>
-              <a:rPr lang="zh-TW" altLang="en-US" sz="2400" dirty="0" smtClean="0">
-                <a:solidFill>
-                  <a:srgbClr val="FF0000"/>
-                </a:solidFill>
-              </a:rPr>
-              <a:t> </a:t>
-            </a:r>
-            <a:r>
-              <a:rPr lang="en-US" altLang="zh-TW" sz="2400" dirty="0" smtClean="0">
-                <a:solidFill>
-                  <a:srgbClr val="FF0000"/>
-                </a:solidFill>
-              </a:rPr>
-              <a:t>customer.name</a:t>
-            </a:r>
+              <a:t>非 </a:t>
+            </a:r>
+            <a:r>
+              <a:rPr lang="en-US" altLang="zh-TW" sz="2400" dirty="0" smtClean="0"/>
+              <a:t>unique </a:t>
+            </a:r>
+            <a:r>
+              <a:rPr lang="en-US" altLang="zh-TW" sz="2400" dirty="0"/>
+              <a:t>[</a:t>
+            </a:r>
+            <a:r>
+              <a:rPr lang="en-US" altLang="zh-TW" sz="2400" dirty="0" smtClean="0"/>
+              <a:t>Bad]</a:t>
+            </a:r>
+          </a:p>
+          <a:p>
+            <a:pPr marL="457200" indent="-457200">
+              <a:lnSpc>
+                <a:spcPct val="100000"/>
+              </a:lnSpc>
+              <a:buFont typeface="+mj-lt"/>
+              <a:buAutoNum type="arabicPeriod"/>
+            </a:pPr>
             <a:r>
               <a:rPr lang="zh-TW" altLang="en-US" sz="2400" dirty="0" smtClean="0"/>
-              <a:t>，移除 </a:t>
+              <a:t>用 </a:t>
             </a:r>
             <a:r>
               <a:rPr lang="en-US" altLang="zh-TW" sz="2400" dirty="0" smtClean="0"/>
-              <a:t>Amy</a:t>
-            </a:r>
-            <a:r>
-              <a:rPr lang="zh-TW" altLang="en-US" sz="2400" dirty="0" smtClean="0"/>
-              <a:t>，</a:t>
-            </a:r>
-            <a:r>
-              <a:rPr lang="en-US" altLang="zh-TW" sz="2400" dirty="0" smtClean="0"/>
-              <a:t>re-render </a:t>
-            </a:r>
-            <a:r>
-              <a:rPr lang="zh-TW" altLang="en-US" sz="2400" dirty="0" smtClean="0"/>
-              <a:t>時 </a:t>
-            </a:r>
-            <a:r>
-              <a:rPr lang="en-US" altLang="zh-TW" sz="2400" dirty="0" smtClean="0"/>
-              <a:t>VUE</a:t>
-            </a:r>
-            <a:r>
-              <a:rPr lang="zh-TW" altLang="en-US" sz="2400" dirty="0" smtClean="0"/>
-              <a:t> 利用 </a:t>
-            </a:r>
-            <a:r>
-              <a:rPr lang="en-US" altLang="zh-TW" sz="2400" dirty="0" smtClean="0"/>
-              <a:t>key value </a:t>
-            </a:r>
-            <a:r>
-              <a:rPr lang="zh-TW" altLang="en-US" sz="2400" dirty="0" smtClean="0"/>
-              <a:t>跟 </a:t>
-            </a:r>
-            <a:r>
-              <a:rPr lang="en-US" altLang="zh-TW" sz="2400" dirty="0" smtClean="0"/>
+              <a:t>index </a:t>
+            </a:r>
+            <a:r>
+              <a:rPr lang="zh-TW" altLang="en-US" sz="2400" dirty="0"/>
+              <a:t>當 </a:t>
+            </a:r>
+            <a:r>
+              <a:rPr lang="en-US" altLang="zh-TW" sz="2400" dirty="0"/>
+              <a:t>key (</a:t>
+            </a:r>
+            <a:r>
+              <a:rPr lang="zh-TW" altLang="en-US" sz="2400" dirty="0"/>
+              <a:t>沒有綁在 </a:t>
+            </a:r>
+            <a:r>
+              <a:rPr lang="en-US" altLang="zh-TW" sz="2400" dirty="0"/>
               <a:t>data </a:t>
             </a:r>
             <a:r>
-              <a:rPr lang="zh-TW" altLang="en-US" sz="2400" dirty="0" smtClean="0"/>
-              <a:t>做比較，發現 </a:t>
-            </a:r>
-            <a:r>
-              <a:rPr lang="en-US" altLang="zh-TW" sz="2400" dirty="0" smtClean="0"/>
-              <a:t>key value </a:t>
-            </a:r>
-            <a:r>
-              <a:rPr lang="zh-TW" altLang="en-US" sz="2400" dirty="0" smtClean="0"/>
-              <a:t>為 </a:t>
-            </a:r>
-            <a:r>
-              <a:rPr lang="en-US" altLang="zh-TW" sz="2400" dirty="0" smtClean="0"/>
-              <a:t>“Amy” </a:t>
-            </a:r>
-            <a:r>
-              <a:rPr lang="zh-TW" altLang="en-US" sz="2400" dirty="0" smtClean="0"/>
-              <a:t>的已經對應不到 </a:t>
-            </a:r>
-            <a:r>
-              <a:rPr lang="en-US" altLang="zh-TW" sz="2400" dirty="0" smtClean="0"/>
-              <a:t>data </a:t>
-            </a:r>
-            <a:r>
-              <a:rPr lang="zh-TW" altLang="en-US" sz="2400" dirty="0" smtClean="0"/>
-              <a:t>了，所以就把它相對應的 </a:t>
+              <a:rPr lang="zh-TW" altLang="en-US" sz="2400" dirty="0"/>
+              <a:t>上</a:t>
             </a:r>
             <a:r>
               <a:rPr lang="en-US" altLang="zh-TW" sz="2400" dirty="0"/>
-              <a:t>HTML</a:t>
-            </a:r>
-            <a:r>
-              <a:rPr lang="zh-TW" altLang="en-US" sz="2400" dirty="0"/>
-              <a:t> </a:t>
-            </a:r>
-            <a:r>
-              <a:rPr lang="en-US" altLang="zh-TW" sz="2400" dirty="0" smtClean="0"/>
-              <a:t>element</a:t>
-            </a:r>
-            <a:r>
-              <a:rPr lang="zh-TW" altLang="en-US" sz="2400" dirty="0" smtClean="0"/>
-              <a:t> 移除。</a:t>
-            </a:r>
-            <a:r>
-              <a:rPr lang="en-US" altLang="zh-TW" sz="2400" dirty="0" smtClean="0"/>
-              <a:t> </a:t>
-            </a:r>
+              <a:t>) [Bad]</a:t>
+            </a:r>
+          </a:p>
+          <a:p>
+            <a:pPr marL="457200" indent="-457200">
+              <a:lnSpc>
+                <a:spcPct val="100000"/>
+              </a:lnSpc>
+              <a:buFont typeface="+mj-lt"/>
+              <a:buAutoNum type="arabicPeriod"/>
+            </a:pPr>
+            <a:endParaRPr lang="en-US" altLang="zh-TW" dirty="0" smtClean="0"/>
+          </a:p>
+          <a:p>
             <a:endParaRPr lang="zh-TW" altLang="en-US" dirty="0"/>
           </a:p>
         </p:txBody>
       </p:sp>
-      <p:pic>
-        <p:nvPicPr>
-          <p:cNvPr id="6" name="圖片 5"/>
-          <p:cNvPicPr>
-            <a:picLocks noChangeAspect="1"/>
-          </p:cNvPicPr>
-          <p:nvPr/>
-        </p:nvPicPr>
-        <p:blipFill>
-          <a:blip r:embed="rId2">
-            <a:extLst>
-              <a:ext uri="{28A0092B-C50C-407E-A947-70E740481C1C}">
-                <a14:useLocalDpi xmlns:a14="http://schemas.microsoft.com/office/drawing/2010/main" val="0"/>
-              </a:ext>
-            </a:extLst>
-          </a:blip>
-          <a:stretch>
-            <a:fillRect/>
-          </a:stretch>
-        </p:blipFill>
-        <p:spPr>
-          <a:xfrm>
-            <a:off x="4424840" y="240572"/>
-            <a:ext cx="7282899" cy="1593599"/>
-          </a:xfrm>
-          <a:prstGeom prst="rect">
-            <a:avLst/>
-          </a:prstGeom>
-        </p:spPr>
-      </p:pic>
-      <p:pic>
-        <p:nvPicPr>
-          <p:cNvPr id="8" name="圖片 7"/>
-          <p:cNvPicPr>
-            <a:picLocks noChangeAspect="1"/>
-          </p:cNvPicPr>
-          <p:nvPr/>
-        </p:nvPicPr>
-        <p:blipFill>
-          <a:blip r:embed="rId3">
-            <a:extLst>
-              <a:ext uri="{28A0092B-C50C-407E-A947-70E740481C1C}">
-                <a14:useLocalDpi xmlns:a14="http://schemas.microsoft.com/office/drawing/2010/main" val="0"/>
-              </a:ext>
-            </a:extLst>
-          </a:blip>
-          <a:stretch>
-            <a:fillRect/>
-          </a:stretch>
-        </p:blipFill>
-        <p:spPr>
-          <a:xfrm>
-            <a:off x="6451122" y="4536520"/>
-            <a:ext cx="5079648" cy="1877930"/>
-          </a:xfrm>
-          <a:prstGeom prst="rect">
-            <a:avLst/>
-          </a:prstGeom>
-        </p:spPr>
-      </p:pic>
-      <p:cxnSp>
-        <p:nvCxnSpPr>
-          <p:cNvPr id="10" name="直線單箭頭接點 9"/>
-          <p:cNvCxnSpPr>
-            <a:stCxn id="15" idx="3"/>
-            <a:endCxn id="8" idx="1"/>
-          </p:cNvCxnSpPr>
-          <p:nvPr/>
-        </p:nvCxnSpPr>
-        <p:spPr>
-          <a:xfrm>
-            <a:off x="5709919" y="5142499"/>
-            <a:ext cx="741203" cy="332986"/>
-          </a:xfrm>
-          <a:prstGeom prst="straightConnector1">
-            <a:avLst/>
-          </a:prstGeom>
-          <a:ln w="57150">
-            <a:solidFill>
-              <a:schemeClr val="tx1"/>
-            </a:solidFill>
-            <a:tailEnd type="triangle"/>
-          </a:ln>
-        </p:spPr>
-        <p:style>
-          <a:lnRef idx="1">
-            <a:schemeClr val="accent1"/>
-          </a:lnRef>
-          <a:fillRef idx="0">
-            <a:schemeClr val="accent1"/>
-          </a:fillRef>
-          <a:effectRef idx="0">
-            <a:schemeClr val="accent1"/>
-          </a:effectRef>
-          <a:fontRef idx="minor">
-            <a:schemeClr val="tx1"/>
-          </a:fontRef>
-        </p:style>
-      </p:cxnSp>
-      <p:pic>
-        <p:nvPicPr>
-          <p:cNvPr id="15" name="圖片 14"/>
-          <p:cNvPicPr>
-            <a:picLocks noChangeAspect="1"/>
-          </p:cNvPicPr>
-          <p:nvPr/>
-        </p:nvPicPr>
-        <p:blipFill>
-          <a:blip r:embed="rId4">
-            <a:extLst>
-              <a:ext uri="{28A0092B-C50C-407E-A947-70E740481C1C}">
-                <a14:useLocalDpi xmlns:a14="http://schemas.microsoft.com/office/drawing/2010/main" val="0"/>
-              </a:ext>
-            </a:extLst>
-          </a:blip>
-          <a:stretch>
-            <a:fillRect/>
-          </a:stretch>
-        </p:blipFill>
-        <p:spPr>
-          <a:xfrm>
-            <a:off x="598413" y="3870548"/>
-            <a:ext cx="5111506" cy="2543902"/>
-          </a:xfrm>
-          <a:prstGeom prst="rect">
-            <a:avLst/>
-          </a:prstGeom>
-        </p:spPr>
-      </p:pic>
     </p:spTree>
     <p:extLst>
       <p:ext uri="{BB962C8B-B14F-4D97-AF65-F5344CB8AC3E}">
-        <p14:creationId xmlns:p14="http://schemas.microsoft.com/office/powerpoint/2010/main" val="3765113701"/>
+        <p14:creationId xmlns:p14="http://schemas.microsoft.com/office/powerpoint/2010/main" val="3097257145"/>
       </p:ext>
     </p:extLst>
   </p:cSld>
   <p:clrMapOvr>
     <a:masterClrMapping/>
   </p:clrMapOvr>
+  <p:timing>
+    <p:tnLst>
+      <p:par>
+        <p:cTn id="1" dur="indefinite" restart="never" nodeType="tmRoot"/>
+      </p:par>
+    </p:tnLst>
+  </p:timing>
 </p:sld>
 </file>
 
@@ -10634,7 +10567,7 @@
           <a:p>
             <a:r>
               <a:rPr lang="en-US" altLang="zh-TW" dirty="0" smtClean="0"/>
-              <a:t>Proxy Setting</a:t>
+              <a:t>Registry Setting</a:t>
             </a:r>
             <a:endParaRPr lang="zh-TW" altLang="en-US" dirty="0"/>
           </a:p>
@@ -10650,7 +10583,12 @@
             <p:ph idx="1"/>
           </p:nvPr>
         </p:nvSpPr>
-        <p:spPr/>
+        <p:spPr>
+          <a:xfrm>
+            <a:off x="838200" y="1583277"/>
+            <a:ext cx="10515600" cy="4351338"/>
+          </a:xfrm>
+        </p:spPr>
         <p:txBody>
           <a:bodyPr/>
           <a:lstStyle/>
@@ -10674,37 +10612,6 @@
             </a:r>
             <a:r>
               <a:rPr lang="en-US" altLang="zh-TW" sz="2000" b="0" dirty="0" smtClean="0"/>
-              <a:t> set strict-</a:t>
-            </a:r>
-            <a:r>
-              <a:rPr lang="en-US" altLang="zh-TW" sz="2000" b="0" dirty="0" err="1" smtClean="0"/>
-              <a:t>ssl</a:t>
-            </a:r>
-            <a:r>
-              <a:rPr lang="en-US" altLang="zh-TW" sz="2000" b="0" dirty="0" smtClean="0"/>
-              <a:t>=false</a:t>
-            </a:r>
-          </a:p>
-          <a:p>
-            <a:pPr marL="228600" lvl="1">
-              <a:spcBef>
-                <a:spcPts val="1000"/>
-              </a:spcBef>
-            </a:pPr>
-            <a:r>
-              <a:rPr lang="en-US" altLang="zh-TW" sz="2000" b="0" dirty="0" err="1" smtClean="0"/>
-              <a:t>npm</a:t>
-            </a:r>
-            <a:r>
-              <a:rPr lang="en-US" altLang="zh-TW" sz="2000" b="0" dirty="0" smtClean="0"/>
-              <a:t> </a:t>
-            </a:r>
-            <a:r>
-              <a:rPr lang="en-US" altLang="zh-TW" sz="2000" b="0" dirty="0" err="1" smtClean="0"/>
-              <a:t>config</a:t>
-            </a:r>
-            <a:r>
-              <a:rPr lang="en-US" altLang="zh-TW" sz="2000" b="0" dirty="0" smtClean="0"/>
               <a:t> set registry </a:t>
             </a:r>
             <a:r>
@@ -10725,7 +10632,7 @@
       </p:sp>
       <p:pic>
         <p:nvPicPr>
-          <p:cNvPr id="4" name="圖片 3"/>
+          <p:cNvPr id="5" name="圖片 4"/>
           <p:cNvPicPr>
             <a:picLocks noChangeAspect="1"/>
           </p:cNvPicPr>
@@ -10745,14 +10652,123 @@
         </p:blipFill>
         <p:spPr>
           <a:xfrm>
-            <a:off x="1058263" y="2950381"/>
-            <a:ext cx="10075473" cy="843951"/>
+            <a:off x="431100" y="2155110"/>
+            <a:ext cx="11329799" cy="3627588"/>
           </a:xfrm>
           <a:prstGeom prst="rect">
             <a:avLst/>
           </a:prstGeom>
         </p:spPr>
       </p:pic>
+      <p:sp>
+        <p:nvSpPr>
+          <p:cNvPr id="8" name="文字方塊 7"/>
+          <p:cNvSpPr txBox="1"/>
+          <p:nvPr/>
+        </p:nvSpPr>
+        <p:spPr>
+          <a:xfrm>
+            <a:off x="2130265" y="5934615"/>
+            <a:ext cx="7931467" cy="707886"/>
+          </a:xfrm>
+          <a:prstGeom prst="rect">
+            <a:avLst/>
+          </a:prstGeom>
+          <a:noFill/>
+        </p:spPr>
+        <p:txBody>
+          <a:bodyPr wrap="none" rtlCol="0">
+            <a:spAutoFit/>
+          </a:bodyPr>
+          <a:lstStyle/>
+          <a:p>
+            <a:r>
+              <a:rPr lang="en-US" altLang="zh-TW" sz="2000" dirty="0">
+                <a:solidFill>
+                  <a:srgbClr val="FF0000"/>
+                </a:solidFill>
+              </a:rPr>
+              <a:t>An NPM registry is a collection of Node.js </a:t>
+            </a:r>
+            <a:r>
+              <a:rPr lang="en-US" altLang="zh-TW" sz="2000" dirty="0" smtClean="0">
+                <a:solidFill>
+                  <a:srgbClr val="FF0000"/>
+                </a:solidFill>
+              </a:rPr>
+              <a:t>packages and metadata that </a:t>
+            </a:r>
+            <a:r>
+              <a:rPr lang="en-US" altLang="zh-TW" sz="2000" dirty="0">
+                <a:solidFill>
+                  <a:srgbClr val="FF0000"/>
+                </a:solidFill>
+              </a:rPr>
+              <a:t>are </a:t>
+            </a:r>
+            <a:endParaRPr lang="en-US" altLang="zh-TW" sz="2000" dirty="0" smtClean="0">
+              <a:solidFill>
+                <a:srgbClr val="FF0000"/>
+              </a:solidFill>
+            </a:endParaRPr>
+          </a:p>
+          <a:p>
+            <a:r>
+              <a:rPr lang="en-US" altLang="zh-TW" sz="2000" dirty="0" smtClean="0">
+                <a:solidFill>
+                  <a:srgbClr val="FF0000"/>
+                </a:solidFill>
+              </a:rPr>
+              <a:t>primarily </a:t>
+            </a:r>
+            <a:r>
+              <a:rPr lang="en-US" altLang="zh-TW" sz="2000" dirty="0">
+                <a:solidFill>
+                  <a:srgbClr val="FF0000"/>
+                </a:solidFill>
+              </a:rPr>
+              <a:t>accessed </a:t>
+            </a:r>
+            <a:r>
+              <a:rPr lang="en-US" altLang="zh-TW" sz="2000" dirty="0" smtClean="0">
+                <a:solidFill>
+                  <a:srgbClr val="FF0000"/>
+                </a:solidFill>
+              </a:rPr>
+              <a:t>via </a:t>
+            </a:r>
+            <a:r>
+              <a:rPr lang="en-US" altLang="zh-TW" sz="2000" dirty="0">
+                <a:solidFill>
+                  <a:srgbClr val="FF0000"/>
+                </a:solidFill>
+              </a:rPr>
+              <a:t>the </a:t>
+            </a:r>
+            <a:r>
+              <a:rPr lang="en-US" altLang="zh-TW" sz="2000" dirty="0" err="1">
+                <a:solidFill>
+                  <a:srgbClr val="FF0000"/>
+                </a:solidFill>
+              </a:rPr>
+              <a:t>npm</a:t>
+            </a:r>
+            <a:r>
+              <a:rPr lang="en-US" altLang="zh-TW" sz="2000" dirty="0">
+                <a:solidFill>
+                  <a:srgbClr val="FF0000"/>
+                </a:solidFill>
+              </a:rPr>
+              <a:t> command line tool. (blog.packagecloud.io)</a:t>
+            </a:r>
+            <a:endParaRPr lang="zh-TW" altLang="en-US" sz="2000" dirty="0">
+              <a:solidFill>
+                <a:srgbClr val="FF0000"/>
+              </a:solidFill>
+            </a:endParaRPr>
+          </a:p>
+        </p:txBody>
+      </p:sp>
     </p:spTree>
     <p:extLst>
       <p:ext uri="{BB962C8B-B14F-4D97-AF65-F5344CB8AC3E}">
@@ -10807,6 +10823,335 @@
           <a:p>
             <a:r>
               <a:rPr lang="en-US" altLang="zh-TW" dirty="0"/>
+              <a:t>key </a:t>
+            </a:r>
+            <a:r>
+              <a:rPr lang="zh-TW" altLang="en-US" dirty="0"/>
+              <a:t>為 </a:t>
+            </a:r>
+            <a:r>
+              <a:rPr lang="en-US" altLang="zh-TW" dirty="0" smtClean="0"/>
+              <a:t>unique</a:t>
+            </a:r>
+            <a:endParaRPr lang="zh-TW" altLang="en-US" dirty="0"/>
+          </a:p>
+        </p:txBody>
+      </p:sp>
+      <p:sp>
+        <p:nvSpPr>
+          <p:cNvPr id="3" name="內容版面配置區 2"/>
+          <p:cNvSpPr>
+            <a:spLocks noGrp="1"/>
+          </p:cNvSpPr>
+          <p:nvPr>
+            <p:ph idx="1"/>
+          </p:nvPr>
+        </p:nvSpPr>
+        <p:spPr/>
+        <p:txBody>
+          <a:bodyPr/>
+          <a:lstStyle/>
+          <a:p>
+            <a:pPr>
+              <a:lnSpc>
+                <a:spcPct val="150000"/>
+              </a:lnSpc>
+            </a:pPr>
+            <a:r>
+              <a:rPr lang="zh-TW" altLang="en-US" sz="2400" dirty="0" smtClean="0"/>
+              <a:t>綁</a:t>
+            </a:r>
+            <a:r>
+              <a:rPr lang="zh-TW" altLang="en-US" sz="2400" dirty="0" smtClean="0">
+                <a:solidFill>
+                  <a:srgbClr val="FF0000"/>
+                </a:solidFill>
+              </a:rPr>
+              <a:t> </a:t>
+            </a:r>
+            <a:r>
+              <a:rPr lang="en-US" altLang="zh-TW" sz="2400" dirty="0" smtClean="0">
+                <a:solidFill>
+                  <a:srgbClr val="FF0000"/>
+                </a:solidFill>
+              </a:rPr>
+              <a:t>customer.name</a:t>
+            </a:r>
+            <a:r>
+              <a:rPr lang="zh-TW" altLang="en-US" sz="2400" dirty="0" smtClean="0"/>
+              <a:t>，移除 </a:t>
+            </a:r>
+            <a:r>
+              <a:rPr lang="en-US" altLang="zh-TW" sz="2400" dirty="0" smtClean="0"/>
+              <a:t>Amy</a:t>
+            </a:r>
+            <a:r>
+              <a:rPr lang="zh-TW" altLang="en-US" sz="2400" dirty="0" smtClean="0"/>
+              <a:t>，</a:t>
+            </a:r>
+            <a:r>
+              <a:rPr lang="en-US" altLang="zh-TW" sz="2400" dirty="0" smtClean="0"/>
+              <a:t>re-render </a:t>
+            </a:r>
+            <a:r>
+              <a:rPr lang="zh-TW" altLang="en-US" sz="2400" dirty="0" smtClean="0"/>
+              <a:t>時 </a:t>
+            </a:r>
+            <a:r>
+              <a:rPr lang="en-US" altLang="zh-TW" sz="2400" dirty="0" smtClean="0"/>
+              <a:t>VUE</a:t>
+            </a:r>
+            <a:r>
+              <a:rPr lang="zh-TW" altLang="en-US" sz="2400" dirty="0" smtClean="0"/>
+              <a:t> 利用 </a:t>
+            </a:r>
+            <a:r>
+              <a:rPr lang="en-US" altLang="zh-TW" sz="2400" dirty="0" smtClean="0"/>
+              <a:t>key value </a:t>
+            </a:r>
+            <a:r>
+              <a:rPr lang="zh-TW" altLang="en-US" sz="2400" dirty="0" smtClean="0"/>
+              <a:t>跟 </a:t>
+            </a:r>
+            <a:r>
+              <a:rPr lang="en-US" altLang="zh-TW" sz="2400" dirty="0" smtClean="0"/>
+              <a:t>data </a:t>
+            </a:r>
+            <a:r>
+              <a:rPr lang="zh-TW" altLang="en-US" sz="2400" dirty="0" smtClean="0"/>
+              <a:t>做比較，發現 </a:t>
+            </a:r>
+            <a:r>
+              <a:rPr lang="en-US" altLang="zh-TW" sz="2400" dirty="0" smtClean="0"/>
+              <a:t>key value </a:t>
+            </a:r>
+            <a:r>
+              <a:rPr lang="zh-TW" altLang="en-US" sz="2400" dirty="0" smtClean="0"/>
+              <a:t>為 </a:t>
+            </a:r>
+            <a:r>
+              <a:rPr lang="en-US" altLang="zh-TW" sz="2400" dirty="0" smtClean="0"/>
+              <a:t>“Amy” </a:t>
+            </a:r>
+            <a:r>
+              <a:rPr lang="zh-TW" altLang="en-US" sz="2400" dirty="0" smtClean="0"/>
+              <a:t>的已經對應不到 </a:t>
+            </a:r>
+            <a:r>
+              <a:rPr lang="en-US" altLang="zh-TW" sz="2400" dirty="0" smtClean="0"/>
+              <a:t>data </a:t>
+            </a:r>
+            <a:r>
+              <a:rPr lang="zh-TW" altLang="en-US" sz="2400" dirty="0" smtClean="0"/>
+              <a:t>了，所以就把它相對應的 </a:t>
+            </a:r>
+            <a:r>
+              <a:rPr lang="en-US" altLang="zh-TW" sz="2400" dirty="0"/>
+              <a:t>HTML</a:t>
+            </a:r>
+            <a:r>
+              <a:rPr lang="zh-TW" altLang="en-US" sz="2400" dirty="0"/>
+              <a:t> </a:t>
+            </a:r>
+            <a:r>
+              <a:rPr lang="en-US" altLang="zh-TW" sz="2400" dirty="0" smtClean="0"/>
+              <a:t>element</a:t>
+            </a:r>
+            <a:r>
+              <a:rPr lang="zh-TW" altLang="en-US" sz="2400" dirty="0" smtClean="0"/>
+              <a:t> 移除。</a:t>
+            </a:r>
+            <a:r>
+              <a:rPr lang="en-US" altLang="zh-TW" sz="2400" dirty="0" smtClean="0"/>
+              <a:t> </a:t>
+            </a:r>
+            <a:endParaRPr lang="zh-TW" altLang="en-US" dirty="0"/>
+          </a:p>
+        </p:txBody>
+      </p:sp>
+      <p:pic>
+        <p:nvPicPr>
+          <p:cNvPr id="6" name="圖片 5"/>
+          <p:cNvPicPr>
+            <a:picLocks noChangeAspect="1"/>
+          </p:cNvPicPr>
+          <p:nvPr/>
+        </p:nvPicPr>
+        <p:blipFill>
+          <a:blip r:embed="rId2">
+            <a:extLst>
+              <a:ext uri="{28A0092B-C50C-407E-A947-70E740481C1C}">
+                <a14:useLocalDpi xmlns:a14="http://schemas.microsoft.com/office/drawing/2010/main" val="0"/>
+              </a:ext>
+            </a:extLst>
+          </a:blip>
+          <a:stretch>
+            <a:fillRect/>
+          </a:stretch>
+        </p:blipFill>
+        <p:spPr>
+          <a:xfrm>
+            <a:off x="4424840" y="240572"/>
+            <a:ext cx="7282899" cy="1593599"/>
+          </a:xfrm>
+          <a:prstGeom prst="rect">
+            <a:avLst/>
+          </a:prstGeom>
+        </p:spPr>
+      </p:pic>
+      <p:pic>
+        <p:nvPicPr>
+          <p:cNvPr id="8" name="圖片 7"/>
+          <p:cNvPicPr>
+            <a:picLocks noChangeAspect="1"/>
+          </p:cNvPicPr>
+          <p:nvPr/>
+        </p:nvPicPr>
+        <p:blipFill>
+          <a:blip r:embed="rId3">
+            <a:extLst>
+              <a:ext uri="{28A0092B-C50C-407E-A947-70E740481C1C}">
+                <a14:useLocalDpi xmlns:a14="http://schemas.microsoft.com/office/drawing/2010/main" val="0"/>
+              </a:ext>
+            </a:extLst>
+          </a:blip>
+          <a:stretch>
+            <a:fillRect/>
+          </a:stretch>
+        </p:blipFill>
+        <p:spPr>
+          <a:xfrm>
+            <a:off x="6451122" y="4536520"/>
+            <a:ext cx="5079648" cy="1877930"/>
+          </a:xfrm>
+          <a:prstGeom prst="rect">
+            <a:avLst/>
+          </a:prstGeom>
+        </p:spPr>
+      </p:pic>
+      <p:cxnSp>
+        <p:nvCxnSpPr>
+          <p:cNvPr id="10" name="直線單箭頭接點 9"/>
+          <p:cNvCxnSpPr>
+            <a:stCxn id="15" idx="3"/>
+            <a:endCxn id="8" idx="1"/>
+          </p:cNvCxnSpPr>
+          <p:nvPr/>
+        </p:nvCxnSpPr>
+        <p:spPr>
+          <a:xfrm>
+            <a:off x="5709919" y="5142499"/>
+            <a:ext cx="741203" cy="332986"/>
+          </a:xfrm>
+          <a:prstGeom prst="straightConnector1">
+            <a:avLst/>
+          </a:prstGeom>
+          <a:ln w="57150">
+            <a:solidFill>
+              <a:schemeClr val="tx1"/>
+            </a:solidFill>
+            <a:tailEnd type="triangle"/>
+          </a:ln>
+        </p:spPr>
+        <p:style>
+          <a:lnRef idx="1">
+            <a:schemeClr val="accent1"/>
+          </a:lnRef>
+          <a:fillRef idx="0">
+            <a:schemeClr val="accent1"/>
+          </a:fillRef>
+          <a:effectRef idx="0">
+            <a:schemeClr val="accent1"/>
+          </a:effectRef>
+          <a:fontRef idx="minor">
+            <a:schemeClr val="tx1"/>
+          </a:fontRef>
+        </p:style>
+      </p:cxnSp>
+      <p:pic>
+        <p:nvPicPr>
+          <p:cNvPr id="15" name="圖片 14"/>
+          <p:cNvPicPr>
+            <a:picLocks noChangeAspect="1"/>
+          </p:cNvPicPr>
+          <p:nvPr/>
+        </p:nvPicPr>
+        <p:blipFill>
+          <a:blip r:embed="rId4">
+            <a:extLst>
+              <a:ext uri="{28A0092B-C50C-407E-A947-70E740481C1C}">
+                <a14:useLocalDpi xmlns:a14="http://schemas.microsoft.com/office/drawing/2010/main" val="0"/>
+              </a:ext>
+            </a:extLst>
+          </a:blip>
+          <a:stretch>
+            <a:fillRect/>
+          </a:stretch>
+        </p:blipFill>
+        <p:spPr>
+          <a:xfrm>
+            <a:off x="598413" y="3870548"/>
+            <a:ext cx="5111506" cy="2543902"/>
+          </a:xfrm>
+          <a:prstGeom prst="rect">
+            <a:avLst/>
+          </a:prstGeom>
+        </p:spPr>
+      </p:pic>
+    </p:spTree>
+    <p:extLst>
+      <p:ext uri="{BB962C8B-B14F-4D97-AF65-F5344CB8AC3E}">
+        <p14:creationId xmlns:p14="http://schemas.microsoft.com/office/powerpoint/2010/main" val="3765113701"/>
+      </p:ext>
+    </p:extLst>
+  </p:cSld>
+  <p:clrMapOvr>
+    <a:masterClrMapping/>
+  </p:clrMapOvr>
+  <p:timing>
+    <p:tnLst>
+      <p:par>
+        <p:cTn id="1" dur="indefinite" restart="never" nodeType="tmRoot"/>
+      </p:par>
+    </p:tnLst>
+  </p:timing>
+</p:sld>
+</file>
+
+<file path=ppt/slides/slide41.xml><?xml version="1.0" encoding="utf-8"?>
+<p:sld xmlns:a="http://schemas.openxmlformats.org/drawingml/2006/main" xmlns:r="http://schemas.openxmlformats.org/officeDocument/2006/relationships" xmlns:p="http://schemas.openxmlformats.org/presentationml/2006/main">
+  <p:cSld>
+    <p:spTree>
+      <p:nvGrpSpPr>
+        <p:cNvPr id="1" name=""/>
+        <p:cNvGrpSpPr/>
+        <p:nvPr/>
+      </p:nvGrpSpPr>
+      <p:grpSpPr>
+        <a:xfrm>
+          <a:off x="0" y="0"/>
+          <a:ext cx="0" cy="0"/>
+          <a:chOff x="0" y="0"/>
+          <a:chExt cx="0" cy="0"/>
+        </a:xfrm>
+      </p:grpSpPr>
+      <p:sp>
+        <p:nvSpPr>
+          <p:cNvPr id="2" name="標題 1"/>
+          <p:cNvSpPr>
+            <a:spLocks noGrp="1"/>
+          </p:cNvSpPr>
+          <p:nvPr>
+            <p:ph type="title"/>
+          </p:nvPr>
+        </p:nvSpPr>
+        <p:spPr/>
+        <p:txBody>
+          <a:bodyPr/>
+          <a:lstStyle/>
+          <a:p>
+            <a:r>
+              <a:rPr lang="en-US" altLang="zh-TW" dirty="0"/>
               <a:t>k</a:t>
             </a:r>
             <a:r>
@@ -11148,10 +11493,17 @@
   <p:clrMapOvr>
     <a:masterClrMapping/>
   </p:clrMapOvr>
+  <p:timing>
+    <p:tnLst>
+      <p:par>
+        <p:cTn id="1" dur="indefinite" restart="never" nodeType="tmRoot"/>
+      </p:par>
+    </p:tnLst>
+  </p:timing>
 </p:sld>
 </file>
 
-<file path=ppt/slides/slide41.xml><?xml version="1.0" encoding="utf-8"?>
+<file path=ppt/slides/slide42.xml><?xml version="1.0" encoding="utf-8"?>
 <p:sld xmlns:a="http://schemas.openxmlformats.org/drawingml/2006/main" xmlns:r="http://schemas.openxmlformats.org/officeDocument/2006/relationships" xmlns:p="http://schemas.openxmlformats.org/presentationml/2006/main">
   <p:cSld>
     <p:spTree>
@@ -11525,10 +11877,17 @@
   <p:clrMapOvr>
     <a:masterClrMapping/>
   </p:clrMapOvr>
+  <p:timing>
+    <p:tnLst>
+      <p:par>
+        <p:cTn id="1" dur="indefinite" restart="never" nodeType="tmRoot"/>
+      </p:par>
+    </p:tnLst>
+  </p:timing>
 </p:sld>
 </file>
 
-<file path=ppt/slides/slide42.xml><?xml version="1.0" encoding="utf-8"?>
+<file path=ppt/slides/slide43.xml><?xml version="1.0" encoding="utf-8"?>
 <p:sld xmlns:a="http://schemas.openxmlformats.org/drawingml/2006/main" xmlns:r="http://schemas.openxmlformats.org/officeDocument/2006/relationships" xmlns:p="http://schemas.openxmlformats.org/presentationml/2006/main">
   <p:cSld>
     <p:spTree>
@@ -11668,15 +12027,7 @@
           <a:p>
             <a:r>
               <a:rPr lang="en-US" altLang="zh-TW" dirty="0" smtClean="0"/>
-              <a:t>Install </a:t>
-            </a:r>
-            <a:r>
-              <a:rPr lang="en-US" altLang="zh-TW" dirty="0" err="1" smtClean="0"/>
-              <a:t>vue</a:t>
-            </a:r>
-            <a:r>
-              <a:rPr lang="en-US" altLang="zh-TW" dirty="0" smtClean="0"/>
-              <a:t> using </a:t>
+              <a:t>Install vue using </a:t>
             </a:r>
             <a:r>
               <a:rPr lang="en-US" altLang="zh-TW" dirty="0" err="1" smtClean="0"/>
@@ -11685,15 +12036,37 @@
             <a:endParaRPr lang="en-US" altLang="zh-TW" dirty="0" smtClean="0"/>
           </a:p>
           <a:p>
+            <a:pPr marL="0" indent="0">
+              <a:buNone/>
+            </a:pPr>
             <a:endParaRPr lang="en-US" altLang="zh-TW" dirty="0"/>
           </a:p>
           <a:p>
+            <a:pPr marL="0" indent="0">
+              <a:buNone/>
+            </a:pPr>
             <a:endParaRPr lang="en-US" altLang="zh-TW" dirty="0" smtClean="0"/>
           </a:p>
           <a:p>
             <a:r>
               <a:rPr lang="en-US" altLang="zh-TW" dirty="0" smtClean="0"/>
-              <a:t>Edit Environment Variables</a:t>
+              <a:t>Don’t need to edit </a:t>
+            </a:r>
+            <a:r>
+              <a:rPr lang="en-US" altLang="zh-TW" dirty="0"/>
+              <a:t>e</a:t>
+            </a:r>
+            <a:r>
+              <a:rPr lang="en-US" altLang="zh-TW" dirty="0" smtClean="0"/>
+              <a:t>nvironment </a:t>
+            </a:r>
+            <a:r>
+              <a:rPr lang="en-US" altLang="zh-TW" dirty="0"/>
+              <a:t>v</a:t>
+            </a:r>
+            <a:r>
+              <a:rPr lang="en-US" altLang="zh-TW" dirty="0" smtClean="0"/>
+              <a:t>ariables</a:t>
             </a:r>
           </a:p>
           <a:p>
@@ -11754,7 +12127,7 @@
       </p:pic>
       <p:pic>
         <p:nvPicPr>
-          <p:cNvPr id="7" name="圖片 6"/>
+          <p:cNvPr id="8" name="圖片 7"/>
           <p:cNvPicPr>
             <a:picLocks noChangeAspect="1"/>
           </p:cNvPicPr>
@@ -11774,8 +12147,8 @@
         </p:blipFill>
         <p:spPr>
           <a:xfrm>
-            <a:off x="1540345" y="3921513"/>
-            <a:ext cx="4917931" cy="1325604"/>
+            <a:off x="1540345" y="5869067"/>
+            <a:ext cx="4048605" cy="764037"/>
           </a:xfrm>
           <a:prstGeom prst="rect">
             <a:avLst/>
@@ -11784,7 +12157,7 @@
       </p:pic>
       <p:pic>
         <p:nvPicPr>
-          <p:cNvPr id="8" name="圖片 7"/>
+          <p:cNvPr id="4" name="圖片 3"/>
           <p:cNvPicPr>
             <a:picLocks noChangeAspect="1"/>
           </p:cNvPicPr>
@@ -11804,14 +12177,120 @@
         </p:blipFill>
         <p:spPr>
           <a:xfrm>
-            <a:off x="1540345" y="5869067"/>
-            <a:ext cx="4048605" cy="764037"/>
+            <a:off x="1540344" y="3822010"/>
+            <a:ext cx="4347708" cy="1617019"/>
           </a:xfrm>
           <a:prstGeom prst="rect">
             <a:avLst/>
           </a:prstGeom>
         </p:spPr>
       </p:pic>
+      <p:sp>
+        <p:nvSpPr>
+          <p:cNvPr id="5" name="文字方塊 4"/>
+          <p:cNvSpPr txBox="1"/>
+          <p:nvPr/>
+        </p:nvSpPr>
+        <p:spPr>
+          <a:xfrm>
+            <a:off x="5281302" y="2068846"/>
+            <a:ext cx="753732" cy="369332"/>
+          </a:xfrm>
+          <a:prstGeom prst="rect">
+            <a:avLst/>
+          </a:prstGeom>
+          <a:noFill/>
+        </p:spPr>
+        <p:txBody>
+          <a:bodyPr wrap="none" rtlCol="0">
+            <a:spAutoFit/>
+          </a:bodyPr>
+          <a:lstStyle/>
+          <a:p>
+            <a:r>
+              <a:rPr lang="en-US" altLang="zh-TW" dirty="0" smtClean="0">
+                <a:solidFill>
+                  <a:srgbClr val="FF0000"/>
+                </a:solidFill>
+              </a:rPr>
+              <a:t>global</a:t>
+            </a:r>
+            <a:endParaRPr lang="zh-TW" altLang="en-US" dirty="0">
+              <a:solidFill>
+                <a:srgbClr val="FF0000"/>
+              </a:solidFill>
+            </a:endParaRPr>
+          </a:p>
+        </p:txBody>
+      </p:sp>
+      <p:pic>
+        <p:nvPicPr>
+          <p:cNvPr id="9" name="圖片 8"/>
+          <p:cNvPicPr>
+            <a:picLocks noChangeAspect="1"/>
+          </p:cNvPicPr>
+          <p:nvPr/>
+        </p:nvPicPr>
+        <p:blipFill>
+          <a:blip r:embed="rId5">
+            <a:extLst>
+              <a:ext uri="{28A0092B-C50C-407E-A947-70E740481C1C}">
+                <a14:useLocalDpi xmlns:a14="http://schemas.microsoft.com/office/drawing/2010/main" val="0"/>
+              </a:ext>
+            </a:extLst>
+          </a:blip>
+          <a:stretch>
+            <a:fillRect/>
+          </a:stretch>
+        </p:blipFill>
+        <p:spPr>
+          <a:xfrm>
+            <a:off x="5888052" y="365125"/>
+            <a:ext cx="6063616" cy="1514221"/>
+          </a:xfrm>
+          <a:prstGeom prst="rect">
+            <a:avLst/>
+          </a:prstGeom>
+        </p:spPr>
+      </p:pic>
+      <p:cxnSp>
+        <p:nvCxnSpPr>
+          <p:cNvPr id="11" name="直線單箭頭接點 10"/>
+          <p:cNvCxnSpPr>
+            <a:stCxn id="5" idx="0"/>
+          </p:cNvCxnSpPr>
+          <p:nvPr/>
+        </p:nvCxnSpPr>
+        <p:spPr>
+          <a:xfrm flipV="1">
+            <a:off x="5658168" y="1369484"/>
+            <a:ext cx="2255238" cy="699362"/>
+          </a:xfrm>
+          <a:prstGeom prst="straightConnector1">
+            <a:avLst/>
+          </a:prstGeom>
+          <a:ln w="38100">
+            <a:solidFill>
+              <a:srgbClr val="FF0000"/>
+            </a:solidFill>
+            <a:tailEnd type="triangle"/>
+          </a:ln>
+        </p:spPr>
+        <p:style>
+          <a:lnRef idx="1">
+            <a:schemeClr val="accent1"/>
+          </a:lnRef>
+          <a:fillRef idx="0">
+            <a:schemeClr val="accent1"/>
+          </a:fillRef>
+          <a:effectRef idx="0">
+            <a:schemeClr val="accent1"/>
+          </a:effectRef>
+          <a:fontRef idx="minor">
+            <a:schemeClr val="tx1"/>
+          </a:fontRef>
+        </p:style>
+      </p:cxnSp>
     </p:spTree>
     <p:extLst>
       <p:ext uri="{BB962C8B-B14F-4D97-AF65-F5344CB8AC3E}">
@@ -12249,20 +12728,52 @@
           <a:lstStyle/>
           <a:p>
             <a:r>
-              <a:rPr lang="en-US" altLang="zh-TW" dirty="0" smtClean="0"/>
-              <a:t>Vue is a JavaScript framework that allows us to quickly develop </a:t>
-            </a:r>
-            <a:r>
               <a:rPr lang="en-US" altLang="zh-TW" dirty="0" smtClean="0">
                 <a:solidFill>
-                  <a:srgbClr val="FF0000"/>
-                </a:solidFill>
-              </a:rPr>
-              <a:t>single-page applications (SPAs)</a:t>
-            </a:r>
-            <a:endParaRPr lang="zh-TW" altLang="en-US" dirty="0" smtClean="0">
+                  <a:schemeClr val="tx1"/>
+                </a:solidFill>
+              </a:rPr>
+              <a:t>Vue is a JavaScript framework that allows us to </a:t>
+            </a:r>
+            <a:r>
+              <a:rPr lang="en-US" altLang="zh-TW" dirty="0" smtClean="0">
+                <a:solidFill>
+                  <a:srgbClr val="FF0000"/>
+                </a:solidFill>
+              </a:rPr>
+              <a:t>quickly develop </a:t>
+            </a:r>
+            <a:r>
+              <a:rPr lang="en-US" altLang="zh-TW" dirty="0" smtClean="0">
+                <a:solidFill>
+                  <a:schemeClr val="tx1"/>
+                </a:solidFill>
+              </a:rPr>
+              <a:t>single-page applications (SPAs):</a:t>
+            </a:r>
+            <a:r>
+              <a:rPr lang="en-US" altLang="zh-TW" dirty="0" smtClean="0">
+                <a:solidFill>
+                  <a:srgbClr val="FF0000"/>
+                </a:solidFill>
+              </a:rPr>
+              <a:t> </a:t>
+            </a:r>
+            <a:r>
+              <a:rPr lang="en-US" altLang="zh-TW" dirty="0" smtClean="0">
+                <a:solidFill>
+                  <a:schemeClr val="bg1">
+                    <a:lumMod val="50000"/>
+                  </a:schemeClr>
+                </a:solidFill>
+              </a:rPr>
+              <a:t>Update content by AJAX without loading whole new pages from the server.</a:t>
+            </a:r>
+            <a:endParaRPr lang="zh-TW" altLang="en-US" dirty="0">
               <a:solidFill>
-                <a:srgbClr val="FF0000"/>
+                <a:schemeClr val="bg1">
+                  <a:lumMod val="50000"/>
+                </a:schemeClr>
               </a:solidFill>
             </a:endParaRPr>
           </a:p>
@@ -12381,8 +12892,8 @@
           <a:lstStyle/>
           <a:p>
             <a:r>
-              <a:rPr lang="en-US" altLang="zh-TW" dirty="0"/>
-              <a:t>How it Works? </a:t>
+              <a:rPr lang="en-US" altLang="zh-TW" dirty="0" smtClean="0"/>
+              <a:t>Structure</a:t>
             </a:r>
             <a:endParaRPr lang="zh-TW" altLang="en-US" dirty="0"/>
           </a:p>
@@ -12390,68 +12901,135 @@
       </p:sp>
       <p:sp>
         <p:nvSpPr>
-          <p:cNvPr id="3" name="內容版面配置區 2"/>
-          <p:cNvSpPr>
-            <a:spLocks noGrp="1"/>
-          </p:cNvSpPr>
-          <p:nvPr>
-            <p:ph idx="1"/>
-          </p:nvPr>
-        </p:nvSpPr>
-        <p:spPr/>
-        <p:txBody>
-          <a:bodyPr/>
-          <a:lstStyle/>
-          <a:p>
-            <a:r>
-              <a:rPr lang="en-US" altLang="zh-TW" dirty="0" smtClean="0"/>
-              <a:t>Every </a:t>
-            </a:r>
-            <a:r>
-              <a:rPr lang="en-US" altLang="zh-TW" dirty="0"/>
-              <a:t>Vue application starts by creating a new application instance with the </a:t>
-            </a:r>
-            <a:r>
-              <a:rPr lang="en-US" altLang="zh-TW" dirty="0" err="1"/>
-              <a:t>createApp</a:t>
-            </a:r>
-            <a:r>
-              <a:rPr lang="en-US" altLang="zh-TW" dirty="0"/>
-              <a:t> </a:t>
-            </a:r>
-            <a:r>
-              <a:rPr lang="en-US" altLang="zh-TW" dirty="0" smtClean="0"/>
-              <a:t>function. The </a:t>
-            </a:r>
-            <a:r>
-              <a:rPr lang="en-US" altLang="zh-TW" dirty="0"/>
-              <a:t>options passed to </a:t>
-            </a:r>
-            <a:r>
-              <a:rPr lang="en-US" altLang="zh-TW" dirty="0" err="1"/>
-              <a:t>createApp</a:t>
-            </a:r>
-            <a:r>
-              <a:rPr lang="en-US" altLang="zh-TW" dirty="0"/>
-              <a:t> are used to configure the root component. That component is used as the starting point for rendering when we mount the application</a:t>
-            </a:r>
-            <a:r>
-              <a:rPr lang="en-US" altLang="zh-TW" dirty="0" smtClean="0"/>
-              <a:t>. </a:t>
-            </a:r>
-            <a:r>
-              <a:rPr lang="en-US" altLang="zh-TW" dirty="0"/>
-              <a:t>(from vue3 official document)</a:t>
-            </a:r>
-          </a:p>
-          <a:p>
-            <a:endParaRPr lang="zh-TW" altLang="en-US" dirty="0"/>
+          <p:cNvPr id="6" name="文字方塊 5"/>
+          <p:cNvSpPr txBox="1"/>
+          <p:nvPr/>
+        </p:nvSpPr>
+        <p:spPr>
+          <a:xfrm>
+            <a:off x="7075917" y="6185569"/>
+            <a:ext cx="4397101" cy="461665"/>
+          </a:xfrm>
+          <a:prstGeom prst="rect">
+            <a:avLst/>
+          </a:prstGeom>
+          <a:noFill/>
+        </p:spPr>
+        <p:txBody>
+          <a:bodyPr wrap="none" rtlCol="0">
+            <a:spAutoFit/>
+          </a:bodyPr>
+          <a:lstStyle/>
+          <a:p>
+            <a:r>
+              <a:rPr lang="en-US" altLang="zh-TW" sz="2400" dirty="0">
+                <a:solidFill>
+                  <a:srgbClr val="00B0F0"/>
+                </a:solidFill>
+              </a:rPr>
+              <a:t> project properties, dependencies</a:t>
+            </a:r>
+            <a:endParaRPr lang="zh-TW" altLang="en-US" sz="2400" dirty="0">
+              <a:solidFill>
+                <a:srgbClr val="00B0F0"/>
+              </a:solidFill>
+            </a:endParaRPr>
+          </a:p>
+        </p:txBody>
+      </p:sp>
+      <p:sp>
+        <p:nvSpPr>
+          <p:cNvPr id="7" name="文字方塊 6"/>
+          <p:cNvSpPr txBox="1"/>
+          <p:nvPr/>
+        </p:nvSpPr>
+        <p:spPr>
+          <a:xfrm>
+            <a:off x="7075917" y="208820"/>
+            <a:ext cx="1379095" cy="461665"/>
+          </a:xfrm>
+          <a:prstGeom prst="rect">
+            <a:avLst/>
+          </a:prstGeom>
+          <a:noFill/>
+        </p:spPr>
+        <p:txBody>
+          <a:bodyPr wrap="none" rtlCol="0">
+            <a:spAutoFit/>
+          </a:bodyPr>
+          <a:lstStyle/>
+          <a:p>
+            <a:r>
+              <a:rPr lang="en-US" altLang="zh-TW" sz="2400" dirty="0"/>
+              <a:t> </a:t>
+            </a:r>
+            <a:r>
+              <a:rPr lang="en-US" altLang="zh-TW" sz="2400" dirty="0" smtClean="0">
+                <a:solidFill>
+                  <a:srgbClr val="00B0F0"/>
+                </a:solidFill>
+              </a:rPr>
+              <a:t>packages</a:t>
+            </a:r>
+            <a:endParaRPr lang="zh-TW" altLang="en-US" sz="2400" dirty="0">
+              <a:solidFill>
+                <a:srgbClr val="00B0F0"/>
+              </a:solidFill>
+            </a:endParaRPr>
+          </a:p>
+        </p:txBody>
+      </p:sp>
+      <p:sp>
+        <p:nvSpPr>
+          <p:cNvPr id="8" name="文字方塊 7"/>
+          <p:cNvSpPr txBox="1"/>
+          <p:nvPr/>
+        </p:nvSpPr>
+        <p:spPr>
+          <a:xfrm>
+            <a:off x="7075917" y="2432892"/>
+            <a:ext cx="4232505" cy="830997"/>
+          </a:xfrm>
+          <a:prstGeom prst="rect">
+            <a:avLst/>
+          </a:prstGeom>
+          <a:noFill/>
+        </p:spPr>
+        <p:txBody>
+          <a:bodyPr wrap="none" rtlCol="0">
+            <a:spAutoFit/>
+          </a:bodyPr>
+          <a:lstStyle/>
+          <a:p>
+            <a:r>
+              <a:rPr lang="en-US" altLang="zh-TW" sz="2400" dirty="0" smtClean="0">
+                <a:solidFill>
+                  <a:srgbClr val="FF7F27"/>
+                </a:solidFill>
+              </a:rPr>
+              <a:t>vue components </a:t>
+            </a:r>
+          </a:p>
+          <a:p>
+            <a:r>
+              <a:rPr lang="en-US" altLang="zh-TW" sz="2400" dirty="0" smtClean="0">
+                <a:solidFill>
+                  <a:srgbClr val="FF7F27"/>
+                </a:solidFill>
+              </a:rPr>
+              <a:t>(combine HTML, CSS, JavaScript)</a:t>
+            </a:r>
+            <a:endParaRPr lang="zh-TW" altLang="en-US" sz="2400" dirty="0">
+              <a:solidFill>
+                <a:srgbClr val="FF7F27"/>
+              </a:solidFill>
+            </a:endParaRPr>
           </a:p>
         </p:txBody>
       </p:sp>
       <p:pic>
         <p:nvPicPr>
-          <p:cNvPr id="7" name="圖片 6"/>
+          <p:cNvPr id="9" name="圖片 8"/>
           <p:cNvPicPr>
             <a:picLocks noChangeAspect="1"/>
           </p:cNvPicPr>
@@ -12471,18 +13049,191 @@
         </p:blipFill>
         <p:spPr>
           <a:xfrm>
-            <a:off x="3347452" y="4001294"/>
-            <a:ext cx="5497095" cy="2556553"/>
+            <a:off x="4714914" y="243004"/>
+            <a:ext cx="2301181" cy="6404230"/>
           </a:xfrm>
           <a:prstGeom prst="rect">
             <a:avLst/>
           </a:prstGeom>
         </p:spPr>
       </p:pic>
+      <p:sp>
+        <p:nvSpPr>
+          <p:cNvPr id="11" name="文字方塊 10"/>
+          <p:cNvSpPr txBox="1"/>
+          <p:nvPr/>
+        </p:nvSpPr>
+        <p:spPr>
+          <a:xfrm>
+            <a:off x="7075917" y="1320856"/>
+            <a:ext cx="3455241" cy="461665"/>
+          </a:xfrm>
+          <a:prstGeom prst="rect">
+            <a:avLst/>
+          </a:prstGeom>
+          <a:noFill/>
+        </p:spPr>
+        <p:txBody>
+          <a:bodyPr wrap="none" rtlCol="0">
+            <a:spAutoFit/>
+          </a:bodyPr>
+          <a:lstStyle/>
+          <a:p>
+            <a:r>
+              <a:rPr lang="en-US" altLang="zh-TW" sz="2400" dirty="0">
+                <a:solidFill>
+                  <a:srgbClr val="FF0000"/>
+                </a:solidFill>
+              </a:rPr>
+              <a:t> default </a:t>
+            </a:r>
+            <a:r>
+              <a:rPr lang="en-US" altLang="zh-TW" sz="2400" dirty="0" smtClean="0">
+                <a:solidFill>
+                  <a:srgbClr val="FF0000"/>
+                </a:solidFill>
+              </a:rPr>
+              <a:t>page (entry point)</a:t>
+            </a:r>
+            <a:endParaRPr lang="zh-TW" altLang="en-US" sz="2400" dirty="0">
+              <a:solidFill>
+                <a:srgbClr val="FF0000"/>
+              </a:solidFill>
+            </a:endParaRPr>
+          </a:p>
+        </p:txBody>
+      </p:sp>
+      <p:sp>
+        <p:nvSpPr>
+          <p:cNvPr id="16" name="文字方塊 15"/>
+          <p:cNvSpPr txBox="1"/>
+          <p:nvPr/>
+        </p:nvSpPr>
+        <p:spPr>
+          <a:xfrm>
+            <a:off x="7109196" y="3263889"/>
+            <a:ext cx="3421962" cy="830997"/>
+          </a:xfrm>
+          <a:prstGeom prst="rect">
+            <a:avLst/>
+          </a:prstGeom>
+          <a:noFill/>
+        </p:spPr>
+        <p:txBody>
+          <a:bodyPr wrap="none" rtlCol="0">
+            <a:spAutoFit/>
+          </a:bodyPr>
+          <a:lstStyle/>
+          <a:p>
+            <a:r>
+              <a:rPr lang="en-US" altLang="zh-TW" sz="2400" dirty="0">
+                <a:solidFill>
+                  <a:srgbClr val="7030A0"/>
+                </a:solidFill>
+              </a:rPr>
+              <a:t>contains the JavaScript to </a:t>
+            </a:r>
+            <a:endParaRPr lang="en-US" altLang="zh-TW" sz="2400" dirty="0" smtClean="0">
+              <a:solidFill>
+                <a:srgbClr val="7030A0"/>
+              </a:solidFill>
+            </a:endParaRPr>
+          </a:p>
+          <a:p>
+            <a:r>
+              <a:rPr lang="en-US" altLang="zh-TW" sz="2400" dirty="0" smtClean="0">
+                <a:solidFill>
+                  <a:srgbClr val="7030A0"/>
+                </a:solidFill>
+              </a:rPr>
+              <a:t>initialize </a:t>
+            </a:r>
+            <a:r>
+              <a:rPr lang="en-US" altLang="zh-TW" sz="2400" dirty="0">
+                <a:solidFill>
+                  <a:srgbClr val="7030A0"/>
+                </a:solidFill>
+              </a:rPr>
+              <a:t>a Vue app</a:t>
+            </a:r>
+            <a:endParaRPr lang="zh-TW" altLang="en-US" sz="2400" dirty="0">
+              <a:solidFill>
+                <a:srgbClr val="7030A0"/>
+              </a:solidFill>
+            </a:endParaRPr>
+          </a:p>
+        </p:txBody>
+      </p:sp>
+      <p:pic>
+        <p:nvPicPr>
+          <p:cNvPr id="17" name="圖片 16"/>
+          <p:cNvPicPr>
+            <a:picLocks noChangeAspect="1"/>
+          </p:cNvPicPr>
+          <p:nvPr/>
+        </p:nvPicPr>
+        <p:blipFill>
+          <a:blip r:embed="rId3">
+            <a:extLst>
+              <a:ext uri="{28A0092B-C50C-407E-A947-70E740481C1C}">
+                <a14:useLocalDpi xmlns:a14="http://schemas.microsoft.com/office/drawing/2010/main" val="0"/>
+              </a:ext>
+            </a:extLst>
+          </a:blip>
+          <a:stretch>
+            <a:fillRect/>
+          </a:stretch>
+        </p:blipFill>
+        <p:spPr>
+          <a:xfrm>
+            <a:off x="574113" y="1491872"/>
+            <a:ext cx="3544959" cy="4805848"/>
+          </a:xfrm>
+          <a:prstGeom prst="rect">
+            <a:avLst/>
+          </a:prstGeom>
+        </p:spPr>
+      </p:pic>
+      <p:cxnSp>
+        <p:nvCxnSpPr>
+          <p:cNvPr id="19" name="直線單箭頭接點 18"/>
+          <p:cNvCxnSpPr/>
+          <p:nvPr/>
+        </p:nvCxnSpPr>
+        <p:spPr>
+          <a:xfrm flipH="1" flipV="1">
+            <a:off x="1939895" y="1690688"/>
+            <a:ext cx="3161945" cy="1351617"/>
+          </a:xfrm>
+          <a:prstGeom prst="straightConnector1">
+            <a:avLst/>
+          </a:prstGeom>
+          <a:ln w="38100">
+            <a:solidFill>
+              <a:srgbClr val="FF0000"/>
+            </a:solidFill>
+            <a:tailEnd type="triangle"/>
+          </a:ln>
+        </p:spPr>
+        <p:style>
+          <a:lnRef idx="1">
+            <a:schemeClr val="accent1"/>
+          </a:lnRef>
+          <a:fillRef idx="0">
+            <a:schemeClr val="accent1"/>
+          </a:fillRef>
+          <a:effectRef idx="0">
+            <a:schemeClr val="accent1"/>
+          </a:effectRef>
+          <a:fontRef idx="minor">
+            <a:schemeClr val="tx1"/>
+          </a:fontRef>
+        </p:style>
+      </p:cxnSp>
     </p:spTree>
     <p:extLst>
       <p:ext uri="{BB962C8B-B14F-4D97-AF65-F5344CB8AC3E}">
-        <p14:creationId xmlns:p14="http://schemas.microsoft.com/office/powerpoint/2010/main" val="3081459265"/>
+        <p14:creationId xmlns:p14="http://schemas.microsoft.com/office/powerpoint/2010/main" val="499450152"/>
       </p:ext>
     </p:extLst>
   </p:cSld>

--- a/VUE3.pptx
+++ b/VUE3.pptx
@@ -6,9 +6,9 @@
   </p:sldMasterIdLst>
   <p:sldIdLst>
     <p:sldId id="256" r:id="rId2"/>
-    <p:sldId id="261" r:id="rId3"/>
-    <p:sldId id="257" r:id="rId4"/>
-    <p:sldId id="260" r:id="rId5"/>
+    <p:sldId id="313" r:id="rId3"/>
+    <p:sldId id="261" r:id="rId4"/>
+    <p:sldId id="257" r:id="rId5"/>
     <p:sldId id="258" r:id="rId6"/>
     <p:sldId id="259" r:id="rId7"/>
     <p:sldId id="264" r:id="rId8"/>
@@ -285,7 +285,7 @@
           <a:p>
             <a:fld id="{3B772AED-9572-4DC5-BD20-456DDF1F6600}" type="datetimeFigureOut">
               <a:rPr lang="zh-TW" altLang="en-US" smtClean="0"/>
-              <a:t>2021/6/30</a:t>
+              <a:t>2021/7/2</a:t>
             </a:fld>
             <a:endParaRPr lang="zh-TW" altLang="en-US"/>
           </a:p>
@@ -455,7 +455,7 @@
           <a:p>
             <a:fld id="{3B772AED-9572-4DC5-BD20-456DDF1F6600}" type="datetimeFigureOut">
               <a:rPr lang="zh-TW" altLang="en-US" smtClean="0"/>
-              <a:t>2021/6/30</a:t>
+              <a:t>2021/7/2</a:t>
             </a:fld>
             <a:endParaRPr lang="zh-TW" altLang="en-US"/>
           </a:p>
@@ -635,7 +635,7 @@
           <a:p>
             <a:fld id="{3B772AED-9572-4DC5-BD20-456DDF1F6600}" type="datetimeFigureOut">
               <a:rPr lang="zh-TW" altLang="en-US" smtClean="0"/>
-              <a:t>2021/6/30</a:t>
+              <a:t>2021/7/2</a:t>
             </a:fld>
             <a:endParaRPr lang="zh-TW" altLang="en-US"/>
           </a:p>
@@ -805,7 +805,7 @@
           <a:p>
             <a:fld id="{3B772AED-9572-4DC5-BD20-456DDF1F6600}" type="datetimeFigureOut">
               <a:rPr lang="zh-TW" altLang="en-US" smtClean="0"/>
-              <a:t>2021/6/30</a:t>
+              <a:t>2021/7/2</a:t>
             </a:fld>
             <a:endParaRPr lang="zh-TW" altLang="en-US"/>
           </a:p>
@@ -1051,7 +1051,7 @@
           <a:p>
             <a:fld id="{3B772AED-9572-4DC5-BD20-456DDF1F6600}" type="datetimeFigureOut">
               <a:rPr lang="zh-TW" altLang="en-US" smtClean="0"/>
-              <a:t>2021/6/30</a:t>
+              <a:t>2021/7/2</a:t>
             </a:fld>
             <a:endParaRPr lang="zh-TW" altLang="en-US"/>
           </a:p>
@@ -1283,7 +1283,7 @@
           <a:p>
             <a:fld id="{3B772AED-9572-4DC5-BD20-456DDF1F6600}" type="datetimeFigureOut">
               <a:rPr lang="zh-TW" altLang="en-US" smtClean="0"/>
-              <a:t>2021/6/30</a:t>
+              <a:t>2021/7/2</a:t>
             </a:fld>
             <a:endParaRPr lang="zh-TW" altLang="en-US"/>
           </a:p>
@@ -1650,7 +1650,7 @@
           <a:p>
             <a:fld id="{3B772AED-9572-4DC5-BD20-456DDF1F6600}" type="datetimeFigureOut">
               <a:rPr lang="zh-TW" altLang="en-US" smtClean="0"/>
-              <a:t>2021/6/30</a:t>
+              <a:t>2021/7/2</a:t>
             </a:fld>
             <a:endParaRPr lang="zh-TW" altLang="en-US"/>
           </a:p>
@@ -1768,7 +1768,7 @@
           <a:p>
             <a:fld id="{3B772AED-9572-4DC5-BD20-456DDF1F6600}" type="datetimeFigureOut">
               <a:rPr lang="zh-TW" altLang="en-US" smtClean="0"/>
-              <a:t>2021/6/30</a:t>
+              <a:t>2021/7/2</a:t>
             </a:fld>
             <a:endParaRPr lang="zh-TW" altLang="en-US"/>
           </a:p>
@@ -1863,7 +1863,7 @@
           <a:p>
             <a:fld id="{3B772AED-9572-4DC5-BD20-456DDF1F6600}" type="datetimeFigureOut">
               <a:rPr lang="zh-TW" altLang="en-US" smtClean="0"/>
-              <a:t>2021/6/30</a:t>
+              <a:t>2021/7/2</a:t>
             </a:fld>
             <a:endParaRPr lang="zh-TW" altLang="en-US"/>
           </a:p>
@@ -2140,7 +2140,7 @@
           <a:p>
             <a:fld id="{3B772AED-9572-4DC5-BD20-456DDF1F6600}" type="datetimeFigureOut">
               <a:rPr lang="zh-TW" altLang="en-US" smtClean="0"/>
-              <a:t>2021/6/30</a:t>
+              <a:t>2021/7/2</a:t>
             </a:fld>
             <a:endParaRPr lang="zh-TW" altLang="en-US"/>
           </a:p>
@@ -2393,7 +2393,7 @@
           <a:p>
             <a:fld id="{3B772AED-9572-4DC5-BD20-456DDF1F6600}" type="datetimeFigureOut">
               <a:rPr lang="zh-TW" altLang="en-US" smtClean="0"/>
-              <a:t>2021/6/30</a:t>
+              <a:t>2021/7/2</a:t>
             </a:fld>
             <a:endParaRPr lang="zh-TW" altLang="en-US"/>
           </a:p>
@@ -2606,7 +2606,7 @@
           <a:p>
             <a:fld id="{3B772AED-9572-4DC5-BD20-456DDF1F6600}" type="datetimeFigureOut">
               <a:rPr lang="zh-TW" altLang="en-US" smtClean="0"/>
-              <a:t>2021/6/30</a:t>
+              <a:t>2021/7/2</a:t>
             </a:fld>
             <a:endParaRPr lang="zh-TW" altLang="en-US"/>
           </a:p>
@@ -3944,19 +3944,11 @@
           <a:p>
             <a:r>
               <a:rPr lang="en-US" altLang="zh-TW" dirty="0"/>
-              <a:t>Imperative programming is a </a:t>
-            </a:r>
-            <a:r>
-              <a:rPr lang="en-US" altLang="zh-TW" dirty="0"/>
-              <a:t>programming </a:t>
+              <a:t>Imperative programming is a programming </a:t>
             </a:r>
             <a:r>
               <a:rPr lang="en-US" altLang="zh-TW" dirty="0" smtClean="0"/>
-              <a:t>concept </a:t>
-            </a:r>
-            <a:r>
-              <a:rPr lang="en-US" altLang="zh-TW" dirty="0" smtClean="0"/>
-              <a:t>which </a:t>
+              <a:t>concept which </a:t>
             </a:r>
             <a:r>
               <a:rPr lang="en-US" altLang="zh-TW" dirty="0"/>
@@ -4432,29 +4424,99 @@
           <a:p>
             <a:r>
               <a:rPr lang="en-US" altLang="zh-TW" dirty="0" smtClean="0"/>
-              <a:t>Environment Setup</a:t>
+              <a:t>Agenda</a:t>
             </a:r>
             <a:endParaRPr lang="zh-TW" altLang="en-US" dirty="0"/>
+          </a:p>
+        </p:txBody>
+      </p:sp>
+      <p:sp>
+        <p:nvSpPr>
+          <p:cNvPr id="3" name="內容版面配置區 2"/>
+          <p:cNvSpPr>
+            <a:spLocks noGrp="1"/>
+          </p:cNvSpPr>
+          <p:nvPr>
+            <p:ph idx="1"/>
+          </p:nvPr>
+        </p:nvSpPr>
+        <p:spPr/>
+        <p:txBody>
+          <a:bodyPr>
+            <a:normAutofit/>
+          </a:bodyPr>
+          <a:lstStyle/>
+          <a:p>
+            <a:r>
+              <a:rPr lang="en-US" altLang="zh-TW" sz="3200" dirty="0"/>
+              <a:t>Environment </a:t>
+            </a:r>
+            <a:r>
+              <a:rPr lang="en-US" altLang="zh-TW" sz="3200" dirty="0" smtClean="0"/>
+              <a:t>Setup</a:t>
+            </a:r>
+          </a:p>
+          <a:p>
+            <a:r>
+              <a:rPr lang="en-US" altLang="zh-TW" sz="3200" dirty="0"/>
+              <a:t>How </a:t>
+            </a:r>
+            <a:r>
+              <a:rPr lang="en-US" altLang="zh-TW" sz="3200" dirty="0" smtClean="0"/>
+              <a:t>Vue3 </a:t>
+            </a:r>
+            <a:r>
+              <a:rPr lang="en-US" altLang="zh-TW" sz="3200" dirty="0"/>
+              <a:t>Works? </a:t>
+            </a:r>
+            <a:endParaRPr lang="en-US" altLang="zh-TW" sz="3200" dirty="0" smtClean="0"/>
+          </a:p>
+          <a:p>
+            <a:r>
+              <a:rPr lang="en-US" altLang="zh-TW" sz="3200" dirty="0"/>
+              <a:t>Declarative </a:t>
+            </a:r>
+            <a:r>
+              <a:rPr lang="en-US" altLang="zh-TW" sz="3200" dirty="0" smtClean="0"/>
+              <a:t>Rendering</a:t>
+            </a:r>
+          </a:p>
+          <a:p>
+            <a:r>
+              <a:rPr lang="en-US" altLang="zh-TW" sz="3200" dirty="0"/>
+              <a:t>Event </a:t>
+            </a:r>
+            <a:r>
+              <a:rPr lang="en-US" altLang="zh-TW" sz="3200" dirty="0" smtClean="0"/>
+              <a:t>Handling</a:t>
+            </a:r>
+          </a:p>
+          <a:p>
+            <a:r>
+              <a:rPr lang="en-US" altLang="zh-TW" sz="3200" dirty="0"/>
+              <a:t>Reactivity vs. Non-Reactivity</a:t>
+            </a:r>
+            <a:endParaRPr lang="en-US" altLang="zh-TW" sz="3200" dirty="0" smtClean="0"/>
+          </a:p>
+          <a:p>
+            <a:r>
+              <a:rPr lang="en-US" altLang="zh-TW" sz="3200" dirty="0"/>
+              <a:t>Conditionals and Loops</a:t>
+            </a:r>
+            <a:endParaRPr lang="zh-TW" altLang="en-US" sz="3200" dirty="0"/>
           </a:p>
         </p:txBody>
       </p:sp>
     </p:spTree>
     <p:extLst>
       <p:ext uri="{BB962C8B-B14F-4D97-AF65-F5344CB8AC3E}">
-        <p14:creationId xmlns:p14="http://schemas.microsoft.com/office/powerpoint/2010/main" val="1809296915"/>
+        <p14:creationId xmlns:p14="http://schemas.microsoft.com/office/powerpoint/2010/main" val="88444174"/>
       </p:ext>
     </p:extLst>
   </p:cSld>
   <p:clrMapOvr>
     <a:masterClrMapping/>
   </p:clrMapOvr>
-  <p:timing>
-    <p:tnLst>
-      <p:par>
-        <p:cTn id="1" dur="indefinite" restart="never" nodeType="tmRoot"/>
-      </p:par>
-    </p:tnLst>
-  </p:timing>
 </p:sld>
 </file>
 
@@ -6899,231 +6961,16 @@
           <a:p>
             <a:r>
               <a:rPr lang="en-US" altLang="zh-TW" dirty="0" smtClean="0"/>
-              <a:t>Install NPM</a:t>
+              <a:t>Environment Setup</a:t>
             </a:r>
             <a:endParaRPr lang="zh-TW" altLang="en-US" dirty="0"/>
           </a:p>
         </p:txBody>
       </p:sp>
-      <p:sp>
-        <p:nvSpPr>
-          <p:cNvPr id="3" name="內容版面配置區 2"/>
-          <p:cNvSpPr>
-            <a:spLocks noGrp="1"/>
-          </p:cNvSpPr>
-          <p:nvPr>
-            <p:ph idx="1"/>
-          </p:nvPr>
-        </p:nvSpPr>
-        <p:spPr/>
-        <p:txBody>
-          <a:bodyPr/>
-          <a:lstStyle/>
-          <a:p>
-            <a:r>
-              <a:rPr lang="en-US" altLang="zh-TW" dirty="0" smtClean="0"/>
-              <a:t>Download Node.js (</a:t>
-            </a:r>
-            <a:r>
-              <a:rPr lang="en-US" altLang="zh-TW" dirty="0" smtClean="0">
-                <a:hlinkClick r:id="rId2"/>
-              </a:rPr>
-              <a:t>https://nodejs.org/en/download/</a:t>
-            </a:r>
-            <a:r>
-              <a:rPr lang="en-US" altLang="zh-TW" dirty="0" smtClean="0"/>
-              <a:t>)</a:t>
-            </a:r>
-          </a:p>
-          <a:p>
-            <a:endParaRPr lang="en-US" altLang="zh-TW" dirty="0"/>
-          </a:p>
-          <a:p>
-            <a:endParaRPr lang="en-US" altLang="zh-TW" dirty="0" smtClean="0"/>
-          </a:p>
-          <a:p>
-            <a:r>
-              <a:rPr lang="en-US" altLang="zh-TW" dirty="0" smtClean="0"/>
-              <a:t>Edit Environment Variables</a:t>
-            </a:r>
-          </a:p>
-          <a:p>
-            <a:endParaRPr lang="en-US" altLang="zh-TW" dirty="0"/>
-          </a:p>
-          <a:p>
-            <a:endParaRPr lang="en-US" altLang="zh-TW" dirty="0" smtClean="0"/>
-          </a:p>
-          <a:p>
-            <a:r>
-              <a:rPr lang="en-US" altLang="zh-TW" dirty="0" smtClean="0"/>
-              <a:t>Check</a:t>
-            </a:r>
-          </a:p>
-          <a:p>
-            <a:endParaRPr lang="en-US" altLang="zh-TW" dirty="0" smtClean="0"/>
-          </a:p>
-        </p:txBody>
-      </p:sp>
-      <p:pic>
-        <p:nvPicPr>
-          <p:cNvPr id="4" name="圖片 3"/>
-          <p:cNvPicPr>
-            <a:picLocks noChangeAspect="1"/>
-          </p:cNvPicPr>
-          <p:nvPr/>
-        </p:nvPicPr>
-        <p:blipFill>
-          <a:blip r:embed="rId3">
-            <a:extLst>
-              <a:ext uri="{28A0092B-C50C-407E-A947-70E740481C1C}">
-                <a14:useLocalDpi xmlns:a14="http://schemas.microsoft.com/office/drawing/2010/main" val="0"/>
-              </a:ext>
-            </a:extLst>
-          </a:blip>
-          <a:stretch>
-            <a:fillRect/>
-          </a:stretch>
-        </p:blipFill>
-        <p:spPr>
-          <a:xfrm>
-            <a:off x="1420309" y="2536685"/>
-            <a:ext cx="9955138" cy="460734"/>
-          </a:xfrm>
-          <a:prstGeom prst="rect">
-            <a:avLst/>
-          </a:prstGeom>
-        </p:spPr>
-      </p:pic>
-      <p:pic>
-        <p:nvPicPr>
-          <p:cNvPr id="5" name="圖片 4"/>
-          <p:cNvPicPr>
-            <a:picLocks noChangeAspect="1"/>
-          </p:cNvPicPr>
-          <p:nvPr/>
-        </p:nvPicPr>
-        <p:blipFill>
-          <a:blip r:embed="rId4">
-            <a:extLst>
-              <a:ext uri="{28A0092B-C50C-407E-A947-70E740481C1C}">
-                <a14:useLocalDpi xmlns:a14="http://schemas.microsoft.com/office/drawing/2010/main" val="0"/>
-              </a:ext>
-            </a:extLst>
-          </a:blip>
-          <a:stretch>
-            <a:fillRect/>
-          </a:stretch>
-        </p:blipFill>
-        <p:spPr>
-          <a:xfrm>
-            <a:off x="6502736" y="3708479"/>
-            <a:ext cx="4986194" cy="1116817"/>
-          </a:xfrm>
-          <a:prstGeom prst="rect">
-            <a:avLst/>
-          </a:prstGeom>
-        </p:spPr>
-      </p:pic>
-      <p:pic>
-        <p:nvPicPr>
-          <p:cNvPr id="6" name="圖片 5"/>
-          <p:cNvPicPr>
-            <a:picLocks noChangeAspect="1"/>
-          </p:cNvPicPr>
-          <p:nvPr/>
-        </p:nvPicPr>
-        <p:blipFill>
-          <a:blip r:embed="rId5">
-            <a:extLst>
-              <a:ext uri="{28A0092B-C50C-407E-A947-70E740481C1C}">
-                <a14:useLocalDpi xmlns:a14="http://schemas.microsoft.com/office/drawing/2010/main" val="0"/>
-              </a:ext>
-            </a:extLst>
-          </a:blip>
-          <a:stretch>
-            <a:fillRect/>
-          </a:stretch>
-        </p:blipFill>
-        <p:spPr>
-          <a:xfrm>
-            <a:off x="1476594" y="5528349"/>
-            <a:ext cx="4297987" cy="689697"/>
-          </a:xfrm>
-          <a:prstGeom prst="rect">
-            <a:avLst/>
-          </a:prstGeom>
-        </p:spPr>
-      </p:pic>
-      <p:pic>
-        <p:nvPicPr>
-          <p:cNvPr id="7" name="圖片 6"/>
-          <p:cNvPicPr>
-            <a:picLocks noChangeAspect="1"/>
-          </p:cNvPicPr>
-          <p:nvPr/>
-        </p:nvPicPr>
-        <p:blipFill>
-          <a:blip r:embed="rId6">
-            <a:extLst>
-              <a:ext uri="{28A0092B-C50C-407E-A947-70E740481C1C}">
-                <a14:useLocalDpi xmlns:a14="http://schemas.microsoft.com/office/drawing/2010/main" val="0"/>
-              </a:ext>
-            </a:extLst>
-          </a:blip>
-          <a:stretch>
-            <a:fillRect/>
-          </a:stretch>
-        </p:blipFill>
-        <p:spPr>
-          <a:xfrm>
-            <a:off x="1205097" y="3843416"/>
-            <a:ext cx="4930742" cy="981880"/>
-          </a:xfrm>
-          <a:prstGeom prst="rect">
-            <a:avLst/>
-          </a:prstGeom>
-        </p:spPr>
-      </p:pic>
-      <p:cxnSp>
-        <p:nvCxnSpPr>
-          <p:cNvPr id="9" name="直線單箭頭接點 8"/>
-          <p:cNvCxnSpPr>
-            <a:stCxn id="7" idx="3"/>
-            <a:endCxn id="5" idx="1"/>
-          </p:cNvCxnSpPr>
-          <p:nvPr/>
-        </p:nvCxnSpPr>
-        <p:spPr>
-          <a:xfrm flipV="1">
-            <a:off x="6135839" y="4266888"/>
-            <a:ext cx="366897" cy="67468"/>
-          </a:xfrm>
-          <a:prstGeom prst="straightConnector1">
-            <a:avLst/>
-          </a:prstGeom>
-          <a:ln w="57150">
-            <a:tailEnd type="triangle"/>
-          </a:ln>
-        </p:spPr>
-        <p:style>
-          <a:lnRef idx="1">
-            <a:schemeClr val="accent1"/>
-          </a:lnRef>
-          <a:fillRef idx="0">
-            <a:schemeClr val="accent1"/>
-          </a:fillRef>
-          <a:effectRef idx="0">
-            <a:schemeClr val="accent1"/>
-          </a:effectRef>
-          <a:fontRef idx="minor">
-            <a:schemeClr val="tx1"/>
-          </a:fontRef>
-        </p:style>
-      </p:cxnSp>
     </p:spTree>
     <p:extLst>
       <p:ext uri="{BB962C8B-B14F-4D97-AF65-F5344CB8AC3E}">
-        <p14:creationId xmlns:p14="http://schemas.microsoft.com/office/powerpoint/2010/main" val="1152681123"/>
+        <p14:creationId xmlns:p14="http://schemas.microsoft.com/office/powerpoint/2010/main" val="1809296915"/>
       </p:ext>
     </p:extLst>
   </p:cSld>
@@ -8272,23 +8119,7 @@
                   <a:srgbClr val="FF0000"/>
                 </a:solidFill>
               </a:rPr>
-              <a:t>returns a </a:t>
-            </a:r>
-            <a:r>
-              <a:rPr lang="en-US" altLang="zh-TW" sz="2400" dirty="0" smtClean="0">
-                <a:solidFill>
-                  <a:srgbClr val="FF0000"/>
-                </a:solidFill>
-              </a:rPr>
-              <a:t>reactive </a:t>
-            </a:r>
-            <a:r>
-              <a:rPr lang="en-US" altLang="zh-TW" sz="2400" dirty="0" smtClean="0">
-                <a:solidFill>
-                  <a:srgbClr val="FF0000"/>
-                </a:solidFill>
-              </a:rPr>
-              <a:t>ref object.</a:t>
+              <a:t>returns a reactive ref object.</a:t>
             </a:r>
           </a:p>
         </p:txBody>
@@ -9831,7 +9662,7 @@
       </p:sp>
       <p:pic>
         <p:nvPicPr>
-          <p:cNvPr id="5" name="圖片 4"/>
+          <p:cNvPr id="7" name="圖片 6"/>
           <p:cNvPicPr>
             <a:picLocks noChangeAspect="1"/>
           </p:cNvPicPr>
@@ -9851,17 +9682,63 @@
         </p:blipFill>
         <p:spPr>
           <a:xfrm>
-            <a:off x="1407079" y="4252943"/>
-            <a:ext cx="4515311" cy="2199518"/>
+            <a:off x="986648" y="2443367"/>
+            <a:ext cx="10218703" cy="1499894"/>
           </a:xfrm>
           <a:prstGeom prst="rect">
             <a:avLst/>
           </a:prstGeom>
         </p:spPr>
       </p:pic>
+      <p:sp>
+        <p:nvSpPr>
+          <p:cNvPr id="8" name="文字方塊 7"/>
+          <p:cNvSpPr txBox="1"/>
+          <p:nvPr/>
+        </p:nvSpPr>
+        <p:spPr>
+          <a:xfrm>
+            <a:off x="7084463" y="2905570"/>
+            <a:ext cx="3042303" cy="400110"/>
+          </a:xfrm>
+          <a:prstGeom prst="rect">
+            <a:avLst/>
+          </a:prstGeom>
+          <a:noFill/>
+        </p:spPr>
+        <p:txBody>
+          <a:bodyPr wrap="square" rtlCol="0">
+            <a:spAutoFit/>
+          </a:bodyPr>
+          <a:lstStyle/>
+          <a:p>
+            <a:r>
+              <a:rPr lang="zh-TW" altLang="en-US" sz="2000" dirty="0" smtClean="0">
+                <a:solidFill>
+                  <a:srgbClr val="FF0000"/>
+                </a:solidFill>
+              </a:rPr>
+              <a:t>後面解釋 </a:t>
+            </a:r>
+            <a:r>
+              <a:rPr lang="en-US" altLang="zh-TW" sz="2000" dirty="0" smtClean="0">
+                <a:solidFill>
+                  <a:srgbClr val="FF0000"/>
+                </a:solidFill>
+              </a:rPr>
+              <a:t>:key</a:t>
+            </a:r>
+            <a:endParaRPr lang="zh-TW" altLang="en-US" sz="2000" dirty="0">
+              <a:solidFill>
+                <a:srgbClr val="FF0000"/>
+              </a:solidFill>
+            </a:endParaRPr>
+          </a:p>
+        </p:txBody>
+      </p:sp>
       <p:pic>
         <p:nvPicPr>
-          <p:cNvPr id="6" name="圖片 5"/>
+          <p:cNvPr id="4" name="圖片 3"/>
           <p:cNvPicPr>
             <a:picLocks noChangeAspect="1"/>
           </p:cNvPicPr>
@@ -9881,8 +9758,8 @@
         </p:blipFill>
         <p:spPr>
           <a:xfrm>
-            <a:off x="7764855" y="4396654"/>
-            <a:ext cx="1575566" cy="1912095"/>
+            <a:off x="1488604" y="4227598"/>
+            <a:ext cx="5014745" cy="2250206"/>
           </a:xfrm>
           <a:prstGeom prst="rect">
             <a:avLst/>
@@ -9891,7 +9768,7 @@
       </p:pic>
       <p:pic>
         <p:nvPicPr>
-          <p:cNvPr id="7" name="圖片 6"/>
+          <p:cNvPr id="9" name="圖片 8"/>
           <p:cNvPicPr>
             <a:picLocks noChangeAspect="1"/>
           </p:cNvPicPr>
@@ -9911,60 +9788,14 @@
         </p:blipFill>
         <p:spPr>
           <a:xfrm>
-            <a:off x="986648" y="2443367"/>
-            <a:ext cx="10218703" cy="1499894"/>
+            <a:off x="8087917" y="4405464"/>
+            <a:ext cx="1681315" cy="1697880"/>
           </a:xfrm>
           <a:prstGeom prst="rect">
             <a:avLst/>
           </a:prstGeom>
         </p:spPr>
       </p:pic>
-      <p:sp>
-        <p:nvSpPr>
-          <p:cNvPr id="8" name="文字方塊 7"/>
-          <p:cNvSpPr txBox="1"/>
-          <p:nvPr/>
-        </p:nvSpPr>
-        <p:spPr>
-          <a:xfrm>
-            <a:off x="7084463" y="2905570"/>
-            <a:ext cx="3042303" cy="400110"/>
-          </a:xfrm>
-          <a:prstGeom prst="rect">
-            <a:avLst/>
-          </a:prstGeom>
-          <a:noFill/>
-        </p:spPr>
-        <p:txBody>
-          <a:bodyPr wrap="square" rtlCol="0">
-            <a:spAutoFit/>
-          </a:bodyPr>
-          <a:lstStyle/>
-          <a:p>
-            <a:r>
-              <a:rPr lang="zh-TW" altLang="en-US" sz="2000" dirty="0" smtClean="0">
-                <a:solidFill>
-                  <a:srgbClr val="FF0000"/>
-                </a:solidFill>
-              </a:rPr>
-              <a:t>後面解釋 </a:t>
-            </a:r>
-            <a:r>
-              <a:rPr lang="en-US" altLang="zh-TW" sz="2000" dirty="0" smtClean="0">
-                <a:solidFill>
-                  <a:srgbClr val="FF0000"/>
-                </a:solidFill>
-              </a:rPr>
-              <a:t>:key</a:t>
-            </a:r>
-            <a:endParaRPr lang="zh-TW" altLang="en-US" sz="2000" dirty="0">
-              <a:solidFill>
-                <a:srgbClr val="FF0000"/>
-              </a:solidFill>
-            </a:endParaRPr>
-          </a:p>
-        </p:txBody>
-      </p:sp>
     </p:spTree>
     <p:extLst>
       <p:ext uri="{BB962C8B-B14F-4D97-AF65-F5344CB8AC3E}">
@@ -10156,6 +9987,36 @@
           <a:xfrm>
             <a:off x="1347189" y="2720862"/>
             <a:ext cx="9314090" cy="3936312"/>
+          </a:xfrm>
+          <a:prstGeom prst="rect">
+            <a:avLst/>
+          </a:prstGeom>
+        </p:spPr>
+      </p:pic>
+      <p:pic>
+        <p:nvPicPr>
+          <p:cNvPr id="4" name="圖片 3"/>
+          <p:cNvPicPr>
+            <a:picLocks noChangeAspect="1"/>
+          </p:cNvPicPr>
+          <p:nvPr/>
+        </p:nvPicPr>
+        <p:blipFill>
+          <a:blip r:embed="rId3">
+            <a:extLst>
+              <a:ext uri="{28A0092B-C50C-407E-A947-70E740481C1C}">
+                <a14:useLocalDpi xmlns:a14="http://schemas.microsoft.com/office/drawing/2010/main" val="0"/>
+              </a:ext>
+            </a:extLst>
+          </a:blip>
+          <a:stretch>
+            <a:fillRect/>
+          </a:stretch>
+        </p:blipFill>
+        <p:spPr>
+          <a:xfrm>
+            <a:off x="1463694" y="4772056"/>
+            <a:ext cx="9257406" cy="1905239"/>
           </a:xfrm>
           <a:prstGeom prst="rect">
             <a:avLst/>
@@ -10567,7 +10428,7 @@
           <a:p>
             <a:r>
               <a:rPr lang="en-US" altLang="zh-TW" dirty="0" smtClean="0"/>
-              <a:t>Registry Setting</a:t>
+              <a:t>Install NPM</a:t>
             </a:r>
             <a:endParaRPr lang="zh-TW" altLang="en-US" dirty="0"/>
           </a:p>
@@ -10583,56 +10444,58 @@
             <p:ph idx="1"/>
           </p:nvPr>
         </p:nvSpPr>
-        <p:spPr>
-          <a:xfrm>
-            <a:off x="838200" y="1583277"/>
-            <a:ext cx="10515600" cy="4351338"/>
-          </a:xfrm>
-        </p:spPr>
+        <p:spPr/>
         <p:txBody>
           <a:bodyPr/>
           <a:lstStyle/>
           <a:p>
-            <a:pPr marL="228600" lvl="1">
-              <a:spcBef>
-                <a:spcPts val="1000"/>
-              </a:spcBef>
-            </a:pPr>
-            <a:r>
-              <a:rPr lang="en-US" altLang="zh-TW" sz="2000" b="0" dirty="0" err="1" smtClean="0"/>
-              <a:t>npm</a:t>
-            </a:r>
-            <a:r>
-              <a:rPr lang="en-US" altLang="zh-TW" sz="2000" b="0" dirty="0" smtClean="0"/>
-              <a:t> </a:t>
-            </a:r>
-            <a:r>
-              <a:rPr lang="en-US" altLang="zh-TW" sz="2000" b="0" dirty="0" err="1" smtClean="0"/>
-              <a:t>config</a:t>
-            </a:r>
-            <a:r>
-              <a:rPr lang="en-US" altLang="zh-TW" sz="2000" b="0" dirty="0" smtClean="0"/>
-              <a:t> set registry </a:t>
-            </a:r>
-            <a:r>
-              <a:rPr lang="en-US" altLang="zh-TW" sz="2000" b="0" dirty="0" smtClean="0">
+            <a:r>
+              <a:rPr lang="en-US" altLang="zh-TW" dirty="0" smtClean="0"/>
+              <a:t>Download Node.js (</a:t>
+            </a:r>
+            <a:r>
+              <a:rPr lang="en-US" altLang="zh-TW" dirty="0" smtClean="0">
                 <a:hlinkClick r:id="rId2"/>
               </a:rPr>
-              <a:t>https://nexus.testesunbank.com.tw:8443/repository/npm/</a:t>
-            </a:r>
-            <a:endParaRPr lang="en-US" altLang="zh-TW" sz="2000" b="0" dirty="0" smtClean="0"/>
+              <a:t>https://nodejs.org/en/download/</a:t>
+            </a:r>
+            <a:r>
+              <a:rPr lang="en-US" altLang="zh-TW" dirty="0" smtClean="0"/>
+              <a:t>)</a:t>
+            </a:r>
+          </a:p>
+          <a:p>
+            <a:endParaRPr lang="en-US" altLang="zh-TW" dirty="0"/>
           </a:p>
           <a:p>
             <a:endParaRPr lang="en-US" altLang="zh-TW" dirty="0" smtClean="0"/>
           </a:p>
           <a:p>
-            <a:endParaRPr lang="zh-TW" altLang="en-US" dirty="0"/>
+            <a:r>
+              <a:rPr lang="en-US" altLang="zh-TW" dirty="0" smtClean="0"/>
+              <a:t>Edit Environment Variables</a:t>
+            </a:r>
+          </a:p>
+          <a:p>
+            <a:endParaRPr lang="en-US" altLang="zh-TW" dirty="0"/>
+          </a:p>
+          <a:p>
+            <a:endParaRPr lang="en-US" altLang="zh-TW" dirty="0" smtClean="0"/>
+          </a:p>
+          <a:p>
+            <a:r>
+              <a:rPr lang="en-US" altLang="zh-TW" dirty="0" smtClean="0"/>
+              <a:t>Check</a:t>
+            </a:r>
+          </a:p>
+          <a:p>
+            <a:endParaRPr lang="en-US" altLang="zh-TW" dirty="0" smtClean="0"/>
           </a:p>
         </p:txBody>
       </p:sp>
       <p:pic>
         <p:nvPicPr>
-          <p:cNvPr id="5" name="圖片 4"/>
+          <p:cNvPr id="4" name="圖片 3"/>
           <p:cNvPicPr>
             <a:picLocks noChangeAspect="1"/>
           </p:cNvPicPr>
@@ -10652,127 +10515,144 @@
         </p:blipFill>
         <p:spPr>
           <a:xfrm>
-            <a:off x="431100" y="2155110"/>
-            <a:ext cx="11329799" cy="3627588"/>
+            <a:off x="1420309" y="2536685"/>
+            <a:ext cx="9955138" cy="460734"/>
           </a:xfrm>
           <a:prstGeom prst="rect">
             <a:avLst/>
           </a:prstGeom>
         </p:spPr>
       </p:pic>
-      <p:sp>
-        <p:nvSpPr>
-          <p:cNvPr id="8" name="文字方塊 7"/>
-          <p:cNvSpPr txBox="1"/>
+      <p:pic>
+        <p:nvPicPr>
+          <p:cNvPr id="5" name="圖片 4"/>
+          <p:cNvPicPr>
+            <a:picLocks noChangeAspect="1"/>
+          </p:cNvPicPr>
           <p:nvPr/>
-        </p:nvSpPr>
-        <p:spPr>
-          <a:xfrm>
-            <a:off x="2130265" y="5934615"/>
-            <a:ext cx="7931467" cy="707886"/>
+        </p:nvPicPr>
+        <p:blipFill>
+          <a:blip r:embed="rId4">
+            <a:extLst>
+              <a:ext uri="{28A0092B-C50C-407E-A947-70E740481C1C}">
+                <a14:useLocalDpi xmlns:a14="http://schemas.microsoft.com/office/drawing/2010/main" val="0"/>
+              </a:ext>
+            </a:extLst>
+          </a:blip>
+          <a:stretch>
+            <a:fillRect/>
+          </a:stretch>
+        </p:blipFill>
+        <p:spPr>
+          <a:xfrm>
+            <a:off x="6502736" y="3708479"/>
+            <a:ext cx="4986194" cy="1116817"/>
           </a:xfrm>
           <a:prstGeom prst="rect">
             <a:avLst/>
           </a:prstGeom>
-          <a:noFill/>
-        </p:spPr>
-        <p:txBody>
-          <a:bodyPr wrap="none" rtlCol="0">
-            <a:spAutoFit/>
-          </a:bodyPr>
-          <a:lstStyle/>
-          <a:p>
-            <a:r>
-              <a:rPr lang="en-US" altLang="zh-TW" sz="2000" dirty="0">
-                <a:solidFill>
-                  <a:srgbClr val="FF0000"/>
-                </a:solidFill>
-              </a:rPr>
-              <a:t>An NPM registry is a collection of Node.js </a:t>
-            </a:r>
-            <a:r>
-              <a:rPr lang="en-US" altLang="zh-TW" sz="2000" dirty="0" smtClean="0">
-                <a:solidFill>
-                  <a:srgbClr val="FF0000"/>
-                </a:solidFill>
-              </a:rPr>
-              <a:t>packages and metadata that </a:t>
-            </a:r>
-            <a:r>
-              <a:rPr lang="en-US" altLang="zh-TW" sz="2000" dirty="0">
-                <a:solidFill>
-                  <a:srgbClr val="FF0000"/>
-                </a:solidFill>
-              </a:rPr>
-              <a:t>are </a:t>
-            </a:r>
-            <a:endParaRPr lang="en-US" altLang="zh-TW" sz="2000" dirty="0" smtClean="0">
-              <a:solidFill>
-                <a:srgbClr val="FF0000"/>
-              </a:solidFill>
-            </a:endParaRPr>
-          </a:p>
-          <a:p>
-            <a:r>
-              <a:rPr lang="en-US" altLang="zh-TW" sz="2000" dirty="0" smtClean="0">
-                <a:solidFill>
-                  <a:srgbClr val="FF0000"/>
-                </a:solidFill>
-              </a:rPr>
-              <a:t>primarily </a:t>
-            </a:r>
-            <a:r>
-              <a:rPr lang="en-US" altLang="zh-TW" sz="2000" dirty="0">
-                <a:solidFill>
-                  <a:srgbClr val="FF0000"/>
-                </a:solidFill>
-              </a:rPr>
-              <a:t>accessed </a:t>
-            </a:r>
-            <a:r>
-              <a:rPr lang="en-US" altLang="zh-TW" sz="2000" dirty="0" smtClean="0">
-                <a:solidFill>
-                  <a:srgbClr val="FF0000"/>
-                </a:solidFill>
-              </a:rPr>
-              <a:t>via </a:t>
-            </a:r>
-            <a:r>
-              <a:rPr lang="en-US" altLang="zh-TW" sz="2000" dirty="0">
-                <a:solidFill>
-                  <a:srgbClr val="FF0000"/>
-                </a:solidFill>
-              </a:rPr>
-              <a:t>the </a:t>
-            </a:r>
-            <a:r>
-              <a:rPr lang="en-US" altLang="zh-TW" sz="2000" dirty="0" err="1">
-                <a:solidFill>
-                  <a:srgbClr val="FF0000"/>
-                </a:solidFill>
-              </a:rPr>
-              <a:t>npm</a:t>
-            </a:r>
-            <a:r>
-              <a:rPr lang="en-US" altLang="zh-TW" sz="2000" dirty="0">
-                <a:solidFill>
-                  <a:srgbClr val="FF0000"/>
-                </a:solidFill>
-              </a:rPr>
-              <a:t> command line tool. (blog.packagecloud.io)</a:t>
-            </a:r>
-            <a:endParaRPr lang="zh-TW" altLang="en-US" sz="2000" dirty="0">
-              <a:solidFill>
-                <a:srgbClr val="FF0000"/>
-              </a:solidFill>
-            </a:endParaRPr>
-          </a:p>
-        </p:txBody>
-      </p:sp>
+        </p:spPr>
+      </p:pic>
+      <p:pic>
+        <p:nvPicPr>
+          <p:cNvPr id="6" name="圖片 5"/>
+          <p:cNvPicPr>
+            <a:picLocks noChangeAspect="1"/>
+          </p:cNvPicPr>
+          <p:nvPr/>
+        </p:nvPicPr>
+        <p:blipFill>
+          <a:blip r:embed="rId5">
+            <a:extLst>
+              <a:ext uri="{28A0092B-C50C-407E-A947-70E740481C1C}">
+                <a14:useLocalDpi xmlns:a14="http://schemas.microsoft.com/office/drawing/2010/main" val="0"/>
+              </a:ext>
+            </a:extLst>
+          </a:blip>
+          <a:stretch>
+            <a:fillRect/>
+          </a:stretch>
+        </p:blipFill>
+        <p:spPr>
+          <a:xfrm>
+            <a:off x="1476594" y="5528349"/>
+            <a:ext cx="4297987" cy="689697"/>
+          </a:xfrm>
+          <a:prstGeom prst="rect">
+            <a:avLst/>
+          </a:prstGeom>
+        </p:spPr>
+      </p:pic>
+      <p:pic>
+        <p:nvPicPr>
+          <p:cNvPr id="7" name="圖片 6"/>
+          <p:cNvPicPr>
+            <a:picLocks noChangeAspect="1"/>
+          </p:cNvPicPr>
+          <p:nvPr/>
+        </p:nvPicPr>
+        <p:blipFill>
+          <a:blip r:embed="rId6">
+            <a:extLst>
+              <a:ext uri="{28A0092B-C50C-407E-A947-70E740481C1C}">
+                <a14:useLocalDpi xmlns:a14="http://schemas.microsoft.com/office/drawing/2010/main" val="0"/>
+              </a:ext>
+            </a:extLst>
+          </a:blip>
+          <a:stretch>
+            <a:fillRect/>
+          </a:stretch>
+        </p:blipFill>
+        <p:spPr>
+          <a:xfrm>
+            <a:off x="1205097" y="3843416"/>
+            <a:ext cx="4930742" cy="981880"/>
+          </a:xfrm>
+          <a:prstGeom prst="rect">
+            <a:avLst/>
+          </a:prstGeom>
+        </p:spPr>
+      </p:pic>
+      <p:cxnSp>
+        <p:nvCxnSpPr>
+          <p:cNvPr id="9" name="直線單箭頭接點 8"/>
+          <p:cNvCxnSpPr>
+            <a:stCxn id="7" idx="3"/>
+            <a:endCxn id="5" idx="1"/>
+          </p:cNvCxnSpPr>
+          <p:nvPr/>
+        </p:nvCxnSpPr>
+        <p:spPr>
+          <a:xfrm flipV="1">
+            <a:off x="6135839" y="4266888"/>
+            <a:ext cx="366897" cy="67468"/>
+          </a:xfrm>
+          <a:prstGeom prst="straightConnector1">
+            <a:avLst/>
+          </a:prstGeom>
+          <a:ln w="57150">
+            <a:tailEnd type="triangle"/>
+          </a:ln>
+        </p:spPr>
+        <p:style>
+          <a:lnRef idx="1">
+            <a:schemeClr val="accent1"/>
+          </a:lnRef>
+          <a:fillRef idx="0">
+            <a:schemeClr val="accent1"/>
+          </a:fillRef>
+          <a:effectRef idx="0">
+            <a:schemeClr val="accent1"/>
+          </a:effectRef>
+          <a:fontRef idx="minor">
+            <a:schemeClr val="tx1"/>
+          </a:fontRef>
+        </p:style>
+      </p:cxnSp>
     </p:spTree>
     <p:extLst>
       <p:ext uri="{BB962C8B-B14F-4D97-AF65-F5344CB8AC3E}">
-        <p14:creationId xmlns:p14="http://schemas.microsoft.com/office/powerpoint/2010/main" val="1527055721"/>
+        <p14:creationId xmlns:p14="http://schemas.microsoft.com/office/powerpoint/2010/main" val="1152681123"/>
       </p:ext>
     </p:extLst>
   </p:cSld>
